--- a/Second Review.pptx
+++ b/Second Review.pptx
@@ -10,6 +10,7 @@
     <p:sldId id="272" r:id="rId4"/>
     <p:sldId id="273" r:id="rId5"/>
     <p:sldId id="274" r:id="rId6"/>
+    <p:sldId id="275" r:id="rId7"/>
   </p:sldIdLst>
   <p:sldSz cx="12192000" cy="6858000"/>
   <p:notesSz cx="6858000" cy="9144000"/>
@@ -108,6 +109,11 @@
       </a:defRPr>
     </a:lvl9pPr>
   </p:defaultTextStyle>
+  <p:extLst>
+    <p:ext uri="{EFAFB233-063F-42B5-8137-9DF3F51BA10A}">
+      <p15:sldGuideLst xmlns:p15="http://schemas.microsoft.com/office/powerpoint/2012/main"/>
+    </p:ext>
+  </p:extLst>
 </p:presentation>
 </file>
 
@@ -260,7 +266,7 @@
           <a:p>
             <a:fld id="{DCCAE1B6-65EC-4200-8396-EE3D641E8B1D}" type="datetimeFigureOut">
               <a:rPr lang="en-IN" smtClean="0"/>
-              <a:t>08-11-2023</a:t>
+              <a:t>09-11-2023</a:t>
             </a:fld>
             <a:endParaRPr lang="en-IN"/>
           </a:p>
@@ -460,7 +466,7 @@
           <a:p>
             <a:fld id="{DCCAE1B6-65EC-4200-8396-EE3D641E8B1D}" type="datetimeFigureOut">
               <a:rPr lang="en-IN" smtClean="0"/>
-              <a:t>08-11-2023</a:t>
+              <a:t>09-11-2023</a:t>
             </a:fld>
             <a:endParaRPr lang="en-IN"/>
           </a:p>
@@ -670,7 +676,7 @@
           <a:p>
             <a:fld id="{DCCAE1B6-65EC-4200-8396-EE3D641E8B1D}" type="datetimeFigureOut">
               <a:rPr lang="en-IN" smtClean="0"/>
-              <a:t>08-11-2023</a:t>
+              <a:t>09-11-2023</a:t>
             </a:fld>
             <a:endParaRPr lang="en-IN"/>
           </a:p>
@@ -935,7 +941,7 @@
           <a:p>
             <a:fld id="{DCCAE1B6-65EC-4200-8396-EE3D641E8B1D}" type="datetimeFigureOut">
               <a:rPr lang="en-IN" smtClean="0"/>
-              <a:t>08-11-2023</a:t>
+              <a:t>09-11-2023</a:t>
             </a:fld>
             <a:endParaRPr lang="en-IN"/>
           </a:p>
@@ -1211,7 +1217,7 @@
           <a:p>
             <a:fld id="{DCCAE1B6-65EC-4200-8396-EE3D641E8B1D}" type="datetimeFigureOut">
               <a:rPr lang="en-IN" smtClean="0"/>
-              <a:t>08-11-2023</a:t>
+              <a:t>09-11-2023</a:t>
             </a:fld>
             <a:endParaRPr lang="en-IN"/>
           </a:p>
@@ -1479,7 +1485,7 @@
           <a:p>
             <a:fld id="{DCCAE1B6-65EC-4200-8396-EE3D641E8B1D}" type="datetimeFigureOut">
               <a:rPr lang="en-IN" smtClean="0"/>
-              <a:t>08-11-2023</a:t>
+              <a:t>09-11-2023</a:t>
             </a:fld>
             <a:endParaRPr lang="en-IN"/>
           </a:p>
@@ -1894,7 +1900,7 @@
           <a:p>
             <a:fld id="{DCCAE1B6-65EC-4200-8396-EE3D641E8B1D}" type="datetimeFigureOut">
               <a:rPr lang="en-IN" smtClean="0"/>
-              <a:t>08-11-2023</a:t>
+              <a:t>09-11-2023</a:t>
             </a:fld>
             <a:endParaRPr lang="en-IN"/>
           </a:p>
@@ -2036,7 +2042,7 @@
           <a:p>
             <a:fld id="{DCCAE1B6-65EC-4200-8396-EE3D641E8B1D}" type="datetimeFigureOut">
               <a:rPr lang="en-IN" smtClean="0"/>
-              <a:t>08-11-2023</a:t>
+              <a:t>09-11-2023</a:t>
             </a:fld>
             <a:endParaRPr lang="en-IN"/>
           </a:p>
@@ -2149,7 +2155,7 @@
           <a:p>
             <a:fld id="{DCCAE1B6-65EC-4200-8396-EE3D641E8B1D}" type="datetimeFigureOut">
               <a:rPr lang="en-IN" smtClean="0"/>
-              <a:t>08-11-2023</a:t>
+              <a:t>09-11-2023</a:t>
             </a:fld>
             <a:endParaRPr lang="en-IN"/>
           </a:p>
@@ -2462,7 +2468,7 @@
           <a:p>
             <a:fld id="{DCCAE1B6-65EC-4200-8396-EE3D641E8B1D}" type="datetimeFigureOut">
               <a:rPr lang="en-IN" smtClean="0"/>
-              <a:t>08-11-2023</a:t>
+              <a:t>09-11-2023</a:t>
             </a:fld>
             <a:endParaRPr lang="en-IN"/>
           </a:p>
@@ -2751,7 +2757,7 @@
           <a:p>
             <a:fld id="{DCCAE1B6-65EC-4200-8396-EE3D641E8B1D}" type="datetimeFigureOut">
               <a:rPr lang="en-IN" smtClean="0"/>
-              <a:t>08-11-2023</a:t>
+              <a:t>09-11-2023</a:t>
             </a:fld>
             <a:endParaRPr lang="en-IN"/>
           </a:p>
@@ -2994,7 +3000,7 @@
           <a:p>
             <a:fld id="{DCCAE1B6-65EC-4200-8396-EE3D641E8B1D}" type="datetimeFigureOut">
               <a:rPr lang="en-IN" smtClean="0"/>
-              <a:t>08-11-2023</a:t>
+              <a:t>09-11-2023</a:t>
             </a:fld>
             <a:endParaRPr lang="en-IN"/>
           </a:p>
@@ -3811,13 +3817,13 @@
   <p:clrMapOvr>
     <a:masterClrMapping/>
   </p:clrMapOvr>
-  <mc:AlternateContent xmlns:mc="http://schemas.openxmlformats.org/markup-compatibility/2006">
-    <mc:Choice xmlns:p14="http://schemas.microsoft.com/office/powerpoint/2010/main" Requires="p14">
+  <mc:AlternateContent xmlns:mc="http://schemas.openxmlformats.org/markup-compatibility/2006" xmlns:p14="http://schemas.microsoft.com/office/powerpoint/2010/main">
+    <mc:Choice Requires="p14">
       <p:transition spd="slow" p14:dur="3400">
         <p14:reveal/>
       </p:transition>
     </mc:Choice>
-    <mc:Fallback>
+    <mc:Fallback xmlns="">
       <p:transition spd="slow">
         <p:fade/>
       </p:transition>
@@ -4017,13 +4023,13 @@
   <p:clrMapOvr>
     <a:masterClrMapping/>
   </p:clrMapOvr>
-  <mc:AlternateContent xmlns:mc="http://schemas.openxmlformats.org/markup-compatibility/2006">
-    <mc:Choice xmlns:p159="http://schemas.microsoft.com/office/powerpoint/2015/09/main" Requires="p159">
+  <mc:AlternateContent xmlns:mc="http://schemas.openxmlformats.org/markup-compatibility/2006" xmlns:p159="http://schemas.microsoft.com/office/powerpoint/2015/09/main">
+    <mc:Choice Requires="p159">
       <p:transition xmlns:p14="http://schemas.microsoft.com/office/powerpoint/2010/main" spd="slow" p14:dur="2000">
         <p159:morph option="byObject"/>
       </p:transition>
     </mc:Choice>
-    <mc:Fallback>
+    <mc:Fallback xmlns="">
       <p:transition spd="slow">
         <p:fade/>
       </p:transition>
@@ -4235,13 +4241,13 @@
   <p:clrMapOvr>
     <a:masterClrMapping/>
   </p:clrMapOvr>
-  <mc:AlternateContent xmlns:mc="http://schemas.openxmlformats.org/markup-compatibility/2006">
-    <mc:Choice xmlns:p159="http://schemas.microsoft.com/office/powerpoint/2015/09/main" Requires="p159">
+  <mc:AlternateContent xmlns:mc="http://schemas.openxmlformats.org/markup-compatibility/2006" xmlns:p159="http://schemas.microsoft.com/office/powerpoint/2015/09/main">
+    <mc:Choice Requires="p159">
       <p:transition xmlns:p14="http://schemas.microsoft.com/office/powerpoint/2010/main" spd="slow" p14:dur="2000">
         <p159:morph option="byObject"/>
       </p:transition>
     </mc:Choice>
-    <mc:Fallback>
+    <mc:Fallback xmlns="">
       <p:transition spd="slow">
         <p:fade/>
       </p:transition>
@@ -4453,13 +4459,13 @@
   <p:clrMapOvr>
     <a:masterClrMapping/>
   </p:clrMapOvr>
-  <mc:AlternateContent xmlns:mc="http://schemas.openxmlformats.org/markup-compatibility/2006">
-    <mc:Choice xmlns:p159="http://schemas.microsoft.com/office/powerpoint/2015/09/main" Requires="p159">
+  <mc:AlternateContent xmlns:mc="http://schemas.openxmlformats.org/markup-compatibility/2006" xmlns:p159="http://schemas.microsoft.com/office/powerpoint/2015/09/main">
+    <mc:Choice Requires="p159">
       <p:transition spd="slow">
         <p159:morph option="byObject"/>
       </p:transition>
     </mc:Choice>
-    <mc:Fallback>
+    <mc:Fallback xmlns="">
       <p:transition spd="slow">
         <p:fade/>
       </p:transition>
@@ -5754,6 +5760,268 @@
           </a:fontRef>
         </p:style>
       </p:cxnSp>
+      <p:cxnSp>
+        <p:nvCxnSpPr>
+          <p:cNvPr id="25" name="Straight Arrow Connector 24">
+            <a:extLst>
+              <a:ext uri="{FF2B5EF4-FFF2-40B4-BE49-F238E27FC236}">
+                <a16:creationId xmlns:a16="http://schemas.microsoft.com/office/drawing/2014/main" id="{7157A420-2A25-1D65-0F42-7A824C35C7F6}"/>
+              </a:ext>
+            </a:extLst>
+          </p:cNvPr>
+          <p:cNvCxnSpPr>
+            <a:endCxn id="6" idx="6"/>
+          </p:cNvCxnSpPr>
+          <p:nvPr/>
+        </p:nvCxnSpPr>
+        <p:spPr>
+          <a:xfrm flipH="1" flipV="1">
+            <a:off x="3326296" y="1718460"/>
+            <a:ext cx="1762538" cy="2197557"/>
+          </a:xfrm>
+          <a:prstGeom prst="straightConnector1">
+            <a:avLst/>
+          </a:prstGeom>
+          <a:ln w="9525">
+            <a:solidFill>
+              <a:schemeClr val="bg1"/>
+            </a:solidFill>
+            <a:tailEnd type="triangle"/>
+          </a:ln>
+        </p:spPr>
+        <p:style>
+          <a:lnRef idx="1">
+            <a:schemeClr val="accent1"/>
+          </a:lnRef>
+          <a:fillRef idx="0">
+            <a:schemeClr val="accent1"/>
+          </a:fillRef>
+          <a:effectRef idx="0">
+            <a:schemeClr val="accent1"/>
+          </a:effectRef>
+          <a:fontRef idx="minor">
+            <a:schemeClr val="tx1"/>
+          </a:fontRef>
+        </p:style>
+      </p:cxnSp>
+      <p:cxnSp>
+        <p:nvCxnSpPr>
+          <p:cNvPr id="28" name="Straight Arrow Connector 27">
+            <a:extLst>
+              <a:ext uri="{FF2B5EF4-FFF2-40B4-BE49-F238E27FC236}">
+                <a16:creationId xmlns:a16="http://schemas.microsoft.com/office/drawing/2014/main" id="{0F4CA66C-E93E-FF14-6FD6-610F56289C14}"/>
+              </a:ext>
+            </a:extLst>
+          </p:cNvPr>
+          <p:cNvCxnSpPr>
+            <a:endCxn id="8" idx="6"/>
+          </p:cNvCxnSpPr>
+          <p:nvPr/>
+        </p:nvCxnSpPr>
+        <p:spPr>
+          <a:xfrm flipH="1" flipV="1">
+            <a:off x="3326296" y="2612982"/>
+            <a:ext cx="1762538" cy="1350301"/>
+          </a:xfrm>
+          <a:prstGeom prst="straightConnector1">
+            <a:avLst/>
+          </a:prstGeom>
+          <a:ln w="9525">
+            <a:solidFill>
+              <a:schemeClr val="bg1"/>
+            </a:solidFill>
+            <a:tailEnd type="triangle"/>
+          </a:ln>
+        </p:spPr>
+        <p:style>
+          <a:lnRef idx="1">
+            <a:schemeClr val="accent1"/>
+          </a:lnRef>
+          <a:fillRef idx="0">
+            <a:schemeClr val="accent1"/>
+          </a:fillRef>
+          <a:effectRef idx="0">
+            <a:schemeClr val="accent1"/>
+          </a:effectRef>
+          <a:fontRef idx="minor">
+            <a:schemeClr val="tx1"/>
+          </a:fontRef>
+        </p:style>
+      </p:cxnSp>
+      <p:cxnSp>
+        <p:nvCxnSpPr>
+          <p:cNvPr id="31" name="Straight Arrow Connector 30">
+            <a:extLst>
+              <a:ext uri="{FF2B5EF4-FFF2-40B4-BE49-F238E27FC236}">
+                <a16:creationId xmlns:a16="http://schemas.microsoft.com/office/drawing/2014/main" id="{41043A28-0A4E-4F66-2765-150E9F1297F2}"/>
+              </a:ext>
+            </a:extLst>
+          </p:cNvPr>
+          <p:cNvCxnSpPr>
+            <a:endCxn id="10" idx="6"/>
+          </p:cNvCxnSpPr>
+          <p:nvPr/>
+        </p:nvCxnSpPr>
+        <p:spPr>
+          <a:xfrm flipH="1" flipV="1">
+            <a:off x="3326296" y="3507504"/>
+            <a:ext cx="1762538" cy="455779"/>
+          </a:xfrm>
+          <a:prstGeom prst="straightConnector1">
+            <a:avLst/>
+          </a:prstGeom>
+          <a:ln w="9525">
+            <a:solidFill>
+              <a:schemeClr val="bg1"/>
+            </a:solidFill>
+            <a:tailEnd type="triangle"/>
+          </a:ln>
+        </p:spPr>
+        <p:style>
+          <a:lnRef idx="1">
+            <a:schemeClr val="accent1"/>
+          </a:lnRef>
+          <a:fillRef idx="0">
+            <a:schemeClr val="accent1"/>
+          </a:fillRef>
+          <a:effectRef idx="0">
+            <a:schemeClr val="accent1"/>
+          </a:effectRef>
+          <a:fontRef idx="minor">
+            <a:schemeClr val="tx1"/>
+          </a:fontRef>
+        </p:style>
+      </p:cxnSp>
+      <p:cxnSp>
+        <p:nvCxnSpPr>
+          <p:cNvPr id="35" name="Straight Arrow Connector 34">
+            <a:extLst>
+              <a:ext uri="{FF2B5EF4-FFF2-40B4-BE49-F238E27FC236}">
+                <a16:creationId xmlns:a16="http://schemas.microsoft.com/office/drawing/2014/main" id="{89713D0B-D6D0-4B9B-3B77-734FC0095295}"/>
+              </a:ext>
+            </a:extLst>
+          </p:cNvPr>
+          <p:cNvCxnSpPr>
+            <a:endCxn id="11" idx="6"/>
+          </p:cNvCxnSpPr>
+          <p:nvPr/>
+        </p:nvCxnSpPr>
+        <p:spPr>
+          <a:xfrm flipH="1">
+            <a:off x="3326296" y="3963283"/>
+            <a:ext cx="1762538" cy="438743"/>
+          </a:xfrm>
+          <a:prstGeom prst="straightConnector1">
+            <a:avLst/>
+          </a:prstGeom>
+          <a:ln w="9525">
+            <a:solidFill>
+              <a:schemeClr val="bg1"/>
+            </a:solidFill>
+            <a:tailEnd type="triangle"/>
+          </a:ln>
+        </p:spPr>
+        <p:style>
+          <a:lnRef idx="1">
+            <a:schemeClr val="accent1"/>
+          </a:lnRef>
+          <a:fillRef idx="0">
+            <a:schemeClr val="accent1"/>
+          </a:fillRef>
+          <a:effectRef idx="0">
+            <a:schemeClr val="accent1"/>
+          </a:effectRef>
+          <a:fontRef idx="minor">
+            <a:schemeClr val="tx1"/>
+          </a:fontRef>
+        </p:style>
+      </p:cxnSp>
+      <p:cxnSp>
+        <p:nvCxnSpPr>
+          <p:cNvPr id="39" name="Straight Arrow Connector 38">
+            <a:extLst>
+              <a:ext uri="{FF2B5EF4-FFF2-40B4-BE49-F238E27FC236}">
+                <a16:creationId xmlns:a16="http://schemas.microsoft.com/office/drawing/2014/main" id="{A45EAEFA-AA00-B3E0-F033-B28924833877}"/>
+              </a:ext>
+            </a:extLst>
+          </p:cNvPr>
+          <p:cNvCxnSpPr/>
+          <p:nvPr/>
+        </p:nvCxnSpPr>
+        <p:spPr>
+          <a:xfrm flipH="1">
+            <a:off x="3326296" y="3963283"/>
+            <a:ext cx="1762538" cy="1333265"/>
+          </a:xfrm>
+          <a:prstGeom prst="straightConnector1">
+            <a:avLst/>
+          </a:prstGeom>
+          <a:ln w="9525">
+            <a:solidFill>
+              <a:schemeClr val="bg1"/>
+            </a:solidFill>
+            <a:tailEnd type="triangle"/>
+          </a:ln>
+        </p:spPr>
+        <p:style>
+          <a:lnRef idx="1">
+            <a:schemeClr val="accent1"/>
+          </a:lnRef>
+          <a:fillRef idx="0">
+            <a:schemeClr val="accent1"/>
+          </a:fillRef>
+          <a:effectRef idx="0">
+            <a:schemeClr val="accent1"/>
+          </a:effectRef>
+          <a:fontRef idx="minor">
+            <a:schemeClr val="tx1"/>
+          </a:fontRef>
+        </p:style>
+      </p:cxnSp>
+      <p:cxnSp>
+        <p:nvCxnSpPr>
+          <p:cNvPr id="41" name="Straight Arrow Connector 40">
+            <a:extLst>
+              <a:ext uri="{FF2B5EF4-FFF2-40B4-BE49-F238E27FC236}">
+                <a16:creationId xmlns:a16="http://schemas.microsoft.com/office/drawing/2014/main" id="{A2351E34-983E-BDDF-AE2B-C05C448C82D3}"/>
+              </a:ext>
+            </a:extLst>
+          </p:cNvPr>
+          <p:cNvCxnSpPr>
+            <a:endCxn id="13" idx="6"/>
+          </p:cNvCxnSpPr>
+          <p:nvPr/>
+        </p:nvCxnSpPr>
+        <p:spPr>
+          <a:xfrm flipH="1">
+            <a:off x="3326296" y="3963283"/>
+            <a:ext cx="1762538" cy="2227787"/>
+          </a:xfrm>
+          <a:prstGeom prst="straightConnector1">
+            <a:avLst/>
+          </a:prstGeom>
+          <a:ln w="9525">
+            <a:solidFill>
+              <a:schemeClr val="bg1"/>
+            </a:solidFill>
+            <a:tailEnd type="triangle"/>
+          </a:ln>
+        </p:spPr>
+        <p:style>
+          <a:lnRef idx="1">
+            <a:schemeClr val="accent1"/>
+          </a:lnRef>
+          <a:fillRef idx="0">
+            <a:schemeClr val="accent1"/>
+          </a:fillRef>
+          <a:effectRef idx="0">
+            <a:schemeClr val="accent1"/>
+          </a:effectRef>
+          <a:fontRef idx="minor">
+            <a:schemeClr val="tx1"/>
+          </a:fontRef>
+        </p:style>
+      </p:cxnSp>
     </p:spTree>
     <p:extLst>
       <p:ext uri="{BB962C8B-B14F-4D97-AF65-F5344CB8AC3E}">
@@ -5764,9 +6032,785 @@
   <p:clrMapOvr>
     <a:masterClrMapping/>
   </p:clrMapOvr>
+  <mc:AlternateContent xmlns:mc="http://schemas.openxmlformats.org/markup-compatibility/2006" xmlns:p159="http://schemas.microsoft.com/office/powerpoint/2015/09/main">
+    <mc:Choice Requires="p159">
+      <p:transition spd="slow">
+        <p159:morph option="byObject"/>
+      </p:transition>
+    </mc:Choice>
+    <mc:Fallback xmlns="">
+      <p:transition spd="slow">
+        <p:fade/>
+      </p:transition>
+    </mc:Fallback>
+  </mc:AlternateContent>
+</p:sld>
+</file>
+
+<file path=ppt/slides/slide6.xml><?xml version="1.0" encoding="utf-8"?>
+<p:sld xmlns:a="http://schemas.openxmlformats.org/drawingml/2006/main" xmlns:r="http://schemas.openxmlformats.org/officeDocument/2006/relationships" xmlns:p="http://schemas.openxmlformats.org/presentationml/2006/main">
+  <p:cSld>
+    <p:spTree>
+      <p:nvGrpSpPr>
+        <p:cNvPr id="1" name=""/>
+        <p:cNvGrpSpPr/>
+        <p:nvPr/>
+      </p:nvGrpSpPr>
+      <p:grpSpPr>
+        <a:xfrm>
+          <a:off x="0" y="0"/>
+          <a:ext cx="0" cy="0"/>
+          <a:chOff x="0" y="0"/>
+          <a:chExt cx="0" cy="0"/>
+        </a:xfrm>
+      </p:grpSpPr>
+      <p:pic>
+        <p:nvPicPr>
+          <p:cNvPr id="9" name="Picture Placeholder 8" descr="A group of fruits and vegetables&#10;&#10;Description automatically generated">
+            <a:extLst>
+              <a:ext uri="{FF2B5EF4-FFF2-40B4-BE49-F238E27FC236}">
+                <a16:creationId xmlns:a16="http://schemas.microsoft.com/office/drawing/2014/main" id="{566F1E99-3F75-AFCF-568C-89EBD77160D5}"/>
+              </a:ext>
+            </a:extLst>
+          </p:cNvPr>
+          <p:cNvPicPr>
+            <a:picLocks noGrp="1" noChangeAspect="1"/>
+          </p:cNvPicPr>
+          <p:nvPr>
+            <p:ph type="pic" sz="quarter" idx="12"/>
+          </p:nvPr>
+        </p:nvPicPr>
+        <p:blipFill>
+          <a:blip r:embed="rId2"/>
+          <a:srcRect t="32" b="32"/>
+          <a:stretch>
+            <a:fillRect/>
+          </a:stretch>
+        </p:blipFill>
+        <p:spPr/>
+      </p:pic>
+      <p:sp>
+        <p:nvSpPr>
+          <p:cNvPr id="45" name="직사각형 44">
+            <a:extLst>
+              <a:ext uri="{FF2B5EF4-FFF2-40B4-BE49-F238E27FC236}">
+                <a16:creationId xmlns:a16="http://schemas.microsoft.com/office/drawing/2014/main" id="{BBF6209E-429C-26A9-0851-E980B7171294}"/>
+              </a:ext>
+            </a:extLst>
+          </p:cNvPr>
+          <p:cNvSpPr/>
+          <p:nvPr/>
+        </p:nvSpPr>
+        <p:spPr>
+          <a:xfrm>
+            <a:off x="0" y="0"/>
+            <a:ext cx="12192000" cy="6858001"/>
+          </a:xfrm>
+          <a:prstGeom prst="rect">
+            <a:avLst/>
+          </a:prstGeom>
+          <a:solidFill>
+            <a:schemeClr val="tx1">
+              <a:alpha val="72138"/>
+            </a:schemeClr>
+          </a:solidFill>
+          <a:ln>
+            <a:noFill/>
+          </a:ln>
+        </p:spPr>
+        <p:style>
+          <a:lnRef idx="2">
+            <a:schemeClr val="accent1">
+              <a:shade val="50000"/>
+            </a:schemeClr>
+          </a:lnRef>
+          <a:fillRef idx="1">
+            <a:schemeClr val="accent1"/>
+          </a:fillRef>
+          <a:effectRef idx="0">
+            <a:schemeClr val="accent1"/>
+          </a:effectRef>
+          <a:fontRef idx="minor">
+            <a:schemeClr val="lt1"/>
+          </a:fontRef>
+        </p:style>
+        <p:txBody>
+          <a:bodyPr rtlCol="0" anchor="ctr"/>
+          <a:lstStyle/>
+          <a:p>
+            <a:pPr algn="ctr"/>
+            <a:endParaRPr kumimoji="1" lang="ko-Kore-KR" altLang="en-US" dirty="0"/>
+          </a:p>
+        </p:txBody>
+      </p:sp>
+      <p:sp>
+        <p:nvSpPr>
+          <p:cNvPr id="2" name="Rectangle 1">
+            <a:extLst>
+              <a:ext uri="{FF2B5EF4-FFF2-40B4-BE49-F238E27FC236}">
+                <a16:creationId xmlns:a16="http://schemas.microsoft.com/office/drawing/2014/main" id="{53AAB953-8155-37F5-F373-8661FCF948CE}"/>
+              </a:ext>
+            </a:extLst>
+          </p:cNvPr>
+          <p:cNvSpPr/>
+          <p:nvPr/>
+        </p:nvSpPr>
+        <p:spPr>
+          <a:xfrm>
+            <a:off x="1" y="249766"/>
+            <a:ext cx="3251200" cy="706967"/>
+          </a:xfrm>
+          <a:prstGeom prst="rect">
+            <a:avLst/>
+          </a:prstGeom>
+          <a:solidFill>
+            <a:schemeClr val="accent2">
+              <a:lumMod val="75000"/>
+            </a:schemeClr>
+          </a:solidFill>
+          <a:ln>
+            <a:noFill/>
+          </a:ln>
+        </p:spPr>
+        <p:style>
+          <a:lnRef idx="2">
+            <a:schemeClr val="accent2">
+              <a:shade val="15000"/>
+            </a:schemeClr>
+          </a:lnRef>
+          <a:fillRef idx="1">
+            <a:schemeClr val="accent2"/>
+          </a:fillRef>
+          <a:effectRef idx="0">
+            <a:schemeClr val="accent2"/>
+          </a:effectRef>
+          <a:fontRef idx="minor">
+            <a:schemeClr val="lt1"/>
+          </a:fontRef>
+        </p:style>
+        <p:txBody>
+          <a:bodyPr rtlCol="0" anchor="ctr"/>
+          <a:lstStyle/>
+          <a:p>
+            <a:pPr algn="ctr"/>
+            <a:endParaRPr lang="en-IN" dirty="0"/>
+          </a:p>
+        </p:txBody>
+      </p:sp>
+      <p:sp>
+        <p:nvSpPr>
+          <p:cNvPr id="3" name="TextBox 2">
+            <a:extLst>
+              <a:ext uri="{FF2B5EF4-FFF2-40B4-BE49-F238E27FC236}">
+                <a16:creationId xmlns:a16="http://schemas.microsoft.com/office/drawing/2014/main" id="{0ADEF4EC-1D88-0BA1-00D5-41FB96F6B201}"/>
+              </a:ext>
+            </a:extLst>
+          </p:cNvPr>
+          <p:cNvSpPr txBox="1"/>
+          <p:nvPr/>
+        </p:nvSpPr>
+        <p:spPr>
+          <a:xfrm>
+            <a:off x="3" y="406728"/>
+            <a:ext cx="3251198" cy="461665"/>
+          </a:xfrm>
+          <a:prstGeom prst="rect">
+            <a:avLst/>
+          </a:prstGeom>
+          <a:noFill/>
+        </p:spPr>
+        <p:txBody>
+          <a:bodyPr wrap="square" rtlCol="0">
+            <a:spAutoFit/>
+          </a:bodyPr>
+          <a:lstStyle/>
+          <a:p>
+            <a:pPr algn="ctr"/>
+            <a:r>
+              <a:rPr lang="en-IN" sz="2400" b="1" dirty="0">
+                <a:solidFill>
+                  <a:schemeClr val="bg1"/>
+                </a:solidFill>
+                <a:latin typeface="Noto Sans" panose="020B0502040504020204" pitchFamily="34" charset="0"/>
+                <a:ea typeface="Noto Sans" panose="020B0502040504020204" pitchFamily="34" charset="0"/>
+                <a:cs typeface="Noto Sans" panose="020B0502040504020204" pitchFamily="34" charset="0"/>
+              </a:rPr>
+              <a:t>The System</a:t>
+            </a:r>
+          </a:p>
+        </p:txBody>
+      </p:sp>
+      <p:sp>
+        <p:nvSpPr>
+          <p:cNvPr id="4" name="Rectangle 3">
+            <a:extLst>
+              <a:ext uri="{FF2B5EF4-FFF2-40B4-BE49-F238E27FC236}">
+                <a16:creationId xmlns:a16="http://schemas.microsoft.com/office/drawing/2014/main" id="{2D2BB4F1-A44C-7379-CB7C-417E8DAA09B6}"/>
+              </a:ext>
+            </a:extLst>
+          </p:cNvPr>
+          <p:cNvSpPr/>
+          <p:nvPr/>
+        </p:nvSpPr>
+        <p:spPr>
+          <a:xfrm>
+            <a:off x="4422913" y="249765"/>
+            <a:ext cx="3346174" cy="706967"/>
+          </a:xfrm>
+          <a:prstGeom prst="rect">
+            <a:avLst/>
+          </a:prstGeom>
+          <a:ln>
+            <a:noFill/>
+          </a:ln>
+        </p:spPr>
+        <p:style>
+          <a:lnRef idx="2">
+            <a:schemeClr val="accent1">
+              <a:shade val="15000"/>
+            </a:schemeClr>
+          </a:lnRef>
+          <a:fillRef idx="1">
+            <a:schemeClr val="accent1"/>
+          </a:fillRef>
+          <a:effectRef idx="0">
+            <a:schemeClr val="accent1"/>
+          </a:effectRef>
+          <a:fontRef idx="minor">
+            <a:schemeClr val="lt1"/>
+          </a:fontRef>
+        </p:style>
+        <p:txBody>
+          <a:bodyPr rtlCol="0" anchor="ctr"/>
+          <a:lstStyle/>
+          <a:p>
+            <a:pPr algn="ctr"/>
+            <a:endParaRPr lang="en-IN"/>
+          </a:p>
+        </p:txBody>
+      </p:sp>
+      <p:sp>
+        <p:nvSpPr>
+          <p:cNvPr id="5" name="TextBox 4">
+            <a:extLst>
+              <a:ext uri="{FF2B5EF4-FFF2-40B4-BE49-F238E27FC236}">
+                <a16:creationId xmlns:a16="http://schemas.microsoft.com/office/drawing/2014/main" id="{56B9AA69-E72F-16F9-0D31-83433BC8E146}"/>
+              </a:ext>
+            </a:extLst>
+          </p:cNvPr>
+          <p:cNvSpPr txBox="1"/>
+          <p:nvPr/>
+        </p:nvSpPr>
+        <p:spPr>
+          <a:xfrm>
+            <a:off x="4422912" y="384314"/>
+            <a:ext cx="3346175" cy="461665"/>
+          </a:xfrm>
+          <a:prstGeom prst="rect">
+            <a:avLst/>
+          </a:prstGeom>
+          <a:noFill/>
+        </p:spPr>
+        <p:txBody>
+          <a:bodyPr wrap="square" rtlCol="0">
+            <a:spAutoFit/>
+          </a:bodyPr>
+          <a:lstStyle/>
+          <a:p>
+            <a:pPr algn="ctr"/>
+            <a:r>
+              <a:rPr lang="en-IN" sz="2400" b="1" dirty="0">
+                <a:solidFill>
+                  <a:schemeClr val="bg1"/>
+                </a:solidFill>
+              </a:rPr>
+              <a:t>DFD Level 0</a:t>
+            </a:r>
+          </a:p>
+        </p:txBody>
+      </p:sp>
+      <p:sp>
+        <p:nvSpPr>
+          <p:cNvPr id="7" name="Oval 6">
+            <a:extLst>
+              <a:ext uri="{FF2B5EF4-FFF2-40B4-BE49-F238E27FC236}">
+                <a16:creationId xmlns:a16="http://schemas.microsoft.com/office/drawing/2014/main" id="{010F0682-A7F3-BC0D-D7B1-A1C016890695}"/>
+              </a:ext>
+            </a:extLst>
+          </p:cNvPr>
+          <p:cNvSpPr/>
+          <p:nvPr/>
+        </p:nvSpPr>
+        <p:spPr>
+          <a:xfrm>
+            <a:off x="7323667" y="2599266"/>
+            <a:ext cx="2091268" cy="2091268"/>
+          </a:xfrm>
+          <a:prstGeom prst="ellipse">
+            <a:avLst/>
+          </a:prstGeom>
+          <a:ln>
+            <a:noFill/>
+          </a:ln>
+        </p:spPr>
+        <p:style>
+          <a:lnRef idx="2">
+            <a:schemeClr val="accent1">
+              <a:shade val="15000"/>
+            </a:schemeClr>
+          </a:lnRef>
+          <a:fillRef idx="1">
+            <a:schemeClr val="accent1"/>
+          </a:fillRef>
+          <a:effectRef idx="0">
+            <a:schemeClr val="accent1"/>
+          </a:effectRef>
+          <a:fontRef idx="minor">
+            <a:schemeClr val="lt1"/>
+          </a:fontRef>
+        </p:style>
+        <p:txBody>
+          <a:bodyPr rtlCol="0" anchor="ctr"/>
+          <a:lstStyle/>
+          <a:p>
+            <a:pPr algn="ctr"/>
+            <a:r>
+              <a:rPr lang="en-IN" sz="2400" b="1" dirty="0"/>
+              <a:t>FitFuel</a:t>
+            </a:r>
+          </a:p>
+        </p:txBody>
+      </p:sp>
+      <p:sp>
+        <p:nvSpPr>
+          <p:cNvPr id="20" name="Rectangle 19">
+            <a:extLst>
+              <a:ext uri="{FF2B5EF4-FFF2-40B4-BE49-F238E27FC236}">
+                <a16:creationId xmlns:a16="http://schemas.microsoft.com/office/drawing/2014/main" id="{CC23E1CF-9A05-D833-B044-4F8CA6A1B755}"/>
+              </a:ext>
+            </a:extLst>
+          </p:cNvPr>
+          <p:cNvSpPr/>
+          <p:nvPr/>
+        </p:nvSpPr>
+        <p:spPr>
+          <a:xfrm>
+            <a:off x="1524001" y="3222890"/>
+            <a:ext cx="2421464" cy="844020"/>
+          </a:xfrm>
+          <a:prstGeom prst="rect">
+            <a:avLst/>
+          </a:prstGeom>
+          <a:ln>
+            <a:noFill/>
+          </a:ln>
+        </p:spPr>
+        <p:style>
+          <a:lnRef idx="2">
+            <a:schemeClr val="accent1">
+              <a:shade val="15000"/>
+            </a:schemeClr>
+          </a:lnRef>
+          <a:fillRef idx="1">
+            <a:schemeClr val="accent1"/>
+          </a:fillRef>
+          <a:effectRef idx="0">
+            <a:schemeClr val="accent1"/>
+          </a:effectRef>
+          <a:fontRef idx="minor">
+            <a:schemeClr val="lt1"/>
+          </a:fontRef>
+        </p:style>
+        <p:txBody>
+          <a:bodyPr rtlCol="0" anchor="ctr"/>
+          <a:lstStyle/>
+          <a:p>
+            <a:pPr algn="ctr"/>
+            <a:r>
+              <a:rPr lang="en-IN" sz="2400" b="1" dirty="0"/>
+              <a:t>User</a:t>
+            </a:r>
+          </a:p>
+        </p:txBody>
+      </p:sp>
+      <p:cxnSp>
+        <p:nvCxnSpPr>
+          <p:cNvPr id="27" name="Connector: Elbow 26">
+            <a:extLst>
+              <a:ext uri="{FF2B5EF4-FFF2-40B4-BE49-F238E27FC236}">
+                <a16:creationId xmlns:a16="http://schemas.microsoft.com/office/drawing/2014/main" id="{1BC6FFEF-9CA0-E002-7698-C994C46EB8B7}"/>
+              </a:ext>
+            </a:extLst>
+          </p:cNvPr>
+          <p:cNvCxnSpPr>
+            <a:cxnSpLocks/>
+            <a:stCxn id="20" idx="0"/>
+            <a:endCxn id="7" idx="0"/>
+          </p:cNvCxnSpPr>
+          <p:nvPr/>
+        </p:nvCxnSpPr>
+        <p:spPr>
+          <a:xfrm rot="5400000" flipH="1" flipV="1">
+            <a:off x="5240205" y="93794"/>
+            <a:ext cx="623624" cy="5634568"/>
+          </a:xfrm>
+          <a:prstGeom prst="bentConnector3">
+            <a:avLst>
+              <a:gd name="adj1" fmla="val 252058"/>
+            </a:avLst>
+          </a:prstGeom>
+          <a:ln w="19050">
+            <a:solidFill>
+              <a:schemeClr val="bg1"/>
+            </a:solidFill>
+            <a:tailEnd type="triangle"/>
+          </a:ln>
+        </p:spPr>
+        <p:style>
+          <a:lnRef idx="1">
+            <a:schemeClr val="accent1"/>
+          </a:lnRef>
+          <a:fillRef idx="0">
+            <a:schemeClr val="accent1"/>
+          </a:fillRef>
+          <a:effectRef idx="0">
+            <a:schemeClr val="accent1"/>
+          </a:effectRef>
+          <a:fontRef idx="minor">
+            <a:schemeClr val="tx1"/>
+          </a:fontRef>
+        </p:style>
+      </p:cxnSp>
+      <p:cxnSp>
+        <p:nvCxnSpPr>
+          <p:cNvPr id="37" name="Connector: Elbow 36">
+            <a:extLst>
+              <a:ext uri="{FF2B5EF4-FFF2-40B4-BE49-F238E27FC236}">
+                <a16:creationId xmlns:a16="http://schemas.microsoft.com/office/drawing/2014/main" id="{AB851D6A-8676-22EE-15B1-352A9548827A}"/>
+              </a:ext>
+            </a:extLst>
+          </p:cNvPr>
+          <p:cNvCxnSpPr>
+            <a:cxnSpLocks/>
+          </p:cNvCxnSpPr>
+          <p:nvPr/>
+        </p:nvCxnSpPr>
+        <p:spPr>
+          <a:xfrm rot="16200000" flipH="1">
+            <a:off x="5240204" y="1570666"/>
+            <a:ext cx="623624" cy="5634568"/>
+          </a:xfrm>
+          <a:prstGeom prst="bentConnector3">
+            <a:avLst>
+              <a:gd name="adj1" fmla="val 242554"/>
+            </a:avLst>
+          </a:prstGeom>
+          <a:ln w="19050">
+            <a:solidFill>
+              <a:schemeClr val="bg1"/>
+            </a:solidFill>
+            <a:tailEnd type="triangle"/>
+          </a:ln>
+        </p:spPr>
+        <p:style>
+          <a:lnRef idx="1">
+            <a:schemeClr val="accent1"/>
+          </a:lnRef>
+          <a:fillRef idx="0">
+            <a:schemeClr val="accent1"/>
+          </a:fillRef>
+          <a:effectRef idx="0">
+            <a:schemeClr val="accent1"/>
+          </a:effectRef>
+          <a:fontRef idx="minor">
+            <a:schemeClr val="tx1"/>
+          </a:fontRef>
+        </p:style>
+      </p:cxnSp>
+      <p:cxnSp>
+        <p:nvCxnSpPr>
+          <p:cNvPr id="43" name="Straight Arrow Connector 42">
+            <a:extLst>
+              <a:ext uri="{FF2B5EF4-FFF2-40B4-BE49-F238E27FC236}">
+                <a16:creationId xmlns:a16="http://schemas.microsoft.com/office/drawing/2014/main" id="{5DBD7396-D035-436E-DE38-91552756B5BC}"/>
+              </a:ext>
+            </a:extLst>
+          </p:cNvPr>
+          <p:cNvCxnSpPr>
+            <a:cxnSpLocks/>
+            <a:stCxn id="20" idx="3"/>
+            <a:endCxn id="7" idx="2"/>
+          </p:cNvCxnSpPr>
+          <p:nvPr/>
+        </p:nvCxnSpPr>
+        <p:spPr>
+          <a:xfrm>
+            <a:off x="3945465" y="3644900"/>
+            <a:ext cx="3378202" cy="0"/>
+          </a:xfrm>
+          <a:prstGeom prst="straightConnector1">
+            <a:avLst/>
+          </a:prstGeom>
+          <a:ln w="19050">
+            <a:solidFill>
+              <a:schemeClr val="bg1"/>
+            </a:solidFill>
+            <a:tailEnd type="triangle"/>
+          </a:ln>
+        </p:spPr>
+        <p:style>
+          <a:lnRef idx="1">
+            <a:schemeClr val="accent1"/>
+          </a:lnRef>
+          <a:fillRef idx="0">
+            <a:schemeClr val="accent1"/>
+          </a:fillRef>
+          <a:effectRef idx="0">
+            <a:schemeClr val="accent1"/>
+          </a:effectRef>
+          <a:fontRef idx="minor">
+            <a:schemeClr val="tx1"/>
+          </a:fontRef>
+        </p:style>
+      </p:cxnSp>
+      <p:cxnSp>
+        <p:nvCxnSpPr>
+          <p:cNvPr id="53" name="Connector: Elbow 52">
+            <a:extLst>
+              <a:ext uri="{FF2B5EF4-FFF2-40B4-BE49-F238E27FC236}">
+                <a16:creationId xmlns:a16="http://schemas.microsoft.com/office/drawing/2014/main" id="{758983BD-9266-EAAB-3D24-617D9A5CA26F}"/>
+              </a:ext>
+            </a:extLst>
+          </p:cNvPr>
+          <p:cNvCxnSpPr>
+            <a:cxnSpLocks/>
+            <a:endCxn id="7" idx="1"/>
+          </p:cNvCxnSpPr>
+          <p:nvPr/>
+        </p:nvCxnSpPr>
+        <p:spPr>
+          <a:xfrm flipV="1">
+            <a:off x="3251201" y="2905525"/>
+            <a:ext cx="4378725" cy="317364"/>
+          </a:xfrm>
+          <a:prstGeom prst="bentConnector4">
+            <a:avLst>
+              <a:gd name="adj1" fmla="val 97"/>
+              <a:gd name="adj2" fmla="val 225847"/>
+            </a:avLst>
+          </a:prstGeom>
+          <a:ln w="19050">
+            <a:solidFill>
+              <a:schemeClr val="bg1"/>
+            </a:solidFill>
+            <a:tailEnd type="triangle"/>
+          </a:ln>
+        </p:spPr>
+        <p:style>
+          <a:lnRef idx="1">
+            <a:schemeClr val="accent1"/>
+          </a:lnRef>
+          <a:fillRef idx="0">
+            <a:schemeClr val="accent1"/>
+          </a:fillRef>
+          <a:effectRef idx="0">
+            <a:schemeClr val="accent1"/>
+          </a:effectRef>
+          <a:fontRef idx="minor">
+            <a:schemeClr val="tx1"/>
+          </a:fontRef>
+        </p:style>
+      </p:cxnSp>
+      <p:cxnSp>
+        <p:nvCxnSpPr>
+          <p:cNvPr id="58" name="Connector: Elbow 57">
+            <a:extLst>
+              <a:ext uri="{FF2B5EF4-FFF2-40B4-BE49-F238E27FC236}">
+                <a16:creationId xmlns:a16="http://schemas.microsoft.com/office/drawing/2014/main" id="{A3ED80BE-2E05-FDF7-7A94-2FBCC8A7CD28}"/>
+              </a:ext>
+            </a:extLst>
+          </p:cNvPr>
+          <p:cNvCxnSpPr>
+            <a:cxnSpLocks/>
+            <a:endCxn id="7" idx="3"/>
+          </p:cNvCxnSpPr>
+          <p:nvPr/>
+        </p:nvCxnSpPr>
+        <p:spPr>
+          <a:xfrm>
+            <a:off x="3251201" y="4066910"/>
+            <a:ext cx="4378725" cy="317365"/>
+          </a:xfrm>
+          <a:prstGeom prst="bentConnector4">
+            <a:avLst>
+              <a:gd name="adj1" fmla="val 24"/>
+              <a:gd name="adj2" fmla="val 172031"/>
+            </a:avLst>
+          </a:prstGeom>
+          <a:ln w="19050">
+            <a:solidFill>
+              <a:schemeClr val="bg1"/>
+            </a:solidFill>
+            <a:tailEnd type="triangle"/>
+          </a:ln>
+        </p:spPr>
+        <p:style>
+          <a:lnRef idx="1">
+            <a:schemeClr val="accent1"/>
+          </a:lnRef>
+          <a:fillRef idx="0">
+            <a:schemeClr val="accent1"/>
+          </a:fillRef>
+          <a:effectRef idx="0">
+            <a:schemeClr val="accent1"/>
+          </a:effectRef>
+          <a:fontRef idx="minor">
+            <a:schemeClr val="tx1"/>
+          </a:fontRef>
+        </p:style>
+      </p:cxnSp>
+      <p:sp>
+        <p:nvSpPr>
+          <p:cNvPr id="64" name="TextBox 63">
+            <a:extLst>
+              <a:ext uri="{FF2B5EF4-FFF2-40B4-BE49-F238E27FC236}">
+                <a16:creationId xmlns:a16="http://schemas.microsoft.com/office/drawing/2014/main" id="{489B9D96-8EA5-BDCB-489F-CDBFC3FD8EE0}"/>
+              </a:ext>
+            </a:extLst>
+          </p:cNvPr>
+          <p:cNvSpPr txBox="1"/>
+          <p:nvPr/>
+        </p:nvSpPr>
+        <p:spPr>
+          <a:xfrm>
+            <a:off x="4248149" y="3374082"/>
+            <a:ext cx="2607734" cy="307777"/>
+          </a:xfrm>
+          <a:prstGeom prst="rect">
+            <a:avLst/>
+          </a:prstGeom>
+          <a:noFill/>
+        </p:spPr>
+        <p:txBody>
+          <a:bodyPr wrap="square" rtlCol="0">
+            <a:spAutoFit/>
+          </a:bodyPr>
+          <a:lstStyle/>
+          <a:p>
+            <a:pPr algn="ctr"/>
+            <a:r>
+              <a:rPr lang="en-IN" sz="1400" b="1" dirty="0">
+                <a:solidFill>
+                  <a:schemeClr val="bg1"/>
+                </a:solidFill>
+                <a:latin typeface="Noto Sans" panose="020B0502040504020204" pitchFamily="34" charset="0"/>
+                <a:ea typeface="Noto Sans" panose="020B0502040504020204" pitchFamily="34" charset="0"/>
+                <a:cs typeface="Noto Sans" panose="020B0502040504020204" pitchFamily="34" charset="0"/>
+              </a:rPr>
+              <a:t>Login/Signup</a:t>
+            </a:r>
+          </a:p>
+        </p:txBody>
+      </p:sp>
+      <p:sp>
+        <p:nvSpPr>
+          <p:cNvPr id="69" name="TextBox 68">
+            <a:extLst>
+              <a:ext uri="{FF2B5EF4-FFF2-40B4-BE49-F238E27FC236}">
+                <a16:creationId xmlns:a16="http://schemas.microsoft.com/office/drawing/2014/main" id="{845DD9A3-86F5-9444-313C-9360BE984075}"/>
+              </a:ext>
+            </a:extLst>
+          </p:cNvPr>
+          <p:cNvSpPr txBox="1"/>
+          <p:nvPr/>
+        </p:nvSpPr>
+        <p:spPr>
+          <a:xfrm>
+            <a:off x="3678765" y="2154527"/>
+            <a:ext cx="3746502" cy="307777"/>
+          </a:xfrm>
+          <a:prstGeom prst="rect">
+            <a:avLst/>
+          </a:prstGeom>
+          <a:noFill/>
+        </p:spPr>
+        <p:txBody>
+          <a:bodyPr wrap="square" rtlCol="0">
+            <a:spAutoFit/>
+          </a:bodyPr>
+          <a:lstStyle/>
+          <a:p>
+            <a:pPr algn="ctr"/>
+            <a:r>
+              <a:rPr lang="en-IN" sz="1400" b="1" dirty="0">
+                <a:solidFill>
+                  <a:schemeClr val="bg1"/>
+                </a:solidFill>
+                <a:latin typeface="Noto Sans" panose="020B0502040504020204" pitchFamily="34" charset="0"/>
+                <a:ea typeface="Noto Sans" panose="020B0502040504020204" pitchFamily="34" charset="0"/>
+                <a:cs typeface="Noto Sans" panose="020B0502040504020204" pitchFamily="34" charset="0"/>
+              </a:rPr>
+              <a:t>Food Scanning and Recognition </a:t>
+            </a:r>
+          </a:p>
+        </p:txBody>
+      </p:sp>
+      <p:sp>
+        <p:nvSpPr>
+          <p:cNvPr id="76" name="TextBox 75">
+            <a:extLst>
+              <a:ext uri="{FF2B5EF4-FFF2-40B4-BE49-F238E27FC236}">
+                <a16:creationId xmlns:a16="http://schemas.microsoft.com/office/drawing/2014/main" id="{0E53F91E-41A3-4447-971D-65CF7FCC5564}"/>
+              </a:ext>
+            </a:extLst>
+          </p:cNvPr>
+          <p:cNvSpPr txBox="1"/>
+          <p:nvPr/>
+        </p:nvSpPr>
+        <p:spPr>
+          <a:xfrm>
+            <a:off x="3678765" y="4299392"/>
+            <a:ext cx="3746502" cy="307777"/>
+          </a:xfrm>
+          <a:prstGeom prst="rect">
+            <a:avLst/>
+          </a:prstGeom>
+          <a:noFill/>
+        </p:spPr>
+        <p:txBody>
+          <a:bodyPr wrap="square" rtlCol="0">
+            <a:spAutoFit/>
+          </a:bodyPr>
+          <a:lstStyle/>
+          <a:p>
+            <a:pPr algn="ctr"/>
+            <a:r>
+              <a:rPr lang="en-IN" sz="1400" b="1" dirty="0">
+                <a:solidFill>
+                  <a:schemeClr val="bg1"/>
+                </a:solidFill>
+                <a:latin typeface="Noto Sans" panose="020B0502040504020204" pitchFamily="34" charset="0"/>
+                <a:ea typeface="Noto Sans" panose="020B0502040504020204" pitchFamily="34" charset="0"/>
+                <a:cs typeface="Noto Sans" panose="020B0502040504020204" pitchFamily="34" charset="0"/>
+              </a:rPr>
+              <a:t>Diet Recommendation</a:t>
+            </a:r>
+          </a:p>
+        </p:txBody>
+      </p:sp>
+    </p:spTree>
+    <p:extLst>
+      <p:ext uri="{BB962C8B-B14F-4D97-AF65-F5344CB8AC3E}">
+        <p14:creationId xmlns:p14="http://schemas.microsoft.com/office/powerpoint/2010/main" val="1915430020"/>
+      </p:ext>
+    </p:extLst>
+  </p:cSld>
+  <p:clrMapOvr>
+    <a:masterClrMapping/>
+  </p:clrMapOvr>
   <mc:AlternateContent xmlns:mc="http://schemas.openxmlformats.org/markup-compatibility/2006">
     <mc:Choice xmlns:p159="http://schemas.microsoft.com/office/powerpoint/2015/09/main" Requires="p159">
-      <p:transition spd="slow">
+      <p:transition xmlns:p14="http://schemas.microsoft.com/office/powerpoint/2010/main" spd="slow" p14:dur="1500">
         <p159:morph option="byObject"/>
       </p:transition>
     </mc:Choice>

--- a/Second Review.pptx
+++ b/Second Review.pptx
@@ -9,8 +9,12 @@
     <p:sldId id="271" r:id="rId3"/>
     <p:sldId id="272" r:id="rId4"/>
     <p:sldId id="273" r:id="rId5"/>
-    <p:sldId id="274" r:id="rId6"/>
-    <p:sldId id="275" r:id="rId7"/>
+    <p:sldId id="280" r:id="rId6"/>
+    <p:sldId id="274" r:id="rId7"/>
+    <p:sldId id="275" r:id="rId8"/>
+    <p:sldId id="279" r:id="rId9"/>
+    <p:sldId id="278" r:id="rId10"/>
+    <p:sldId id="276" r:id="rId11"/>
   </p:sldIdLst>
   <p:sldSz cx="12192000" cy="6858000"/>
   <p:notesSz cx="6858000" cy="9144000"/>
@@ -266,7 +270,7 @@
           <a:p>
             <a:fld id="{DCCAE1B6-65EC-4200-8396-EE3D641E8B1D}" type="datetimeFigureOut">
               <a:rPr lang="en-IN" smtClean="0"/>
-              <a:t>09-11-2023</a:t>
+              <a:t>11-11-2023</a:t>
             </a:fld>
             <a:endParaRPr lang="en-IN"/>
           </a:p>
@@ -466,7 +470,7 @@
           <a:p>
             <a:fld id="{DCCAE1B6-65EC-4200-8396-EE3D641E8B1D}" type="datetimeFigureOut">
               <a:rPr lang="en-IN" smtClean="0"/>
-              <a:t>09-11-2023</a:t>
+              <a:t>11-11-2023</a:t>
             </a:fld>
             <a:endParaRPr lang="en-IN"/>
           </a:p>
@@ -676,7 +680,7 @@
           <a:p>
             <a:fld id="{DCCAE1B6-65EC-4200-8396-EE3D641E8B1D}" type="datetimeFigureOut">
               <a:rPr lang="en-IN" smtClean="0"/>
-              <a:t>09-11-2023</a:t>
+              <a:t>11-11-2023</a:t>
             </a:fld>
             <a:endParaRPr lang="en-IN"/>
           </a:p>
@@ -941,7 +945,7 @@
           <a:p>
             <a:fld id="{DCCAE1B6-65EC-4200-8396-EE3D641E8B1D}" type="datetimeFigureOut">
               <a:rPr lang="en-IN" smtClean="0"/>
-              <a:t>09-11-2023</a:t>
+              <a:t>11-11-2023</a:t>
             </a:fld>
             <a:endParaRPr lang="en-IN"/>
           </a:p>
@@ -1217,7 +1221,7 @@
           <a:p>
             <a:fld id="{DCCAE1B6-65EC-4200-8396-EE3D641E8B1D}" type="datetimeFigureOut">
               <a:rPr lang="en-IN" smtClean="0"/>
-              <a:t>09-11-2023</a:t>
+              <a:t>11-11-2023</a:t>
             </a:fld>
             <a:endParaRPr lang="en-IN"/>
           </a:p>
@@ -1485,7 +1489,7 @@
           <a:p>
             <a:fld id="{DCCAE1B6-65EC-4200-8396-EE3D641E8B1D}" type="datetimeFigureOut">
               <a:rPr lang="en-IN" smtClean="0"/>
-              <a:t>09-11-2023</a:t>
+              <a:t>11-11-2023</a:t>
             </a:fld>
             <a:endParaRPr lang="en-IN"/>
           </a:p>
@@ -1900,7 +1904,7 @@
           <a:p>
             <a:fld id="{DCCAE1B6-65EC-4200-8396-EE3D641E8B1D}" type="datetimeFigureOut">
               <a:rPr lang="en-IN" smtClean="0"/>
-              <a:t>09-11-2023</a:t>
+              <a:t>11-11-2023</a:t>
             </a:fld>
             <a:endParaRPr lang="en-IN"/>
           </a:p>
@@ -2042,7 +2046,7 @@
           <a:p>
             <a:fld id="{DCCAE1B6-65EC-4200-8396-EE3D641E8B1D}" type="datetimeFigureOut">
               <a:rPr lang="en-IN" smtClean="0"/>
-              <a:t>09-11-2023</a:t>
+              <a:t>11-11-2023</a:t>
             </a:fld>
             <a:endParaRPr lang="en-IN"/>
           </a:p>
@@ -2155,7 +2159,7 @@
           <a:p>
             <a:fld id="{DCCAE1B6-65EC-4200-8396-EE3D641E8B1D}" type="datetimeFigureOut">
               <a:rPr lang="en-IN" smtClean="0"/>
-              <a:t>09-11-2023</a:t>
+              <a:t>11-11-2023</a:t>
             </a:fld>
             <a:endParaRPr lang="en-IN"/>
           </a:p>
@@ -2468,7 +2472,7 @@
           <a:p>
             <a:fld id="{DCCAE1B6-65EC-4200-8396-EE3D641E8B1D}" type="datetimeFigureOut">
               <a:rPr lang="en-IN" smtClean="0"/>
-              <a:t>09-11-2023</a:t>
+              <a:t>11-11-2023</a:t>
             </a:fld>
             <a:endParaRPr lang="en-IN"/>
           </a:p>
@@ -2757,7 +2761,7 @@
           <a:p>
             <a:fld id="{DCCAE1B6-65EC-4200-8396-EE3D641E8B1D}" type="datetimeFigureOut">
               <a:rPr lang="en-IN" smtClean="0"/>
-              <a:t>09-11-2023</a:t>
+              <a:t>11-11-2023</a:t>
             </a:fld>
             <a:endParaRPr lang="en-IN"/>
           </a:p>
@@ -3000,7 +3004,7 @@
           <a:p>
             <a:fld id="{DCCAE1B6-65EC-4200-8396-EE3D641E8B1D}" type="datetimeFigureOut">
               <a:rPr lang="en-IN" smtClean="0"/>
-              <a:t>09-11-2023</a:t>
+              <a:t>11-11-2023</a:t>
             </a:fld>
             <a:endParaRPr lang="en-IN"/>
           </a:p>
@@ -3832,6 +3836,1378 @@
 </p:sld>
 </file>
 
+<file path=ppt/slides/slide10.xml><?xml version="1.0" encoding="utf-8"?>
+<p:sld xmlns:a="http://schemas.openxmlformats.org/drawingml/2006/main" xmlns:r="http://schemas.openxmlformats.org/officeDocument/2006/relationships" xmlns:p="http://schemas.openxmlformats.org/presentationml/2006/main">
+  <p:cSld>
+    <p:spTree>
+      <p:nvGrpSpPr>
+        <p:cNvPr id="1" name=""/>
+        <p:cNvGrpSpPr/>
+        <p:nvPr/>
+      </p:nvGrpSpPr>
+      <p:grpSpPr>
+        <a:xfrm>
+          <a:off x="0" y="0"/>
+          <a:ext cx="0" cy="0"/>
+          <a:chOff x="0" y="0"/>
+          <a:chExt cx="0" cy="0"/>
+        </a:xfrm>
+      </p:grpSpPr>
+      <p:pic>
+        <p:nvPicPr>
+          <p:cNvPr id="9" name="Picture Placeholder 8" descr="A group of fruits and vegetables&#10;&#10;Description automatically generated">
+            <a:extLst>
+              <a:ext uri="{FF2B5EF4-FFF2-40B4-BE49-F238E27FC236}">
+                <a16:creationId xmlns:a16="http://schemas.microsoft.com/office/drawing/2014/main" id="{566F1E99-3F75-AFCF-568C-89EBD77160D5}"/>
+              </a:ext>
+            </a:extLst>
+          </p:cNvPr>
+          <p:cNvPicPr>
+            <a:picLocks noGrp="1" noChangeAspect="1"/>
+          </p:cNvPicPr>
+          <p:nvPr>
+            <p:ph type="pic" sz="quarter" idx="12"/>
+          </p:nvPr>
+        </p:nvPicPr>
+        <p:blipFill>
+          <a:blip r:embed="rId2"/>
+          <a:srcRect t="32" b="32"/>
+          <a:stretch>
+            <a:fillRect/>
+          </a:stretch>
+        </p:blipFill>
+        <p:spPr/>
+      </p:pic>
+      <p:sp>
+        <p:nvSpPr>
+          <p:cNvPr id="45" name="직사각형 44">
+            <a:extLst>
+              <a:ext uri="{FF2B5EF4-FFF2-40B4-BE49-F238E27FC236}">
+                <a16:creationId xmlns:a16="http://schemas.microsoft.com/office/drawing/2014/main" id="{BBF6209E-429C-26A9-0851-E980B7171294}"/>
+              </a:ext>
+            </a:extLst>
+          </p:cNvPr>
+          <p:cNvSpPr/>
+          <p:nvPr/>
+        </p:nvSpPr>
+        <p:spPr>
+          <a:xfrm>
+            <a:off x="0" y="0"/>
+            <a:ext cx="12192000" cy="6858001"/>
+          </a:xfrm>
+          <a:prstGeom prst="rect">
+            <a:avLst/>
+          </a:prstGeom>
+          <a:solidFill>
+            <a:schemeClr val="tx1">
+              <a:alpha val="72138"/>
+            </a:schemeClr>
+          </a:solidFill>
+          <a:ln>
+            <a:noFill/>
+          </a:ln>
+        </p:spPr>
+        <p:style>
+          <a:lnRef idx="2">
+            <a:schemeClr val="accent1">
+              <a:shade val="50000"/>
+            </a:schemeClr>
+          </a:lnRef>
+          <a:fillRef idx="1">
+            <a:schemeClr val="accent1"/>
+          </a:fillRef>
+          <a:effectRef idx="0">
+            <a:schemeClr val="accent1"/>
+          </a:effectRef>
+          <a:fontRef idx="minor">
+            <a:schemeClr val="lt1"/>
+          </a:fontRef>
+        </p:style>
+        <p:txBody>
+          <a:bodyPr rtlCol="0" anchor="ctr"/>
+          <a:lstStyle/>
+          <a:p>
+            <a:pPr algn="ctr"/>
+            <a:endParaRPr kumimoji="1" lang="ko-Kore-KR" altLang="en-US" dirty="0"/>
+          </a:p>
+        </p:txBody>
+      </p:sp>
+      <p:sp>
+        <p:nvSpPr>
+          <p:cNvPr id="2" name="Rectangle 1">
+            <a:extLst>
+              <a:ext uri="{FF2B5EF4-FFF2-40B4-BE49-F238E27FC236}">
+                <a16:creationId xmlns:a16="http://schemas.microsoft.com/office/drawing/2014/main" id="{53AAB953-8155-37F5-F373-8661FCF948CE}"/>
+              </a:ext>
+            </a:extLst>
+          </p:cNvPr>
+          <p:cNvSpPr/>
+          <p:nvPr/>
+        </p:nvSpPr>
+        <p:spPr>
+          <a:xfrm>
+            <a:off x="1" y="249766"/>
+            <a:ext cx="3251200" cy="706967"/>
+          </a:xfrm>
+          <a:prstGeom prst="rect">
+            <a:avLst/>
+          </a:prstGeom>
+          <a:solidFill>
+            <a:schemeClr val="accent2">
+              <a:lumMod val="75000"/>
+            </a:schemeClr>
+          </a:solidFill>
+          <a:ln>
+            <a:noFill/>
+          </a:ln>
+        </p:spPr>
+        <p:style>
+          <a:lnRef idx="2">
+            <a:schemeClr val="accent2">
+              <a:shade val="15000"/>
+            </a:schemeClr>
+          </a:lnRef>
+          <a:fillRef idx="1">
+            <a:schemeClr val="accent2"/>
+          </a:fillRef>
+          <a:effectRef idx="0">
+            <a:schemeClr val="accent2"/>
+          </a:effectRef>
+          <a:fontRef idx="minor">
+            <a:schemeClr val="lt1"/>
+          </a:fontRef>
+        </p:style>
+        <p:txBody>
+          <a:bodyPr rtlCol="0" anchor="ctr"/>
+          <a:lstStyle/>
+          <a:p>
+            <a:pPr algn="ctr"/>
+            <a:endParaRPr lang="en-IN" dirty="0"/>
+          </a:p>
+        </p:txBody>
+      </p:sp>
+      <p:sp>
+        <p:nvSpPr>
+          <p:cNvPr id="3" name="TextBox 2">
+            <a:extLst>
+              <a:ext uri="{FF2B5EF4-FFF2-40B4-BE49-F238E27FC236}">
+                <a16:creationId xmlns:a16="http://schemas.microsoft.com/office/drawing/2014/main" id="{0ADEF4EC-1D88-0BA1-00D5-41FB96F6B201}"/>
+              </a:ext>
+            </a:extLst>
+          </p:cNvPr>
+          <p:cNvSpPr txBox="1"/>
+          <p:nvPr/>
+        </p:nvSpPr>
+        <p:spPr>
+          <a:xfrm>
+            <a:off x="3" y="406728"/>
+            <a:ext cx="3251198" cy="461665"/>
+          </a:xfrm>
+          <a:prstGeom prst="rect">
+            <a:avLst/>
+          </a:prstGeom>
+          <a:noFill/>
+        </p:spPr>
+        <p:txBody>
+          <a:bodyPr wrap="square" rtlCol="0">
+            <a:spAutoFit/>
+          </a:bodyPr>
+          <a:lstStyle/>
+          <a:p>
+            <a:pPr algn="ctr"/>
+            <a:r>
+              <a:rPr lang="en-IN" sz="2400" b="1" dirty="0">
+                <a:solidFill>
+                  <a:schemeClr val="bg1"/>
+                </a:solidFill>
+                <a:latin typeface="Noto Sans" panose="020B0502040504020204" pitchFamily="34" charset="0"/>
+                <a:ea typeface="Noto Sans" panose="020B0502040504020204" pitchFamily="34" charset="0"/>
+                <a:cs typeface="Noto Sans" panose="020B0502040504020204" pitchFamily="34" charset="0"/>
+              </a:rPr>
+              <a:t>The System</a:t>
+            </a:r>
+          </a:p>
+        </p:txBody>
+      </p:sp>
+      <p:sp>
+        <p:nvSpPr>
+          <p:cNvPr id="4" name="Rectangle 3">
+            <a:extLst>
+              <a:ext uri="{FF2B5EF4-FFF2-40B4-BE49-F238E27FC236}">
+                <a16:creationId xmlns:a16="http://schemas.microsoft.com/office/drawing/2014/main" id="{2D2BB4F1-A44C-7379-CB7C-417E8DAA09B6}"/>
+              </a:ext>
+            </a:extLst>
+          </p:cNvPr>
+          <p:cNvSpPr/>
+          <p:nvPr/>
+        </p:nvSpPr>
+        <p:spPr>
+          <a:xfrm>
+            <a:off x="4422913" y="249765"/>
+            <a:ext cx="3346174" cy="706967"/>
+          </a:xfrm>
+          <a:prstGeom prst="rect">
+            <a:avLst/>
+          </a:prstGeom>
+          <a:ln>
+            <a:noFill/>
+          </a:ln>
+        </p:spPr>
+        <p:style>
+          <a:lnRef idx="2">
+            <a:schemeClr val="accent1">
+              <a:shade val="15000"/>
+            </a:schemeClr>
+          </a:lnRef>
+          <a:fillRef idx="1">
+            <a:schemeClr val="accent1"/>
+          </a:fillRef>
+          <a:effectRef idx="0">
+            <a:schemeClr val="accent1"/>
+          </a:effectRef>
+          <a:fontRef idx="minor">
+            <a:schemeClr val="lt1"/>
+          </a:fontRef>
+        </p:style>
+        <p:txBody>
+          <a:bodyPr rtlCol="0" anchor="ctr"/>
+          <a:lstStyle/>
+          <a:p>
+            <a:pPr algn="ctr"/>
+            <a:endParaRPr lang="en-IN"/>
+          </a:p>
+        </p:txBody>
+      </p:sp>
+      <p:sp>
+        <p:nvSpPr>
+          <p:cNvPr id="5" name="TextBox 4">
+            <a:extLst>
+              <a:ext uri="{FF2B5EF4-FFF2-40B4-BE49-F238E27FC236}">
+                <a16:creationId xmlns:a16="http://schemas.microsoft.com/office/drawing/2014/main" id="{56B9AA69-E72F-16F9-0D31-83433BC8E146}"/>
+              </a:ext>
+            </a:extLst>
+          </p:cNvPr>
+          <p:cNvSpPr txBox="1"/>
+          <p:nvPr/>
+        </p:nvSpPr>
+        <p:spPr>
+          <a:xfrm>
+            <a:off x="4422912" y="384314"/>
+            <a:ext cx="3346175" cy="461665"/>
+          </a:xfrm>
+          <a:prstGeom prst="rect">
+            <a:avLst/>
+          </a:prstGeom>
+          <a:noFill/>
+        </p:spPr>
+        <p:txBody>
+          <a:bodyPr wrap="square" rtlCol="0">
+            <a:spAutoFit/>
+          </a:bodyPr>
+          <a:lstStyle/>
+          <a:p>
+            <a:pPr algn="ctr"/>
+            <a:r>
+              <a:rPr lang="en-IN" sz="2400" b="1" dirty="0">
+                <a:solidFill>
+                  <a:schemeClr val="bg1"/>
+                </a:solidFill>
+              </a:rPr>
+              <a:t>DFD Level 1</a:t>
+            </a:r>
+          </a:p>
+        </p:txBody>
+      </p:sp>
+      <p:sp>
+        <p:nvSpPr>
+          <p:cNvPr id="20" name="Rectangle 19">
+            <a:extLst>
+              <a:ext uri="{FF2B5EF4-FFF2-40B4-BE49-F238E27FC236}">
+                <a16:creationId xmlns:a16="http://schemas.microsoft.com/office/drawing/2014/main" id="{CC23E1CF-9A05-D833-B044-4F8CA6A1B755}"/>
+              </a:ext>
+            </a:extLst>
+          </p:cNvPr>
+          <p:cNvSpPr/>
+          <p:nvPr/>
+        </p:nvSpPr>
+        <p:spPr>
+          <a:xfrm>
+            <a:off x="471200" y="1978080"/>
+            <a:ext cx="2124362" cy="964516"/>
+          </a:xfrm>
+          <a:prstGeom prst="rect">
+            <a:avLst/>
+          </a:prstGeom>
+          <a:ln>
+            <a:noFill/>
+          </a:ln>
+        </p:spPr>
+        <p:style>
+          <a:lnRef idx="2">
+            <a:schemeClr val="accent1">
+              <a:shade val="15000"/>
+            </a:schemeClr>
+          </a:lnRef>
+          <a:fillRef idx="1">
+            <a:schemeClr val="accent1"/>
+          </a:fillRef>
+          <a:effectRef idx="0">
+            <a:schemeClr val="accent1"/>
+          </a:effectRef>
+          <a:fontRef idx="minor">
+            <a:schemeClr val="lt1"/>
+          </a:fontRef>
+        </p:style>
+        <p:txBody>
+          <a:bodyPr rtlCol="0" anchor="ctr"/>
+          <a:lstStyle/>
+          <a:p>
+            <a:pPr algn="ctr"/>
+            <a:r>
+              <a:rPr lang="en-IN" sz="2400" b="1" dirty="0"/>
+              <a:t>User</a:t>
+            </a:r>
+            <a:endParaRPr lang="en-IN" sz="2800" b="1" dirty="0"/>
+          </a:p>
+        </p:txBody>
+      </p:sp>
+      <p:sp>
+        <p:nvSpPr>
+          <p:cNvPr id="10" name="Oval 9">
+            <a:extLst>
+              <a:ext uri="{FF2B5EF4-FFF2-40B4-BE49-F238E27FC236}">
+                <a16:creationId xmlns:a16="http://schemas.microsoft.com/office/drawing/2014/main" id="{354067B2-E0C8-0009-D61C-3EE4853F4E32}"/>
+              </a:ext>
+            </a:extLst>
+          </p:cNvPr>
+          <p:cNvSpPr/>
+          <p:nvPr/>
+        </p:nvSpPr>
+        <p:spPr>
+          <a:xfrm>
+            <a:off x="4107868" y="1677129"/>
+            <a:ext cx="1572491" cy="1572491"/>
+          </a:xfrm>
+          <a:prstGeom prst="ellipse">
+            <a:avLst/>
+          </a:prstGeom>
+          <a:ln>
+            <a:noFill/>
+          </a:ln>
+        </p:spPr>
+        <p:style>
+          <a:lnRef idx="2">
+            <a:schemeClr val="accent1">
+              <a:shade val="15000"/>
+            </a:schemeClr>
+          </a:lnRef>
+          <a:fillRef idx="1">
+            <a:schemeClr val="accent1"/>
+          </a:fillRef>
+          <a:effectRef idx="0">
+            <a:schemeClr val="accent1"/>
+          </a:effectRef>
+          <a:fontRef idx="minor">
+            <a:schemeClr val="lt1"/>
+          </a:fontRef>
+        </p:style>
+        <p:txBody>
+          <a:bodyPr rtlCol="0" anchor="ctr"/>
+          <a:lstStyle/>
+          <a:p>
+            <a:pPr algn="ctr"/>
+            <a:r>
+              <a:rPr lang="en-US" sz="2000" b="1" dirty="0">
+                <a:latin typeface="Noto Sans" panose="020B0502040504020204" pitchFamily="34" charset="0"/>
+                <a:ea typeface="Noto Sans" panose="020B0502040504020204" pitchFamily="34" charset="0"/>
+                <a:cs typeface="Noto Sans" panose="020B0502040504020204" pitchFamily="34" charset="0"/>
+              </a:rPr>
+              <a:t>Login/Signup</a:t>
+            </a:r>
+            <a:endParaRPr lang="en-IN" sz="2000" b="1" dirty="0">
+              <a:latin typeface="Noto Sans" panose="020B0502040504020204" pitchFamily="34" charset="0"/>
+              <a:ea typeface="Noto Sans" panose="020B0502040504020204" pitchFamily="34" charset="0"/>
+              <a:cs typeface="Noto Sans" panose="020B0502040504020204" pitchFamily="34" charset="0"/>
+            </a:endParaRPr>
+          </a:p>
+        </p:txBody>
+      </p:sp>
+      <p:sp>
+        <p:nvSpPr>
+          <p:cNvPr id="13" name="Oval 12">
+            <a:extLst>
+              <a:ext uri="{FF2B5EF4-FFF2-40B4-BE49-F238E27FC236}">
+                <a16:creationId xmlns:a16="http://schemas.microsoft.com/office/drawing/2014/main" id="{CE6AA0C9-74C1-293B-E659-B2D7292322BD}"/>
+              </a:ext>
+            </a:extLst>
+          </p:cNvPr>
+          <p:cNvSpPr/>
+          <p:nvPr/>
+        </p:nvSpPr>
+        <p:spPr>
+          <a:xfrm>
+            <a:off x="9833264" y="1674093"/>
+            <a:ext cx="1572491" cy="1572491"/>
+          </a:xfrm>
+          <a:prstGeom prst="ellipse">
+            <a:avLst/>
+          </a:prstGeom>
+          <a:ln>
+            <a:noFill/>
+          </a:ln>
+        </p:spPr>
+        <p:style>
+          <a:lnRef idx="2">
+            <a:schemeClr val="accent1">
+              <a:shade val="15000"/>
+            </a:schemeClr>
+          </a:lnRef>
+          <a:fillRef idx="1">
+            <a:schemeClr val="accent1"/>
+          </a:fillRef>
+          <a:effectRef idx="0">
+            <a:schemeClr val="accent1"/>
+          </a:effectRef>
+          <a:fontRef idx="minor">
+            <a:schemeClr val="lt1"/>
+          </a:fontRef>
+        </p:style>
+        <p:txBody>
+          <a:bodyPr rtlCol="0" anchor="ctr"/>
+          <a:lstStyle/>
+          <a:p>
+            <a:pPr algn="ctr"/>
+            <a:endParaRPr lang="en-IN" b="1" dirty="0">
+              <a:latin typeface="Noto Sans" panose="020B0502040504020204" pitchFamily="34" charset="0"/>
+              <a:ea typeface="Noto Sans" panose="020B0502040504020204" pitchFamily="34" charset="0"/>
+              <a:cs typeface="Noto Sans" panose="020B0502040504020204" pitchFamily="34" charset="0"/>
+            </a:endParaRPr>
+          </a:p>
+        </p:txBody>
+      </p:sp>
+      <p:sp>
+        <p:nvSpPr>
+          <p:cNvPr id="14" name="Oval 13">
+            <a:extLst>
+              <a:ext uri="{FF2B5EF4-FFF2-40B4-BE49-F238E27FC236}">
+                <a16:creationId xmlns:a16="http://schemas.microsoft.com/office/drawing/2014/main" id="{C23427ED-61DA-1A7E-3995-F6A3DE33E59A}"/>
+              </a:ext>
+            </a:extLst>
+          </p:cNvPr>
+          <p:cNvSpPr/>
+          <p:nvPr/>
+        </p:nvSpPr>
+        <p:spPr>
+          <a:xfrm>
+            <a:off x="6982841" y="1674094"/>
+            <a:ext cx="1572491" cy="1572491"/>
+          </a:xfrm>
+          <a:prstGeom prst="ellipse">
+            <a:avLst/>
+          </a:prstGeom>
+          <a:ln>
+            <a:noFill/>
+          </a:ln>
+        </p:spPr>
+        <p:style>
+          <a:lnRef idx="2">
+            <a:schemeClr val="accent1">
+              <a:shade val="15000"/>
+            </a:schemeClr>
+          </a:lnRef>
+          <a:fillRef idx="1">
+            <a:schemeClr val="accent1"/>
+          </a:fillRef>
+          <a:effectRef idx="0">
+            <a:schemeClr val="accent1"/>
+          </a:effectRef>
+          <a:fontRef idx="minor">
+            <a:schemeClr val="lt1"/>
+          </a:fontRef>
+        </p:style>
+        <p:txBody>
+          <a:bodyPr rtlCol="0" anchor="ctr"/>
+          <a:lstStyle/>
+          <a:p>
+            <a:pPr algn="ctr"/>
+            <a:r>
+              <a:rPr lang="en-US" sz="2000" b="1" dirty="0">
+                <a:latin typeface="Noto Sans" panose="020B0502040504020204" pitchFamily="34" charset="0"/>
+                <a:ea typeface="Noto Sans" panose="020B0502040504020204" pitchFamily="34" charset="0"/>
+                <a:cs typeface="Noto Sans" panose="020B0502040504020204" pitchFamily="34" charset="0"/>
+              </a:rPr>
+              <a:t>User Profile</a:t>
+            </a:r>
+            <a:endParaRPr lang="en-IN" sz="2000" b="1" dirty="0">
+              <a:latin typeface="Noto Sans" panose="020B0502040504020204" pitchFamily="34" charset="0"/>
+              <a:ea typeface="Noto Sans" panose="020B0502040504020204" pitchFamily="34" charset="0"/>
+              <a:cs typeface="Noto Sans" panose="020B0502040504020204" pitchFamily="34" charset="0"/>
+            </a:endParaRPr>
+          </a:p>
+        </p:txBody>
+      </p:sp>
+      <p:sp>
+        <p:nvSpPr>
+          <p:cNvPr id="15" name="Oval 14">
+            <a:extLst>
+              <a:ext uri="{FF2B5EF4-FFF2-40B4-BE49-F238E27FC236}">
+                <a16:creationId xmlns:a16="http://schemas.microsoft.com/office/drawing/2014/main" id="{FCD568EC-728C-396E-8AD6-94A3FE828AEF}"/>
+              </a:ext>
+            </a:extLst>
+          </p:cNvPr>
+          <p:cNvSpPr/>
+          <p:nvPr/>
+        </p:nvSpPr>
+        <p:spPr>
+          <a:xfrm>
+            <a:off x="3692229" y="3838478"/>
+            <a:ext cx="2403772" cy="2403772"/>
+          </a:xfrm>
+          <a:prstGeom prst="ellipse">
+            <a:avLst/>
+          </a:prstGeom>
+          <a:ln>
+            <a:noFill/>
+          </a:ln>
+        </p:spPr>
+        <p:style>
+          <a:lnRef idx="2">
+            <a:schemeClr val="accent1">
+              <a:shade val="15000"/>
+            </a:schemeClr>
+          </a:lnRef>
+          <a:fillRef idx="1">
+            <a:schemeClr val="accent1"/>
+          </a:fillRef>
+          <a:effectRef idx="0">
+            <a:schemeClr val="accent1"/>
+          </a:effectRef>
+          <a:fontRef idx="minor">
+            <a:schemeClr val="lt1"/>
+          </a:fontRef>
+        </p:style>
+        <p:txBody>
+          <a:bodyPr rtlCol="0" anchor="ctr"/>
+          <a:lstStyle/>
+          <a:p>
+            <a:pPr algn="ctr"/>
+            <a:r>
+              <a:rPr lang="en-US" sz="2100" b="1" dirty="0">
+                <a:latin typeface="Noto Sans" panose="020B0502040504020204" pitchFamily="34" charset="0"/>
+                <a:ea typeface="Noto Sans" panose="020B0502040504020204" pitchFamily="34" charset="0"/>
+                <a:cs typeface="Noto Sans" panose="020B0502040504020204" pitchFamily="34" charset="0"/>
+              </a:rPr>
+              <a:t>Dashboard</a:t>
+            </a:r>
+            <a:endParaRPr lang="en-IN" sz="2100" b="1" dirty="0">
+              <a:latin typeface="Noto Sans" panose="020B0502040504020204" pitchFamily="34" charset="0"/>
+              <a:ea typeface="Noto Sans" panose="020B0502040504020204" pitchFamily="34" charset="0"/>
+              <a:cs typeface="Noto Sans" panose="020B0502040504020204" pitchFamily="34" charset="0"/>
+            </a:endParaRPr>
+          </a:p>
+        </p:txBody>
+      </p:sp>
+      <p:sp>
+        <p:nvSpPr>
+          <p:cNvPr id="16" name="Oval 15">
+            <a:extLst>
+              <a:ext uri="{FF2B5EF4-FFF2-40B4-BE49-F238E27FC236}">
+                <a16:creationId xmlns:a16="http://schemas.microsoft.com/office/drawing/2014/main" id="{8835282A-9E24-CF91-743B-2C9AEFCBCC8F}"/>
+              </a:ext>
+            </a:extLst>
+          </p:cNvPr>
+          <p:cNvSpPr/>
+          <p:nvPr/>
+        </p:nvSpPr>
+        <p:spPr>
+          <a:xfrm>
+            <a:off x="6799498" y="4012046"/>
+            <a:ext cx="2056636" cy="2056636"/>
+          </a:xfrm>
+          <a:prstGeom prst="ellipse">
+            <a:avLst/>
+          </a:prstGeom>
+          <a:ln>
+            <a:noFill/>
+          </a:ln>
+        </p:spPr>
+        <p:style>
+          <a:lnRef idx="2">
+            <a:schemeClr val="accent1">
+              <a:shade val="15000"/>
+            </a:schemeClr>
+          </a:lnRef>
+          <a:fillRef idx="1">
+            <a:schemeClr val="accent1"/>
+          </a:fillRef>
+          <a:effectRef idx="0">
+            <a:schemeClr val="accent1"/>
+          </a:effectRef>
+          <a:fontRef idx="minor">
+            <a:schemeClr val="lt1"/>
+          </a:fontRef>
+        </p:style>
+        <p:txBody>
+          <a:bodyPr rtlCol="0" anchor="ctr"/>
+          <a:lstStyle/>
+          <a:p>
+            <a:pPr algn="ctr"/>
+            <a:endParaRPr lang="en-IN" b="1" dirty="0">
+              <a:latin typeface="Noto Sans" panose="020B0502040504020204" pitchFamily="34" charset="0"/>
+              <a:ea typeface="Noto Sans" panose="020B0502040504020204" pitchFamily="34" charset="0"/>
+              <a:cs typeface="Noto Sans" panose="020B0502040504020204" pitchFamily="34" charset="0"/>
+            </a:endParaRPr>
+          </a:p>
+        </p:txBody>
+      </p:sp>
+      <p:sp>
+        <p:nvSpPr>
+          <p:cNvPr id="17" name="Oval 16">
+            <a:extLst>
+              <a:ext uri="{FF2B5EF4-FFF2-40B4-BE49-F238E27FC236}">
+                <a16:creationId xmlns:a16="http://schemas.microsoft.com/office/drawing/2014/main" id="{23E39495-67B9-173D-699F-98C24071956B}"/>
+              </a:ext>
+            </a:extLst>
+          </p:cNvPr>
+          <p:cNvSpPr/>
+          <p:nvPr/>
+        </p:nvSpPr>
+        <p:spPr>
+          <a:xfrm>
+            <a:off x="839355" y="4254119"/>
+            <a:ext cx="1572491" cy="1572491"/>
+          </a:xfrm>
+          <a:prstGeom prst="ellipse">
+            <a:avLst/>
+          </a:prstGeom>
+          <a:ln>
+            <a:noFill/>
+          </a:ln>
+        </p:spPr>
+        <p:style>
+          <a:lnRef idx="2">
+            <a:schemeClr val="accent1">
+              <a:shade val="15000"/>
+            </a:schemeClr>
+          </a:lnRef>
+          <a:fillRef idx="1">
+            <a:schemeClr val="accent1"/>
+          </a:fillRef>
+          <a:effectRef idx="0">
+            <a:schemeClr val="accent1"/>
+          </a:effectRef>
+          <a:fontRef idx="minor">
+            <a:schemeClr val="lt1"/>
+          </a:fontRef>
+        </p:style>
+        <p:txBody>
+          <a:bodyPr rtlCol="0" anchor="ctr"/>
+          <a:lstStyle/>
+          <a:p>
+            <a:pPr algn="ctr"/>
+            <a:r>
+              <a:rPr lang="en-US" sz="1700" b="1" dirty="0">
+                <a:latin typeface="Noto Sans" panose="020B0502040504020204" pitchFamily="34" charset="0"/>
+                <a:ea typeface="Noto Sans" panose="020B0502040504020204" pitchFamily="34" charset="0"/>
+                <a:cs typeface="Noto Sans" panose="020B0502040504020204" pitchFamily="34" charset="0"/>
+              </a:rPr>
+              <a:t>User Health Analysis</a:t>
+            </a:r>
+            <a:endParaRPr lang="en-IN" sz="1700" b="1" dirty="0">
+              <a:latin typeface="Noto Sans" panose="020B0502040504020204" pitchFamily="34" charset="0"/>
+              <a:ea typeface="Noto Sans" panose="020B0502040504020204" pitchFamily="34" charset="0"/>
+              <a:cs typeface="Noto Sans" panose="020B0502040504020204" pitchFamily="34" charset="0"/>
+            </a:endParaRPr>
+          </a:p>
+        </p:txBody>
+      </p:sp>
+      <p:sp>
+        <p:nvSpPr>
+          <p:cNvPr id="18" name="Oval 17">
+            <a:extLst>
+              <a:ext uri="{FF2B5EF4-FFF2-40B4-BE49-F238E27FC236}">
+                <a16:creationId xmlns:a16="http://schemas.microsoft.com/office/drawing/2014/main" id="{F071C8E4-E650-FE23-AD5D-DC27A81D9454}"/>
+              </a:ext>
+            </a:extLst>
+          </p:cNvPr>
+          <p:cNvSpPr/>
+          <p:nvPr/>
+        </p:nvSpPr>
+        <p:spPr>
+          <a:xfrm>
+            <a:off x="9833264" y="4254120"/>
+            <a:ext cx="1572491" cy="1572491"/>
+          </a:xfrm>
+          <a:prstGeom prst="ellipse">
+            <a:avLst/>
+          </a:prstGeom>
+          <a:ln>
+            <a:noFill/>
+          </a:ln>
+        </p:spPr>
+        <p:style>
+          <a:lnRef idx="2">
+            <a:schemeClr val="accent1">
+              <a:shade val="15000"/>
+            </a:schemeClr>
+          </a:lnRef>
+          <a:fillRef idx="1">
+            <a:schemeClr val="accent1"/>
+          </a:fillRef>
+          <a:effectRef idx="0">
+            <a:schemeClr val="accent1"/>
+          </a:effectRef>
+          <a:fontRef idx="minor">
+            <a:schemeClr val="lt1"/>
+          </a:fontRef>
+        </p:style>
+        <p:txBody>
+          <a:bodyPr rtlCol="0" anchor="ctr"/>
+          <a:lstStyle/>
+          <a:p>
+            <a:pPr algn="ctr"/>
+            <a:r>
+              <a:rPr lang="en-US" sz="1650" b="1" dirty="0">
+                <a:latin typeface="Noto Sans" panose="020B0502040504020204" pitchFamily="34" charset="0"/>
+                <a:ea typeface="Noto Sans" panose="020B0502040504020204" pitchFamily="34" charset="0"/>
+                <a:cs typeface="Noto Sans" panose="020B0502040504020204" pitchFamily="34" charset="0"/>
+              </a:rPr>
+              <a:t>Tracking</a:t>
+            </a:r>
+            <a:endParaRPr lang="en-IN" sz="1650" b="1" dirty="0">
+              <a:latin typeface="Noto Sans" panose="020B0502040504020204" pitchFamily="34" charset="0"/>
+              <a:ea typeface="Noto Sans" panose="020B0502040504020204" pitchFamily="34" charset="0"/>
+              <a:cs typeface="Noto Sans" panose="020B0502040504020204" pitchFamily="34" charset="0"/>
+            </a:endParaRPr>
+          </a:p>
+        </p:txBody>
+      </p:sp>
+      <p:cxnSp>
+        <p:nvCxnSpPr>
+          <p:cNvPr id="21" name="Straight Arrow Connector 20">
+            <a:extLst>
+              <a:ext uri="{FF2B5EF4-FFF2-40B4-BE49-F238E27FC236}">
+                <a16:creationId xmlns:a16="http://schemas.microsoft.com/office/drawing/2014/main" id="{929A67B1-FFCD-80EC-3CD2-A5A51F625A25}"/>
+              </a:ext>
+            </a:extLst>
+          </p:cNvPr>
+          <p:cNvCxnSpPr>
+            <a:stCxn id="20" idx="3"/>
+            <a:endCxn id="10" idx="2"/>
+          </p:cNvCxnSpPr>
+          <p:nvPr/>
+        </p:nvCxnSpPr>
+        <p:spPr>
+          <a:xfrm>
+            <a:off x="2595562" y="2460338"/>
+            <a:ext cx="1512306" cy="3037"/>
+          </a:xfrm>
+          <a:prstGeom prst="straightConnector1">
+            <a:avLst/>
+          </a:prstGeom>
+          <a:ln>
+            <a:tailEnd type="triangle"/>
+          </a:ln>
+        </p:spPr>
+        <p:style>
+          <a:lnRef idx="1">
+            <a:schemeClr val="accent1"/>
+          </a:lnRef>
+          <a:fillRef idx="0">
+            <a:schemeClr val="accent1"/>
+          </a:fillRef>
+          <a:effectRef idx="0">
+            <a:schemeClr val="accent1"/>
+          </a:effectRef>
+          <a:fontRef idx="minor">
+            <a:schemeClr val="tx1"/>
+          </a:fontRef>
+        </p:style>
+      </p:cxnSp>
+      <p:cxnSp>
+        <p:nvCxnSpPr>
+          <p:cNvPr id="24" name="Straight Arrow Connector 23">
+            <a:extLst>
+              <a:ext uri="{FF2B5EF4-FFF2-40B4-BE49-F238E27FC236}">
+                <a16:creationId xmlns:a16="http://schemas.microsoft.com/office/drawing/2014/main" id="{756CF16B-D78A-AA98-8B37-A297B9F569AB}"/>
+              </a:ext>
+            </a:extLst>
+          </p:cNvPr>
+          <p:cNvCxnSpPr>
+            <a:endCxn id="14" idx="2"/>
+          </p:cNvCxnSpPr>
+          <p:nvPr/>
+        </p:nvCxnSpPr>
+        <p:spPr>
+          <a:xfrm>
+            <a:off x="5680360" y="2460338"/>
+            <a:ext cx="1302481" cy="2"/>
+          </a:xfrm>
+          <a:prstGeom prst="straightConnector1">
+            <a:avLst/>
+          </a:prstGeom>
+          <a:ln>
+            <a:tailEnd type="triangle"/>
+          </a:ln>
+        </p:spPr>
+        <p:style>
+          <a:lnRef idx="1">
+            <a:schemeClr val="accent1"/>
+          </a:lnRef>
+          <a:fillRef idx="0">
+            <a:schemeClr val="accent1"/>
+          </a:fillRef>
+          <a:effectRef idx="0">
+            <a:schemeClr val="accent1"/>
+          </a:effectRef>
+          <a:fontRef idx="minor">
+            <a:schemeClr val="tx1"/>
+          </a:fontRef>
+        </p:style>
+      </p:cxnSp>
+      <p:sp>
+        <p:nvSpPr>
+          <p:cNvPr id="25" name="TextBox 24">
+            <a:extLst>
+              <a:ext uri="{FF2B5EF4-FFF2-40B4-BE49-F238E27FC236}">
+                <a16:creationId xmlns:a16="http://schemas.microsoft.com/office/drawing/2014/main" id="{DDBD20F9-C8DA-A21C-04AD-583FAD318796}"/>
+              </a:ext>
+            </a:extLst>
+          </p:cNvPr>
+          <p:cNvSpPr txBox="1"/>
+          <p:nvPr/>
+        </p:nvSpPr>
+        <p:spPr>
+          <a:xfrm>
+            <a:off x="6813351" y="4871086"/>
+            <a:ext cx="2129758" cy="338554"/>
+          </a:xfrm>
+          <a:prstGeom prst="rect">
+            <a:avLst/>
+          </a:prstGeom>
+          <a:noFill/>
+        </p:spPr>
+        <p:txBody>
+          <a:bodyPr wrap="square" rtlCol="0">
+            <a:spAutoFit/>
+          </a:bodyPr>
+          <a:lstStyle/>
+          <a:p>
+            <a:r>
+              <a:rPr lang="en-US" sz="1600" b="1" dirty="0">
+                <a:solidFill>
+                  <a:schemeClr val="bg1"/>
+                </a:solidFill>
+                <a:latin typeface="Noto Sans" panose="020B0502040504020204" pitchFamily="34" charset="0"/>
+                <a:ea typeface="Noto Sans" panose="020B0502040504020204" pitchFamily="34" charset="0"/>
+                <a:cs typeface="Noto Sans" panose="020B0502040504020204" pitchFamily="34" charset="0"/>
+              </a:rPr>
+              <a:t>Recommendations</a:t>
+            </a:r>
+            <a:endParaRPr lang="en-IN" sz="1600" b="1" dirty="0">
+              <a:solidFill>
+                <a:schemeClr val="bg1"/>
+              </a:solidFill>
+              <a:latin typeface="Noto Sans" panose="020B0502040504020204" pitchFamily="34" charset="0"/>
+              <a:ea typeface="Noto Sans" panose="020B0502040504020204" pitchFamily="34" charset="0"/>
+              <a:cs typeface="Noto Sans" panose="020B0502040504020204" pitchFamily="34" charset="0"/>
+            </a:endParaRPr>
+          </a:p>
+        </p:txBody>
+      </p:sp>
+      <p:sp>
+        <p:nvSpPr>
+          <p:cNvPr id="26" name="TextBox 25">
+            <a:extLst>
+              <a:ext uri="{FF2B5EF4-FFF2-40B4-BE49-F238E27FC236}">
+                <a16:creationId xmlns:a16="http://schemas.microsoft.com/office/drawing/2014/main" id="{9FCC2073-DB46-724F-ABB8-0443C71A45F9}"/>
+              </a:ext>
+            </a:extLst>
+          </p:cNvPr>
+          <p:cNvSpPr txBox="1"/>
+          <p:nvPr/>
+        </p:nvSpPr>
+        <p:spPr>
+          <a:xfrm>
+            <a:off x="9538003" y="2000089"/>
+            <a:ext cx="2203492" cy="830997"/>
+          </a:xfrm>
+          <a:prstGeom prst="rect">
+            <a:avLst/>
+          </a:prstGeom>
+          <a:noFill/>
+        </p:spPr>
+        <p:txBody>
+          <a:bodyPr wrap="square" rtlCol="0">
+            <a:spAutoFit/>
+          </a:bodyPr>
+          <a:lstStyle/>
+          <a:p>
+            <a:pPr algn="ctr"/>
+            <a:r>
+              <a:rPr lang="en-US" sz="1600" b="1" dirty="0">
+                <a:solidFill>
+                  <a:schemeClr val="bg1"/>
+                </a:solidFill>
+                <a:latin typeface="Noto Sans" panose="020B0502040504020204" pitchFamily="34" charset="0"/>
+                <a:ea typeface="Noto Sans" panose="020B0502040504020204" pitchFamily="34" charset="0"/>
+                <a:cs typeface="Noto Sans" panose="020B0502040504020204" pitchFamily="34" charset="0"/>
+              </a:rPr>
+              <a:t>Food</a:t>
+            </a:r>
+          </a:p>
+          <a:p>
+            <a:pPr algn="ctr"/>
+            <a:r>
+              <a:rPr lang="en-US" sz="1600" b="1" dirty="0">
+                <a:solidFill>
+                  <a:schemeClr val="bg1"/>
+                </a:solidFill>
+                <a:latin typeface="Noto Sans" panose="020B0502040504020204" pitchFamily="34" charset="0"/>
+                <a:ea typeface="Noto Sans" panose="020B0502040504020204" pitchFamily="34" charset="0"/>
+                <a:cs typeface="Noto Sans" panose="020B0502040504020204" pitchFamily="34" charset="0"/>
+              </a:rPr>
+              <a:t>Recognition </a:t>
+            </a:r>
+          </a:p>
+          <a:p>
+            <a:pPr algn="ctr"/>
+            <a:r>
+              <a:rPr lang="en-US" sz="1600" b="1" dirty="0">
+                <a:solidFill>
+                  <a:schemeClr val="bg1"/>
+                </a:solidFill>
+                <a:latin typeface="Noto Sans" panose="020B0502040504020204" pitchFamily="34" charset="0"/>
+                <a:ea typeface="Noto Sans" panose="020B0502040504020204" pitchFamily="34" charset="0"/>
+                <a:cs typeface="Noto Sans" panose="020B0502040504020204" pitchFamily="34" charset="0"/>
+              </a:rPr>
+              <a:t>And Analysis</a:t>
+            </a:r>
+            <a:endParaRPr lang="en-IN" sz="1600" b="1" dirty="0">
+              <a:solidFill>
+                <a:schemeClr val="bg1"/>
+              </a:solidFill>
+              <a:latin typeface="Noto Sans" panose="020B0502040504020204" pitchFamily="34" charset="0"/>
+              <a:ea typeface="Noto Sans" panose="020B0502040504020204" pitchFamily="34" charset="0"/>
+              <a:cs typeface="Noto Sans" panose="020B0502040504020204" pitchFamily="34" charset="0"/>
+            </a:endParaRPr>
+          </a:p>
+        </p:txBody>
+      </p:sp>
+      <p:cxnSp>
+        <p:nvCxnSpPr>
+          <p:cNvPr id="29" name="Straight Arrow Connector 28">
+            <a:extLst>
+              <a:ext uri="{FF2B5EF4-FFF2-40B4-BE49-F238E27FC236}">
+                <a16:creationId xmlns:a16="http://schemas.microsoft.com/office/drawing/2014/main" id="{7F527F01-E794-76BF-8435-259027AADD53}"/>
+              </a:ext>
+            </a:extLst>
+          </p:cNvPr>
+          <p:cNvCxnSpPr>
+            <a:endCxn id="15" idx="0"/>
+          </p:cNvCxnSpPr>
+          <p:nvPr/>
+        </p:nvCxnSpPr>
+        <p:spPr>
+          <a:xfrm>
+            <a:off x="4894115" y="3246584"/>
+            <a:ext cx="0" cy="591894"/>
+          </a:xfrm>
+          <a:prstGeom prst="straightConnector1">
+            <a:avLst/>
+          </a:prstGeom>
+          <a:ln>
+            <a:tailEnd type="triangle"/>
+          </a:ln>
+        </p:spPr>
+        <p:style>
+          <a:lnRef idx="1">
+            <a:schemeClr val="accent1"/>
+          </a:lnRef>
+          <a:fillRef idx="0">
+            <a:schemeClr val="accent1"/>
+          </a:fillRef>
+          <a:effectRef idx="0">
+            <a:schemeClr val="accent1"/>
+          </a:effectRef>
+          <a:fontRef idx="minor">
+            <a:schemeClr val="tx1"/>
+          </a:fontRef>
+        </p:style>
+      </p:cxnSp>
+      <p:cxnSp>
+        <p:nvCxnSpPr>
+          <p:cNvPr id="40" name="Connector: Elbow 39">
+            <a:extLst>
+              <a:ext uri="{FF2B5EF4-FFF2-40B4-BE49-F238E27FC236}">
+                <a16:creationId xmlns:a16="http://schemas.microsoft.com/office/drawing/2014/main" id="{FC16D412-3FFA-2B64-875D-9A220C631B65}"/>
+              </a:ext>
+            </a:extLst>
+          </p:cNvPr>
+          <p:cNvCxnSpPr>
+            <a:cxnSpLocks/>
+            <a:stCxn id="20" idx="0"/>
+            <a:endCxn id="13" idx="0"/>
+          </p:cNvCxnSpPr>
+          <p:nvPr/>
+        </p:nvCxnSpPr>
+        <p:spPr>
+          <a:xfrm rot="5400000" flipH="1" flipV="1">
+            <a:off x="5924452" y="-2716977"/>
+            <a:ext cx="303987" cy="9086129"/>
+          </a:xfrm>
+          <a:prstGeom prst="bentConnector3">
+            <a:avLst>
+              <a:gd name="adj1" fmla="val 233690"/>
+            </a:avLst>
+          </a:prstGeom>
+          <a:ln>
+            <a:tailEnd type="triangle"/>
+          </a:ln>
+        </p:spPr>
+        <p:style>
+          <a:lnRef idx="1">
+            <a:schemeClr val="accent1"/>
+          </a:lnRef>
+          <a:fillRef idx="0">
+            <a:schemeClr val="accent1"/>
+          </a:fillRef>
+          <a:effectRef idx="0">
+            <a:schemeClr val="accent1"/>
+          </a:effectRef>
+          <a:fontRef idx="minor">
+            <a:schemeClr val="tx1"/>
+          </a:fontRef>
+        </p:style>
+      </p:cxnSp>
+      <p:cxnSp>
+        <p:nvCxnSpPr>
+          <p:cNvPr id="46" name="Connector: Elbow 45">
+            <a:extLst>
+              <a:ext uri="{FF2B5EF4-FFF2-40B4-BE49-F238E27FC236}">
+                <a16:creationId xmlns:a16="http://schemas.microsoft.com/office/drawing/2014/main" id="{D2875336-3EE3-B735-55A4-E89C6332D484}"/>
+              </a:ext>
+            </a:extLst>
+          </p:cNvPr>
+          <p:cNvCxnSpPr>
+            <a:cxnSpLocks/>
+            <a:stCxn id="14" idx="4"/>
+            <a:endCxn id="15" idx="7"/>
+          </p:cNvCxnSpPr>
+          <p:nvPr/>
+        </p:nvCxnSpPr>
+        <p:spPr>
+          <a:xfrm rot="5400000">
+            <a:off x="6284574" y="2705988"/>
+            <a:ext cx="943917" cy="2025110"/>
+          </a:xfrm>
+          <a:prstGeom prst="bentConnector3">
+            <a:avLst>
+              <a:gd name="adj1" fmla="val 55953"/>
+            </a:avLst>
+          </a:prstGeom>
+          <a:ln>
+            <a:tailEnd type="triangle"/>
+          </a:ln>
+        </p:spPr>
+        <p:style>
+          <a:lnRef idx="1">
+            <a:schemeClr val="accent1"/>
+          </a:lnRef>
+          <a:fillRef idx="0">
+            <a:schemeClr val="accent1"/>
+          </a:fillRef>
+          <a:effectRef idx="0">
+            <a:schemeClr val="accent1"/>
+          </a:effectRef>
+          <a:fontRef idx="minor">
+            <a:schemeClr val="tx1"/>
+          </a:fontRef>
+        </p:style>
+      </p:cxnSp>
+      <p:cxnSp>
+        <p:nvCxnSpPr>
+          <p:cNvPr id="50" name="Straight Arrow Connector 49">
+            <a:extLst>
+              <a:ext uri="{FF2B5EF4-FFF2-40B4-BE49-F238E27FC236}">
+                <a16:creationId xmlns:a16="http://schemas.microsoft.com/office/drawing/2014/main" id="{F54C6B68-00FB-ADEB-E7CD-4439B440112D}"/>
+              </a:ext>
+            </a:extLst>
+          </p:cNvPr>
+          <p:cNvCxnSpPr>
+            <a:cxnSpLocks/>
+            <a:endCxn id="18" idx="0"/>
+          </p:cNvCxnSpPr>
+          <p:nvPr/>
+        </p:nvCxnSpPr>
+        <p:spPr>
+          <a:xfrm>
+            <a:off x="10619509" y="3246584"/>
+            <a:ext cx="1" cy="1007536"/>
+          </a:xfrm>
+          <a:prstGeom prst="straightConnector1">
+            <a:avLst/>
+          </a:prstGeom>
+          <a:ln>
+            <a:tailEnd type="triangle"/>
+          </a:ln>
+        </p:spPr>
+        <p:style>
+          <a:lnRef idx="1">
+            <a:schemeClr val="accent1"/>
+          </a:lnRef>
+          <a:fillRef idx="0">
+            <a:schemeClr val="accent1"/>
+          </a:fillRef>
+          <a:effectRef idx="0">
+            <a:schemeClr val="accent1"/>
+          </a:effectRef>
+          <a:fontRef idx="minor">
+            <a:schemeClr val="tx1"/>
+          </a:fontRef>
+        </p:style>
+      </p:cxnSp>
+      <p:cxnSp>
+        <p:nvCxnSpPr>
+          <p:cNvPr id="56" name="Straight Arrow Connector 55">
+            <a:extLst>
+              <a:ext uri="{FF2B5EF4-FFF2-40B4-BE49-F238E27FC236}">
+                <a16:creationId xmlns:a16="http://schemas.microsoft.com/office/drawing/2014/main" id="{5D6243CA-0272-1965-4309-52A5954D5885}"/>
+              </a:ext>
+            </a:extLst>
+          </p:cNvPr>
+          <p:cNvCxnSpPr>
+            <a:cxnSpLocks/>
+            <a:stCxn id="25" idx="1"/>
+            <a:endCxn id="15" idx="6"/>
+          </p:cNvCxnSpPr>
+          <p:nvPr/>
+        </p:nvCxnSpPr>
+        <p:spPr>
+          <a:xfrm flipH="1">
+            <a:off x="6096001" y="5040363"/>
+            <a:ext cx="717350" cy="1"/>
+          </a:xfrm>
+          <a:prstGeom prst="straightConnector1">
+            <a:avLst/>
+          </a:prstGeom>
+          <a:ln>
+            <a:tailEnd type="triangle"/>
+          </a:ln>
+        </p:spPr>
+        <p:style>
+          <a:lnRef idx="1">
+            <a:schemeClr val="accent1"/>
+          </a:lnRef>
+          <a:fillRef idx="0">
+            <a:schemeClr val="accent1"/>
+          </a:fillRef>
+          <a:effectRef idx="0">
+            <a:schemeClr val="accent1"/>
+          </a:effectRef>
+          <a:fontRef idx="minor">
+            <a:schemeClr val="tx1"/>
+          </a:fontRef>
+        </p:style>
+      </p:cxnSp>
+      <p:cxnSp>
+        <p:nvCxnSpPr>
+          <p:cNvPr id="61" name="Connector: Elbow 60">
+            <a:extLst>
+              <a:ext uri="{FF2B5EF4-FFF2-40B4-BE49-F238E27FC236}">
+                <a16:creationId xmlns:a16="http://schemas.microsoft.com/office/drawing/2014/main" id="{284D558F-8738-42FA-8EE4-E60E2F5E528C}"/>
+              </a:ext>
+            </a:extLst>
+          </p:cNvPr>
+          <p:cNvCxnSpPr>
+            <a:stCxn id="17" idx="4"/>
+            <a:endCxn id="16" idx="4"/>
+          </p:cNvCxnSpPr>
+          <p:nvPr/>
+        </p:nvCxnSpPr>
+        <p:spPr>
+          <a:xfrm rot="16200000" flipH="1">
+            <a:off x="4605672" y="2846538"/>
+            <a:ext cx="242072" cy="6202215"/>
+          </a:xfrm>
+          <a:prstGeom prst="bentConnector3">
+            <a:avLst>
+              <a:gd name="adj1" fmla="val 309856"/>
+            </a:avLst>
+          </a:prstGeom>
+          <a:ln>
+            <a:tailEnd type="triangle"/>
+          </a:ln>
+        </p:spPr>
+        <p:style>
+          <a:lnRef idx="1">
+            <a:schemeClr val="accent1"/>
+          </a:lnRef>
+          <a:fillRef idx="0">
+            <a:schemeClr val="accent1"/>
+          </a:fillRef>
+          <a:effectRef idx="0">
+            <a:schemeClr val="accent1"/>
+          </a:effectRef>
+          <a:fontRef idx="minor">
+            <a:schemeClr val="tx1"/>
+          </a:fontRef>
+        </p:style>
+      </p:cxnSp>
+      <p:cxnSp>
+        <p:nvCxnSpPr>
+          <p:cNvPr id="65" name="Connector: Elbow 64">
+            <a:extLst>
+              <a:ext uri="{FF2B5EF4-FFF2-40B4-BE49-F238E27FC236}">
+                <a16:creationId xmlns:a16="http://schemas.microsoft.com/office/drawing/2014/main" id="{82477834-84D4-613A-0CDC-5E69BB12C9C9}"/>
+              </a:ext>
+            </a:extLst>
+          </p:cNvPr>
+          <p:cNvCxnSpPr>
+            <a:stCxn id="15" idx="5"/>
+            <a:endCxn id="18" idx="4"/>
+          </p:cNvCxnSpPr>
+          <p:nvPr/>
+        </p:nvCxnSpPr>
+        <p:spPr>
+          <a:xfrm rot="5400000" flipH="1" flipV="1">
+            <a:off x="8149935" y="3420652"/>
+            <a:ext cx="63615" cy="4875533"/>
+          </a:xfrm>
+          <a:prstGeom prst="bentConnector3">
+            <a:avLst>
+              <a:gd name="adj1" fmla="val -619912"/>
+            </a:avLst>
+          </a:prstGeom>
+          <a:ln>
+            <a:tailEnd type="triangle"/>
+          </a:ln>
+        </p:spPr>
+        <p:style>
+          <a:lnRef idx="1">
+            <a:schemeClr val="accent1"/>
+          </a:lnRef>
+          <a:fillRef idx="0">
+            <a:schemeClr val="accent1"/>
+          </a:fillRef>
+          <a:effectRef idx="0">
+            <a:schemeClr val="accent1"/>
+          </a:effectRef>
+          <a:fontRef idx="minor">
+            <a:schemeClr val="tx1"/>
+          </a:fontRef>
+        </p:style>
+      </p:cxnSp>
+      <p:cxnSp>
+        <p:nvCxnSpPr>
+          <p:cNvPr id="71" name="Connector: Elbow 70">
+            <a:extLst>
+              <a:ext uri="{FF2B5EF4-FFF2-40B4-BE49-F238E27FC236}">
+                <a16:creationId xmlns:a16="http://schemas.microsoft.com/office/drawing/2014/main" id="{8527F49A-5932-E039-758E-44CAB10C152B}"/>
+              </a:ext>
+            </a:extLst>
+          </p:cNvPr>
+          <p:cNvCxnSpPr>
+            <a:stCxn id="14" idx="3"/>
+            <a:endCxn id="17" idx="0"/>
+          </p:cNvCxnSpPr>
+          <p:nvPr/>
+        </p:nvCxnSpPr>
+        <p:spPr>
+          <a:xfrm rot="5400000">
+            <a:off x="3800454" y="841446"/>
+            <a:ext cx="1237820" cy="5587526"/>
+          </a:xfrm>
+          <a:prstGeom prst="bentConnector3">
+            <a:avLst>
+              <a:gd name="adj1" fmla="val 34952"/>
+            </a:avLst>
+          </a:prstGeom>
+          <a:ln>
+            <a:tailEnd type="triangle"/>
+          </a:ln>
+        </p:spPr>
+        <p:style>
+          <a:lnRef idx="1">
+            <a:schemeClr val="accent1"/>
+          </a:lnRef>
+          <a:fillRef idx="0">
+            <a:schemeClr val="accent1"/>
+          </a:fillRef>
+          <a:effectRef idx="0">
+            <a:schemeClr val="accent1"/>
+          </a:effectRef>
+          <a:fontRef idx="minor">
+            <a:schemeClr val="tx1"/>
+          </a:fontRef>
+        </p:style>
+      </p:cxnSp>
+      <p:cxnSp>
+        <p:nvCxnSpPr>
+          <p:cNvPr id="77" name="Straight Arrow Connector 76">
+            <a:extLst>
+              <a:ext uri="{FF2B5EF4-FFF2-40B4-BE49-F238E27FC236}">
+                <a16:creationId xmlns:a16="http://schemas.microsoft.com/office/drawing/2014/main" id="{E0FFF599-3708-9195-3FD0-5862F66D4C6D}"/>
+              </a:ext>
+            </a:extLst>
+          </p:cNvPr>
+          <p:cNvCxnSpPr>
+            <a:endCxn id="15" idx="2"/>
+          </p:cNvCxnSpPr>
+          <p:nvPr/>
+        </p:nvCxnSpPr>
+        <p:spPr>
+          <a:xfrm>
+            <a:off x="2417419" y="5040363"/>
+            <a:ext cx="1274810" cy="1"/>
+          </a:xfrm>
+          <a:prstGeom prst="straightConnector1">
+            <a:avLst/>
+          </a:prstGeom>
+          <a:ln>
+            <a:tailEnd type="triangle"/>
+          </a:ln>
+        </p:spPr>
+        <p:style>
+          <a:lnRef idx="1">
+            <a:schemeClr val="accent1"/>
+          </a:lnRef>
+          <a:fillRef idx="0">
+            <a:schemeClr val="accent1"/>
+          </a:fillRef>
+          <a:effectRef idx="0">
+            <a:schemeClr val="accent1"/>
+          </a:effectRef>
+          <a:fontRef idx="minor">
+            <a:schemeClr val="tx1"/>
+          </a:fontRef>
+        </p:style>
+      </p:cxnSp>
+    </p:spTree>
+    <p:extLst>
+      <p:ext uri="{BB962C8B-B14F-4D97-AF65-F5344CB8AC3E}">
+        <p14:creationId xmlns:p14="http://schemas.microsoft.com/office/powerpoint/2010/main" val="320473428"/>
+      </p:ext>
+    </p:extLst>
+  </p:cSld>
+  <p:clrMapOvr>
+    <a:masterClrMapping/>
+  </p:clrMapOvr>
+  <mc:AlternateContent xmlns:mc="http://schemas.openxmlformats.org/markup-compatibility/2006" xmlns:p159="http://schemas.microsoft.com/office/powerpoint/2015/09/main">
+    <mc:Choice Requires="p159">
+      <p:transition xmlns:p14="http://schemas.microsoft.com/office/powerpoint/2010/main" spd="slow" p14:dur="1500">
+        <p159:morph option="byObject"/>
+      </p:transition>
+    </mc:Choice>
+    <mc:Fallback xmlns="">
+      <p:transition spd="slow">
+        <p:fade/>
+      </p:transition>
+    </mc:Fallback>
+  </mc:AlternateContent>
+</p:sld>
+</file>
+
 <file path=ppt/slides/slide2.xml><?xml version="1.0" encoding="utf-8"?>
 <p:sld xmlns:a="http://schemas.openxmlformats.org/drawingml/2006/main" xmlns:r="http://schemas.openxmlformats.org/officeDocument/2006/relationships" xmlns:p="http://schemas.openxmlformats.org/presentationml/2006/main">
   <p:cSld>
@@ -4687,6 +6063,11 @@
           <a:prstGeom prst="rect">
             <a:avLst/>
           </a:prstGeom>
+          <a:solidFill>
+            <a:schemeClr val="accent2">
+              <a:lumMod val="75000"/>
+            </a:schemeClr>
+          </a:solidFill>
           <a:ln>
             <a:noFill/>
           </a:ln>
@@ -4756,1276 +6137,10 @@
           </a:p>
         </p:txBody>
       </p:sp>
-      <p:sp>
-        <p:nvSpPr>
-          <p:cNvPr id="6" name="Oval 5">
-            <a:extLst>
-              <a:ext uri="{FF2B5EF4-FFF2-40B4-BE49-F238E27FC236}">
-                <a16:creationId xmlns:a16="http://schemas.microsoft.com/office/drawing/2014/main" id="{5CE003E8-DCAE-D004-56CF-479BBCB93B5C}"/>
-              </a:ext>
-            </a:extLst>
-          </p:cNvPr>
-          <p:cNvSpPr/>
-          <p:nvPr/>
-        </p:nvSpPr>
-        <p:spPr>
-          <a:xfrm>
-            <a:off x="748748" y="1364976"/>
-            <a:ext cx="2577548" cy="706967"/>
-          </a:xfrm>
-          <a:prstGeom prst="ellipse">
-            <a:avLst/>
-          </a:prstGeom>
-          <a:ln>
-            <a:noFill/>
-          </a:ln>
-        </p:spPr>
-        <p:style>
-          <a:lnRef idx="2">
-            <a:schemeClr val="accent1">
-              <a:shade val="15000"/>
-            </a:schemeClr>
-          </a:lnRef>
-          <a:fillRef idx="1">
-            <a:schemeClr val="accent1"/>
-          </a:fillRef>
-          <a:effectRef idx="0">
-            <a:schemeClr val="accent1"/>
-          </a:effectRef>
-          <a:fontRef idx="minor">
-            <a:schemeClr val="lt1"/>
-          </a:fontRef>
-        </p:style>
-        <p:txBody>
-          <a:bodyPr rtlCol="0" anchor="ctr"/>
-          <a:lstStyle/>
-          <a:p>
-            <a:pPr algn="ctr"/>
-            <a:endParaRPr lang="en-IN"/>
-          </a:p>
-        </p:txBody>
-      </p:sp>
-      <p:sp>
-        <p:nvSpPr>
-          <p:cNvPr id="8" name="Oval 7">
-            <a:extLst>
-              <a:ext uri="{FF2B5EF4-FFF2-40B4-BE49-F238E27FC236}">
-                <a16:creationId xmlns:a16="http://schemas.microsoft.com/office/drawing/2014/main" id="{2BE1C3EF-3E2E-2BB2-227A-0F0004A71D40}"/>
-              </a:ext>
-            </a:extLst>
-          </p:cNvPr>
-          <p:cNvSpPr/>
-          <p:nvPr/>
-        </p:nvSpPr>
-        <p:spPr>
-          <a:xfrm>
-            <a:off x="748748" y="2259498"/>
-            <a:ext cx="2577548" cy="706967"/>
-          </a:xfrm>
-          <a:prstGeom prst="ellipse">
-            <a:avLst/>
-          </a:prstGeom>
-          <a:ln>
-            <a:noFill/>
-          </a:ln>
-        </p:spPr>
-        <p:style>
-          <a:lnRef idx="2">
-            <a:schemeClr val="accent1">
-              <a:shade val="15000"/>
-            </a:schemeClr>
-          </a:lnRef>
-          <a:fillRef idx="1">
-            <a:schemeClr val="accent1"/>
-          </a:fillRef>
-          <a:effectRef idx="0">
-            <a:schemeClr val="accent1"/>
-          </a:effectRef>
-          <a:fontRef idx="minor">
-            <a:schemeClr val="lt1"/>
-          </a:fontRef>
-        </p:style>
-        <p:txBody>
-          <a:bodyPr rtlCol="0" anchor="ctr"/>
-          <a:lstStyle/>
-          <a:p>
-            <a:pPr algn="ctr"/>
-            <a:endParaRPr lang="en-IN"/>
-          </a:p>
-        </p:txBody>
-      </p:sp>
-      <p:sp>
-        <p:nvSpPr>
-          <p:cNvPr id="10" name="Oval 9">
-            <a:extLst>
-              <a:ext uri="{FF2B5EF4-FFF2-40B4-BE49-F238E27FC236}">
-                <a16:creationId xmlns:a16="http://schemas.microsoft.com/office/drawing/2014/main" id="{28575978-03DA-397F-C9E9-A32576B0AFD2}"/>
-              </a:ext>
-            </a:extLst>
-          </p:cNvPr>
-          <p:cNvSpPr/>
-          <p:nvPr/>
-        </p:nvSpPr>
-        <p:spPr>
-          <a:xfrm>
-            <a:off x="748748" y="3154020"/>
-            <a:ext cx="2577548" cy="706967"/>
-          </a:xfrm>
-          <a:prstGeom prst="ellipse">
-            <a:avLst/>
-          </a:prstGeom>
-          <a:ln>
-            <a:noFill/>
-          </a:ln>
-        </p:spPr>
-        <p:style>
-          <a:lnRef idx="2">
-            <a:schemeClr val="accent1">
-              <a:shade val="15000"/>
-            </a:schemeClr>
-          </a:lnRef>
-          <a:fillRef idx="1">
-            <a:schemeClr val="accent1"/>
-          </a:fillRef>
-          <a:effectRef idx="0">
-            <a:schemeClr val="accent1"/>
-          </a:effectRef>
-          <a:fontRef idx="minor">
-            <a:schemeClr val="lt1"/>
-          </a:fontRef>
-        </p:style>
-        <p:txBody>
-          <a:bodyPr rtlCol="0" anchor="ctr"/>
-          <a:lstStyle/>
-          <a:p>
-            <a:pPr algn="ctr"/>
-            <a:endParaRPr lang="en-IN"/>
-          </a:p>
-        </p:txBody>
-      </p:sp>
-      <p:sp>
-        <p:nvSpPr>
-          <p:cNvPr id="11" name="Oval 10">
-            <a:extLst>
-              <a:ext uri="{FF2B5EF4-FFF2-40B4-BE49-F238E27FC236}">
-                <a16:creationId xmlns:a16="http://schemas.microsoft.com/office/drawing/2014/main" id="{4D7C34E2-073E-2774-A2CF-AF887490F452}"/>
-              </a:ext>
-            </a:extLst>
-          </p:cNvPr>
-          <p:cNvSpPr/>
-          <p:nvPr/>
-        </p:nvSpPr>
-        <p:spPr>
-          <a:xfrm>
-            <a:off x="748748" y="4048542"/>
-            <a:ext cx="2577548" cy="706967"/>
-          </a:xfrm>
-          <a:prstGeom prst="ellipse">
-            <a:avLst/>
-          </a:prstGeom>
-          <a:ln>
-            <a:noFill/>
-          </a:ln>
-        </p:spPr>
-        <p:style>
-          <a:lnRef idx="2">
-            <a:schemeClr val="accent1">
-              <a:shade val="15000"/>
-            </a:schemeClr>
-          </a:lnRef>
-          <a:fillRef idx="1">
-            <a:schemeClr val="accent1"/>
-          </a:fillRef>
-          <a:effectRef idx="0">
-            <a:schemeClr val="accent1"/>
-          </a:effectRef>
-          <a:fontRef idx="minor">
-            <a:schemeClr val="lt1"/>
-          </a:fontRef>
-        </p:style>
-        <p:txBody>
-          <a:bodyPr rtlCol="0" anchor="ctr"/>
-          <a:lstStyle/>
-          <a:p>
-            <a:pPr algn="ctr"/>
-            <a:endParaRPr lang="en-IN"/>
-          </a:p>
-        </p:txBody>
-      </p:sp>
-      <p:sp>
-        <p:nvSpPr>
-          <p:cNvPr id="12" name="Oval 11">
-            <a:extLst>
-              <a:ext uri="{FF2B5EF4-FFF2-40B4-BE49-F238E27FC236}">
-                <a16:creationId xmlns:a16="http://schemas.microsoft.com/office/drawing/2014/main" id="{9F320693-D876-BF1B-E881-BF6332E621B3}"/>
-              </a:ext>
-            </a:extLst>
-          </p:cNvPr>
-          <p:cNvSpPr/>
-          <p:nvPr/>
-        </p:nvSpPr>
-        <p:spPr>
-          <a:xfrm>
-            <a:off x="748748" y="4943064"/>
-            <a:ext cx="2577548" cy="706967"/>
-          </a:xfrm>
-          <a:prstGeom prst="ellipse">
-            <a:avLst/>
-          </a:prstGeom>
-          <a:ln>
-            <a:noFill/>
-          </a:ln>
-        </p:spPr>
-        <p:style>
-          <a:lnRef idx="2">
-            <a:schemeClr val="accent1">
-              <a:shade val="15000"/>
-            </a:schemeClr>
-          </a:lnRef>
-          <a:fillRef idx="1">
-            <a:schemeClr val="accent1"/>
-          </a:fillRef>
-          <a:effectRef idx="0">
-            <a:schemeClr val="accent1"/>
-          </a:effectRef>
-          <a:fontRef idx="minor">
-            <a:schemeClr val="lt1"/>
-          </a:fontRef>
-        </p:style>
-        <p:txBody>
-          <a:bodyPr rtlCol="0" anchor="ctr"/>
-          <a:lstStyle/>
-          <a:p>
-            <a:pPr algn="ctr"/>
-            <a:endParaRPr lang="en-IN"/>
-          </a:p>
-        </p:txBody>
-      </p:sp>
-      <p:sp>
-        <p:nvSpPr>
-          <p:cNvPr id="13" name="Oval 12">
-            <a:extLst>
-              <a:ext uri="{FF2B5EF4-FFF2-40B4-BE49-F238E27FC236}">
-                <a16:creationId xmlns:a16="http://schemas.microsoft.com/office/drawing/2014/main" id="{AD9997E9-F630-C35F-D3E2-906B386B0912}"/>
-              </a:ext>
-            </a:extLst>
-          </p:cNvPr>
-          <p:cNvSpPr/>
-          <p:nvPr/>
-        </p:nvSpPr>
-        <p:spPr>
-          <a:xfrm>
-            <a:off x="748748" y="5837586"/>
-            <a:ext cx="2577548" cy="706967"/>
-          </a:xfrm>
-          <a:prstGeom prst="ellipse">
-            <a:avLst/>
-          </a:prstGeom>
-          <a:ln>
-            <a:noFill/>
-          </a:ln>
-        </p:spPr>
-        <p:style>
-          <a:lnRef idx="2">
-            <a:schemeClr val="accent1">
-              <a:shade val="15000"/>
-            </a:schemeClr>
-          </a:lnRef>
-          <a:fillRef idx="1">
-            <a:schemeClr val="accent1"/>
-          </a:fillRef>
-          <a:effectRef idx="0">
-            <a:schemeClr val="accent1"/>
-          </a:effectRef>
-          <a:fontRef idx="minor">
-            <a:schemeClr val="lt1"/>
-          </a:fontRef>
-        </p:style>
-        <p:txBody>
-          <a:bodyPr rtlCol="0" anchor="ctr"/>
-          <a:lstStyle/>
-          <a:p>
-            <a:pPr algn="ctr"/>
-            <a:endParaRPr lang="en-IN"/>
-          </a:p>
-        </p:txBody>
-      </p:sp>
-      <p:sp>
-        <p:nvSpPr>
-          <p:cNvPr id="14" name="Oval 13">
-            <a:extLst>
-              <a:ext uri="{FF2B5EF4-FFF2-40B4-BE49-F238E27FC236}">
-                <a16:creationId xmlns:a16="http://schemas.microsoft.com/office/drawing/2014/main" id="{678A5150-885C-5CCE-EC5A-ADDC9FD99E79}"/>
-              </a:ext>
-            </a:extLst>
-          </p:cNvPr>
-          <p:cNvSpPr/>
-          <p:nvPr/>
-        </p:nvSpPr>
-        <p:spPr>
-          <a:xfrm>
-            <a:off x="8698395" y="1364976"/>
-            <a:ext cx="2577548" cy="706967"/>
-          </a:xfrm>
-          <a:prstGeom prst="ellipse">
-            <a:avLst/>
-          </a:prstGeom>
-          <a:ln>
-            <a:noFill/>
-          </a:ln>
-        </p:spPr>
-        <p:style>
-          <a:lnRef idx="2">
-            <a:schemeClr val="accent1">
-              <a:shade val="15000"/>
-            </a:schemeClr>
-          </a:lnRef>
-          <a:fillRef idx="1">
-            <a:schemeClr val="accent1"/>
-          </a:fillRef>
-          <a:effectRef idx="0">
-            <a:schemeClr val="accent1"/>
-          </a:effectRef>
-          <a:fontRef idx="minor">
-            <a:schemeClr val="lt1"/>
-          </a:fontRef>
-        </p:style>
-        <p:txBody>
-          <a:bodyPr rtlCol="0" anchor="ctr"/>
-          <a:lstStyle/>
-          <a:p>
-            <a:pPr algn="ctr"/>
-            <a:endParaRPr lang="en-IN"/>
-          </a:p>
-        </p:txBody>
-      </p:sp>
-      <p:sp>
-        <p:nvSpPr>
-          <p:cNvPr id="15" name="Oval 14">
-            <a:extLst>
-              <a:ext uri="{FF2B5EF4-FFF2-40B4-BE49-F238E27FC236}">
-                <a16:creationId xmlns:a16="http://schemas.microsoft.com/office/drawing/2014/main" id="{8D57A61F-5073-12E3-C573-BE996CEA53FD}"/>
-              </a:ext>
-            </a:extLst>
-          </p:cNvPr>
-          <p:cNvSpPr/>
-          <p:nvPr/>
-        </p:nvSpPr>
-        <p:spPr>
-          <a:xfrm>
-            <a:off x="8698395" y="2259498"/>
-            <a:ext cx="2577548" cy="706967"/>
-          </a:xfrm>
-          <a:prstGeom prst="ellipse">
-            <a:avLst/>
-          </a:prstGeom>
-          <a:ln>
-            <a:noFill/>
-          </a:ln>
-        </p:spPr>
-        <p:style>
-          <a:lnRef idx="2">
-            <a:schemeClr val="accent1">
-              <a:shade val="15000"/>
-            </a:schemeClr>
-          </a:lnRef>
-          <a:fillRef idx="1">
-            <a:schemeClr val="accent1"/>
-          </a:fillRef>
-          <a:effectRef idx="0">
-            <a:schemeClr val="accent1"/>
-          </a:effectRef>
-          <a:fontRef idx="minor">
-            <a:schemeClr val="lt1"/>
-          </a:fontRef>
-        </p:style>
-        <p:txBody>
-          <a:bodyPr rtlCol="0" anchor="ctr"/>
-          <a:lstStyle/>
-          <a:p>
-            <a:pPr algn="ctr"/>
-            <a:endParaRPr lang="en-IN"/>
-          </a:p>
-        </p:txBody>
-      </p:sp>
-      <p:sp>
-        <p:nvSpPr>
-          <p:cNvPr id="16" name="Oval 15">
-            <a:extLst>
-              <a:ext uri="{FF2B5EF4-FFF2-40B4-BE49-F238E27FC236}">
-                <a16:creationId xmlns:a16="http://schemas.microsoft.com/office/drawing/2014/main" id="{AC183B41-1EC0-C075-8A60-E12C5EF4193D}"/>
-              </a:ext>
-            </a:extLst>
-          </p:cNvPr>
-          <p:cNvSpPr/>
-          <p:nvPr/>
-        </p:nvSpPr>
-        <p:spPr>
-          <a:xfrm>
-            <a:off x="8698395" y="3154020"/>
-            <a:ext cx="2577548" cy="706967"/>
-          </a:xfrm>
-          <a:prstGeom prst="ellipse">
-            <a:avLst/>
-          </a:prstGeom>
-          <a:ln>
-            <a:noFill/>
-          </a:ln>
-        </p:spPr>
-        <p:style>
-          <a:lnRef idx="2">
-            <a:schemeClr val="accent1">
-              <a:shade val="15000"/>
-            </a:schemeClr>
-          </a:lnRef>
-          <a:fillRef idx="1">
-            <a:schemeClr val="accent1"/>
-          </a:fillRef>
-          <a:effectRef idx="0">
-            <a:schemeClr val="accent1"/>
-          </a:effectRef>
-          <a:fontRef idx="minor">
-            <a:schemeClr val="lt1"/>
-          </a:fontRef>
-        </p:style>
-        <p:txBody>
-          <a:bodyPr rtlCol="0" anchor="ctr"/>
-          <a:lstStyle/>
-          <a:p>
-            <a:pPr algn="ctr"/>
-            <a:endParaRPr lang="en-IN"/>
-          </a:p>
-        </p:txBody>
-      </p:sp>
-      <p:sp>
-        <p:nvSpPr>
-          <p:cNvPr id="17" name="Oval 16">
-            <a:extLst>
-              <a:ext uri="{FF2B5EF4-FFF2-40B4-BE49-F238E27FC236}">
-                <a16:creationId xmlns:a16="http://schemas.microsoft.com/office/drawing/2014/main" id="{A938D75D-5187-89C4-659D-2EDFB5471D02}"/>
-              </a:ext>
-            </a:extLst>
-          </p:cNvPr>
-          <p:cNvSpPr/>
-          <p:nvPr/>
-        </p:nvSpPr>
-        <p:spPr>
-          <a:xfrm>
-            <a:off x="8698395" y="4048542"/>
-            <a:ext cx="2577548" cy="706967"/>
-          </a:xfrm>
-          <a:prstGeom prst="ellipse">
-            <a:avLst/>
-          </a:prstGeom>
-          <a:ln>
-            <a:noFill/>
-          </a:ln>
-        </p:spPr>
-        <p:style>
-          <a:lnRef idx="2">
-            <a:schemeClr val="accent1">
-              <a:shade val="15000"/>
-            </a:schemeClr>
-          </a:lnRef>
-          <a:fillRef idx="1">
-            <a:schemeClr val="accent1"/>
-          </a:fillRef>
-          <a:effectRef idx="0">
-            <a:schemeClr val="accent1"/>
-          </a:effectRef>
-          <a:fontRef idx="minor">
-            <a:schemeClr val="lt1"/>
-          </a:fontRef>
-        </p:style>
-        <p:txBody>
-          <a:bodyPr rtlCol="0" anchor="ctr"/>
-          <a:lstStyle/>
-          <a:p>
-            <a:pPr algn="ctr"/>
-            <a:endParaRPr lang="en-IN"/>
-          </a:p>
-        </p:txBody>
-      </p:sp>
-      <p:sp>
-        <p:nvSpPr>
-          <p:cNvPr id="18" name="Oval 17">
-            <a:extLst>
-              <a:ext uri="{FF2B5EF4-FFF2-40B4-BE49-F238E27FC236}">
-                <a16:creationId xmlns:a16="http://schemas.microsoft.com/office/drawing/2014/main" id="{69B9936A-973A-5EB6-D060-A2B12001DD81}"/>
-              </a:ext>
-            </a:extLst>
-          </p:cNvPr>
-          <p:cNvSpPr/>
-          <p:nvPr/>
-        </p:nvSpPr>
-        <p:spPr>
-          <a:xfrm>
-            <a:off x="8698395" y="4943064"/>
-            <a:ext cx="2577548" cy="706967"/>
-          </a:xfrm>
-          <a:prstGeom prst="ellipse">
-            <a:avLst/>
-          </a:prstGeom>
-          <a:ln>
-            <a:noFill/>
-          </a:ln>
-        </p:spPr>
-        <p:style>
-          <a:lnRef idx="2">
-            <a:schemeClr val="accent1">
-              <a:shade val="15000"/>
-            </a:schemeClr>
-          </a:lnRef>
-          <a:fillRef idx="1">
-            <a:schemeClr val="accent1"/>
-          </a:fillRef>
-          <a:effectRef idx="0">
-            <a:schemeClr val="accent1"/>
-          </a:effectRef>
-          <a:fontRef idx="minor">
-            <a:schemeClr val="lt1"/>
-          </a:fontRef>
-        </p:style>
-        <p:txBody>
-          <a:bodyPr rtlCol="0" anchor="ctr"/>
-          <a:lstStyle/>
-          <a:p>
-            <a:pPr algn="ctr"/>
-            <a:endParaRPr lang="en-IN"/>
-          </a:p>
-        </p:txBody>
-      </p:sp>
-      <p:sp>
-        <p:nvSpPr>
-          <p:cNvPr id="19" name="Oval 18">
-            <a:extLst>
-              <a:ext uri="{FF2B5EF4-FFF2-40B4-BE49-F238E27FC236}">
-                <a16:creationId xmlns:a16="http://schemas.microsoft.com/office/drawing/2014/main" id="{51877F43-3605-500D-9535-AC76E62CFF87}"/>
-              </a:ext>
-            </a:extLst>
-          </p:cNvPr>
-          <p:cNvSpPr/>
-          <p:nvPr/>
-        </p:nvSpPr>
-        <p:spPr>
-          <a:xfrm>
-            <a:off x="8698395" y="5837586"/>
-            <a:ext cx="2577548" cy="706967"/>
-          </a:xfrm>
-          <a:prstGeom prst="ellipse">
-            <a:avLst/>
-          </a:prstGeom>
-          <a:ln>
-            <a:noFill/>
-          </a:ln>
-        </p:spPr>
-        <p:style>
-          <a:lnRef idx="2">
-            <a:schemeClr val="accent1">
-              <a:shade val="15000"/>
-            </a:schemeClr>
-          </a:lnRef>
-          <a:fillRef idx="1">
-            <a:schemeClr val="accent1"/>
-          </a:fillRef>
-          <a:effectRef idx="0">
-            <a:schemeClr val="accent1"/>
-          </a:effectRef>
-          <a:fontRef idx="minor">
-            <a:schemeClr val="lt1"/>
-          </a:fontRef>
-        </p:style>
-        <p:txBody>
-          <a:bodyPr rtlCol="0" anchor="ctr"/>
-          <a:lstStyle/>
-          <a:p>
-            <a:pPr algn="ctr"/>
-            <a:endParaRPr lang="en-IN"/>
-          </a:p>
-        </p:txBody>
-      </p:sp>
-      <p:sp>
-        <p:nvSpPr>
-          <p:cNvPr id="23" name="Rectangle: Rounded Corners 22">
-            <a:extLst>
-              <a:ext uri="{FF2B5EF4-FFF2-40B4-BE49-F238E27FC236}">
-                <a16:creationId xmlns:a16="http://schemas.microsoft.com/office/drawing/2014/main" id="{3B51B399-A0CC-2E45-A89B-91B36AD0EF4B}"/>
-              </a:ext>
-            </a:extLst>
-          </p:cNvPr>
-          <p:cNvSpPr/>
-          <p:nvPr/>
-        </p:nvSpPr>
-        <p:spPr>
-          <a:xfrm>
-            <a:off x="5088834" y="2491409"/>
-            <a:ext cx="2014330" cy="2902226"/>
-          </a:xfrm>
-          <a:prstGeom prst="roundRect">
-            <a:avLst/>
-          </a:prstGeom>
-          <a:solidFill>
-            <a:schemeClr val="tx1">
-              <a:alpha val="57000"/>
-            </a:schemeClr>
-          </a:solidFill>
-          <a:ln>
-            <a:noFill/>
-          </a:ln>
-        </p:spPr>
-        <p:style>
-          <a:lnRef idx="2">
-            <a:schemeClr val="accent1">
-              <a:shade val="15000"/>
-            </a:schemeClr>
-          </a:lnRef>
-          <a:fillRef idx="1">
-            <a:schemeClr val="accent1"/>
-          </a:fillRef>
-          <a:effectRef idx="0">
-            <a:schemeClr val="accent1"/>
-          </a:effectRef>
-          <a:fontRef idx="minor">
-            <a:schemeClr val="lt1"/>
-          </a:fontRef>
-        </p:style>
-        <p:txBody>
-          <a:bodyPr rtlCol="0" anchor="ctr"/>
-          <a:lstStyle/>
-          <a:p>
-            <a:pPr algn="ctr"/>
-            <a:endParaRPr lang="en-IN"/>
-          </a:p>
-        </p:txBody>
-      </p:sp>
-      <p:pic>
-        <p:nvPicPr>
-          <p:cNvPr id="22" name="Picture 21" descr="A black background with a black square&#10;&#10;Description automatically generated with medium confidence">
-            <a:extLst>
-              <a:ext uri="{FF2B5EF4-FFF2-40B4-BE49-F238E27FC236}">
-                <a16:creationId xmlns:a16="http://schemas.microsoft.com/office/drawing/2014/main" id="{9B46D7F7-E769-DDBD-A14B-9111E44DF6FE}"/>
-              </a:ext>
-            </a:extLst>
-          </p:cNvPr>
-          <p:cNvPicPr>
-            <a:picLocks noChangeAspect="1"/>
-          </p:cNvPicPr>
-          <p:nvPr/>
-        </p:nvPicPr>
-        <p:blipFill>
-          <a:blip r:embed="rId3">
-            <a:duotone>
-              <a:schemeClr val="bg2">
-                <a:shade val="45000"/>
-                <a:satMod val="135000"/>
-              </a:schemeClr>
-              <a:prstClr val="white"/>
-            </a:duotone>
-            <a:extLst>
-              <a:ext uri="{BEBA8EAE-BF5A-486C-A8C5-ECC9F3942E4B}">
-                <a14:imgProps xmlns:a14="http://schemas.microsoft.com/office/drawing/2010/main">
-                  <a14:imgLayer r:embed="rId4">
-                    <a14:imgEffect>
-                      <a14:artisticPhotocopy/>
-                    </a14:imgEffect>
-                    <a14:imgEffect>
-                      <a14:brightnessContrast bright="40000" contrast="40000"/>
-                    </a14:imgEffect>
-                  </a14:imgLayer>
-                </a14:imgProps>
-              </a:ext>
-              <a:ext uri="{28A0092B-C50C-407E-A947-70E740481C1C}">
-                <a14:useLocalDpi xmlns:a14="http://schemas.microsoft.com/office/drawing/2010/main" val="0"/>
-              </a:ext>
-            </a:extLst>
-          </a:blip>
-          <a:stretch>
-            <a:fillRect/>
-          </a:stretch>
-        </p:blipFill>
-        <p:spPr>
-          <a:xfrm>
-            <a:off x="4436164" y="2568899"/>
-            <a:ext cx="3346174" cy="2336439"/>
-          </a:xfrm>
-          <a:prstGeom prst="rect">
-            <a:avLst/>
-          </a:prstGeom>
-        </p:spPr>
-      </p:pic>
-      <p:sp>
-        <p:nvSpPr>
-          <p:cNvPr id="24" name="TextBox 23">
-            <a:extLst>
-              <a:ext uri="{FF2B5EF4-FFF2-40B4-BE49-F238E27FC236}">
-                <a16:creationId xmlns:a16="http://schemas.microsoft.com/office/drawing/2014/main" id="{5E3226AA-CED6-940A-83AF-9BF62DBD37ED}"/>
-              </a:ext>
-            </a:extLst>
-          </p:cNvPr>
-          <p:cNvSpPr txBox="1"/>
-          <p:nvPr/>
-        </p:nvSpPr>
-        <p:spPr>
-          <a:xfrm>
-            <a:off x="5227983" y="4874777"/>
-            <a:ext cx="1755913" cy="369332"/>
-          </a:xfrm>
-          <a:prstGeom prst="rect">
-            <a:avLst/>
-          </a:prstGeom>
-          <a:noFill/>
-        </p:spPr>
-        <p:txBody>
-          <a:bodyPr wrap="square" rtlCol="0">
-            <a:spAutoFit/>
-          </a:bodyPr>
-          <a:lstStyle/>
-          <a:p>
-            <a:pPr algn="ctr"/>
-            <a:r>
-              <a:rPr lang="en-IN" b="1" dirty="0">
-                <a:solidFill>
-                  <a:schemeClr val="bg1"/>
-                </a:solidFill>
-                <a:latin typeface="Noto Sans" panose="020B0502040504020204" pitchFamily="34" charset="0"/>
-                <a:ea typeface="Noto Sans" panose="020B0502040504020204" pitchFamily="34" charset="0"/>
-                <a:cs typeface="Noto Sans" panose="020B0502040504020204" pitchFamily="34" charset="0"/>
-              </a:rPr>
-              <a:t>User</a:t>
-            </a:r>
-          </a:p>
-        </p:txBody>
-      </p:sp>
-      <p:cxnSp>
-        <p:nvCxnSpPr>
-          <p:cNvPr id="26" name="Straight Arrow Connector 25">
-            <a:extLst>
-              <a:ext uri="{FF2B5EF4-FFF2-40B4-BE49-F238E27FC236}">
-                <a16:creationId xmlns:a16="http://schemas.microsoft.com/office/drawing/2014/main" id="{3619701B-14F2-4A96-C271-1FF1C3BF7933}"/>
-              </a:ext>
-            </a:extLst>
-          </p:cNvPr>
-          <p:cNvCxnSpPr>
-            <a:endCxn id="14" idx="2"/>
-          </p:cNvCxnSpPr>
-          <p:nvPr/>
-        </p:nvCxnSpPr>
-        <p:spPr>
-          <a:xfrm flipV="1">
-            <a:off x="7109791" y="1718460"/>
-            <a:ext cx="1588604" cy="2197557"/>
-          </a:xfrm>
-          <a:prstGeom prst="straightConnector1">
-            <a:avLst/>
-          </a:prstGeom>
-          <a:ln w="12700">
-            <a:solidFill>
-              <a:schemeClr val="bg1"/>
-            </a:solidFill>
-            <a:tailEnd type="triangle"/>
-          </a:ln>
-        </p:spPr>
-        <p:style>
-          <a:lnRef idx="1">
-            <a:schemeClr val="accent1"/>
-          </a:lnRef>
-          <a:fillRef idx="0">
-            <a:schemeClr val="accent1"/>
-          </a:fillRef>
-          <a:effectRef idx="0">
-            <a:schemeClr val="accent1"/>
-          </a:effectRef>
-          <a:fontRef idx="minor">
-            <a:schemeClr val="tx1"/>
-          </a:fontRef>
-        </p:style>
-      </p:cxnSp>
-      <p:cxnSp>
-        <p:nvCxnSpPr>
-          <p:cNvPr id="30" name="Straight Arrow Connector 29">
-            <a:extLst>
-              <a:ext uri="{FF2B5EF4-FFF2-40B4-BE49-F238E27FC236}">
-                <a16:creationId xmlns:a16="http://schemas.microsoft.com/office/drawing/2014/main" id="{CFE9A942-9F6C-2040-A3AA-8DD9D2EF1513}"/>
-              </a:ext>
-            </a:extLst>
-          </p:cNvPr>
-          <p:cNvCxnSpPr>
-            <a:endCxn id="15" idx="2"/>
-          </p:cNvCxnSpPr>
-          <p:nvPr/>
-        </p:nvCxnSpPr>
-        <p:spPr>
-          <a:xfrm flipV="1">
-            <a:off x="7103164" y="2612982"/>
-            <a:ext cx="1595231" cy="1350301"/>
-          </a:xfrm>
-          <a:prstGeom prst="straightConnector1">
-            <a:avLst/>
-          </a:prstGeom>
-          <a:ln w="9525">
-            <a:solidFill>
-              <a:schemeClr val="bg1"/>
-            </a:solidFill>
-            <a:tailEnd type="triangle"/>
-          </a:ln>
-        </p:spPr>
-        <p:style>
-          <a:lnRef idx="1">
-            <a:schemeClr val="accent1"/>
-          </a:lnRef>
-          <a:fillRef idx="0">
-            <a:schemeClr val="accent1"/>
-          </a:fillRef>
-          <a:effectRef idx="0">
-            <a:schemeClr val="accent1"/>
-          </a:effectRef>
-          <a:fontRef idx="minor">
-            <a:schemeClr val="tx1"/>
-          </a:fontRef>
-        </p:style>
-      </p:cxnSp>
-      <p:cxnSp>
-        <p:nvCxnSpPr>
-          <p:cNvPr id="32" name="Straight Arrow Connector 31">
-            <a:extLst>
-              <a:ext uri="{FF2B5EF4-FFF2-40B4-BE49-F238E27FC236}">
-                <a16:creationId xmlns:a16="http://schemas.microsoft.com/office/drawing/2014/main" id="{060286DA-DD3A-96BF-BCB8-3C8F037338EB}"/>
-              </a:ext>
-            </a:extLst>
-          </p:cNvPr>
-          <p:cNvCxnSpPr>
-            <a:endCxn id="16" idx="2"/>
-          </p:cNvCxnSpPr>
-          <p:nvPr/>
-        </p:nvCxnSpPr>
-        <p:spPr>
-          <a:xfrm flipV="1">
-            <a:off x="7103164" y="3507504"/>
-            <a:ext cx="1595231" cy="486003"/>
-          </a:xfrm>
-          <a:prstGeom prst="straightConnector1">
-            <a:avLst/>
-          </a:prstGeom>
-          <a:ln w="9525">
-            <a:solidFill>
-              <a:schemeClr val="bg1"/>
-            </a:solidFill>
-            <a:tailEnd type="triangle"/>
-          </a:ln>
-        </p:spPr>
-        <p:style>
-          <a:lnRef idx="1">
-            <a:schemeClr val="accent1"/>
-          </a:lnRef>
-          <a:fillRef idx="0">
-            <a:schemeClr val="accent1"/>
-          </a:fillRef>
-          <a:effectRef idx="0">
-            <a:schemeClr val="accent1"/>
-          </a:effectRef>
-          <a:fontRef idx="minor">
-            <a:schemeClr val="tx1"/>
-          </a:fontRef>
-        </p:style>
-      </p:cxnSp>
-      <p:cxnSp>
-        <p:nvCxnSpPr>
-          <p:cNvPr id="34" name="Straight Arrow Connector 33">
-            <a:extLst>
-              <a:ext uri="{FF2B5EF4-FFF2-40B4-BE49-F238E27FC236}">
-                <a16:creationId xmlns:a16="http://schemas.microsoft.com/office/drawing/2014/main" id="{AA2E6E1B-4DDC-2790-4A68-290B80541EE9}"/>
-              </a:ext>
-            </a:extLst>
-          </p:cNvPr>
-          <p:cNvCxnSpPr>
-            <a:endCxn id="17" idx="2"/>
-          </p:cNvCxnSpPr>
-          <p:nvPr/>
-        </p:nvCxnSpPr>
-        <p:spPr>
-          <a:xfrm>
-            <a:off x="7109791" y="4040773"/>
-            <a:ext cx="1588604" cy="361253"/>
-          </a:xfrm>
-          <a:prstGeom prst="straightConnector1">
-            <a:avLst/>
-          </a:prstGeom>
-          <a:ln w="9525">
-            <a:solidFill>
-              <a:schemeClr val="bg1"/>
-            </a:solidFill>
-            <a:tailEnd type="triangle"/>
-          </a:ln>
-        </p:spPr>
-        <p:style>
-          <a:lnRef idx="1">
-            <a:schemeClr val="accent1"/>
-          </a:lnRef>
-          <a:fillRef idx="0">
-            <a:schemeClr val="accent1"/>
-          </a:fillRef>
-          <a:effectRef idx="0">
-            <a:schemeClr val="accent1"/>
-          </a:effectRef>
-          <a:fontRef idx="minor">
-            <a:schemeClr val="tx1"/>
-          </a:fontRef>
-        </p:style>
-      </p:cxnSp>
-      <p:cxnSp>
-        <p:nvCxnSpPr>
-          <p:cNvPr id="36" name="Straight Arrow Connector 35">
-            <a:extLst>
-              <a:ext uri="{FF2B5EF4-FFF2-40B4-BE49-F238E27FC236}">
-                <a16:creationId xmlns:a16="http://schemas.microsoft.com/office/drawing/2014/main" id="{0DF3D83F-79F2-CCFF-0D43-40056D6F96A9}"/>
-              </a:ext>
-            </a:extLst>
-          </p:cNvPr>
-          <p:cNvCxnSpPr>
-            <a:endCxn id="18" idx="2"/>
-          </p:cNvCxnSpPr>
-          <p:nvPr/>
-        </p:nvCxnSpPr>
-        <p:spPr>
-          <a:xfrm>
-            <a:off x="7103164" y="4057029"/>
-            <a:ext cx="1595231" cy="1239519"/>
-          </a:xfrm>
-          <a:prstGeom prst="straightConnector1">
-            <a:avLst/>
-          </a:prstGeom>
-          <a:ln w="9525">
-            <a:solidFill>
-              <a:schemeClr val="bg1"/>
-            </a:solidFill>
-            <a:tailEnd type="triangle"/>
-          </a:ln>
-        </p:spPr>
-        <p:style>
-          <a:lnRef idx="1">
-            <a:schemeClr val="accent1"/>
-          </a:lnRef>
-          <a:fillRef idx="0">
-            <a:schemeClr val="accent1"/>
-          </a:fillRef>
-          <a:effectRef idx="0">
-            <a:schemeClr val="accent1"/>
-          </a:effectRef>
-          <a:fontRef idx="minor">
-            <a:schemeClr val="tx1"/>
-          </a:fontRef>
-        </p:style>
-      </p:cxnSp>
-      <p:cxnSp>
-        <p:nvCxnSpPr>
-          <p:cNvPr id="38" name="Straight Arrow Connector 37">
-            <a:extLst>
-              <a:ext uri="{FF2B5EF4-FFF2-40B4-BE49-F238E27FC236}">
-                <a16:creationId xmlns:a16="http://schemas.microsoft.com/office/drawing/2014/main" id="{4841CAF6-F8B7-65BE-EEC4-127E665FCA02}"/>
-              </a:ext>
-            </a:extLst>
-          </p:cNvPr>
-          <p:cNvCxnSpPr>
-            <a:endCxn id="19" idx="2"/>
-          </p:cNvCxnSpPr>
-          <p:nvPr/>
-        </p:nvCxnSpPr>
-        <p:spPr>
-          <a:xfrm>
-            <a:off x="7103164" y="4061303"/>
-            <a:ext cx="1595231" cy="2129767"/>
-          </a:xfrm>
-          <a:prstGeom prst="straightConnector1">
-            <a:avLst/>
-          </a:prstGeom>
-          <a:ln w="9525">
-            <a:solidFill>
-              <a:schemeClr val="bg1"/>
-            </a:solidFill>
-            <a:tailEnd type="triangle"/>
-          </a:ln>
-        </p:spPr>
-        <p:style>
-          <a:lnRef idx="1">
-            <a:schemeClr val="accent1"/>
-          </a:lnRef>
-          <a:fillRef idx="0">
-            <a:schemeClr val="accent1"/>
-          </a:fillRef>
-          <a:effectRef idx="0">
-            <a:schemeClr val="accent1"/>
-          </a:effectRef>
-          <a:fontRef idx="minor">
-            <a:schemeClr val="tx1"/>
-          </a:fontRef>
-        </p:style>
-      </p:cxnSp>
-      <p:cxnSp>
-        <p:nvCxnSpPr>
-          <p:cNvPr id="25" name="Straight Arrow Connector 24">
-            <a:extLst>
-              <a:ext uri="{FF2B5EF4-FFF2-40B4-BE49-F238E27FC236}">
-                <a16:creationId xmlns:a16="http://schemas.microsoft.com/office/drawing/2014/main" id="{7157A420-2A25-1D65-0F42-7A824C35C7F6}"/>
-              </a:ext>
-            </a:extLst>
-          </p:cNvPr>
-          <p:cNvCxnSpPr>
-            <a:endCxn id="6" idx="6"/>
-          </p:cNvCxnSpPr>
-          <p:nvPr/>
-        </p:nvCxnSpPr>
-        <p:spPr>
-          <a:xfrm flipH="1" flipV="1">
-            <a:off x="3326296" y="1718460"/>
-            <a:ext cx="1762538" cy="2197557"/>
-          </a:xfrm>
-          <a:prstGeom prst="straightConnector1">
-            <a:avLst/>
-          </a:prstGeom>
-          <a:ln w="9525">
-            <a:solidFill>
-              <a:schemeClr val="bg1"/>
-            </a:solidFill>
-            <a:tailEnd type="triangle"/>
-          </a:ln>
-        </p:spPr>
-        <p:style>
-          <a:lnRef idx="1">
-            <a:schemeClr val="accent1"/>
-          </a:lnRef>
-          <a:fillRef idx="0">
-            <a:schemeClr val="accent1"/>
-          </a:fillRef>
-          <a:effectRef idx="0">
-            <a:schemeClr val="accent1"/>
-          </a:effectRef>
-          <a:fontRef idx="minor">
-            <a:schemeClr val="tx1"/>
-          </a:fontRef>
-        </p:style>
-      </p:cxnSp>
-      <p:cxnSp>
-        <p:nvCxnSpPr>
-          <p:cNvPr id="28" name="Straight Arrow Connector 27">
-            <a:extLst>
-              <a:ext uri="{FF2B5EF4-FFF2-40B4-BE49-F238E27FC236}">
-                <a16:creationId xmlns:a16="http://schemas.microsoft.com/office/drawing/2014/main" id="{0F4CA66C-E93E-FF14-6FD6-610F56289C14}"/>
-              </a:ext>
-            </a:extLst>
-          </p:cNvPr>
-          <p:cNvCxnSpPr>
-            <a:endCxn id="8" idx="6"/>
-          </p:cNvCxnSpPr>
-          <p:nvPr/>
-        </p:nvCxnSpPr>
-        <p:spPr>
-          <a:xfrm flipH="1" flipV="1">
-            <a:off x="3326296" y="2612982"/>
-            <a:ext cx="1762538" cy="1350301"/>
-          </a:xfrm>
-          <a:prstGeom prst="straightConnector1">
-            <a:avLst/>
-          </a:prstGeom>
-          <a:ln w="9525">
-            <a:solidFill>
-              <a:schemeClr val="bg1"/>
-            </a:solidFill>
-            <a:tailEnd type="triangle"/>
-          </a:ln>
-        </p:spPr>
-        <p:style>
-          <a:lnRef idx="1">
-            <a:schemeClr val="accent1"/>
-          </a:lnRef>
-          <a:fillRef idx="0">
-            <a:schemeClr val="accent1"/>
-          </a:fillRef>
-          <a:effectRef idx="0">
-            <a:schemeClr val="accent1"/>
-          </a:effectRef>
-          <a:fontRef idx="minor">
-            <a:schemeClr val="tx1"/>
-          </a:fontRef>
-        </p:style>
-      </p:cxnSp>
-      <p:cxnSp>
-        <p:nvCxnSpPr>
-          <p:cNvPr id="31" name="Straight Arrow Connector 30">
-            <a:extLst>
-              <a:ext uri="{FF2B5EF4-FFF2-40B4-BE49-F238E27FC236}">
-                <a16:creationId xmlns:a16="http://schemas.microsoft.com/office/drawing/2014/main" id="{41043A28-0A4E-4F66-2765-150E9F1297F2}"/>
-              </a:ext>
-            </a:extLst>
-          </p:cNvPr>
-          <p:cNvCxnSpPr>
-            <a:endCxn id="10" idx="6"/>
-          </p:cNvCxnSpPr>
-          <p:nvPr/>
-        </p:nvCxnSpPr>
-        <p:spPr>
-          <a:xfrm flipH="1" flipV="1">
-            <a:off x="3326296" y="3507504"/>
-            <a:ext cx="1762538" cy="455779"/>
-          </a:xfrm>
-          <a:prstGeom prst="straightConnector1">
-            <a:avLst/>
-          </a:prstGeom>
-          <a:ln w="9525">
-            <a:solidFill>
-              <a:schemeClr val="bg1"/>
-            </a:solidFill>
-            <a:tailEnd type="triangle"/>
-          </a:ln>
-        </p:spPr>
-        <p:style>
-          <a:lnRef idx="1">
-            <a:schemeClr val="accent1"/>
-          </a:lnRef>
-          <a:fillRef idx="0">
-            <a:schemeClr val="accent1"/>
-          </a:fillRef>
-          <a:effectRef idx="0">
-            <a:schemeClr val="accent1"/>
-          </a:effectRef>
-          <a:fontRef idx="minor">
-            <a:schemeClr val="tx1"/>
-          </a:fontRef>
-        </p:style>
-      </p:cxnSp>
-      <p:cxnSp>
-        <p:nvCxnSpPr>
-          <p:cNvPr id="35" name="Straight Arrow Connector 34">
-            <a:extLst>
-              <a:ext uri="{FF2B5EF4-FFF2-40B4-BE49-F238E27FC236}">
-                <a16:creationId xmlns:a16="http://schemas.microsoft.com/office/drawing/2014/main" id="{89713D0B-D6D0-4B9B-3B77-734FC0095295}"/>
-              </a:ext>
-            </a:extLst>
-          </p:cNvPr>
-          <p:cNvCxnSpPr>
-            <a:endCxn id="11" idx="6"/>
-          </p:cNvCxnSpPr>
-          <p:nvPr/>
-        </p:nvCxnSpPr>
-        <p:spPr>
-          <a:xfrm flipH="1">
-            <a:off x="3326296" y="3963283"/>
-            <a:ext cx="1762538" cy="438743"/>
-          </a:xfrm>
-          <a:prstGeom prst="straightConnector1">
-            <a:avLst/>
-          </a:prstGeom>
-          <a:ln w="9525">
-            <a:solidFill>
-              <a:schemeClr val="bg1"/>
-            </a:solidFill>
-            <a:tailEnd type="triangle"/>
-          </a:ln>
-        </p:spPr>
-        <p:style>
-          <a:lnRef idx="1">
-            <a:schemeClr val="accent1"/>
-          </a:lnRef>
-          <a:fillRef idx="0">
-            <a:schemeClr val="accent1"/>
-          </a:fillRef>
-          <a:effectRef idx="0">
-            <a:schemeClr val="accent1"/>
-          </a:effectRef>
-          <a:fontRef idx="minor">
-            <a:schemeClr val="tx1"/>
-          </a:fontRef>
-        </p:style>
-      </p:cxnSp>
-      <p:cxnSp>
-        <p:nvCxnSpPr>
-          <p:cNvPr id="39" name="Straight Arrow Connector 38">
-            <a:extLst>
-              <a:ext uri="{FF2B5EF4-FFF2-40B4-BE49-F238E27FC236}">
-                <a16:creationId xmlns:a16="http://schemas.microsoft.com/office/drawing/2014/main" id="{A45EAEFA-AA00-B3E0-F033-B28924833877}"/>
-              </a:ext>
-            </a:extLst>
-          </p:cNvPr>
-          <p:cNvCxnSpPr/>
-          <p:nvPr/>
-        </p:nvCxnSpPr>
-        <p:spPr>
-          <a:xfrm flipH="1">
-            <a:off x="3326296" y="3963283"/>
-            <a:ext cx="1762538" cy="1333265"/>
-          </a:xfrm>
-          <a:prstGeom prst="straightConnector1">
-            <a:avLst/>
-          </a:prstGeom>
-          <a:ln w="9525">
-            <a:solidFill>
-              <a:schemeClr val="bg1"/>
-            </a:solidFill>
-            <a:tailEnd type="triangle"/>
-          </a:ln>
-        </p:spPr>
-        <p:style>
-          <a:lnRef idx="1">
-            <a:schemeClr val="accent1"/>
-          </a:lnRef>
-          <a:fillRef idx="0">
-            <a:schemeClr val="accent1"/>
-          </a:fillRef>
-          <a:effectRef idx="0">
-            <a:schemeClr val="accent1"/>
-          </a:effectRef>
-          <a:fontRef idx="minor">
-            <a:schemeClr val="tx1"/>
-          </a:fontRef>
-        </p:style>
-      </p:cxnSp>
-      <p:cxnSp>
-        <p:nvCxnSpPr>
-          <p:cNvPr id="41" name="Straight Arrow Connector 40">
-            <a:extLst>
-              <a:ext uri="{FF2B5EF4-FFF2-40B4-BE49-F238E27FC236}">
-                <a16:creationId xmlns:a16="http://schemas.microsoft.com/office/drawing/2014/main" id="{A2351E34-983E-BDDF-AE2B-C05C448C82D3}"/>
-              </a:ext>
-            </a:extLst>
-          </p:cNvPr>
-          <p:cNvCxnSpPr>
-            <a:endCxn id="13" idx="6"/>
-          </p:cNvCxnSpPr>
-          <p:nvPr/>
-        </p:nvCxnSpPr>
-        <p:spPr>
-          <a:xfrm flipH="1">
-            <a:off x="3326296" y="3963283"/>
-            <a:ext cx="1762538" cy="2227787"/>
-          </a:xfrm>
-          <a:prstGeom prst="straightConnector1">
-            <a:avLst/>
-          </a:prstGeom>
-          <a:ln w="9525">
-            <a:solidFill>
-              <a:schemeClr val="bg1"/>
-            </a:solidFill>
-            <a:tailEnd type="triangle"/>
-          </a:ln>
-        </p:spPr>
-        <p:style>
-          <a:lnRef idx="1">
-            <a:schemeClr val="accent1"/>
-          </a:lnRef>
-          <a:fillRef idx="0">
-            <a:schemeClr val="accent1"/>
-          </a:fillRef>
-          <a:effectRef idx="0">
-            <a:schemeClr val="accent1"/>
-          </a:effectRef>
-          <a:fontRef idx="minor">
-            <a:schemeClr val="tx1"/>
-          </a:fontRef>
-        </p:style>
-      </p:cxnSp>
     </p:spTree>
     <p:extLst>
       <p:ext uri="{BB962C8B-B14F-4D97-AF65-F5344CB8AC3E}">
-        <p14:creationId xmlns:p14="http://schemas.microsoft.com/office/powerpoint/2010/main" val="1239557021"/>
+        <p14:creationId xmlns:p14="http://schemas.microsoft.com/office/powerpoint/2010/main" val="1879550856"/>
       </p:ext>
     </p:extLst>
   </p:cSld>
@@ -6260,6 +6375,11 @@
           <a:prstGeom prst="rect">
             <a:avLst/>
           </a:prstGeom>
+          <a:solidFill>
+            <a:schemeClr val="accent2">
+              <a:lumMod val="75000"/>
+            </a:schemeClr>
+          </a:solidFill>
           <a:ln>
             <a:noFill/>
           </a:ln>
@@ -6324,17 +6444,17 @@
                   <a:schemeClr val="bg1"/>
                 </a:solidFill>
               </a:rPr>
-              <a:t>DFD Level 0</a:t>
-            </a:r>
-          </a:p>
-        </p:txBody>
-      </p:sp>
-      <p:sp>
-        <p:nvSpPr>
-          <p:cNvPr id="7" name="Oval 6">
-            <a:extLst>
-              <a:ext uri="{FF2B5EF4-FFF2-40B4-BE49-F238E27FC236}">
-                <a16:creationId xmlns:a16="http://schemas.microsoft.com/office/drawing/2014/main" id="{010F0682-A7F3-BC0D-D7B1-A1C016890695}"/>
+              <a:t>Use Case Diagram</a:t>
+            </a:r>
+          </a:p>
+        </p:txBody>
+      </p:sp>
+      <p:sp>
+        <p:nvSpPr>
+          <p:cNvPr id="6" name="Oval 5">
+            <a:extLst>
+              <a:ext uri="{FF2B5EF4-FFF2-40B4-BE49-F238E27FC236}">
+                <a16:creationId xmlns:a16="http://schemas.microsoft.com/office/drawing/2014/main" id="{5CE003E8-DCAE-D004-56CF-479BBCB93B5C}"/>
               </a:ext>
             </a:extLst>
           </p:cNvPr>
@@ -6343,8 +6463,8 @@
         </p:nvSpPr>
         <p:spPr>
           <a:xfrm>
-            <a:off x="7323667" y="2599266"/>
-            <a:ext cx="2091268" cy="2091268"/>
+            <a:off x="748748" y="1621287"/>
+            <a:ext cx="2577548" cy="706967"/>
           </a:xfrm>
           <a:prstGeom prst="ellipse">
             <a:avLst/>
@@ -6375,18 +6495,27 @@
           <a:p>
             <a:pPr algn="ctr"/>
             <a:r>
-              <a:rPr lang="en-IN" sz="2400" b="1" dirty="0"/>
-              <a:t>FitFuel</a:t>
-            </a:r>
-          </a:p>
-        </p:txBody>
-      </p:sp>
-      <p:sp>
-        <p:nvSpPr>
-          <p:cNvPr id="20" name="Rectangle 19">
-            <a:extLst>
-              <a:ext uri="{FF2B5EF4-FFF2-40B4-BE49-F238E27FC236}">
-                <a16:creationId xmlns:a16="http://schemas.microsoft.com/office/drawing/2014/main" id="{CC23E1CF-9A05-D833-B044-4F8CA6A1B755}"/>
+              <a:rPr lang="en-US" sz="1600" b="1" dirty="0">
+                <a:latin typeface="Noto Sans" panose="020B0502040504020204" pitchFamily="34" charset="0"/>
+                <a:ea typeface="Noto Sans" panose="020B0502040504020204" pitchFamily="34" charset="0"/>
+                <a:cs typeface="Noto Sans" panose="020B0502040504020204" pitchFamily="34" charset="0"/>
+              </a:rPr>
+              <a:t>Login/Signup</a:t>
+            </a:r>
+            <a:endParaRPr lang="en-IN" sz="1600" b="1" dirty="0">
+              <a:latin typeface="Noto Sans" panose="020B0502040504020204" pitchFamily="34" charset="0"/>
+              <a:ea typeface="Noto Sans" panose="020B0502040504020204" pitchFamily="34" charset="0"/>
+              <a:cs typeface="Noto Sans" panose="020B0502040504020204" pitchFamily="34" charset="0"/>
+            </a:endParaRPr>
+          </a:p>
+        </p:txBody>
+      </p:sp>
+      <p:sp>
+        <p:nvSpPr>
+          <p:cNvPr id="8" name="Oval 7">
+            <a:extLst>
+              <a:ext uri="{FF2B5EF4-FFF2-40B4-BE49-F238E27FC236}">
+                <a16:creationId xmlns:a16="http://schemas.microsoft.com/office/drawing/2014/main" id="{2BE1C3EF-3E2E-2BB2-227A-0F0004A71D40}"/>
               </a:ext>
             </a:extLst>
           </p:cNvPr>
@@ -6395,10 +6524,10 @@
         </p:nvSpPr>
         <p:spPr>
           <a:xfrm>
-            <a:off x="1524001" y="3222890"/>
-            <a:ext cx="2421464" cy="844020"/>
-          </a:xfrm>
-          <a:prstGeom prst="rect">
+            <a:off x="748748" y="2515809"/>
+            <a:ext cx="2577548" cy="706967"/>
+          </a:xfrm>
+          <a:prstGeom prst="ellipse">
             <a:avLst/>
           </a:prstGeom>
           <a:ln>
@@ -6427,6 +6556,1516 @@
           <a:p>
             <a:pPr algn="ctr"/>
             <a:r>
+              <a:rPr lang="en-US" sz="1600" b="1" dirty="0">
+                <a:latin typeface="Noto Sans" panose="020B0502040504020204" pitchFamily="34" charset="0"/>
+                <a:ea typeface="Noto Sans" panose="020B0502040504020204" pitchFamily="34" charset="0"/>
+                <a:cs typeface="Noto Sans" panose="020B0502040504020204" pitchFamily="34" charset="0"/>
+              </a:rPr>
+              <a:t>Health Status Analysis</a:t>
+            </a:r>
+            <a:endParaRPr lang="en-IN" sz="1600" b="1" dirty="0">
+              <a:latin typeface="Noto Sans" panose="020B0502040504020204" pitchFamily="34" charset="0"/>
+              <a:ea typeface="Noto Sans" panose="020B0502040504020204" pitchFamily="34" charset="0"/>
+              <a:cs typeface="Noto Sans" panose="020B0502040504020204" pitchFamily="34" charset="0"/>
+            </a:endParaRPr>
+          </a:p>
+        </p:txBody>
+      </p:sp>
+      <p:sp>
+        <p:nvSpPr>
+          <p:cNvPr id="10" name="Oval 9">
+            <a:extLst>
+              <a:ext uri="{FF2B5EF4-FFF2-40B4-BE49-F238E27FC236}">
+                <a16:creationId xmlns:a16="http://schemas.microsoft.com/office/drawing/2014/main" id="{28575978-03DA-397F-C9E9-A32576B0AFD2}"/>
+              </a:ext>
+            </a:extLst>
+          </p:cNvPr>
+          <p:cNvSpPr/>
+          <p:nvPr/>
+        </p:nvSpPr>
+        <p:spPr>
+          <a:xfrm>
+            <a:off x="748748" y="3410331"/>
+            <a:ext cx="2577548" cy="706967"/>
+          </a:xfrm>
+          <a:prstGeom prst="ellipse">
+            <a:avLst/>
+          </a:prstGeom>
+          <a:ln>
+            <a:noFill/>
+          </a:ln>
+        </p:spPr>
+        <p:style>
+          <a:lnRef idx="2">
+            <a:schemeClr val="accent1">
+              <a:shade val="15000"/>
+            </a:schemeClr>
+          </a:lnRef>
+          <a:fillRef idx="1">
+            <a:schemeClr val="accent1"/>
+          </a:fillRef>
+          <a:effectRef idx="0">
+            <a:schemeClr val="accent1"/>
+          </a:effectRef>
+          <a:fontRef idx="minor">
+            <a:schemeClr val="lt1"/>
+          </a:fontRef>
+        </p:style>
+        <p:txBody>
+          <a:bodyPr rtlCol="0" anchor="ctr"/>
+          <a:lstStyle/>
+          <a:p>
+            <a:pPr algn="ctr"/>
+            <a:r>
+              <a:rPr lang="en-US" sz="1600" b="1" dirty="0">
+                <a:latin typeface="Noto Sans" panose="020B0502040504020204" pitchFamily="34" charset="0"/>
+                <a:ea typeface="Noto Sans" panose="020B0502040504020204" pitchFamily="34" charset="0"/>
+                <a:cs typeface="Noto Sans" panose="020B0502040504020204" pitchFamily="34" charset="0"/>
+              </a:rPr>
+              <a:t>User Profile Update</a:t>
+            </a:r>
+            <a:endParaRPr lang="en-IN" sz="1600" b="1" dirty="0">
+              <a:latin typeface="Noto Sans" panose="020B0502040504020204" pitchFamily="34" charset="0"/>
+              <a:ea typeface="Noto Sans" panose="020B0502040504020204" pitchFamily="34" charset="0"/>
+              <a:cs typeface="Noto Sans" panose="020B0502040504020204" pitchFamily="34" charset="0"/>
+            </a:endParaRPr>
+          </a:p>
+        </p:txBody>
+      </p:sp>
+      <p:sp>
+        <p:nvSpPr>
+          <p:cNvPr id="11" name="Oval 10">
+            <a:extLst>
+              <a:ext uri="{FF2B5EF4-FFF2-40B4-BE49-F238E27FC236}">
+                <a16:creationId xmlns:a16="http://schemas.microsoft.com/office/drawing/2014/main" id="{4D7C34E2-073E-2774-A2CF-AF887490F452}"/>
+              </a:ext>
+            </a:extLst>
+          </p:cNvPr>
+          <p:cNvSpPr/>
+          <p:nvPr/>
+        </p:nvSpPr>
+        <p:spPr>
+          <a:xfrm>
+            <a:off x="748748" y="4304853"/>
+            <a:ext cx="2577548" cy="706967"/>
+          </a:xfrm>
+          <a:prstGeom prst="ellipse">
+            <a:avLst/>
+          </a:prstGeom>
+          <a:ln>
+            <a:noFill/>
+          </a:ln>
+        </p:spPr>
+        <p:style>
+          <a:lnRef idx="2">
+            <a:schemeClr val="accent1">
+              <a:shade val="15000"/>
+            </a:schemeClr>
+          </a:lnRef>
+          <a:fillRef idx="1">
+            <a:schemeClr val="accent1"/>
+          </a:fillRef>
+          <a:effectRef idx="0">
+            <a:schemeClr val="accent1"/>
+          </a:effectRef>
+          <a:fontRef idx="minor">
+            <a:schemeClr val="lt1"/>
+          </a:fontRef>
+        </p:style>
+        <p:txBody>
+          <a:bodyPr rtlCol="0" anchor="ctr"/>
+          <a:lstStyle/>
+          <a:p>
+            <a:pPr algn="ctr"/>
+            <a:r>
+              <a:rPr lang="en-US" sz="1600" b="1" dirty="0">
+                <a:latin typeface="Noto Sans" panose="020B0502040504020204" pitchFamily="34" charset="0"/>
+                <a:ea typeface="Noto Sans" panose="020B0502040504020204" pitchFamily="34" charset="0"/>
+                <a:cs typeface="Noto Sans" panose="020B0502040504020204" pitchFamily="34" charset="0"/>
+              </a:rPr>
+              <a:t>Health Status Update</a:t>
+            </a:r>
+            <a:endParaRPr lang="en-IN" sz="1600" b="1" dirty="0">
+              <a:latin typeface="Noto Sans" panose="020B0502040504020204" pitchFamily="34" charset="0"/>
+              <a:ea typeface="Noto Sans" panose="020B0502040504020204" pitchFamily="34" charset="0"/>
+              <a:cs typeface="Noto Sans" panose="020B0502040504020204" pitchFamily="34" charset="0"/>
+            </a:endParaRPr>
+          </a:p>
+        </p:txBody>
+      </p:sp>
+      <p:sp>
+        <p:nvSpPr>
+          <p:cNvPr id="12" name="Oval 11">
+            <a:extLst>
+              <a:ext uri="{FF2B5EF4-FFF2-40B4-BE49-F238E27FC236}">
+                <a16:creationId xmlns:a16="http://schemas.microsoft.com/office/drawing/2014/main" id="{9F320693-D876-BF1B-E881-BF6332E621B3}"/>
+              </a:ext>
+            </a:extLst>
+          </p:cNvPr>
+          <p:cNvSpPr/>
+          <p:nvPr/>
+        </p:nvSpPr>
+        <p:spPr>
+          <a:xfrm>
+            <a:off x="748748" y="5199375"/>
+            <a:ext cx="2577548" cy="706967"/>
+          </a:xfrm>
+          <a:prstGeom prst="ellipse">
+            <a:avLst/>
+          </a:prstGeom>
+          <a:ln>
+            <a:noFill/>
+          </a:ln>
+        </p:spPr>
+        <p:style>
+          <a:lnRef idx="2">
+            <a:schemeClr val="accent1">
+              <a:shade val="15000"/>
+            </a:schemeClr>
+          </a:lnRef>
+          <a:fillRef idx="1">
+            <a:schemeClr val="accent1"/>
+          </a:fillRef>
+          <a:effectRef idx="0">
+            <a:schemeClr val="accent1"/>
+          </a:effectRef>
+          <a:fontRef idx="minor">
+            <a:schemeClr val="lt1"/>
+          </a:fontRef>
+        </p:style>
+        <p:txBody>
+          <a:bodyPr rtlCol="0" anchor="ctr"/>
+          <a:lstStyle/>
+          <a:p>
+            <a:pPr algn="ctr"/>
+            <a:r>
+              <a:rPr lang="en-US" sz="1600" b="1" dirty="0">
+                <a:latin typeface="Noto Sans" panose="020B0502040504020204" pitchFamily="34" charset="0"/>
+                <a:ea typeface="Noto Sans" panose="020B0502040504020204" pitchFamily="34" charset="0"/>
+                <a:cs typeface="Noto Sans" panose="020B0502040504020204" pitchFamily="34" charset="0"/>
+              </a:rPr>
+              <a:t>Food Scanning</a:t>
+            </a:r>
+            <a:endParaRPr lang="en-IN" sz="1600" b="1" dirty="0">
+              <a:latin typeface="Noto Sans" panose="020B0502040504020204" pitchFamily="34" charset="0"/>
+              <a:ea typeface="Noto Sans" panose="020B0502040504020204" pitchFamily="34" charset="0"/>
+              <a:cs typeface="Noto Sans" panose="020B0502040504020204" pitchFamily="34" charset="0"/>
+            </a:endParaRPr>
+          </a:p>
+        </p:txBody>
+      </p:sp>
+      <p:sp>
+        <p:nvSpPr>
+          <p:cNvPr id="14" name="Oval 13">
+            <a:extLst>
+              <a:ext uri="{FF2B5EF4-FFF2-40B4-BE49-F238E27FC236}">
+                <a16:creationId xmlns:a16="http://schemas.microsoft.com/office/drawing/2014/main" id="{678A5150-885C-5CCE-EC5A-ADDC9FD99E79}"/>
+              </a:ext>
+            </a:extLst>
+          </p:cNvPr>
+          <p:cNvSpPr/>
+          <p:nvPr/>
+        </p:nvSpPr>
+        <p:spPr>
+          <a:xfrm>
+            <a:off x="8698395" y="1621287"/>
+            <a:ext cx="2577548" cy="706967"/>
+          </a:xfrm>
+          <a:prstGeom prst="ellipse">
+            <a:avLst/>
+          </a:prstGeom>
+          <a:ln>
+            <a:noFill/>
+          </a:ln>
+        </p:spPr>
+        <p:style>
+          <a:lnRef idx="2">
+            <a:schemeClr val="accent1">
+              <a:shade val="15000"/>
+            </a:schemeClr>
+          </a:lnRef>
+          <a:fillRef idx="1">
+            <a:schemeClr val="accent1"/>
+          </a:fillRef>
+          <a:effectRef idx="0">
+            <a:schemeClr val="accent1"/>
+          </a:effectRef>
+          <a:fontRef idx="minor">
+            <a:schemeClr val="lt1"/>
+          </a:fontRef>
+        </p:style>
+        <p:txBody>
+          <a:bodyPr rtlCol="0" anchor="ctr"/>
+          <a:lstStyle/>
+          <a:p>
+            <a:pPr algn="ctr"/>
+            <a:r>
+              <a:rPr lang="en-US" sz="1440" b="1" dirty="0">
+                <a:latin typeface="Noto Sans" panose="020B0502040504020204" pitchFamily="34" charset="0"/>
+                <a:ea typeface="Noto Sans" panose="020B0502040504020204" pitchFamily="34" charset="0"/>
+                <a:cs typeface="Noto Sans" panose="020B0502040504020204" pitchFamily="34" charset="0"/>
+              </a:rPr>
+              <a:t>Check Diet Recommendation</a:t>
+            </a:r>
+            <a:endParaRPr lang="en-IN" sz="1440" b="1" dirty="0">
+              <a:latin typeface="Noto Sans" panose="020B0502040504020204" pitchFamily="34" charset="0"/>
+              <a:ea typeface="Noto Sans" panose="020B0502040504020204" pitchFamily="34" charset="0"/>
+              <a:cs typeface="Noto Sans" panose="020B0502040504020204" pitchFamily="34" charset="0"/>
+            </a:endParaRPr>
+          </a:p>
+        </p:txBody>
+      </p:sp>
+      <p:sp>
+        <p:nvSpPr>
+          <p:cNvPr id="15" name="Oval 14">
+            <a:extLst>
+              <a:ext uri="{FF2B5EF4-FFF2-40B4-BE49-F238E27FC236}">
+                <a16:creationId xmlns:a16="http://schemas.microsoft.com/office/drawing/2014/main" id="{8D57A61F-5073-12E3-C573-BE996CEA53FD}"/>
+              </a:ext>
+            </a:extLst>
+          </p:cNvPr>
+          <p:cNvSpPr/>
+          <p:nvPr/>
+        </p:nvSpPr>
+        <p:spPr>
+          <a:xfrm>
+            <a:off x="8698395" y="2515809"/>
+            <a:ext cx="2577548" cy="706967"/>
+          </a:xfrm>
+          <a:prstGeom prst="ellipse">
+            <a:avLst/>
+          </a:prstGeom>
+          <a:ln>
+            <a:noFill/>
+          </a:ln>
+        </p:spPr>
+        <p:style>
+          <a:lnRef idx="2">
+            <a:schemeClr val="accent1">
+              <a:shade val="15000"/>
+            </a:schemeClr>
+          </a:lnRef>
+          <a:fillRef idx="1">
+            <a:schemeClr val="accent1"/>
+          </a:fillRef>
+          <a:effectRef idx="0">
+            <a:schemeClr val="accent1"/>
+          </a:effectRef>
+          <a:fontRef idx="minor">
+            <a:schemeClr val="lt1"/>
+          </a:fontRef>
+        </p:style>
+        <p:txBody>
+          <a:bodyPr rtlCol="0" anchor="ctr"/>
+          <a:lstStyle/>
+          <a:p>
+            <a:pPr algn="ctr"/>
+            <a:r>
+              <a:rPr lang="en-US" sz="1600" b="1" dirty="0">
+                <a:latin typeface="Noto Sans" panose="020B0502040504020204" pitchFamily="34" charset="0"/>
+                <a:ea typeface="Noto Sans" panose="020B0502040504020204" pitchFamily="34" charset="0"/>
+                <a:cs typeface="Noto Sans" panose="020B0502040504020204" pitchFamily="34" charset="0"/>
+              </a:rPr>
+              <a:t>Check Meal Plan</a:t>
+            </a:r>
+            <a:endParaRPr lang="en-IN" sz="1600" b="1" dirty="0">
+              <a:latin typeface="Noto Sans" panose="020B0502040504020204" pitchFamily="34" charset="0"/>
+              <a:ea typeface="Noto Sans" panose="020B0502040504020204" pitchFamily="34" charset="0"/>
+              <a:cs typeface="Noto Sans" panose="020B0502040504020204" pitchFamily="34" charset="0"/>
+            </a:endParaRPr>
+          </a:p>
+        </p:txBody>
+      </p:sp>
+      <p:sp>
+        <p:nvSpPr>
+          <p:cNvPr id="16" name="Oval 15">
+            <a:extLst>
+              <a:ext uri="{FF2B5EF4-FFF2-40B4-BE49-F238E27FC236}">
+                <a16:creationId xmlns:a16="http://schemas.microsoft.com/office/drawing/2014/main" id="{AC183B41-1EC0-C075-8A60-E12C5EF4193D}"/>
+              </a:ext>
+            </a:extLst>
+          </p:cNvPr>
+          <p:cNvSpPr/>
+          <p:nvPr/>
+        </p:nvSpPr>
+        <p:spPr>
+          <a:xfrm>
+            <a:off x="8698395" y="3410331"/>
+            <a:ext cx="2577548" cy="706967"/>
+          </a:xfrm>
+          <a:prstGeom prst="ellipse">
+            <a:avLst/>
+          </a:prstGeom>
+          <a:ln>
+            <a:noFill/>
+          </a:ln>
+        </p:spPr>
+        <p:style>
+          <a:lnRef idx="2">
+            <a:schemeClr val="accent1">
+              <a:shade val="15000"/>
+            </a:schemeClr>
+          </a:lnRef>
+          <a:fillRef idx="1">
+            <a:schemeClr val="accent1"/>
+          </a:fillRef>
+          <a:effectRef idx="0">
+            <a:schemeClr val="accent1"/>
+          </a:effectRef>
+          <a:fontRef idx="minor">
+            <a:schemeClr val="lt1"/>
+          </a:fontRef>
+        </p:style>
+        <p:txBody>
+          <a:bodyPr rtlCol="0" anchor="ctr"/>
+          <a:lstStyle/>
+          <a:p>
+            <a:pPr algn="ctr"/>
+            <a:r>
+              <a:rPr lang="en-US" sz="1600" b="1" dirty="0">
+                <a:latin typeface="Noto Sans" panose="020B0502040504020204" pitchFamily="34" charset="0"/>
+                <a:ea typeface="Noto Sans" panose="020B0502040504020204" pitchFamily="34" charset="0"/>
+                <a:cs typeface="Noto Sans" panose="020B0502040504020204" pitchFamily="34" charset="0"/>
+              </a:rPr>
+              <a:t>Set Goals</a:t>
+            </a:r>
+            <a:endParaRPr lang="en-IN" sz="1600" b="1" dirty="0">
+              <a:latin typeface="Noto Sans" panose="020B0502040504020204" pitchFamily="34" charset="0"/>
+              <a:ea typeface="Noto Sans" panose="020B0502040504020204" pitchFamily="34" charset="0"/>
+              <a:cs typeface="Noto Sans" panose="020B0502040504020204" pitchFamily="34" charset="0"/>
+            </a:endParaRPr>
+          </a:p>
+        </p:txBody>
+      </p:sp>
+      <p:sp>
+        <p:nvSpPr>
+          <p:cNvPr id="17" name="Oval 16">
+            <a:extLst>
+              <a:ext uri="{FF2B5EF4-FFF2-40B4-BE49-F238E27FC236}">
+                <a16:creationId xmlns:a16="http://schemas.microsoft.com/office/drawing/2014/main" id="{A938D75D-5187-89C4-659D-2EDFB5471D02}"/>
+              </a:ext>
+            </a:extLst>
+          </p:cNvPr>
+          <p:cNvSpPr/>
+          <p:nvPr/>
+        </p:nvSpPr>
+        <p:spPr>
+          <a:xfrm>
+            <a:off x="8698395" y="4304853"/>
+            <a:ext cx="2577548" cy="706967"/>
+          </a:xfrm>
+          <a:prstGeom prst="ellipse">
+            <a:avLst/>
+          </a:prstGeom>
+          <a:ln>
+            <a:noFill/>
+          </a:ln>
+        </p:spPr>
+        <p:style>
+          <a:lnRef idx="2">
+            <a:schemeClr val="accent1">
+              <a:shade val="15000"/>
+            </a:schemeClr>
+          </a:lnRef>
+          <a:fillRef idx="1">
+            <a:schemeClr val="accent1"/>
+          </a:fillRef>
+          <a:effectRef idx="0">
+            <a:schemeClr val="accent1"/>
+          </a:effectRef>
+          <a:fontRef idx="minor">
+            <a:schemeClr val="lt1"/>
+          </a:fontRef>
+        </p:style>
+        <p:txBody>
+          <a:bodyPr rtlCol="0" anchor="ctr"/>
+          <a:lstStyle/>
+          <a:p>
+            <a:pPr algn="ctr"/>
+            <a:r>
+              <a:rPr lang="en-US" sz="1600" b="1" dirty="0">
+                <a:latin typeface="Noto Sans" panose="020B0502040504020204" pitchFamily="34" charset="0"/>
+                <a:ea typeface="Noto Sans" panose="020B0502040504020204" pitchFamily="34" charset="0"/>
+                <a:cs typeface="Noto Sans" panose="020B0502040504020204" pitchFamily="34" charset="0"/>
+              </a:rPr>
+              <a:t>Set Progress</a:t>
+            </a:r>
+            <a:endParaRPr lang="en-IN" sz="1600" b="1" dirty="0">
+              <a:latin typeface="Noto Sans" panose="020B0502040504020204" pitchFamily="34" charset="0"/>
+              <a:ea typeface="Noto Sans" panose="020B0502040504020204" pitchFamily="34" charset="0"/>
+              <a:cs typeface="Noto Sans" panose="020B0502040504020204" pitchFamily="34" charset="0"/>
+            </a:endParaRPr>
+          </a:p>
+        </p:txBody>
+      </p:sp>
+      <p:sp>
+        <p:nvSpPr>
+          <p:cNvPr id="18" name="Oval 17">
+            <a:extLst>
+              <a:ext uri="{FF2B5EF4-FFF2-40B4-BE49-F238E27FC236}">
+                <a16:creationId xmlns:a16="http://schemas.microsoft.com/office/drawing/2014/main" id="{69B9936A-973A-5EB6-D060-A2B12001DD81}"/>
+              </a:ext>
+            </a:extLst>
+          </p:cNvPr>
+          <p:cNvSpPr/>
+          <p:nvPr/>
+        </p:nvSpPr>
+        <p:spPr>
+          <a:xfrm>
+            <a:off x="8698395" y="5199375"/>
+            <a:ext cx="2577548" cy="706967"/>
+          </a:xfrm>
+          <a:prstGeom prst="ellipse">
+            <a:avLst/>
+          </a:prstGeom>
+          <a:ln>
+            <a:noFill/>
+          </a:ln>
+        </p:spPr>
+        <p:style>
+          <a:lnRef idx="2">
+            <a:schemeClr val="accent1">
+              <a:shade val="15000"/>
+            </a:schemeClr>
+          </a:lnRef>
+          <a:fillRef idx="1">
+            <a:schemeClr val="accent1"/>
+          </a:fillRef>
+          <a:effectRef idx="0">
+            <a:schemeClr val="accent1"/>
+          </a:effectRef>
+          <a:fontRef idx="minor">
+            <a:schemeClr val="lt1"/>
+          </a:fontRef>
+        </p:style>
+        <p:txBody>
+          <a:bodyPr rtlCol="0" anchor="ctr"/>
+          <a:lstStyle/>
+          <a:p>
+            <a:pPr algn="ctr"/>
+            <a:r>
+              <a:rPr lang="en-US" sz="1600" b="1" dirty="0">
+                <a:latin typeface="Noto Sans" panose="020B0502040504020204" pitchFamily="34" charset="0"/>
+                <a:ea typeface="Noto Sans" panose="020B0502040504020204" pitchFamily="34" charset="0"/>
+                <a:cs typeface="Noto Sans" panose="020B0502040504020204" pitchFamily="34" charset="0"/>
+              </a:rPr>
+              <a:t>Track Progress</a:t>
+            </a:r>
+            <a:endParaRPr lang="en-IN" sz="1600" b="1" dirty="0">
+              <a:latin typeface="Noto Sans" panose="020B0502040504020204" pitchFamily="34" charset="0"/>
+              <a:ea typeface="Noto Sans" panose="020B0502040504020204" pitchFamily="34" charset="0"/>
+              <a:cs typeface="Noto Sans" panose="020B0502040504020204" pitchFamily="34" charset="0"/>
+            </a:endParaRPr>
+          </a:p>
+        </p:txBody>
+      </p:sp>
+      <p:sp>
+        <p:nvSpPr>
+          <p:cNvPr id="23" name="Rectangle: Rounded Corners 22">
+            <a:extLst>
+              <a:ext uri="{FF2B5EF4-FFF2-40B4-BE49-F238E27FC236}">
+                <a16:creationId xmlns:a16="http://schemas.microsoft.com/office/drawing/2014/main" id="{3B51B399-A0CC-2E45-A89B-91B36AD0EF4B}"/>
+              </a:ext>
+            </a:extLst>
+          </p:cNvPr>
+          <p:cNvSpPr/>
+          <p:nvPr/>
+        </p:nvSpPr>
+        <p:spPr>
+          <a:xfrm>
+            <a:off x="5088834" y="2747720"/>
+            <a:ext cx="2014330" cy="2902226"/>
+          </a:xfrm>
+          <a:prstGeom prst="roundRect">
+            <a:avLst/>
+          </a:prstGeom>
+          <a:solidFill>
+            <a:schemeClr val="tx1">
+              <a:alpha val="57000"/>
+            </a:schemeClr>
+          </a:solidFill>
+          <a:ln>
+            <a:noFill/>
+          </a:ln>
+        </p:spPr>
+        <p:style>
+          <a:lnRef idx="2">
+            <a:schemeClr val="accent1">
+              <a:shade val="15000"/>
+            </a:schemeClr>
+          </a:lnRef>
+          <a:fillRef idx="1">
+            <a:schemeClr val="accent1"/>
+          </a:fillRef>
+          <a:effectRef idx="0">
+            <a:schemeClr val="accent1"/>
+          </a:effectRef>
+          <a:fontRef idx="minor">
+            <a:schemeClr val="lt1"/>
+          </a:fontRef>
+        </p:style>
+        <p:txBody>
+          <a:bodyPr rtlCol="0" anchor="ctr"/>
+          <a:lstStyle/>
+          <a:p>
+            <a:pPr algn="ctr"/>
+            <a:endParaRPr lang="en-IN"/>
+          </a:p>
+        </p:txBody>
+      </p:sp>
+      <p:pic>
+        <p:nvPicPr>
+          <p:cNvPr id="22" name="Picture 21" descr="A black background with a black square&#10;&#10;Description automatically generated with medium confidence">
+            <a:extLst>
+              <a:ext uri="{FF2B5EF4-FFF2-40B4-BE49-F238E27FC236}">
+                <a16:creationId xmlns:a16="http://schemas.microsoft.com/office/drawing/2014/main" id="{9B46D7F7-E769-DDBD-A14B-9111E44DF6FE}"/>
+              </a:ext>
+            </a:extLst>
+          </p:cNvPr>
+          <p:cNvPicPr>
+            <a:picLocks noChangeAspect="1"/>
+          </p:cNvPicPr>
+          <p:nvPr/>
+        </p:nvPicPr>
+        <p:blipFill>
+          <a:blip r:embed="rId3">
+            <a:duotone>
+              <a:schemeClr val="bg2">
+                <a:shade val="45000"/>
+                <a:satMod val="135000"/>
+              </a:schemeClr>
+              <a:prstClr val="white"/>
+            </a:duotone>
+            <a:extLst>
+              <a:ext uri="{BEBA8EAE-BF5A-486C-A8C5-ECC9F3942E4B}">
+                <a14:imgProps xmlns:a14="http://schemas.microsoft.com/office/drawing/2010/main">
+                  <a14:imgLayer r:embed="rId4">
+                    <a14:imgEffect>
+                      <a14:artisticPhotocopy/>
+                    </a14:imgEffect>
+                    <a14:imgEffect>
+                      <a14:brightnessContrast bright="40000" contrast="40000"/>
+                    </a14:imgEffect>
+                  </a14:imgLayer>
+                </a14:imgProps>
+              </a:ext>
+              <a:ext uri="{28A0092B-C50C-407E-A947-70E740481C1C}">
+                <a14:useLocalDpi xmlns:a14="http://schemas.microsoft.com/office/drawing/2010/main" val="0"/>
+              </a:ext>
+            </a:extLst>
+          </a:blip>
+          <a:stretch>
+            <a:fillRect/>
+          </a:stretch>
+        </p:blipFill>
+        <p:spPr>
+          <a:xfrm>
+            <a:off x="4436164" y="2825210"/>
+            <a:ext cx="3346174" cy="2336439"/>
+          </a:xfrm>
+          <a:prstGeom prst="rect">
+            <a:avLst/>
+          </a:prstGeom>
+        </p:spPr>
+      </p:pic>
+      <p:sp>
+        <p:nvSpPr>
+          <p:cNvPr id="24" name="TextBox 23">
+            <a:extLst>
+              <a:ext uri="{FF2B5EF4-FFF2-40B4-BE49-F238E27FC236}">
+                <a16:creationId xmlns:a16="http://schemas.microsoft.com/office/drawing/2014/main" id="{5E3226AA-CED6-940A-83AF-9BF62DBD37ED}"/>
+              </a:ext>
+            </a:extLst>
+          </p:cNvPr>
+          <p:cNvSpPr txBox="1"/>
+          <p:nvPr/>
+        </p:nvSpPr>
+        <p:spPr>
+          <a:xfrm>
+            <a:off x="5227983" y="5131088"/>
+            <a:ext cx="1755913" cy="369332"/>
+          </a:xfrm>
+          <a:prstGeom prst="rect">
+            <a:avLst/>
+          </a:prstGeom>
+          <a:noFill/>
+        </p:spPr>
+        <p:txBody>
+          <a:bodyPr wrap="square" rtlCol="0">
+            <a:spAutoFit/>
+          </a:bodyPr>
+          <a:lstStyle/>
+          <a:p>
+            <a:pPr algn="ctr"/>
+            <a:r>
+              <a:rPr lang="en-IN" b="1" dirty="0">
+                <a:solidFill>
+                  <a:schemeClr val="bg1"/>
+                </a:solidFill>
+                <a:latin typeface="Noto Sans" panose="020B0502040504020204" pitchFamily="34" charset="0"/>
+                <a:ea typeface="Noto Sans" panose="020B0502040504020204" pitchFamily="34" charset="0"/>
+                <a:cs typeface="Noto Sans" panose="020B0502040504020204" pitchFamily="34" charset="0"/>
+              </a:rPr>
+              <a:t>User</a:t>
+            </a:r>
+          </a:p>
+        </p:txBody>
+      </p:sp>
+      <p:cxnSp>
+        <p:nvCxnSpPr>
+          <p:cNvPr id="26" name="Straight Arrow Connector 25">
+            <a:extLst>
+              <a:ext uri="{FF2B5EF4-FFF2-40B4-BE49-F238E27FC236}">
+                <a16:creationId xmlns:a16="http://schemas.microsoft.com/office/drawing/2014/main" id="{3619701B-14F2-4A96-C271-1FF1C3BF7933}"/>
+              </a:ext>
+            </a:extLst>
+          </p:cNvPr>
+          <p:cNvCxnSpPr>
+            <a:cxnSpLocks/>
+            <a:endCxn id="14" idx="2"/>
+          </p:cNvCxnSpPr>
+          <p:nvPr/>
+        </p:nvCxnSpPr>
+        <p:spPr>
+          <a:xfrm flipV="1">
+            <a:off x="7109791" y="1974771"/>
+            <a:ext cx="1588604" cy="2197557"/>
+          </a:xfrm>
+          <a:prstGeom prst="straightConnector1">
+            <a:avLst/>
+          </a:prstGeom>
+          <a:ln w="12700">
+            <a:solidFill>
+              <a:schemeClr val="bg1"/>
+            </a:solidFill>
+            <a:tailEnd type="triangle"/>
+          </a:ln>
+        </p:spPr>
+        <p:style>
+          <a:lnRef idx="1">
+            <a:schemeClr val="accent1"/>
+          </a:lnRef>
+          <a:fillRef idx="0">
+            <a:schemeClr val="accent1"/>
+          </a:fillRef>
+          <a:effectRef idx="0">
+            <a:schemeClr val="accent1"/>
+          </a:effectRef>
+          <a:fontRef idx="minor">
+            <a:schemeClr val="tx1"/>
+          </a:fontRef>
+        </p:style>
+      </p:cxnSp>
+      <p:cxnSp>
+        <p:nvCxnSpPr>
+          <p:cNvPr id="30" name="Straight Arrow Connector 29">
+            <a:extLst>
+              <a:ext uri="{FF2B5EF4-FFF2-40B4-BE49-F238E27FC236}">
+                <a16:creationId xmlns:a16="http://schemas.microsoft.com/office/drawing/2014/main" id="{CFE9A942-9F6C-2040-A3AA-8DD9D2EF1513}"/>
+              </a:ext>
+            </a:extLst>
+          </p:cNvPr>
+          <p:cNvCxnSpPr>
+            <a:endCxn id="15" idx="2"/>
+          </p:cNvCxnSpPr>
+          <p:nvPr/>
+        </p:nvCxnSpPr>
+        <p:spPr>
+          <a:xfrm flipV="1">
+            <a:off x="7103164" y="2869293"/>
+            <a:ext cx="1595231" cy="1350301"/>
+          </a:xfrm>
+          <a:prstGeom prst="straightConnector1">
+            <a:avLst/>
+          </a:prstGeom>
+          <a:ln w="9525">
+            <a:solidFill>
+              <a:schemeClr val="bg1"/>
+            </a:solidFill>
+            <a:tailEnd type="triangle"/>
+          </a:ln>
+        </p:spPr>
+        <p:style>
+          <a:lnRef idx="1">
+            <a:schemeClr val="accent1"/>
+          </a:lnRef>
+          <a:fillRef idx="0">
+            <a:schemeClr val="accent1"/>
+          </a:fillRef>
+          <a:effectRef idx="0">
+            <a:schemeClr val="accent1"/>
+          </a:effectRef>
+          <a:fontRef idx="minor">
+            <a:schemeClr val="tx1"/>
+          </a:fontRef>
+        </p:style>
+      </p:cxnSp>
+      <p:cxnSp>
+        <p:nvCxnSpPr>
+          <p:cNvPr id="32" name="Straight Arrow Connector 31">
+            <a:extLst>
+              <a:ext uri="{FF2B5EF4-FFF2-40B4-BE49-F238E27FC236}">
+                <a16:creationId xmlns:a16="http://schemas.microsoft.com/office/drawing/2014/main" id="{060286DA-DD3A-96BF-BCB8-3C8F037338EB}"/>
+              </a:ext>
+            </a:extLst>
+          </p:cNvPr>
+          <p:cNvCxnSpPr>
+            <a:endCxn id="16" idx="2"/>
+          </p:cNvCxnSpPr>
+          <p:nvPr/>
+        </p:nvCxnSpPr>
+        <p:spPr>
+          <a:xfrm flipV="1">
+            <a:off x="7103164" y="3763815"/>
+            <a:ext cx="1595231" cy="486003"/>
+          </a:xfrm>
+          <a:prstGeom prst="straightConnector1">
+            <a:avLst/>
+          </a:prstGeom>
+          <a:ln w="9525">
+            <a:solidFill>
+              <a:schemeClr val="bg1"/>
+            </a:solidFill>
+            <a:tailEnd type="triangle"/>
+          </a:ln>
+        </p:spPr>
+        <p:style>
+          <a:lnRef idx="1">
+            <a:schemeClr val="accent1"/>
+          </a:lnRef>
+          <a:fillRef idx="0">
+            <a:schemeClr val="accent1"/>
+          </a:fillRef>
+          <a:effectRef idx="0">
+            <a:schemeClr val="accent1"/>
+          </a:effectRef>
+          <a:fontRef idx="minor">
+            <a:schemeClr val="tx1"/>
+          </a:fontRef>
+        </p:style>
+      </p:cxnSp>
+      <p:cxnSp>
+        <p:nvCxnSpPr>
+          <p:cNvPr id="34" name="Straight Arrow Connector 33">
+            <a:extLst>
+              <a:ext uri="{FF2B5EF4-FFF2-40B4-BE49-F238E27FC236}">
+                <a16:creationId xmlns:a16="http://schemas.microsoft.com/office/drawing/2014/main" id="{AA2E6E1B-4DDC-2790-4A68-290B80541EE9}"/>
+              </a:ext>
+            </a:extLst>
+          </p:cNvPr>
+          <p:cNvCxnSpPr>
+            <a:endCxn id="17" idx="2"/>
+          </p:cNvCxnSpPr>
+          <p:nvPr/>
+        </p:nvCxnSpPr>
+        <p:spPr>
+          <a:xfrm>
+            <a:off x="7109791" y="4297084"/>
+            <a:ext cx="1588604" cy="361253"/>
+          </a:xfrm>
+          <a:prstGeom prst="straightConnector1">
+            <a:avLst/>
+          </a:prstGeom>
+          <a:ln w="9525">
+            <a:solidFill>
+              <a:schemeClr val="bg1"/>
+            </a:solidFill>
+            <a:tailEnd type="triangle"/>
+          </a:ln>
+        </p:spPr>
+        <p:style>
+          <a:lnRef idx="1">
+            <a:schemeClr val="accent1"/>
+          </a:lnRef>
+          <a:fillRef idx="0">
+            <a:schemeClr val="accent1"/>
+          </a:fillRef>
+          <a:effectRef idx="0">
+            <a:schemeClr val="accent1"/>
+          </a:effectRef>
+          <a:fontRef idx="minor">
+            <a:schemeClr val="tx1"/>
+          </a:fontRef>
+        </p:style>
+      </p:cxnSp>
+      <p:cxnSp>
+        <p:nvCxnSpPr>
+          <p:cNvPr id="36" name="Straight Arrow Connector 35">
+            <a:extLst>
+              <a:ext uri="{FF2B5EF4-FFF2-40B4-BE49-F238E27FC236}">
+                <a16:creationId xmlns:a16="http://schemas.microsoft.com/office/drawing/2014/main" id="{0DF3D83F-79F2-CCFF-0D43-40056D6F96A9}"/>
+              </a:ext>
+            </a:extLst>
+          </p:cNvPr>
+          <p:cNvCxnSpPr>
+            <a:endCxn id="18" idx="2"/>
+          </p:cNvCxnSpPr>
+          <p:nvPr/>
+        </p:nvCxnSpPr>
+        <p:spPr>
+          <a:xfrm>
+            <a:off x="7103164" y="4313340"/>
+            <a:ext cx="1595231" cy="1239519"/>
+          </a:xfrm>
+          <a:prstGeom prst="straightConnector1">
+            <a:avLst/>
+          </a:prstGeom>
+          <a:ln w="9525">
+            <a:solidFill>
+              <a:schemeClr val="bg1"/>
+            </a:solidFill>
+            <a:tailEnd type="triangle"/>
+          </a:ln>
+        </p:spPr>
+        <p:style>
+          <a:lnRef idx="1">
+            <a:schemeClr val="accent1"/>
+          </a:lnRef>
+          <a:fillRef idx="0">
+            <a:schemeClr val="accent1"/>
+          </a:fillRef>
+          <a:effectRef idx="0">
+            <a:schemeClr val="accent1"/>
+          </a:effectRef>
+          <a:fontRef idx="minor">
+            <a:schemeClr val="tx1"/>
+          </a:fontRef>
+        </p:style>
+      </p:cxnSp>
+      <p:cxnSp>
+        <p:nvCxnSpPr>
+          <p:cNvPr id="25" name="Straight Arrow Connector 24">
+            <a:extLst>
+              <a:ext uri="{FF2B5EF4-FFF2-40B4-BE49-F238E27FC236}">
+                <a16:creationId xmlns:a16="http://schemas.microsoft.com/office/drawing/2014/main" id="{7157A420-2A25-1D65-0F42-7A824C35C7F6}"/>
+              </a:ext>
+            </a:extLst>
+          </p:cNvPr>
+          <p:cNvCxnSpPr>
+            <a:endCxn id="6" idx="6"/>
+          </p:cNvCxnSpPr>
+          <p:nvPr/>
+        </p:nvCxnSpPr>
+        <p:spPr>
+          <a:xfrm flipH="1" flipV="1">
+            <a:off x="3326296" y="1974771"/>
+            <a:ext cx="1762538" cy="2197557"/>
+          </a:xfrm>
+          <a:prstGeom prst="straightConnector1">
+            <a:avLst/>
+          </a:prstGeom>
+          <a:ln w="9525">
+            <a:solidFill>
+              <a:schemeClr val="bg1"/>
+            </a:solidFill>
+            <a:tailEnd type="triangle"/>
+          </a:ln>
+        </p:spPr>
+        <p:style>
+          <a:lnRef idx="1">
+            <a:schemeClr val="accent1"/>
+          </a:lnRef>
+          <a:fillRef idx="0">
+            <a:schemeClr val="accent1"/>
+          </a:fillRef>
+          <a:effectRef idx="0">
+            <a:schemeClr val="accent1"/>
+          </a:effectRef>
+          <a:fontRef idx="minor">
+            <a:schemeClr val="tx1"/>
+          </a:fontRef>
+        </p:style>
+      </p:cxnSp>
+      <p:cxnSp>
+        <p:nvCxnSpPr>
+          <p:cNvPr id="28" name="Straight Arrow Connector 27">
+            <a:extLst>
+              <a:ext uri="{FF2B5EF4-FFF2-40B4-BE49-F238E27FC236}">
+                <a16:creationId xmlns:a16="http://schemas.microsoft.com/office/drawing/2014/main" id="{0F4CA66C-E93E-FF14-6FD6-610F56289C14}"/>
+              </a:ext>
+            </a:extLst>
+          </p:cNvPr>
+          <p:cNvCxnSpPr>
+            <a:endCxn id="8" idx="6"/>
+          </p:cNvCxnSpPr>
+          <p:nvPr/>
+        </p:nvCxnSpPr>
+        <p:spPr>
+          <a:xfrm flipH="1" flipV="1">
+            <a:off x="3326296" y="2869293"/>
+            <a:ext cx="1762538" cy="1350301"/>
+          </a:xfrm>
+          <a:prstGeom prst="straightConnector1">
+            <a:avLst/>
+          </a:prstGeom>
+          <a:ln w="9525">
+            <a:solidFill>
+              <a:schemeClr val="bg1"/>
+            </a:solidFill>
+            <a:tailEnd type="triangle"/>
+          </a:ln>
+        </p:spPr>
+        <p:style>
+          <a:lnRef idx="1">
+            <a:schemeClr val="accent1"/>
+          </a:lnRef>
+          <a:fillRef idx="0">
+            <a:schemeClr val="accent1"/>
+          </a:fillRef>
+          <a:effectRef idx="0">
+            <a:schemeClr val="accent1"/>
+          </a:effectRef>
+          <a:fontRef idx="minor">
+            <a:schemeClr val="tx1"/>
+          </a:fontRef>
+        </p:style>
+      </p:cxnSp>
+      <p:cxnSp>
+        <p:nvCxnSpPr>
+          <p:cNvPr id="31" name="Straight Arrow Connector 30">
+            <a:extLst>
+              <a:ext uri="{FF2B5EF4-FFF2-40B4-BE49-F238E27FC236}">
+                <a16:creationId xmlns:a16="http://schemas.microsoft.com/office/drawing/2014/main" id="{41043A28-0A4E-4F66-2765-150E9F1297F2}"/>
+              </a:ext>
+            </a:extLst>
+          </p:cNvPr>
+          <p:cNvCxnSpPr>
+            <a:endCxn id="10" idx="6"/>
+          </p:cNvCxnSpPr>
+          <p:nvPr/>
+        </p:nvCxnSpPr>
+        <p:spPr>
+          <a:xfrm flipH="1" flipV="1">
+            <a:off x="3326296" y="3763815"/>
+            <a:ext cx="1762538" cy="455779"/>
+          </a:xfrm>
+          <a:prstGeom prst="straightConnector1">
+            <a:avLst/>
+          </a:prstGeom>
+          <a:ln w="9525">
+            <a:solidFill>
+              <a:schemeClr val="bg1"/>
+            </a:solidFill>
+            <a:tailEnd type="triangle"/>
+          </a:ln>
+        </p:spPr>
+        <p:style>
+          <a:lnRef idx="1">
+            <a:schemeClr val="accent1"/>
+          </a:lnRef>
+          <a:fillRef idx="0">
+            <a:schemeClr val="accent1"/>
+          </a:fillRef>
+          <a:effectRef idx="0">
+            <a:schemeClr val="accent1"/>
+          </a:effectRef>
+          <a:fontRef idx="minor">
+            <a:schemeClr val="tx1"/>
+          </a:fontRef>
+        </p:style>
+      </p:cxnSp>
+      <p:cxnSp>
+        <p:nvCxnSpPr>
+          <p:cNvPr id="35" name="Straight Arrow Connector 34">
+            <a:extLst>
+              <a:ext uri="{FF2B5EF4-FFF2-40B4-BE49-F238E27FC236}">
+                <a16:creationId xmlns:a16="http://schemas.microsoft.com/office/drawing/2014/main" id="{89713D0B-D6D0-4B9B-3B77-734FC0095295}"/>
+              </a:ext>
+            </a:extLst>
+          </p:cNvPr>
+          <p:cNvCxnSpPr>
+            <a:endCxn id="11" idx="6"/>
+          </p:cNvCxnSpPr>
+          <p:nvPr/>
+        </p:nvCxnSpPr>
+        <p:spPr>
+          <a:xfrm flipH="1">
+            <a:off x="3326296" y="4219594"/>
+            <a:ext cx="1762538" cy="438743"/>
+          </a:xfrm>
+          <a:prstGeom prst="straightConnector1">
+            <a:avLst/>
+          </a:prstGeom>
+          <a:ln w="9525">
+            <a:solidFill>
+              <a:schemeClr val="bg1"/>
+            </a:solidFill>
+            <a:tailEnd type="triangle"/>
+          </a:ln>
+        </p:spPr>
+        <p:style>
+          <a:lnRef idx="1">
+            <a:schemeClr val="accent1"/>
+          </a:lnRef>
+          <a:fillRef idx="0">
+            <a:schemeClr val="accent1"/>
+          </a:fillRef>
+          <a:effectRef idx="0">
+            <a:schemeClr val="accent1"/>
+          </a:effectRef>
+          <a:fontRef idx="minor">
+            <a:schemeClr val="tx1"/>
+          </a:fontRef>
+        </p:style>
+      </p:cxnSp>
+      <p:cxnSp>
+        <p:nvCxnSpPr>
+          <p:cNvPr id="39" name="Straight Arrow Connector 38">
+            <a:extLst>
+              <a:ext uri="{FF2B5EF4-FFF2-40B4-BE49-F238E27FC236}">
+                <a16:creationId xmlns:a16="http://schemas.microsoft.com/office/drawing/2014/main" id="{A45EAEFA-AA00-B3E0-F033-B28924833877}"/>
+              </a:ext>
+            </a:extLst>
+          </p:cNvPr>
+          <p:cNvCxnSpPr/>
+          <p:nvPr/>
+        </p:nvCxnSpPr>
+        <p:spPr>
+          <a:xfrm flipH="1">
+            <a:off x="3326296" y="4219594"/>
+            <a:ext cx="1762538" cy="1333265"/>
+          </a:xfrm>
+          <a:prstGeom prst="straightConnector1">
+            <a:avLst/>
+          </a:prstGeom>
+          <a:ln w="9525">
+            <a:solidFill>
+              <a:schemeClr val="bg1"/>
+            </a:solidFill>
+            <a:tailEnd type="triangle"/>
+          </a:ln>
+        </p:spPr>
+        <p:style>
+          <a:lnRef idx="1">
+            <a:schemeClr val="accent1"/>
+          </a:lnRef>
+          <a:fillRef idx="0">
+            <a:schemeClr val="accent1"/>
+          </a:fillRef>
+          <a:effectRef idx="0">
+            <a:schemeClr val="accent1"/>
+          </a:effectRef>
+          <a:fontRef idx="minor">
+            <a:schemeClr val="tx1"/>
+          </a:fontRef>
+        </p:style>
+      </p:cxnSp>
+    </p:spTree>
+    <p:extLst>
+      <p:ext uri="{BB962C8B-B14F-4D97-AF65-F5344CB8AC3E}">
+        <p14:creationId xmlns:p14="http://schemas.microsoft.com/office/powerpoint/2010/main" val="1239557021"/>
+      </p:ext>
+    </p:extLst>
+  </p:cSld>
+  <p:clrMapOvr>
+    <a:masterClrMapping/>
+  </p:clrMapOvr>
+  <mc:AlternateContent xmlns:mc="http://schemas.openxmlformats.org/markup-compatibility/2006" xmlns:p159="http://schemas.microsoft.com/office/powerpoint/2015/09/main">
+    <mc:Choice Requires="p159">
+      <p:transition spd="slow">
+        <p159:morph option="byObject"/>
+      </p:transition>
+    </mc:Choice>
+    <mc:Fallback xmlns="">
+      <p:transition spd="slow">
+        <p:fade/>
+      </p:transition>
+    </mc:Fallback>
+  </mc:AlternateContent>
+</p:sld>
+</file>
+
+<file path=ppt/slides/slide7.xml><?xml version="1.0" encoding="utf-8"?>
+<p:sld xmlns:a="http://schemas.openxmlformats.org/drawingml/2006/main" xmlns:r="http://schemas.openxmlformats.org/officeDocument/2006/relationships" xmlns:p="http://schemas.openxmlformats.org/presentationml/2006/main">
+  <p:cSld>
+    <p:spTree>
+      <p:nvGrpSpPr>
+        <p:cNvPr id="1" name=""/>
+        <p:cNvGrpSpPr/>
+        <p:nvPr/>
+      </p:nvGrpSpPr>
+      <p:grpSpPr>
+        <a:xfrm>
+          <a:off x="0" y="0"/>
+          <a:ext cx="0" cy="0"/>
+          <a:chOff x="0" y="0"/>
+          <a:chExt cx="0" cy="0"/>
+        </a:xfrm>
+      </p:grpSpPr>
+      <p:pic>
+        <p:nvPicPr>
+          <p:cNvPr id="9" name="Picture Placeholder 8" descr="A group of fruits and vegetables&#10;&#10;Description automatically generated">
+            <a:extLst>
+              <a:ext uri="{FF2B5EF4-FFF2-40B4-BE49-F238E27FC236}">
+                <a16:creationId xmlns:a16="http://schemas.microsoft.com/office/drawing/2014/main" id="{566F1E99-3F75-AFCF-568C-89EBD77160D5}"/>
+              </a:ext>
+            </a:extLst>
+          </p:cNvPr>
+          <p:cNvPicPr>
+            <a:picLocks noGrp="1" noChangeAspect="1"/>
+          </p:cNvPicPr>
+          <p:nvPr>
+            <p:ph type="pic" sz="quarter" idx="12"/>
+          </p:nvPr>
+        </p:nvPicPr>
+        <p:blipFill>
+          <a:blip r:embed="rId2"/>
+          <a:srcRect t="32" b="32"/>
+          <a:stretch>
+            <a:fillRect/>
+          </a:stretch>
+        </p:blipFill>
+        <p:spPr/>
+      </p:pic>
+      <p:sp>
+        <p:nvSpPr>
+          <p:cNvPr id="45" name="직사각형 44">
+            <a:extLst>
+              <a:ext uri="{FF2B5EF4-FFF2-40B4-BE49-F238E27FC236}">
+                <a16:creationId xmlns:a16="http://schemas.microsoft.com/office/drawing/2014/main" id="{BBF6209E-429C-26A9-0851-E980B7171294}"/>
+              </a:ext>
+            </a:extLst>
+          </p:cNvPr>
+          <p:cNvSpPr/>
+          <p:nvPr/>
+        </p:nvSpPr>
+        <p:spPr>
+          <a:xfrm>
+            <a:off x="0" y="0"/>
+            <a:ext cx="12192000" cy="6858001"/>
+          </a:xfrm>
+          <a:prstGeom prst="rect">
+            <a:avLst/>
+          </a:prstGeom>
+          <a:solidFill>
+            <a:schemeClr val="tx1">
+              <a:alpha val="72138"/>
+            </a:schemeClr>
+          </a:solidFill>
+          <a:ln>
+            <a:noFill/>
+          </a:ln>
+        </p:spPr>
+        <p:style>
+          <a:lnRef idx="2">
+            <a:schemeClr val="accent1">
+              <a:shade val="50000"/>
+            </a:schemeClr>
+          </a:lnRef>
+          <a:fillRef idx="1">
+            <a:schemeClr val="accent1"/>
+          </a:fillRef>
+          <a:effectRef idx="0">
+            <a:schemeClr val="accent1"/>
+          </a:effectRef>
+          <a:fontRef idx="minor">
+            <a:schemeClr val="lt1"/>
+          </a:fontRef>
+        </p:style>
+        <p:txBody>
+          <a:bodyPr rtlCol="0" anchor="ctr"/>
+          <a:lstStyle/>
+          <a:p>
+            <a:pPr algn="ctr"/>
+            <a:endParaRPr kumimoji="1" lang="ko-Kore-KR" altLang="en-US" dirty="0"/>
+          </a:p>
+        </p:txBody>
+      </p:sp>
+      <p:sp>
+        <p:nvSpPr>
+          <p:cNvPr id="2" name="Rectangle 1">
+            <a:extLst>
+              <a:ext uri="{FF2B5EF4-FFF2-40B4-BE49-F238E27FC236}">
+                <a16:creationId xmlns:a16="http://schemas.microsoft.com/office/drawing/2014/main" id="{53AAB953-8155-37F5-F373-8661FCF948CE}"/>
+              </a:ext>
+            </a:extLst>
+          </p:cNvPr>
+          <p:cNvSpPr/>
+          <p:nvPr/>
+        </p:nvSpPr>
+        <p:spPr>
+          <a:xfrm>
+            <a:off x="1" y="249766"/>
+            <a:ext cx="3251200" cy="706967"/>
+          </a:xfrm>
+          <a:prstGeom prst="rect">
+            <a:avLst/>
+          </a:prstGeom>
+          <a:solidFill>
+            <a:schemeClr val="accent2">
+              <a:lumMod val="75000"/>
+            </a:schemeClr>
+          </a:solidFill>
+          <a:ln>
+            <a:noFill/>
+          </a:ln>
+        </p:spPr>
+        <p:style>
+          <a:lnRef idx="2">
+            <a:schemeClr val="accent2">
+              <a:shade val="15000"/>
+            </a:schemeClr>
+          </a:lnRef>
+          <a:fillRef idx="1">
+            <a:schemeClr val="accent2"/>
+          </a:fillRef>
+          <a:effectRef idx="0">
+            <a:schemeClr val="accent2"/>
+          </a:effectRef>
+          <a:fontRef idx="minor">
+            <a:schemeClr val="lt1"/>
+          </a:fontRef>
+        </p:style>
+        <p:txBody>
+          <a:bodyPr rtlCol="0" anchor="ctr"/>
+          <a:lstStyle/>
+          <a:p>
+            <a:pPr algn="ctr"/>
+            <a:endParaRPr lang="en-IN" dirty="0"/>
+          </a:p>
+        </p:txBody>
+      </p:sp>
+      <p:sp>
+        <p:nvSpPr>
+          <p:cNvPr id="3" name="TextBox 2">
+            <a:extLst>
+              <a:ext uri="{FF2B5EF4-FFF2-40B4-BE49-F238E27FC236}">
+                <a16:creationId xmlns:a16="http://schemas.microsoft.com/office/drawing/2014/main" id="{0ADEF4EC-1D88-0BA1-00D5-41FB96F6B201}"/>
+              </a:ext>
+            </a:extLst>
+          </p:cNvPr>
+          <p:cNvSpPr txBox="1"/>
+          <p:nvPr/>
+        </p:nvSpPr>
+        <p:spPr>
+          <a:xfrm>
+            <a:off x="3" y="406728"/>
+            <a:ext cx="3251198" cy="461665"/>
+          </a:xfrm>
+          <a:prstGeom prst="rect">
+            <a:avLst/>
+          </a:prstGeom>
+          <a:noFill/>
+        </p:spPr>
+        <p:txBody>
+          <a:bodyPr wrap="square" rtlCol="0">
+            <a:spAutoFit/>
+          </a:bodyPr>
+          <a:lstStyle/>
+          <a:p>
+            <a:pPr algn="ctr"/>
+            <a:r>
+              <a:rPr lang="en-IN" sz="2400" b="1" dirty="0">
+                <a:solidFill>
+                  <a:schemeClr val="bg1"/>
+                </a:solidFill>
+                <a:latin typeface="Noto Sans" panose="020B0502040504020204" pitchFamily="34" charset="0"/>
+                <a:ea typeface="Noto Sans" panose="020B0502040504020204" pitchFamily="34" charset="0"/>
+                <a:cs typeface="Noto Sans" panose="020B0502040504020204" pitchFamily="34" charset="0"/>
+              </a:rPr>
+              <a:t>The System</a:t>
+            </a:r>
+          </a:p>
+        </p:txBody>
+      </p:sp>
+      <p:sp>
+        <p:nvSpPr>
+          <p:cNvPr id="4" name="Rectangle 3">
+            <a:extLst>
+              <a:ext uri="{FF2B5EF4-FFF2-40B4-BE49-F238E27FC236}">
+                <a16:creationId xmlns:a16="http://schemas.microsoft.com/office/drawing/2014/main" id="{2D2BB4F1-A44C-7379-CB7C-417E8DAA09B6}"/>
+              </a:ext>
+            </a:extLst>
+          </p:cNvPr>
+          <p:cNvSpPr/>
+          <p:nvPr/>
+        </p:nvSpPr>
+        <p:spPr>
+          <a:xfrm>
+            <a:off x="4422913" y="249765"/>
+            <a:ext cx="3346174" cy="706967"/>
+          </a:xfrm>
+          <a:prstGeom prst="rect">
+            <a:avLst/>
+          </a:prstGeom>
+          <a:solidFill>
+            <a:schemeClr val="accent2">
+              <a:lumMod val="75000"/>
+            </a:schemeClr>
+          </a:solidFill>
+          <a:ln>
+            <a:noFill/>
+          </a:ln>
+        </p:spPr>
+        <p:style>
+          <a:lnRef idx="2">
+            <a:schemeClr val="accent1">
+              <a:shade val="15000"/>
+            </a:schemeClr>
+          </a:lnRef>
+          <a:fillRef idx="1">
+            <a:schemeClr val="accent1"/>
+          </a:fillRef>
+          <a:effectRef idx="0">
+            <a:schemeClr val="accent1"/>
+          </a:effectRef>
+          <a:fontRef idx="minor">
+            <a:schemeClr val="lt1"/>
+          </a:fontRef>
+        </p:style>
+        <p:txBody>
+          <a:bodyPr rtlCol="0" anchor="ctr"/>
+          <a:lstStyle/>
+          <a:p>
+            <a:pPr algn="ctr"/>
+            <a:endParaRPr lang="en-IN">
+              <a:solidFill>
+                <a:schemeClr val="accent2">
+                  <a:lumMod val="75000"/>
+                </a:schemeClr>
+              </a:solidFill>
+            </a:endParaRPr>
+          </a:p>
+        </p:txBody>
+      </p:sp>
+      <p:sp>
+        <p:nvSpPr>
+          <p:cNvPr id="5" name="TextBox 4">
+            <a:extLst>
+              <a:ext uri="{FF2B5EF4-FFF2-40B4-BE49-F238E27FC236}">
+                <a16:creationId xmlns:a16="http://schemas.microsoft.com/office/drawing/2014/main" id="{56B9AA69-E72F-16F9-0D31-83433BC8E146}"/>
+              </a:ext>
+            </a:extLst>
+          </p:cNvPr>
+          <p:cNvSpPr txBox="1"/>
+          <p:nvPr/>
+        </p:nvSpPr>
+        <p:spPr>
+          <a:xfrm>
+            <a:off x="4422912" y="384314"/>
+            <a:ext cx="3346175" cy="461665"/>
+          </a:xfrm>
+          <a:prstGeom prst="rect">
+            <a:avLst/>
+          </a:prstGeom>
+          <a:noFill/>
+        </p:spPr>
+        <p:txBody>
+          <a:bodyPr wrap="square" rtlCol="0">
+            <a:spAutoFit/>
+          </a:bodyPr>
+          <a:lstStyle/>
+          <a:p>
+            <a:pPr algn="ctr"/>
+            <a:r>
+              <a:rPr lang="en-IN" sz="2400" b="1" dirty="0">
+                <a:solidFill>
+                  <a:schemeClr val="bg1"/>
+                </a:solidFill>
+              </a:rPr>
+              <a:t>DFD Level 0</a:t>
+            </a:r>
+          </a:p>
+        </p:txBody>
+      </p:sp>
+      <p:sp>
+        <p:nvSpPr>
+          <p:cNvPr id="7" name="Oval 6">
+            <a:extLst>
+              <a:ext uri="{FF2B5EF4-FFF2-40B4-BE49-F238E27FC236}">
+                <a16:creationId xmlns:a16="http://schemas.microsoft.com/office/drawing/2014/main" id="{010F0682-A7F3-BC0D-D7B1-A1C016890695}"/>
+              </a:ext>
+            </a:extLst>
+          </p:cNvPr>
+          <p:cNvSpPr/>
+          <p:nvPr/>
+        </p:nvSpPr>
+        <p:spPr>
+          <a:xfrm>
+            <a:off x="7829358" y="2599266"/>
+            <a:ext cx="2091268" cy="2091268"/>
+          </a:xfrm>
+          <a:prstGeom prst="ellipse">
+            <a:avLst/>
+          </a:prstGeom>
+          <a:ln>
+            <a:noFill/>
+          </a:ln>
+        </p:spPr>
+        <p:style>
+          <a:lnRef idx="2">
+            <a:schemeClr val="accent1">
+              <a:shade val="15000"/>
+            </a:schemeClr>
+          </a:lnRef>
+          <a:fillRef idx="1">
+            <a:schemeClr val="accent1"/>
+          </a:fillRef>
+          <a:effectRef idx="0">
+            <a:schemeClr val="accent1"/>
+          </a:effectRef>
+          <a:fontRef idx="minor">
+            <a:schemeClr val="lt1"/>
+          </a:fontRef>
+        </p:style>
+        <p:txBody>
+          <a:bodyPr rtlCol="0" anchor="ctr"/>
+          <a:lstStyle/>
+          <a:p>
+            <a:pPr algn="ctr"/>
+            <a:r>
+              <a:rPr lang="en-IN" sz="2400" b="1" dirty="0"/>
+              <a:t>FitFuel</a:t>
+            </a:r>
+          </a:p>
+        </p:txBody>
+      </p:sp>
+      <p:sp>
+        <p:nvSpPr>
+          <p:cNvPr id="20" name="Rectangle 19">
+            <a:extLst>
+              <a:ext uri="{FF2B5EF4-FFF2-40B4-BE49-F238E27FC236}">
+                <a16:creationId xmlns:a16="http://schemas.microsoft.com/office/drawing/2014/main" id="{CC23E1CF-9A05-D833-B044-4F8CA6A1B755}"/>
+              </a:ext>
+            </a:extLst>
+          </p:cNvPr>
+          <p:cNvSpPr/>
+          <p:nvPr/>
+        </p:nvSpPr>
+        <p:spPr>
+          <a:xfrm>
+            <a:off x="2029692" y="3222890"/>
+            <a:ext cx="2421464" cy="844020"/>
+          </a:xfrm>
+          <a:prstGeom prst="rect">
+            <a:avLst/>
+          </a:prstGeom>
+          <a:ln>
+            <a:noFill/>
+          </a:ln>
+        </p:spPr>
+        <p:style>
+          <a:lnRef idx="2">
+            <a:schemeClr val="accent1">
+              <a:shade val="15000"/>
+            </a:schemeClr>
+          </a:lnRef>
+          <a:fillRef idx="1">
+            <a:schemeClr val="accent1"/>
+          </a:fillRef>
+          <a:effectRef idx="0">
+            <a:schemeClr val="accent1"/>
+          </a:effectRef>
+          <a:fontRef idx="minor">
+            <a:schemeClr val="lt1"/>
+          </a:fontRef>
+        </p:style>
+        <p:txBody>
+          <a:bodyPr rtlCol="0" anchor="ctr"/>
+          <a:lstStyle/>
+          <a:p>
+            <a:pPr algn="ctr"/>
+            <a:r>
               <a:rPr lang="en-IN" sz="2400" b="1" dirty="0"/>
               <a:t>User</a:t>
             </a:r>
@@ -6451,7 +8090,7 @@
         </p:nvCxnSpPr>
         <p:spPr>
           <a:xfrm rot="5400000" flipH="1" flipV="1">
-            <a:off x="5240205" y="93794"/>
+            <a:off x="5745896" y="93794"/>
             <a:ext cx="623624" cy="5634568"/>
           </a:xfrm>
           <a:prstGeom prst="bentConnector3">
@@ -6497,7 +8136,7 @@
         </p:nvCxnSpPr>
         <p:spPr>
           <a:xfrm rot="16200000" flipH="1">
-            <a:off x="5240204" y="1570666"/>
+            <a:off x="5745895" y="1570666"/>
             <a:ext cx="623624" cy="5634568"/>
           </a:xfrm>
           <a:prstGeom prst="bentConnector3">
@@ -6545,7 +8184,7 @@
         </p:nvCxnSpPr>
         <p:spPr>
           <a:xfrm>
-            <a:off x="3945465" y="3644900"/>
+            <a:off x="4451156" y="3644900"/>
             <a:ext cx="3378202" cy="0"/>
           </a:xfrm>
           <a:prstGeom prst="straightConnector1">
@@ -6590,7 +8229,7 @@
         </p:nvCxnSpPr>
         <p:spPr>
           <a:xfrm flipV="1">
-            <a:off x="3251201" y="2905525"/>
+            <a:off x="3756892" y="2905525"/>
             <a:ext cx="4378725" cy="317364"/>
           </a:xfrm>
           <a:prstGeom prst="bentConnector4">
@@ -6638,7 +8277,7 @@
         </p:nvCxnSpPr>
         <p:spPr>
           <a:xfrm>
-            <a:off x="3251201" y="4066910"/>
+            <a:off x="3756892" y="4066910"/>
             <a:ext cx="4378725" cy="317365"/>
           </a:xfrm>
           <a:prstGeom prst="bentConnector4">
@@ -6683,7 +8322,7 @@
         </p:nvSpPr>
         <p:spPr>
           <a:xfrm>
-            <a:off x="4248149" y="3374082"/>
+            <a:off x="4753840" y="3353301"/>
             <a:ext cx="2607734" cy="307777"/>
           </a:xfrm>
           <a:prstGeom prst="rect">
@@ -6701,7 +8340,7 @@
             <a:r>
               <a:rPr lang="en-IN" sz="1400" b="1" dirty="0">
                 <a:solidFill>
-                  <a:schemeClr val="bg1"/>
+                  <a:srgbClr val="FFFF00"/>
                 </a:solidFill>
                 <a:latin typeface="Noto Sans" panose="020B0502040504020204" pitchFamily="34" charset="0"/>
                 <a:ea typeface="Noto Sans" panose="020B0502040504020204" pitchFamily="34" charset="0"/>
@@ -6726,7 +8365,7 @@
         </p:nvSpPr>
         <p:spPr>
           <a:xfrm>
-            <a:off x="3678765" y="2154527"/>
+            <a:off x="4184456" y="2189162"/>
             <a:ext cx="3746502" cy="307777"/>
           </a:xfrm>
           <a:prstGeom prst="rect">
@@ -6744,7 +8383,7 @@
             <a:r>
               <a:rPr lang="en-IN" sz="1400" b="1" dirty="0">
                 <a:solidFill>
-                  <a:schemeClr val="bg1"/>
+                  <a:srgbClr val="FFFF00"/>
                 </a:solidFill>
                 <a:latin typeface="Noto Sans" panose="020B0502040504020204" pitchFamily="34" charset="0"/>
                 <a:ea typeface="Noto Sans" panose="020B0502040504020204" pitchFamily="34" charset="0"/>
@@ -6769,7 +8408,7 @@
         </p:nvSpPr>
         <p:spPr>
           <a:xfrm>
-            <a:off x="3678765" y="4299392"/>
+            <a:off x="4184456" y="4299392"/>
             <a:ext cx="3746502" cy="307777"/>
           </a:xfrm>
           <a:prstGeom prst="rect">
@@ -6787,13 +8426,99 @@
             <a:r>
               <a:rPr lang="en-IN" sz="1400" b="1" dirty="0">
                 <a:solidFill>
-                  <a:schemeClr val="bg1"/>
+                  <a:srgbClr val="FFFF00"/>
                 </a:solidFill>
                 <a:latin typeface="Noto Sans" panose="020B0502040504020204" pitchFamily="34" charset="0"/>
                 <a:ea typeface="Noto Sans" panose="020B0502040504020204" pitchFamily="34" charset="0"/>
                 <a:cs typeface="Noto Sans" panose="020B0502040504020204" pitchFamily="34" charset="0"/>
               </a:rPr>
               <a:t>Diet Recommendation</a:t>
+            </a:r>
+          </a:p>
+        </p:txBody>
+      </p:sp>
+      <p:sp>
+        <p:nvSpPr>
+          <p:cNvPr id="6" name="TextBox 5">
+            <a:extLst>
+              <a:ext uri="{FF2B5EF4-FFF2-40B4-BE49-F238E27FC236}">
+                <a16:creationId xmlns:a16="http://schemas.microsoft.com/office/drawing/2014/main" id="{BAA3C93C-0E61-E001-D73C-002F8FAA4F98}"/>
+              </a:ext>
+            </a:extLst>
+          </p:cNvPr>
+          <p:cNvSpPr txBox="1"/>
+          <p:nvPr/>
+        </p:nvSpPr>
+        <p:spPr>
+          <a:xfrm>
+            <a:off x="4184456" y="5287206"/>
+            <a:ext cx="3746502" cy="307777"/>
+          </a:xfrm>
+          <a:prstGeom prst="rect">
+            <a:avLst/>
+          </a:prstGeom>
+          <a:noFill/>
+        </p:spPr>
+        <p:txBody>
+          <a:bodyPr wrap="square" rtlCol="0">
+            <a:spAutoFit/>
+          </a:bodyPr>
+          <a:lstStyle/>
+          <a:p>
+            <a:pPr algn="ctr"/>
+            <a:r>
+              <a:rPr lang="en-IN" sz="1400" b="1" dirty="0">
+                <a:solidFill>
+                  <a:srgbClr val="FFFF00"/>
+                </a:solidFill>
+                <a:latin typeface="Noto Sans" panose="020B0502040504020204" pitchFamily="34" charset="0"/>
+                <a:ea typeface="Noto Sans" panose="020B0502040504020204" pitchFamily="34" charset="0"/>
+                <a:cs typeface="Noto Sans" panose="020B0502040504020204" pitchFamily="34" charset="0"/>
+              </a:rPr>
+              <a:t>Goal and Progress Tracking</a:t>
+            </a:r>
+          </a:p>
+        </p:txBody>
+      </p:sp>
+      <p:sp>
+        <p:nvSpPr>
+          <p:cNvPr id="8" name="TextBox 7">
+            <a:extLst>
+              <a:ext uri="{FF2B5EF4-FFF2-40B4-BE49-F238E27FC236}">
+                <a16:creationId xmlns:a16="http://schemas.microsoft.com/office/drawing/2014/main" id="{50D64CC4-6936-EF91-7428-D1478F44CC07}"/>
+              </a:ext>
+            </a:extLst>
+          </p:cNvPr>
+          <p:cNvSpPr txBox="1"/>
+          <p:nvPr/>
+        </p:nvSpPr>
+        <p:spPr>
+          <a:xfrm>
+            <a:off x="4184456" y="1378741"/>
+            <a:ext cx="3746502" cy="307777"/>
+          </a:xfrm>
+          <a:prstGeom prst="rect">
+            <a:avLst/>
+          </a:prstGeom>
+          <a:noFill/>
+        </p:spPr>
+        <p:txBody>
+          <a:bodyPr wrap="square" rtlCol="0">
+            <a:spAutoFit/>
+          </a:bodyPr>
+          <a:lstStyle/>
+          <a:p>
+            <a:pPr algn="ctr"/>
+            <a:r>
+              <a:rPr lang="en-IN" sz="1400" b="1" dirty="0">
+                <a:solidFill>
+                  <a:srgbClr val="FFFF00"/>
+                </a:solidFill>
+                <a:latin typeface="Noto Sans" panose="020B0502040504020204" pitchFamily="34" charset="0"/>
+                <a:ea typeface="Noto Sans" panose="020B0502040504020204" pitchFamily="34" charset="0"/>
+                <a:cs typeface="Noto Sans" panose="020B0502040504020204" pitchFamily="34" charset="0"/>
+              </a:rPr>
+              <a:t>User Health Status/Analysis</a:t>
             </a:r>
           </a:p>
         </p:txBody>
@@ -6808,13 +8533,2323 @@
   <p:clrMapOvr>
     <a:masterClrMapping/>
   </p:clrMapOvr>
-  <mc:AlternateContent xmlns:mc="http://schemas.openxmlformats.org/markup-compatibility/2006">
-    <mc:Choice xmlns:p159="http://schemas.microsoft.com/office/powerpoint/2015/09/main" Requires="p159">
+  <mc:AlternateContent xmlns:mc="http://schemas.openxmlformats.org/markup-compatibility/2006" xmlns:p159="http://schemas.microsoft.com/office/powerpoint/2015/09/main">
+    <mc:Choice Requires="p159">
       <p:transition xmlns:p14="http://schemas.microsoft.com/office/powerpoint/2010/main" spd="slow" p14:dur="1500">
         <p159:morph option="byObject"/>
       </p:transition>
     </mc:Choice>
-    <mc:Fallback>
+    <mc:Fallback xmlns="">
+      <p:transition spd="slow">
+        <p:fade/>
+      </p:transition>
+    </mc:Fallback>
+  </mc:AlternateContent>
+</p:sld>
+</file>
+
+<file path=ppt/slides/slide8.xml><?xml version="1.0" encoding="utf-8"?>
+<p:sld xmlns:a="http://schemas.openxmlformats.org/drawingml/2006/main" xmlns:r="http://schemas.openxmlformats.org/officeDocument/2006/relationships" xmlns:p="http://schemas.openxmlformats.org/presentationml/2006/main">
+  <p:cSld>
+    <p:spTree>
+      <p:nvGrpSpPr>
+        <p:cNvPr id="1" name=""/>
+        <p:cNvGrpSpPr/>
+        <p:nvPr/>
+      </p:nvGrpSpPr>
+      <p:grpSpPr>
+        <a:xfrm>
+          <a:off x="0" y="0"/>
+          <a:ext cx="0" cy="0"/>
+          <a:chOff x="0" y="0"/>
+          <a:chExt cx="0" cy="0"/>
+        </a:xfrm>
+      </p:grpSpPr>
+      <p:pic>
+        <p:nvPicPr>
+          <p:cNvPr id="9" name="Picture Placeholder 8" descr="A group of fruits and vegetables&#10;&#10;Description automatically generated">
+            <a:extLst>
+              <a:ext uri="{FF2B5EF4-FFF2-40B4-BE49-F238E27FC236}">
+                <a16:creationId xmlns:a16="http://schemas.microsoft.com/office/drawing/2014/main" id="{566F1E99-3F75-AFCF-568C-89EBD77160D5}"/>
+              </a:ext>
+            </a:extLst>
+          </p:cNvPr>
+          <p:cNvPicPr>
+            <a:picLocks noGrp="1" noChangeAspect="1"/>
+          </p:cNvPicPr>
+          <p:nvPr>
+            <p:ph type="pic" sz="quarter" idx="12"/>
+          </p:nvPr>
+        </p:nvPicPr>
+        <p:blipFill>
+          <a:blip r:embed="rId2"/>
+          <a:srcRect t="32" b="32"/>
+          <a:stretch>
+            <a:fillRect/>
+          </a:stretch>
+        </p:blipFill>
+        <p:spPr/>
+      </p:pic>
+      <p:sp>
+        <p:nvSpPr>
+          <p:cNvPr id="45" name="직사각형 44">
+            <a:extLst>
+              <a:ext uri="{FF2B5EF4-FFF2-40B4-BE49-F238E27FC236}">
+                <a16:creationId xmlns:a16="http://schemas.microsoft.com/office/drawing/2014/main" id="{BBF6209E-429C-26A9-0851-E980B7171294}"/>
+              </a:ext>
+            </a:extLst>
+          </p:cNvPr>
+          <p:cNvSpPr/>
+          <p:nvPr/>
+        </p:nvSpPr>
+        <p:spPr>
+          <a:xfrm>
+            <a:off x="0" y="0"/>
+            <a:ext cx="12192000" cy="6858001"/>
+          </a:xfrm>
+          <a:prstGeom prst="rect">
+            <a:avLst/>
+          </a:prstGeom>
+          <a:solidFill>
+            <a:schemeClr val="tx1">
+              <a:alpha val="72138"/>
+            </a:schemeClr>
+          </a:solidFill>
+          <a:ln>
+            <a:noFill/>
+          </a:ln>
+        </p:spPr>
+        <p:style>
+          <a:lnRef idx="2">
+            <a:schemeClr val="accent1">
+              <a:shade val="50000"/>
+            </a:schemeClr>
+          </a:lnRef>
+          <a:fillRef idx="1">
+            <a:schemeClr val="accent1"/>
+          </a:fillRef>
+          <a:effectRef idx="0">
+            <a:schemeClr val="accent1"/>
+          </a:effectRef>
+          <a:fontRef idx="minor">
+            <a:schemeClr val="lt1"/>
+          </a:fontRef>
+        </p:style>
+        <p:txBody>
+          <a:bodyPr rtlCol="0" anchor="ctr"/>
+          <a:lstStyle/>
+          <a:p>
+            <a:pPr algn="ctr"/>
+            <a:endParaRPr kumimoji="1" lang="ko-Kore-KR" altLang="en-US" dirty="0"/>
+          </a:p>
+        </p:txBody>
+      </p:sp>
+      <p:sp>
+        <p:nvSpPr>
+          <p:cNvPr id="2" name="Rectangle 1">
+            <a:extLst>
+              <a:ext uri="{FF2B5EF4-FFF2-40B4-BE49-F238E27FC236}">
+                <a16:creationId xmlns:a16="http://schemas.microsoft.com/office/drawing/2014/main" id="{53AAB953-8155-37F5-F373-8661FCF948CE}"/>
+              </a:ext>
+            </a:extLst>
+          </p:cNvPr>
+          <p:cNvSpPr/>
+          <p:nvPr/>
+        </p:nvSpPr>
+        <p:spPr>
+          <a:xfrm>
+            <a:off x="1" y="249766"/>
+            <a:ext cx="3251200" cy="706967"/>
+          </a:xfrm>
+          <a:prstGeom prst="rect">
+            <a:avLst/>
+          </a:prstGeom>
+          <a:solidFill>
+            <a:schemeClr val="accent2">
+              <a:lumMod val="75000"/>
+            </a:schemeClr>
+          </a:solidFill>
+          <a:ln>
+            <a:noFill/>
+          </a:ln>
+        </p:spPr>
+        <p:style>
+          <a:lnRef idx="2">
+            <a:schemeClr val="accent2">
+              <a:shade val="15000"/>
+            </a:schemeClr>
+          </a:lnRef>
+          <a:fillRef idx="1">
+            <a:schemeClr val="accent2"/>
+          </a:fillRef>
+          <a:effectRef idx="0">
+            <a:schemeClr val="accent2"/>
+          </a:effectRef>
+          <a:fontRef idx="minor">
+            <a:schemeClr val="lt1"/>
+          </a:fontRef>
+        </p:style>
+        <p:txBody>
+          <a:bodyPr rtlCol="0" anchor="ctr"/>
+          <a:lstStyle/>
+          <a:p>
+            <a:pPr algn="ctr"/>
+            <a:endParaRPr lang="en-IN" dirty="0"/>
+          </a:p>
+        </p:txBody>
+      </p:sp>
+      <p:sp>
+        <p:nvSpPr>
+          <p:cNvPr id="3" name="TextBox 2">
+            <a:extLst>
+              <a:ext uri="{FF2B5EF4-FFF2-40B4-BE49-F238E27FC236}">
+                <a16:creationId xmlns:a16="http://schemas.microsoft.com/office/drawing/2014/main" id="{0ADEF4EC-1D88-0BA1-00D5-41FB96F6B201}"/>
+              </a:ext>
+            </a:extLst>
+          </p:cNvPr>
+          <p:cNvSpPr txBox="1"/>
+          <p:nvPr/>
+        </p:nvSpPr>
+        <p:spPr>
+          <a:xfrm>
+            <a:off x="3" y="406728"/>
+            <a:ext cx="3251198" cy="461665"/>
+          </a:xfrm>
+          <a:prstGeom prst="rect">
+            <a:avLst/>
+          </a:prstGeom>
+          <a:noFill/>
+        </p:spPr>
+        <p:txBody>
+          <a:bodyPr wrap="square" rtlCol="0">
+            <a:spAutoFit/>
+          </a:bodyPr>
+          <a:lstStyle/>
+          <a:p>
+            <a:pPr algn="ctr"/>
+            <a:r>
+              <a:rPr lang="en-IN" sz="2400" b="1" dirty="0">
+                <a:solidFill>
+                  <a:schemeClr val="bg1"/>
+                </a:solidFill>
+                <a:latin typeface="Noto Sans" panose="020B0502040504020204" pitchFamily="34" charset="0"/>
+                <a:ea typeface="Noto Sans" panose="020B0502040504020204" pitchFamily="34" charset="0"/>
+                <a:cs typeface="Noto Sans" panose="020B0502040504020204" pitchFamily="34" charset="0"/>
+              </a:rPr>
+              <a:t>The System</a:t>
+            </a:r>
+          </a:p>
+        </p:txBody>
+      </p:sp>
+      <p:sp>
+        <p:nvSpPr>
+          <p:cNvPr id="4" name="Rectangle 3">
+            <a:extLst>
+              <a:ext uri="{FF2B5EF4-FFF2-40B4-BE49-F238E27FC236}">
+                <a16:creationId xmlns:a16="http://schemas.microsoft.com/office/drawing/2014/main" id="{2D2BB4F1-A44C-7379-CB7C-417E8DAA09B6}"/>
+              </a:ext>
+            </a:extLst>
+          </p:cNvPr>
+          <p:cNvSpPr/>
+          <p:nvPr/>
+        </p:nvSpPr>
+        <p:spPr>
+          <a:xfrm>
+            <a:off x="4422913" y="249765"/>
+            <a:ext cx="3346174" cy="706967"/>
+          </a:xfrm>
+          <a:prstGeom prst="rect">
+            <a:avLst/>
+          </a:prstGeom>
+          <a:solidFill>
+            <a:schemeClr val="accent2">
+              <a:lumMod val="75000"/>
+            </a:schemeClr>
+          </a:solidFill>
+          <a:ln>
+            <a:noFill/>
+          </a:ln>
+        </p:spPr>
+        <p:style>
+          <a:lnRef idx="2">
+            <a:schemeClr val="accent1">
+              <a:shade val="15000"/>
+            </a:schemeClr>
+          </a:lnRef>
+          <a:fillRef idx="1">
+            <a:schemeClr val="accent1"/>
+          </a:fillRef>
+          <a:effectRef idx="0">
+            <a:schemeClr val="accent1"/>
+          </a:effectRef>
+          <a:fontRef idx="minor">
+            <a:schemeClr val="lt1"/>
+          </a:fontRef>
+        </p:style>
+        <p:txBody>
+          <a:bodyPr rtlCol="0" anchor="ctr"/>
+          <a:lstStyle/>
+          <a:p>
+            <a:pPr algn="ctr"/>
+            <a:endParaRPr lang="en-IN"/>
+          </a:p>
+        </p:txBody>
+      </p:sp>
+      <p:sp>
+        <p:nvSpPr>
+          <p:cNvPr id="5" name="TextBox 4">
+            <a:extLst>
+              <a:ext uri="{FF2B5EF4-FFF2-40B4-BE49-F238E27FC236}">
+                <a16:creationId xmlns:a16="http://schemas.microsoft.com/office/drawing/2014/main" id="{56B9AA69-E72F-16F9-0D31-83433BC8E146}"/>
+              </a:ext>
+            </a:extLst>
+          </p:cNvPr>
+          <p:cNvSpPr txBox="1"/>
+          <p:nvPr/>
+        </p:nvSpPr>
+        <p:spPr>
+          <a:xfrm>
+            <a:off x="4422912" y="384314"/>
+            <a:ext cx="3346175" cy="461665"/>
+          </a:xfrm>
+          <a:prstGeom prst="rect">
+            <a:avLst/>
+          </a:prstGeom>
+          <a:noFill/>
+        </p:spPr>
+        <p:txBody>
+          <a:bodyPr wrap="square" rtlCol="0">
+            <a:spAutoFit/>
+          </a:bodyPr>
+          <a:lstStyle/>
+          <a:p>
+            <a:pPr algn="ctr"/>
+            <a:r>
+              <a:rPr lang="en-IN" sz="2400" b="1" dirty="0">
+                <a:solidFill>
+                  <a:schemeClr val="bg1"/>
+                </a:solidFill>
+              </a:rPr>
+              <a:t>DFD Level 1</a:t>
+            </a:r>
+          </a:p>
+        </p:txBody>
+      </p:sp>
+    </p:spTree>
+    <p:extLst>
+      <p:ext uri="{BB962C8B-B14F-4D97-AF65-F5344CB8AC3E}">
+        <p14:creationId xmlns:p14="http://schemas.microsoft.com/office/powerpoint/2010/main" val="3888365492"/>
+      </p:ext>
+    </p:extLst>
+  </p:cSld>
+  <p:clrMapOvr>
+    <a:masterClrMapping/>
+  </p:clrMapOvr>
+  <mc:AlternateContent xmlns:mc="http://schemas.openxmlformats.org/markup-compatibility/2006" xmlns:p159="http://schemas.microsoft.com/office/powerpoint/2015/09/main">
+    <mc:Choice Requires="p159">
+      <p:transition xmlns:p14="http://schemas.microsoft.com/office/powerpoint/2010/main" spd="slow" p14:dur="1500">
+        <p159:morph option="byObject"/>
+      </p:transition>
+    </mc:Choice>
+    <mc:Fallback xmlns="">
+      <p:transition spd="slow">
+        <p:fade/>
+      </p:transition>
+    </mc:Fallback>
+  </mc:AlternateContent>
+</p:sld>
+</file>
+
+<file path=ppt/slides/slide9.xml><?xml version="1.0" encoding="utf-8"?>
+<p:sld xmlns:a="http://schemas.openxmlformats.org/drawingml/2006/main" xmlns:r="http://schemas.openxmlformats.org/officeDocument/2006/relationships" xmlns:p="http://schemas.openxmlformats.org/presentationml/2006/main">
+  <p:cSld>
+    <p:spTree>
+      <p:nvGrpSpPr>
+        <p:cNvPr id="1" name=""/>
+        <p:cNvGrpSpPr/>
+        <p:nvPr/>
+      </p:nvGrpSpPr>
+      <p:grpSpPr>
+        <a:xfrm>
+          <a:off x="0" y="0"/>
+          <a:ext cx="0" cy="0"/>
+          <a:chOff x="0" y="0"/>
+          <a:chExt cx="0" cy="0"/>
+        </a:xfrm>
+      </p:grpSpPr>
+      <p:pic>
+        <p:nvPicPr>
+          <p:cNvPr id="9" name="Picture Placeholder 8" descr="A group of fruits and vegetables&#10;&#10;Description automatically generated">
+            <a:extLst>
+              <a:ext uri="{FF2B5EF4-FFF2-40B4-BE49-F238E27FC236}">
+                <a16:creationId xmlns:a16="http://schemas.microsoft.com/office/drawing/2014/main" id="{566F1E99-3F75-AFCF-568C-89EBD77160D5}"/>
+              </a:ext>
+            </a:extLst>
+          </p:cNvPr>
+          <p:cNvPicPr>
+            <a:picLocks noGrp="1" noChangeAspect="1"/>
+          </p:cNvPicPr>
+          <p:nvPr>
+            <p:ph type="pic" sz="quarter" idx="12"/>
+          </p:nvPr>
+        </p:nvPicPr>
+        <p:blipFill>
+          <a:blip r:embed="rId2"/>
+          <a:srcRect t="32" b="32"/>
+          <a:stretch>
+            <a:fillRect/>
+          </a:stretch>
+        </p:blipFill>
+        <p:spPr>
+          <a:ln w="19050">
+            <a:noFill/>
+          </a:ln>
+        </p:spPr>
+      </p:pic>
+      <p:sp>
+        <p:nvSpPr>
+          <p:cNvPr id="45" name="직사각형 44">
+            <a:extLst>
+              <a:ext uri="{FF2B5EF4-FFF2-40B4-BE49-F238E27FC236}">
+                <a16:creationId xmlns:a16="http://schemas.microsoft.com/office/drawing/2014/main" id="{BBF6209E-429C-26A9-0851-E980B7171294}"/>
+              </a:ext>
+            </a:extLst>
+          </p:cNvPr>
+          <p:cNvSpPr/>
+          <p:nvPr/>
+        </p:nvSpPr>
+        <p:spPr>
+          <a:xfrm>
+            <a:off x="0" y="0"/>
+            <a:ext cx="12192000" cy="6858001"/>
+          </a:xfrm>
+          <a:prstGeom prst="rect">
+            <a:avLst/>
+          </a:prstGeom>
+          <a:solidFill>
+            <a:schemeClr val="tx1">
+              <a:alpha val="72138"/>
+            </a:schemeClr>
+          </a:solidFill>
+          <a:ln w="19050">
+            <a:noFill/>
+          </a:ln>
+        </p:spPr>
+        <p:style>
+          <a:lnRef idx="2">
+            <a:schemeClr val="accent1">
+              <a:shade val="50000"/>
+            </a:schemeClr>
+          </a:lnRef>
+          <a:fillRef idx="1">
+            <a:schemeClr val="accent1"/>
+          </a:fillRef>
+          <a:effectRef idx="0">
+            <a:schemeClr val="accent1"/>
+          </a:effectRef>
+          <a:fontRef idx="minor">
+            <a:schemeClr val="lt1"/>
+          </a:fontRef>
+        </p:style>
+        <p:txBody>
+          <a:bodyPr rtlCol="0" anchor="ctr"/>
+          <a:lstStyle/>
+          <a:p>
+            <a:pPr algn="ctr"/>
+            <a:endParaRPr kumimoji="1" lang="ko-Kore-KR" altLang="en-US" dirty="0"/>
+          </a:p>
+        </p:txBody>
+      </p:sp>
+      <p:sp>
+        <p:nvSpPr>
+          <p:cNvPr id="4" name="Rectangle 3">
+            <a:extLst>
+              <a:ext uri="{FF2B5EF4-FFF2-40B4-BE49-F238E27FC236}">
+                <a16:creationId xmlns:a16="http://schemas.microsoft.com/office/drawing/2014/main" id="{2D2BB4F1-A44C-7379-CB7C-417E8DAA09B6}"/>
+              </a:ext>
+            </a:extLst>
+          </p:cNvPr>
+          <p:cNvSpPr/>
+          <p:nvPr/>
+        </p:nvSpPr>
+        <p:spPr>
+          <a:xfrm>
+            <a:off x="0" y="160864"/>
+            <a:ext cx="2048933" cy="563037"/>
+          </a:xfrm>
+          <a:prstGeom prst="rect">
+            <a:avLst/>
+          </a:prstGeom>
+          <a:solidFill>
+            <a:schemeClr val="accent2">
+              <a:lumMod val="75000"/>
+            </a:schemeClr>
+          </a:solidFill>
+          <a:ln>
+            <a:noFill/>
+          </a:ln>
+        </p:spPr>
+        <p:style>
+          <a:lnRef idx="2">
+            <a:schemeClr val="accent1">
+              <a:shade val="15000"/>
+            </a:schemeClr>
+          </a:lnRef>
+          <a:fillRef idx="1">
+            <a:schemeClr val="accent1"/>
+          </a:fillRef>
+          <a:effectRef idx="0">
+            <a:schemeClr val="accent1"/>
+          </a:effectRef>
+          <a:fontRef idx="minor">
+            <a:schemeClr val="lt1"/>
+          </a:fontRef>
+        </p:style>
+        <p:txBody>
+          <a:bodyPr rtlCol="0" anchor="ctr"/>
+          <a:lstStyle/>
+          <a:p>
+            <a:pPr algn="ctr"/>
+            <a:endParaRPr lang="en-IN"/>
+          </a:p>
+        </p:txBody>
+      </p:sp>
+      <p:sp>
+        <p:nvSpPr>
+          <p:cNvPr id="5" name="TextBox 4">
+            <a:extLst>
+              <a:ext uri="{FF2B5EF4-FFF2-40B4-BE49-F238E27FC236}">
+                <a16:creationId xmlns:a16="http://schemas.microsoft.com/office/drawing/2014/main" id="{56B9AA69-E72F-16F9-0D31-83433BC8E146}"/>
+              </a:ext>
+            </a:extLst>
+          </p:cNvPr>
+          <p:cNvSpPr txBox="1"/>
+          <p:nvPr/>
+        </p:nvSpPr>
+        <p:spPr>
+          <a:xfrm>
+            <a:off x="0" y="236150"/>
+            <a:ext cx="2048934" cy="400110"/>
+          </a:xfrm>
+          <a:prstGeom prst="rect">
+            <a:avLst/>
+          </a:prstGeom>
+          <a:noFill/>
+        </p:spPr>
+        <p:txBody>
+          <a:bodyPr wrap="square" rtlCol="0">
+            <a:spAutoFit/>
+          </a:bodyPr>
+          <a:lstStyle/>
+          <a:p>
+            <a:pPr algn="ctr"/>
+            <a:r>
+              <a:rPr lang="en-IN" sz="2000" b="1" dirty="0">
+                <a:solidFill>
+                  <a:schemeClr val="bg1"/>
+                </a:solidFill>
+              </a:rPr>
+              <a:t>DFD Level 1</a:t>
+            </a:r>
+          </a:p>
+        </p:txBody>
+      </p:sp>
+      <p:sp>
+        <p:nvSpPr>
+          <p:cNvPr id="2" name="Oval 1">
+            <a:extLst>
+              <a:ext uri="{FF2B5EF4-FFF2-40B4-BE49-F238E27FC236}">
+                <a16:creationId xmlns:a16="http://schemas.microsoft.com/office/drawing/2014/main" id="{1449761F-AF2B-2370-9ED8-558C1378822E}"/>
+              </a:ext>
+            </a:extLst>
+          </p:cNvPr>
+          <p:cNvSpPr/>
+          <p:nvPr/>
+        </p:nvSpPr>
+        <p:spPr>
+          <a:xfrm>
+            <a:off x="4456424" y="2569627"/>
+            <a:ext cx="3279150" cy="1934636"/>
+          </a:xfrm>
+          <a:prstGeom prst="ellipse">
+            <a:avLst/>
+          </a:prstGeom>
+          <a:ln>
+            <a:noFill/>
+          </a:ln>
+        </p:spPr>
+        <p:style>
+          <a:lnRef idx="2">
+            <a:schemeClr val="accent1">
+              <a:shade val="15000"/>
+            </a:schemeClr>
+          </a:lnRef>
+          <a:fillRef idx="1">
+            <a:schemeClr val="accent1"/>
+          </a:fillRef>
+          <a:effectRef idx="0">
+            <a:schemeClr val="accent1"/>
+          </a:effectRef>
+          <a:fontRef idx="minor">
+            <a:schemeClr val="lt1"/>
+          </a:fontRef>
+        </p:style>
+        <p:txBody>
+          <a:bodyPr rtlCol="0" anchor="ctr"/>
+          <a:lstStyle/>
+          <a:p>
+            <a:pPr algn="ctr"/>
+            <a:r>
+              <a:rPr lang="en-US" sz="2100" b="1" dirty="0">
+                <a:latin typeface="Noto Sans" panose="020B0502040504020204" pitchFamily="34" charset="0"/>
+                <a:ea typeface="Noto Sans" panose="020B0502040504020204" pitchFamily="34" charset="0"/>
+                <a:cs typeface="Noto Sans" panose="020B0502040504020204" pitchFamily="34" charset="0"/>
+              </a:rPr>
+              <a:t>Dashboard</a:t>
+            </a:r>
+            <a:endParaRPr lang="en-IN" sz="2100" b="1" dirty="0">
+              <a:latin typeface="Noto Sans" panose="020B0502040504020204" pitchFamily="34" charset="0"/>
+              <a:ea typeface="Noto Sans" panose="020B0502040504020204" pitchFamily="34" charset="0"/>
+              <a:cs typeface="Noto Sans" panose="020B0502040504020204" pitchFamily="34" charset="0"/>
+            </a:endParaRPr>
+          </a:p>
+        </p:txBody>
+      </p:sp>
+      <p:sp>
+        <p:nvSpPr>
+          <p:cNvPr id="3" name="Rectangle 2">
+            <a:extLst>
+              <a:ext uri="{FF2B5EF4-FFF2-40B4-BE49-F238E27FC236}">
+                <a16:creationId xmlns:a16="http://schemas.microsoft.com/office/drawing/2014/main" id="{2F4934D7-9D58-6C1B-7563-579D1B52453B}"/>
+              </a:ext>
+            </a:extLst>
+          </p:cNvPr>
+          <p:cNvSpPr/>
+          <p:nvPr/>
+        </p:nvSpPr>
+        <p:spPr>
+          <a:xfrm>
+            <a:off x="2311489" y="911875"/>
+            <a:ext cx="1938867" cy="706967"/>
+          </a:xfrm>
+          <a:prstGeom prst="rect">
+            <a:avLst/>
+          </a:prstGeom>
+          <a:ln>
+            <a:solidFill>
+              <a:schemeClr val="bg1"/>
+            </a:solidFill>
+          </a:ln>
+        </p:spPr>
+        <p:style>
+          <a:lnRef idx="2">
+            <a:schemeClr val="accent1">
+              <a:shade val="15000"/>
+            </a:schemeClr>
+          </a:lnRef>
+          <a:fillRef idx="1">
+            <a:schemeClr val="accent1"/>
+          </a:fillRef>
+          <a:effectRef idx="0">
+            <a:schemeClr val="accent1"/>
+          </a:effectRef>
+          <a:fontRef idx="minor">
+            <a:schemeClr val="lt1"/>
+          </a:fontRef>
+        </p:style>
+        <p:txBody>
+          <a:bodyPr rtlCol="0" anchor="ctr"/>
+          <a:lstStyle/>
+          <a:p>
+            <a:pPr algn="ctr"/>
+            <a:r>
+              <a:rPr lang="en-US" b="1" dirty="0">
+                <a:latin typeface="Noto Sans" panose="020B0502040504020204" pitchFamily="34" charset="0"/>
+                <a:ea typeface="Noto Sans" panose="020B0502040504020204" pitchFamily="34" charset="0"/>
+                <a:cs typeface="Noto Sans" panose="020B0502040504020204" pitchFamily="34" charset="0"/>
+              </a:rPr>
+              <a:t>User</a:t>
+            </a:r>
+            <a:endParaRPr lang="en-IN" b="1" dirty="0">
+              <a:latin typeface="Noto Sans" panose="020B0502040504020204" pitchFamily="34" charset="0"/>
+              <a:ea typeface="Noto Sans" panose="020B0502040504020204" pitchFamily="34" charset="0"/>
+              <a:cs typeface="Noto Sans" panose="020B0502040504020204" pitchFamily="34" charset="0"/>
+            </a:endParaRPr>
+          </a:p>
+        </p:txBody>
+      </p:sp>
+      <p:sp>
+        <p:nvSpPr>
+          <p:cNvPr id="6" name="Oval 5">
+            <a:extLst>
+              <a:ext uri="{FF2B5EF4-FFF2-40B4-BE49-F238E27FC236}">
+                <a16:creationId xmlns:a16="http://schemas.microsoft.com/office/drawing/2014/main" id="{2625C7B1-874F-4615-62D5-8AF74C84A751}"/>
+              </a:ext>
+            </a:extLst>
+          </p:cNvPr>
+          <p:cNvSpPr/>
+          <p:nvPr/>
+        </p:nvSpPr>
+        <p:spPr>
+          <a:xfrm>
+            <a:off x="5362160" y="733673"/>
+            <a:ext cx="1467678" cy="1063370"/>
+          </a:xfrm>
+          <a:prstGeom prst="ellipse">
+            <a:avLst/>
+          </a:prstGeom>
+          <a:ln>
+            <a:noFill/>
+          </a:ln>
+        </p:spPr>
+        <p:style>
+          <a:lnRef idx="2">
+            <a:schemeClr val="accent1">
+              <a:shade val="15000"/>
+            </a:schemeClr>
+          </a:lnRef>
+          <a:fillRef idx="1">
+            <a:schemeClr val="accent1"/>
+          </a:fillRef>
+          <a:effectRef idx="0">
+            <a:schemeClr val="accent1"/>
+          </a:effectRef>
+          <a:fontRef idx="minor">
+            <a:schemeClr val="lt1"/>
+          </a:fontRef>
+        </p:style>
+        <p:txBody>
+          <a:bodyPr rtlCol="0" anchor="ctr"/>
+          <a:lstStyle/>
+          <a:p>
+            <a:pPr algn="ctr"/>
+            <a:r>
+              <a:rPr lang="en-US" b="1" dirty="0">
+                <a:latin typeface="Noto Sans" panose="020B0502040504020204" pitchFamily="34" charset="0"/>
+                <a:ea typeface="Noto Sans" panose="020B0502040504020204" pitchFamily="34" charset="0"/>
+                <a:cs typeface="Noto Sans" panose="020B0502040504020204" pitchFamily="34" charset="0"/>
+              </a:rPr>
+              <a:t>Login/Signup</a:t>
+            </a:r>
+            <a:endParaRPr lang="en-IN" b="1" dirty="0">
+              <a:latin typeface="Noto Sans" panose="020B0502040504020204" pitchFamily="34" charset="0"/>
+              <a:ea typeface="Noto Sans" panose="020B0502040504020204" pitchFamily="34" charset="0"/>
+              <a:cs typeface="Noto Sans" panose="020B0502040504020204" pitchFamily="34" charset="0"/>
+            </a:endParaRPr>
+          </a:p>
+        </p:txBody>
+      </p:sp>
+      <p:sp>
+        <p:nvSpPr>
+          <p:cNvPr id="7" name="Oval 6">
+            <a:extLst>
+              <a:ext uri="{FF2B5EF4-FFF2-40B4-BE49-F238E27FC236}">
+                <a16:creationId xmlns:a16="http://schemas.microsoft.com/office/drawing/2014/main" id="{5B0943B5-B07B-D72D-78A1-44135208B4A5}"/>
+              </a:ext>
+            </a:extLst>
+          </p:cNvPr>
+          <p:cNvSpPr/>
+          <p:nvPr/>
+        </p:nvSpPr>
+        <p:spPr>
+          <a:xfrm>
+            <a:off x="924890" y="2897709"/>
+            <a:ext cx="2395883" cy="1278472"/>
+          </a:xfrm>
+          <a:prstGeom prst="ellipse">
+            <a:avLst/>
+          </a:prstGeom>
+          <a:ln>
+            <a:noFill/>
+          </a:ln>
+        </p:spPr>
+        <p:style>
+          <a:lnRef idx="2">
+            <a:schemeClr val="accent1">
+              <a:shade val="15000"/>
+            </a:schemeClr>
+          </a:lnRef>
+          <a:fillRef idx="1">
+            <a:schemeClr val="accent1"/>
+          </a:fillRef>
+          <a:effectRef idx="0">
+            <a:schemeClr val="accent1"/>
+          </a:effectRef>
+          <a:fontRef idx="minor">
+            <a:schemeClr val="lt1"/>
+          </a:fontRef>
+        </p:style>
+        <p:txBody>
+          <a:bodyPr rtlCol="0" anchor="ctr"/>
+          <a:lstStyle/>
+          <a:p>
+            <a:pPr algn="ctr"/>
+            <a:r>
+              <a:rPr lang="en-US" b="1" dirty="0">
+                <a:latin typeface="Noto Sans" panose="020B0502040504020204" pitchFamily="34" charset="0"/>
+                <a:ea typeface="Noto Sans" panose="020B0502040504020204" pitchFamily="34" charset="0"/>
+                <a:cs typeface="Noto Sans" panose="020B0502040504020204" pitchFamily="34" charset="0"/>
+              </a:rPr>
+              <a:t>User Profile</a:t>
+            </a:r>
+            <a:endParaRPr lang="en-IN" b="1" dirty="0">
+              <a:latin typeface="Noto Sans" panose="020B0502040504020204" pitchFamily="34" charset="0"/>
+              <a:ea typeface="Noto Sans" panose="020B0502040504020204" pitchFamily="34" charset="0"/>
+              <a:cs typeface="Noto Sans" panose="020B0502040504020204" pitchFamily="34" charset="0"/>
+            </a:endParaRPr>
+          </a:p>
+        </p:txBody>
+      </p:sp>
+      <p:sp>
+        <p:nvSpPr>
+          <p:cNvPr id="8" name="Oval 7">
+            <a:extLst>
+              <a:ext uri="{FF2B5EF4-FFF2-40B4-BE49-F238E27FC236}">
+                <a16:creationId xmlns:a16="http://schemas.microsoft.com/office/drawing/2014/main" id="{AF83F467-8C44-F5C7-30CA-CEEDB920C8D3}"/>
+              </a:ext>
+            </a:extLst>
+          </p:cNvPr>
+          <p:cNvSpPr/>
+          <p:nvPr/>
+        </p:nvSpPr>
+        <p:spPr>
+          <a:xfrm>
+            <a:off x="924891" y="5067299"/>
+            <a:ext cx="2395883" cy="1278472"/>
+          </a:xfrm>
+          <a:prstGeom prst="ellipse">
+            <a:avLst/>
+          </a:prstGeom>
+          <a:ln>
+            <a:noFill/>
+          </a:ln>
+        </p:spPr>
+        <p:style>
+          <a:lnRef idx="2">
+            <a:schemeClr val="accent1">
+              <a:shade val="15000"/>
+            </a:schemeClr>
+          </a:lnRef>
+          <a:fillRef idx="1">
+            <a:schemeClr val="accent1"/>
+          </a:fillRef>
+          <a:effectRef idx="0">
+            <a:schemeClr val="accent1"/>
+          </a:effectRef>
+          <a:fontRef idx="minor">
+            <a:schemeClr val="lt1"/>
+          </a:fontRef>
+        </p:style>
+        <p:txBody>
+          <a:bodyPr rtlCol="0" anchor="ctr"/>
+          <a:lstStyle/>
+          <a:p>
+            <a:pPr algn="ctr"/>
+            <a:r>
+              <a:rPr lang="en-US" b="1" dirty="0">
+                <a:latin typeface="Noto Sans" panose="020B0502040504020204" pitchFamily="34" charset="0"/>
+                <a:ea typeface="Noto Sans" panose="020B0502040504020204" pitchFamily="34" charset="0"/>
+                <a:cs typeface="Noto Sans" panose="020B0502040504020204" pitchFamily="34" charset="0"/>
+              </a:rPr>
+              <a:t>User Health Analysis</a:t>
+            </a:r>
+            <a:endParaRPr lang="en-IN" b="1" dirty="0">
+              <a:latin typeface="Noto Sans" panose="020B0502040504020204" pitchFamily="34" charset="0"/>
+              <a:ea typeface="Noto Sans" panose="020B0502040504020204" pitchFamily="34" charset="0"/>
+              <a:cs typeface="Noto Sans" panose="020B0502040504020204" pitchFamily="34" charset="0"/>
+            </a:endParaRPr>
+          </a:p>
+        </p:txBody>
+      </p:sp>
+      <p:sp>
+        <p:nvSpPr>
+          <p:cNvPr id="10" name="Oval 9">
+            <a:extLst>
+              <a:ext uri="{FF2B5EF4-FFF2-40B4-BE49-F238E27FC236}">
+                <a16:creationId xmlns:a16="http://schemas.microsoft.com/office/drawing/2014/main" id="{474DE493-9B31-4A96-4472-149E55E9DA3E}"/>
+              </a:ext>
+            </a:extLst>
+          </p:cNvPr>
+          <p:cNvSpPr/>
+          <p:nvPr/>
+        </p:nvSpPr>
+        <p:spPr>
+          <a:xfrm>
+            <a:off x="4898057" y="5067299"/>
+            <a:ext cx="2395883" cy="1278472"/>
+          </a:xfrm>
+          <a:prstGeom prst="ellipse">
+            <a:avLst/>
+          </a:prstGeom>
+          <a:ln>
+            <a:noFill/>
+          </a:ln>
+        </p:spPr>
+        <p:style>
+          <a:lnRef idx="2">
+            <a:schemeClr val="accent1">
+              <a:shade val="15000"/>
+            </a:schemeClr>
+          </a:lnRef>
+          <a:fillRef idx="1">
+            <a:schemeClr val="accent1"/>
+          </a:fillRef>
+          <a:effectRef idx="0">
+            <a:schemeClr val="accent1"/>
+          </a:effectRef>
+          <a:fontRef idx="minor">
+            <a:schemeClr val="lt1"/>
+          </a:fontRef>
+        </p:style>
+        <p:txBody>
+          <a:bodyPr rtlCol="0" anchor="ctr"/>
+          <a:lstStyle/>
+          <a:p>
+            <a:pPr algn="ctr"/>
+            <a:endParaRPr lang="en-IN" b="1" dirty="0">
+              <a:latin typeface="Noto Sans" panose="020B0502040504020204" pitchFamily="34" charset="0"/>
+              <a:ea typeface="Noto Sans" panose="020B0502040504020204" pitchFamily="34" charset="0"/>
+              <a:cs typeface="Noto Sans" panose="020B0502040504020204" pitchFamily="34" charset="0"/>
+            </a:endParaRPr>
+          </a:p>
+        </p:txBody>
+      </p:sp>
+      <p:sp>
+        <p:nvSpPr>
+          <p:cNvPr id="11" name="Oval 10">
+            <a:extLst>
+              <a:ext uri="{FF2B5EF4-FFF2-40B4-BE49-F238E27FC236}">
+                <a16:creationId xmlns:a16="http://schemas.microsoft.com/office/drawing/2014/main" id="{CEFE3B6D-89EA-D2CF-5453-E7481F19E852}"/>
+              </a:ext>
+            </a:extLst>
+          </p:cNvPr>
+          <p:cNvSpPr/>
+          <p:nvPr/>
+        </p:nvSpPr>
+        <p:spPr>
+          <a:xfrm>
+            <a:off x="9069825" y="2897709"/>
+            <a:ext cx="2395883" cy="1278472"/>
+          </a:xfrm>
+          <a:prstGeom prst="ellipse">
+            <a:avLst/>
+          </a:prstGeom>
+          <a:ln>
+            <a:noFill/>
+          </a:ln>
+        </p:spPr>
+        <p:style>
+          <a:lnRef idx="2">
+            <a:schemeClr val="accent1">
+              <a:shade val="15000"/>
+            </a:schemeClr>
+          </a:lnRef>
+          <a:fillRef idx="1">
+            <a:schemeClr val="accent1"/>
+          </a:fillRef>
+          <a:effectRef idx="0">
+            <a:schemeClr val="accent1"/>
+          </a:effectRef>
+          <a:fontRef idx="minor">
+            <a:schemeClr val="lt1"/>
+          </a:fontRef>
+        </p:style>
+        <p:txBody>
+          <a:bodyPr rtlCol="0" anchor="ctr"/>
+          <a:lstStyle/>
+          <a:p>
+            <a:pPr algn="ctr"/>
+            <a:r>
+              <a:rPr lang="en-US" b="1" dirty="0">
+                <a:latin typeface="Noto Sans" panose="020B0502040504020204" pitchFamily="34" charset="0"/>
+                <a:ea typeface="Noto Sans" panose="020B0502040504020204" pitchFamily="34" charset="0"/>
+                <a:cs typeface="Noto Sans" panose="020B0502040504020204" pitchFamily="34" charset="0"/>
+              </a:rPr>
+              <a:t>Food Recognition and Analysis</a:t>
+            </a:r>
+            <a:endParaRPr lang="en-IN" b="1" dirty="0">
+              <a:latin typeface="Noto Sans" panose="020B0502040504020204" pitchFamily="34" charset="0"/>
+              <a:ea typeface="Noto Sans" panose="020B0502040504020204" pitchFamily="34" charset="0"/>
+              <a:cs typeface="Noto Sans" panose="020B0502040504020204" pitchFamily="34" charset="0"/>
+            </a:endParaRPr>
+          </a:p>
+        </p:txBody>
+      </p:sp>
+      <p:sp>
+        <p:nvSpPr>
+          <p:cNvPr id="12" name="Oval 11">
+            <a:extLst>
+              <a:ext uri="{FF2B5EF4-FFF2-40B4-BE49-F238E27FC236}">
+                <a16:creationId xmlns:a16="http://schemas.microsoft.com/office/drawing/2014/main" id="{7EF41F9E-9F4D-4BD8-929E-908339C841EE}"/>
+              </a:ext>
+            </a:extLst>
+          </p:cNvPr>
+          <p:cNvSpPr/>
+          <p:nvPr/>
+        </p:nvSpPr>
+        <p:spPr>
+          <a:xfrm>
+            <a:off x="9069825" y="5067299"/>
+            <a:ext cx="2395883" cy="1278472"/>
+          </a:xfrm>
+          <a:prstGeom prst="ellipse">
+            <a:avLst/>
+          </a:prstGeom>
+          <a:ln>
+            <a:noFill/>
+          </a:ln>
+        </p:spPr>
+        <p:style>
+          <a:lnRef idx="2">
+            <a:schemeClr val="accent1">
+              <a:shade val="15000"/>
+            </a:schemeClr>
+          </a:lnRef>
+          <a:fillRef idx="1">
+            <a:schemeClr val="accent1"/>
+          </a:fillRef>
+          <a:effectRef idx="0">
+            <a:schemeClr val="accent1"/>
+          </a:effectRef>
+          <a:fontRef idx="minor">
+            <a:schemeClr val="lt1"/>
+          </a:fontRef>
+        </p:style>
+        <p:txBody>
+          <a:bodyPr rtlCol="0" anchor="ctr"/>
+          <a:lstStyle/>
+          <a:p>
+            <a:pPr algn="ctr"/>
+            <a:r>
+              <a:rPr lang="en-US" b="1" dirty="0">
+                <a:latin typeface="Noto Sans" panose="020B0502040504020204" pitchFamily="34" charset="0"/>
+                <a:ea typeface="Noto Sans" panose="020B0502040504020204" pitchFamily="34" charset="0"/>
+                <a:cs typeface="Noto Sans" panose="020B0502040504020204" pitchFamily="34" charset="0"/>
+              </a:rPr>
+              <a:t>Tracking</a:t>
+            </a:r>
+            <a:endParaRPr lang="en-IN" b="1" dirty="0">
+              <a:latin typeface="Noto Sans" panose="020B0502040504020204" pitchFamily="34" charset="0"/>
+              <a:ea typeface="Noto Sans" panose="020B0502040504020204" pitchFamily="34" charset="0"/>
+              <a:cs typeface="Noto Sans" panose="020B0502040504020204" pitchFamily="34" charset="0"/>
+            </a:endParaRPr>
+          </a:p>
+        </p:txBody>
+      </p:sp>
+      <p:cxnSp>
+        <p:nvCxnSpPr>
+          <p:cNvPr id="17" name="Straight Arrow Connector 16">
+            <a:extLst>
+              <a:ext uri="{FF2B5EF4-FFF2-40B4-BE49-F238E27FC236}">
+                <a16:creationId xmlns:a16="http://schemas.microsoft.com/office/drawing/2014/main" id="{27571B4A-5AE9-39CB-2D3F-83928C8A7A62}"/>
+              </a:ext>
+            </a:extLst>
+          </p:cNvPr>
+          <p:cNvCxnSpPr>
+            <a:cxnSpLocks/>
+            <a:stCxn id="3" idx="3"/>
+            <a:endCxn id="6" idx="2"/>
+          </p:cNvCxnSpPr>
+          <p:nvPr/>
+        </p:nvCxnSpPr>
+        <p:spPr>
+          <a:xfrm flipV="1">
+            <a:off x="4250356" y="1265358"/>
+            <a:ext cx="1111804" cy="1"/>
+          </a:xfrm>
+          <a:prstGeom prst="straightConnector1">
+            <a:avLst/>
+          </a:prstGeom>
+          <a:ln w="19050">
+            <a:solidFill>
+              <a:schemeClr val="bg1"/>
+            </a:solidFill>
+            <a:tailEnd type="triangle"/>
+          </a:ln>
+        </p:spPr>
+        <p:style>
+          <a:lnRef idx="1">
+            <a:schemeClr val="accent1"/>
+          </a:lnRef>
+          <a:fillRef idx="0">
+            <a:schemeClr val="accent1"/>
+          </a:fillRef>
+          <a:effectRef idx="0">
+            <a:schemeClr val="accent1"/>
+          </a:effectRef>
+          <a:fontRef idx="minor">
+            <a:schemeClr val="tx1"/>
+          </a:fontRef>
+        </p:style>
+      </p:cxnSp>
+      <p:sp>
+        <p:nvSpPr>
+          <p:cNvPr id="21" name="TextBox 20">
+            <a:extLst>
+              <a:ext uri="{FF2B5EF4-FFF2-40B4-BE49-F238E27FC236}">
+                <a16:creationId xmlns:a16="http://schemas.microsoft.com/office/drawing/2014/main" id="{09213F43-F4B2-E799-EF86-EC01CB567698}"/>
+              </a:ext>
+            </a:extLst>
+          </p:cNvPr>
+          <p:cNvSpPr txBox="1"/>
+          <p:nvPr/>
+        </p:nvSpPr>
+        <p:spPr>
+          <a:xfrm>
+            <a:off x="5075673" y="5537258"/>
+            <a:ext cx="2218267" cy="338554"/>
+          </a:xfrm>
+          <a:prstGeom prst="rect">
+            <a:avLst/>
+          </a:prstGeom>
+          <a:noFill/>
+        </p:spPr>
+        <p:txBody>
+          <a:bodyPr wrap="square" rtlCol="0">
+            <a:spAutoFit/>
+          </a:bodyPr>
+          <a:lstStyle/>
+          <a:p>
+            <a:r>
+              <a:rPr lang="en-US" sz="1600" b="1" dirty="0">
+                <a:solidFill>
+                  <a:schemeClr val="bg1"/>
+                </a:solidFill>
+                <a:latin typeface="Noto Sans" panose="020B0502040504020204" pitchFamily="34" charset="0"/>
+                <a:ea typeface="Noto Sans" panose="020B0502040504020204" pitchFamily="34" charset="0"/>
+                <a:cs typeface="Noto Sans" panose="020B0502040504020204" pitchFamily="34" charset="0"/>
+              </a:rPr>
+              <a:t>Recommendations</a:t>
+            </a:r>
+            <a:endParaRPr lang="en-IN" sz="1600" b="1" dirty="0">
+              <a:solidFill>
+                <a:schemeClr val="bg1"/>
+              </a:solidFill>
+              <a:latin typeface="Noto Sans" panose="020B0502040504020204" pitchFamily="34" charset="0"/>
+              <a:ea typeface="Noto Sans" panose="020B0502040504020204" pitchFamily="34" charset="0"/>
+              <a:cs typeface="Noto Sans" panose="020B0502040504020204" pitchFamily="34" charset="0"/>
+            </a:endParaRPr>
+          </a:p>
+        </p:txBody>
+      </p:sp>
+      <p:cxnSp>
+        <p:nvCxnSpPr>
+          <p:cNvPr id="25" name="Straight Arrow Connector 24">
+            <a:extLst>
+              <a:ext uri="{FF2B5EF4-FFF2-40B4-BE49-F238E27FC236}">
+                <a16:creationId xmlns:a16="http://schemas.microsoft.com/office/drawing/2014/main" id="{78EDF804-1AD7-44BF-F9E2-CF3F7B26419F}"/>
+              </a:ext>
+            </a:extLst>
+          </p:cNvPr>
+          <p:cNvCxnSpPr>
+            <a:stCxn id="6" idx="4"/>
+            <a:endCxn id="2" idx="0"/>
+          </p:cNvCxnSpPr>
+          <p:nvPr/>
+        </p:nvCxnSpPr>
+        <p:spPr>
+          <a:xfrm>
+            <a:off x="6095999" y="1797043"/>
+            <a:ext cx="0" cy="772584"/>
+          </a:xfrm>
+          <a:prstGeom prst="straightConnector1">
+            <a:avLst/>
+          </a:prstGeom>
+          <a:ln w="19050">
+            <a:solidFill>
+              <a:schemeClr val="bg1"/>
+            </a:solidFill>
+            <a:tailEnd type="triangle"/>
+          </a:ln>
+        </p:spPr>
+        <p:style>
+          <a:lnRef idx="1">
+            <a:schemeClr val="accent1"/>
+          </a:lnRef>
+          <a:fillRef idx="0">
+            <a:schemeClr val="accent1"/>
+          </a:fillRef>
+          <a:effectRef idx="0">
+            <a:schemeClr val="accent1"/>
+          </a:effectRef>
+          <a:fontRef idx="minor">
+            <a:schemeClr val="tx1"/>
+          </a:fontRef>
+        </p:style>
+      </p:cxnSp>
+      <p:cxnSp>
+        <p:nvCxnSpPr>
+          <p:cNvPr id="37" name="Straight Arrow Connector 36">
+            <a:extLst>
+              <a:ext uri="{FF2B5EF4-FFF2-40B4-BE49-F238E27FC236}">
+                <a16:creationId xmlns:a16="http://schemas.microsoft.com/office/drawing/2014/main" id="{4AA6685F-CC4F-3D60-AA54-42B761D7D212}"/>
+              </a:ext>
+            </a:extLst>
+          </p:cNvPr>
+          <p:cNvCxnSpPr>
+            <a:cxnSpLocks/>
+            <a:stCxn id="10" idx="1"/>
+          </p:cNvCxnSpPr>
+          <p:nvPr/>
+        </p:nvCxnSpPr>
+        <p:spPr>
+          <a:xfrm flipV="1">
+            <a:off x="5248926" y="4367462"/>
+            <a:ext cx="10271" cy="887065"/>
+          </a:xfrm>
+          <a:prstGeom prst="straightConnector1">
+            <a:avLst/>
+          </a:prstGeom>
+          <a:ln w="19050">
+            <a:solidFill>
+              <a:schemeClr val="bg1"/>
+            </a:solidFill>
+            <a:tailEnd type="triangle"/>
+          </a:ln>
+        </p:spPr>
+        <p:style>
+          <a:lnRef idx="1">
+            <a:schemeClr val="accent1"/>
+          </a:lnRef>
+          <a:fillRef idx="0">
+            <a:schemeClr val="accent1"/>
+          </a:fillRef>
+          <a:effectRef idx="0">
+            <a:schemeClr val="accent1"/>
+          </a:effectRef>
+          <a:fontRef idx="minor">
+            <a:schemeClr val="tx1"/>
+          </a:fontRef>
+        </p:style>
+      </p:cxnSp>
+      <p:cxnSp>
+        <p:nvCxnSpPr>
+          <p:cNvPr id="39" name="Straight Arrow Connector 38">
+            <a:extLst>
+              <a:ext uri="{FF2B5EF4-FFF2-40B4-BE49-F238E27FC236}">
+                <a16:creationId xmlns:a16="http://schemas.microsoft.com/office/drawing/2014/main" id="{C107941A-731E-287A-3387-DE9B9BD13403}"/>
+              </a:ext>
+            </a:extLst>
+          </p:cNvPr>
+          <p:cNvCxnSpPr>
+            <a:stCxn id="12" idx="2"/>
+            <a:endCxn id="21" idx="3"/>
+          </p:cNvCxnSpPr>
+          <p:nvPr/>
+        </p:nvCxnSpPr>
+        <p:spPr>
+          <a:xfrm flipH="1">
+            <a:off x="7293940" y="5706535"/>
+            <a:ext cx="1775885" cy="0"/>
+          </a:xfrm>
+          <a:prstGeom prst="straightConnector1">
+            <a:avLst/>
+          </a:prstGeom>
+          <a:ln w="19050">
+            <a:solidFill>
+              <a:schemeClr val="bg1"/>
+            </a:solidFill>
+            <a:tailEnd type="triangle"/>
+          </a:ln>
+        </p:spPr>
+        <p:style>
+          <a:lnRef idx="1">
+            <a:schemeClr val="accent1"/>
+          </a:lnRef>
+          <a:fillRef idx="0">
+            <a:schemeClr val="accent1"/>
+          </a:fillRef>
+          <a:effectRef idx="0">
+            <a:schemeClr val="accent1"/>
+          </a:effectRef>
+          <a:fontRef idx="minor">
+            <a:schemeClr val="tx1"/>
+          </a:fontRef>
+        </p:style>
+      </p:cxnSp>
+      <p:cxnSp>
+        <p:nvCxnSpPr>
+          <p:cNvPr id="42" name="Straight Arrow Connector 41">
+            <a:extLst>
+              <a:ext uri="{FF2B5EF4-FFF2-40B4-BE49-F238E27FC236}">
+                <a16:creationId xmlns:a16="http://schemas.microsoft.com/office/drawing/2014/main" id="{71DB9100-ED53-BD84-7DD2-27E7FCAAADBF}"/>
+              </a:ext>
+            </a:extLst>
+          </p:cNvPr>
+          <p:cNvCxnSpPr>
+            <a:stCxn id="8" idx="6"/>
+            <a:endCxn id="10" idx="2"/>
+          </p:cNvCxnSpPr>
+          <p:nvPr/>
+        </p:nvCxnSpPr>
+        <p:spPr>
+          <a:xfrm>
+            <a:off x="3320774" y="5706535"/>
+            <a:ext cx="1577283" cy="0"/>
+          </a:xfrm>
+          <a:prstGeom prst="straightConnector1">
+            <a:avLst/>
+          </a:prstGeom>
+          <a:ln w="19050">
+            <a:solidFill>
+              <a:schemeClr val="bg1"/>
+            </a:solidFill>
+            <a:tailEnd type="triangle"/>
+          </a:ln>
+        </p:spPr>
+        <p:style>
+          <a:lnRef idx="1">
+            <a:schemeClr val="accent1"/>
+          </a:lnRef>
+          <a:fillRef idx="0">
+            <a:schemeClr val="accent1"/>
+          </a:fillRef>
+          <a:effectRef idx="0">
+            <a:schemeClr val="accent1"/>
+          </a:effectRef>
+          <a:fontRef idx="minor">
+            <a:schemeClr val="tx1"/>
+          </a:fontRef>
+        </p:style>
+      </p:cxnSp>
+      <p:cxnSp>
+        <p:nvCxnSpPr>
+          <p:cNvPr id="44" name="Straight Arrow Connector 43">
+            <a:extLst>
+              <a:ext uri="{FF2B5EF4-FFF2-40B4-BE49-F238E27FC236}">
+                <a16:creationId xmlns:a16="http://schemas.microsoft.com/office/drawing/2014/main" id="{0CB16B2D-5BBE-EB7E-A73D-4B09F3F8AB65}"/>
+              </a:ext>
+            </a:extLst>
+          </p:cNvPr>
+          <p:cNvCxnSpPr>
+            <a:stCxn id="7" idx="4"/>
+            <a:endCxn id="8" idx="0"/>
+          </p:cNvCxnSpPr>
+          <p:nvPr/>
+        </p:nvCxnSpPr>
+        <p:spPr>
+          <a:xfrm>
+            <a:off x="2122832" y="4176181"/>
+            <a:ext cx="1" cy="891118"/>
+          </a:xfrm>
+          <a:prstGeom prst="straightConnector1">
+            <a:avLst/>
+          </a:prstGeom>
+          <a:ln w="19050">
+            <a:solidFill>
+              <a:schemeClr val="bg1"/>
+            </a:solidFill>
+            <a:tailEnd type="triangle"/>
+          </a:ln>
+        </p:spPr>
+        <p:style>
+          <a:lnRef idx="1">
+            <a:schemeClr val="accent1"/>
+          </a:lnRef>
+          <a:fillRef idx="0">
+            <a:schemeClr val="accent1"/>
+          </a:fillRef>
+          <a:effectRef idx="0">
+            <a:schemeClr val="accent1"/>
+          </a:effectRef>
+          <a:fontRef idx="minor">
+            <a:schemeClr val="tx1"/>
+          </a:fontRef>
+        </p:style>
+      </p:cxnSp>
+      <p:cxnSp>
+        <p:nvCxnSpPr>
+          <p:cNvPr id="47" name="Straight Arrow Connector 46">
+            <a:extLst>
+              <a:ext uri="{FF2B5EF4-FFF2-40B4-BE49-F238E27FC236}">
+                <a16:creationId xmlns:a16="http://schemas.microsoft.com/office/drawing/2014/main" id="{7844A44F-2E38-B1B6-3AF4-72E8325AF33F}"/>
+              </a:ext>
+            </a:extLst>
+          </p:cNvPr>
+          <p:cNvCxnSpPr>
+            <a:stCxn id="2" idx="6"/>
+            <a:endCxn id="11" idx="2"/>
+          </p:cNvCxnSpPr>
+          <p:nvPr/>
+        </p:nvCxnSpPr>
+        <p:spPr>
+          <a:xfrm>
+            <a:off x="7735574" y="3536945"/>
+            <a:ext cx="1334251" cy="0"/>
+          </a:xfrm>
+          <a:prstGeom prst="straightConnector1">
+            <a:avLst/>
+          </a:prstGeom>
+          <a:ln w="19050">
+            <a:solidFill>
+              <a:schemeClr val="bg1"/>
+            </a:solidFill>
+            <a:tailEnd type="triangle"/>
+          </a:ln>
+        </p:spPr>
+        <p:style>
+          <a:lnRef idx="1">
+            <a:schemeClr val="accent1"/>
+          </a:lnRef>
+          <a:fillRef idx="0">
+            <a:schemeClr val="accent1"/>
+          </a:fillRef>
+          <a:effectRef idx="0">
+            <a:schemeClr val="accent1"/>
+          </a:effectRef>
+          <a:fontRef idx="minor">
+            <a:schemeClr val="tx1"/>
+          </a:fontRef>
+        </p:style>
+      </p:cxnSp>
+      <p:cxnSp>
+        <p:nvCxnSpPr>
+          <p:cNvPr id="51" name="Straight Arrow Connector 50">
+            <a:extLst>
+              <a:ext uri="{FF2B5EF4-FFF2-40B4-BE49-F238E27FC236}">
+                <a16:creationId xmlns:a16="http://schemas.microsoft.com/office/drawing/2014/main" id="{CA4BBBBE-5A6A-F229-A462-A66345504D4D}"/>
+              </a:ext>
+            </a:extLst>
+          </p:cNvPr>
+          <p:cNvCxnSpPr>
+            <a:stCxn id="11" idx="4"/>
+            <a:endCxn id="12" idx="0"/>
+          </p:cNvCxnSpPr>
+          <p:nvPr/>
+        </p:nvCxnSpPr>
+        <p:spPr>
+          <a:xfrm>
+            <a:off x="10267767" y="4176181"/>
+            <a:ext cx="0" cy="891118"/>
+          </a:xfrm>
+          <a:prstGeom prst="straightConnector1">
+            <a:avLst/>
+          </a:prstGeom>
+          <a:ln w="19050">
+            <a:solidFill>
+              <a:schemeClr val="bg1"/>
+            </a:solidFill>
+            <a:tailEnd type="triangle"/>
+          </a:ln>
+        </p:spPr>
+        <p:style>
+          <a:lnRef idx="1">
+            <a:schemeClr val="accent1"/>
+          </a:lnRef>
+          <a:fillRef idx="0">
+            <a:schemeClr val="accent1"/>
+          </a:fillRef>
+          <a:effectRef idx="0">
+            <a:schemeClr val="accent1"/>
+          </a:effectRef>
+          <a:fontRef idx="minor">
+            <a:schemeClr val="tx1"/>
+          </a:fontRef>
+        </p:style>
+      </p:cxnSp>
+      <p:cxnSp>
+        <p:nvCxnSpPr>
+          <p:cNvPr id="53" name="Straight Arrow Connector 52">
+            <a:extLst>
+              <a:ext uri="{FF2B5EF4-FFF2-40B4-BE49-F238E27FC236}">
+                <a16:creationId xmlns:a16="http://schemas.microsoft.com/office/drawing/2014/main" id="{1CD4252B-38F3-0CF1-A156-9742F1FE2BB4}"/>
+              </a:ext>
+            </a:extLst>
+          </p:cNvPr>
+          <p:cNvCxnSpPr>
+            <a:cxnSpLocks/>
+            <a:stCxn id="2" idx="2"/>
+            <a:endCxn id="7" idx="6"/>
+          </p:cNvCxnSpPr>
+          <p:nvPr/>
+        </p:nvCxnSpPr>
+        <p:spPr>
+          <a:xfrm flipH="1">
+            <a:off x="3320773" y="3536945"/>
+            <a:ext cx="1135651" cy="0"/>
+          </a:xfrm>
+          <a:prstGeom prst="straightConnector1">
+            <a:avLst/>
+          </a:prstGeom>
+          <a:ln w="19050">
+            <a:solidFill>
+              <a:schemeClr val="bg1"/>
+            </a:solidFill>
+            <a:tailEnd type="triangle"/>
+          </a:ln>
+        </p:spPr>
+        <p:style>
+          <a:lnRef idx="1">
+            <a:schemeClr val="accent1"/>
+          </a:lnRef>
+          <a:fillRef idx="0">
+            <a:schemeClr val="accent1"/>
+          </a:fillRef>
+          <a:effectRef idx="0">
+            <a:schemeClr val="accent1"/>
+          </a:effectRef>
+          <a:fontRef idx="minor">
+            <a:schemeClr val="tx1"/>
+          </a:fontRef>
+        </p:style>
+      </p:cxnSp>
+      <p:cxnSp>
+        <p:nvCxnSpPr>
+          <p:cNvPr id="62" name="Connector: Elbow 61">
+            <a:extLst>
+              <a:ext uri="{FF2B5EF4-FFF2-40B4-BE49-F238E27FC236}">
+                <a16:creationId xmlns:a16="http://schemas.microsoft.com/office/drawing/2014/main" id="{CBE19D04-813C-2D21-92D2-FF8128E0CAB7}"/>
+              </a:ext>
+            </a:extLst>
+          </p:cNvPr>
+          <p:cNvCxnSpPr>
+            <a:stCxn id="3" idx="0"/>
+            <a:endCxn id="11" idx="0"/>
+          </p:cNvCxnSpPr>
+          <p:nvPr/>
+        </p:nvCxnSpPr>
+        <p:spPr>
+          <a:xfrm rot="16200000" flipH="1">
+            <a:off x="5781428" y="-1588630"/>
+            <a:ext cx="1985834" cy="6986844"/>
+          </a:xfrm>
+          <a:prstGeom prst="bentConnector3">
+            <a:avLst>
+              <a:gd name="adj1" fmla="val -26008"/>
+            </a:avLst>
+          </a:prstGeom>
+          <a:ln w="19050">
+            <a:solidFill>
+              <a:schemeClr val="bg1"/>
+            </a:solidFill>
+            <a:tailEnd type="triangle"/>
+          </a:ln>
+        </p:spPr>
+        <p:style>
+          <a:lnRef idx="1">
+            <a:schemeClr val="accent1"/>
+          </a:lnRef>
+          <a:fillRef idx="0">
+            <a:schemeClr val="accent1"/>
+          </a:fillRef>
+          <a:effectRef idx="0">
+            <a:schemeClr val="accent1"/>
+          </a:effectRef>
+          <a:fontRef idx="minor">
+            <a:schemeClr val="tx1"/>
+          </a:fontRef>
+        </p:style>
+      </p:cxnSp>
+      <p:cxnSp>
+        <p:nvCxnSpPr>
+          <p:cNvPr id="66" name="Connector: Elbow 65">
+            <a:extLst>
+              <a:ext uri="{FF2B5EF4-FFF2-40B4-BE49-F238E27FC236}">
+                <a16:creationId xmlns:a16="http://schemas.microsoft.com/office/drawing/2014/main" id="{0C344464-3FB5-1A37-4D08-230BD6C10A86}"/>
+              </a:ext>
+            </a:extLst>
+          </p:cNvPr>
+          <p:cNvCxnSpPr>
+            <a:stCxn id="8" idx="7"/>
+            <a:endCxn id="2" idx="3"/>
+          </p:cNvCxnSpPr>
+          <p:nvPr/>
+        </p:nvCxnSpPr>
+        <p:spPr>
+          <a:xfrm rot="5400000" flipH="1" flipV="1">
+            <a:off x="3436482" y="3754366"/>
+            <a:ext cx="1033585" cy="1966739"/>
+          </a:xfrm>
+          <a:prstGeom prst="bentConnector3">
+            <a:avLst>
+              <a:gd name="adj1" fmla="val 99969"/>
+            </a:avLst>
+          </a:prstGeom>
+          <a:ln w="19050">
+            <a:solidFill>
+              <a:schemeClr val="bg1"/>
+            </a:solidFill>
+            <a:tailEnd type="triangle"/>
+          </a:ln>
+        </p:spPr>
+        <p:style>
+          <a:lnRef idx="1">
+            <a:schemeClr val="accent1"/>
+          </a:lnRef>
+          <a:fillRef idx="0">
+            <a:schemeClr val="accent1"/>
+          </a:fillRef>
+          <a:effectRef idx="0">
+            <a:schemeClr val="accent1"/>
+          </a:effectRef>
+          <a:fontRef idx="minor">
+            <a:schemeClr val="tx1"/>
+          </a:fontRef>
+        </p:style>
+      </p:cxnSp>
+      <p:cxnSp>
+        <p:nvCxnSpPr>
+          <p:cNvPr id="69" name="Straight Arrow Connector 68">
+            <a:extLst>
+              <a:ext uri="{FF2B5EF4-FFF2-40B4-BE49-F238E27FC236}">
+                <a16:creationId xmlns:a16="http://schemas.microsoft.com/office/drawing/2014/main" id="{9B7245BA-781A-4C4E-63C3-F28926CF8F34}"/>
+              </a:ext>
+            </a:extLst>
+          </p:cNvPr>
+          <p:cNvCxnSpPr>
+            <a:cxnSpLocks/>
+            <a:stCxn id="2" idx="4"/>
+            <a:endCxn id="10" idx="0"/>
+          </p:cNvCxnSpPr>
+          <p:nvPr/>
+        </p:nvCxnSpPr>
+        <p:spPr>
+          <a:xfrm>
+            <a:off x="6095999" y="4504263"/>
+            <a:ext cx="0" cy="563036"/>
+          </a:xfrm>
+          <a:prstGeom prst="straightConnector1">
+            <a:avLst/>
+          </a:prstGeom>
+          <a:ln w="19050">
+            <a:solidFill>
+              <a:schemeClr val="bg1"/>
+            </a:solidFill>
+            <a:tailEnd type="triangle"/>
+          </a:ln>
+        </p:spPr>
+        <p:style>
+          <a:lnRef idx="1">
+            <a:schemeClr val="accent1"/>
+          </a:lnRef>
+          <a:fillRef idx="0">
+            <a:schemeClr val="accent1"/>
+          </a:fillRef>
+          <a:effectRef idx="0">
+            <a:schemeClr val="accent1"/>
+          </a:effectRef>
+          <a:fontRef idx="minor">
+            <a:schemeClr val="tx1"/>
+          </a:fontRef>
+        </p:style>
+      </p:cxnSp>
+      <p:cxnSp>
+        <p:nvCxnSpPr>
+          <p:cNvPr id="81" name="Straight Arrow Connector 80">
+            <a:extLst>
+              <a:ext uri="{FF2B5EF4-FFF2-40B4-BE49-F238E27FC236}">
+                <a16:creationId xmlns:a16="http://schemas.microsoft.com/office/drawing/2014/main" id="{3AEE849C-6AB8-CBEC-6C00-E8DB63E9C09D}"/>
+              </a:ext>
+            </a:extLst>
+          </p:cNvPr>
+          <p:cNvCxnSpPr/>
+          <p:nvPr/>
+        </p:nvCxnSpPr>
+        <p:spPr>
+          <a:xfrm flipV="1">
+            <a:off x="6508750" y="4478863"/>
+            <a:ext cx="0" cy="404287"/>
+          </a:xfrm>
+          <a:prstGeom prst="straightConnector1">
+            <a:avLst/>
+          </a:prstGeom>
+          <a:ln w="19050">
+            <a:solidFill>
+              <a:schemeClr val="bg1"/>
+            </a:solidFill>
+            <a:tailEnd type="triangle"/>
+          </a:ln>
+        </p:spPr>
+        <p:style>
+          <a:lnRef idx="1">
+            <a:schemeClr val="accent1"/>
+          </a:lnRef>
+          <a:fillRef idx="0">
+            <a:schemeClr val="accent1"/>
+          </a:fillRef>
+          <a:effectRef idx="0">
+            <a:schemeClr val="accent1"/>
+          </a:effectRef>
+          <a:fontRef idx="minor">
+            <a:schemeClr val="tx1"/>
+          </a:fontRef>
+        </p:style>
+      </p:cxnSp>
+      <p:cxnSp>
+        <p:nvCxnSpPr>
+          <p:cNvPr id="85" name="Straight Connector 84">
+            <a:extLst>
+              <a:ext uri="{FF2B5EF4-FFF2-40B4-BE49-F238E27FC236}">
+                <a16:creationId xmlns:a16="http://schemas.microsoft.com/office/drawing/2014/main" id="{13A98364-A49A-1C6F-3290-2158BB40EEA9}"/>
+              </a:ext>
+            </a:extLst>
+          </p:cNvPr>
+          <p:cNvCxnSpPr>
+            <a:cxnSpLocks/>
+            <a:endCxn id="12" idx="1"/>
+          </p:cNvCxnSpPr>
+          <p:nvPr/>
+        </p:nvCxnSpPr>
+        <p:spPr>
+          <a:xfrm flipH="1">
+            <a:off x="9420694" y="4883149"/>
+            <a:ext cx="10271" cy="371378"/>
+          </a:xfrm>
+          <a:prstGeom prst="line">
+            <a:avLst/>
+          </a:prstGeom>
+          <a:ln w="19050">
+            <a:solidFill>
+              <a:schemeClr val="bg1"/>
+            </a:solidFill>
+          </a:ln>
+        </p:spPr>
+        <p:style>
+          <a:lnRef idx="1">
+            <a:schemeClr val="accent1"/>
+          </a:lnRef>
+          <a:fillRef idx="0">
+            <a:schemeClr val="accent1"/>
+          </a:fillRef>
+          <a:effectRef idx="0">
+            <a:schemeClr val="accent1"/>
+          </a:effectRef>
+          <a:fontRef idx="minor">
+            <a:schemeClr val="tx1"/>
+          </a:fontRef>
+        </p:style>
+      </p:cxnSp>
+      <p:cxnSp>
+        <p:nvCxnSpPr>
+          <p:cNvPr id="88" name="Straight Connector 87">
+            <a:extLst>
+              <a:ext uri="{FF2B5EF4-FFF2-40B4-BE49-F238E27FC236}">
+                <a16:creationId xmlns:a16="http://schemas.microsoft.com/office/drawing/2014/main" id="{46A241AF-732A-BB2F-ED8B-3E46A3B674E4}"/>
+              </a:ext>
+            </a:extLst>
+          </p:cNvPr>
+          <p:cNvCxnSpPr>
+            <a:cxnSpLocks/>
+          </p:cNvCxnSpPr>
+          <p:nvPr/>
+        </p:nvCxnSpPr>
+        <p:spPr>
+          <a:xfrm>
+            <a:off x="6508750" y="4883150"/>
+            <a:ext cx="2922215" cy="0"/>
+          </a:xfrm>
+          <a:prstGeom prst="line">
+            <a:avLst/>
+          </a:prstGeom>
+          <a:ln w="19050">
+            <a:solidFill>
+              <a:schemeClr val="bg1"/>
+            </a:solidFill>
+          </a:ln>
+        </p:spPr>
+        <p:style>
+          <a:lnRef idx="1">
+            <a:schemeClr val="accent1"/>
+          </a:lnRef>
+          <a:fillRef idx="0">
+            <a:schemeClr val="accent1"/>
+          </a:fillRef>
+          <a:effectRef idx="0">
+            <a:schemeClr val="accent1"/>
+          </a:effectRef>
+          <a:fontRef idx="minor">
+            <a:schemeClr val="tx1"/>
+          </a:fontRef>
+        </p:style>
+      </p:cxnSp>
+      <p:cxnSp>
+        <p:nvCxnSpPr>
+          <p:cNvPr id="97" name="Straight Arrow Connector 96">
+            <a:extLst>
+              <a:ext uri="{FF2B5EF4-FFF2-40B4-BE49-F238E27FC236}">
+                <a16:creationId xmlns:a16="http://schemas.microsoft.com/office/drawing/2014/main" id="{D365208B-6575-F7A3-FEAC-46AC144A3413}"/>
+              </a:ext>
+            </a:extLst>
+          </p:cNvPr>
+          <p:cNvCxnSpPr>
+            <a:cxnSpLocks/>
+          </p:cNvCxnSpPr>
+          <p:nvPr/>
+        </p:nvCxnSpPr>
+        <p:spPr>
+          <a:xfrm flipH="1">
+            <a:off x="7550150" y="3988953"/>
+            <a:ext cx="1872661" cy="0"/>
+          </a:xfrm>
+          <a:prstGeom prst="straightConnector1">
+            <a:avLst/>
+          </a:prstGeom>
+          <a:ln w="19050">
+            <a:solidFill>
+              <a:schemeClr val="bg1"/>
+            </a:solidFill>
+            <a:tailEnd type="triangle"/>
+          </a:ln>
+        </p:spPr>
+        <p:style>
+          <a:lnRef idx="1">
+            <a:schemeClr val="accent1"/>
+          </a:lnRef>
+          <a:fillRef idx="0">
+            <a:schemeClr val="accent1"/>
+          </a:fillRef>
+          <a:effectRef idx="0">
+            <a:schemeClr val="accent1"/>
+          </a:effectRef>
+          <a:fontRef idx="minor">
+            <a:schemeClr val="tx1"/>
+          </a:fontRef>
+        </p:style>
+      </p:cxnSp>
+      <p:cxnSp>
+        <p:nvCxnSpPr>
+          <p:cNvPr id="100" name="Connector: Elbow 99">
+            <a:extLst>
+              <a:ext uri="{FF2B5EF4-FFF2-40B4-BE49-F238E27FC236}">
+                <a16:creationId xmlns:a16="http://schemas.microsoft.com/office/drawing/2014/main" id="{02D87649-DD9F-8084-8E8C-5800AD9232B9}"/>
+              </a:ext>
+            </a:extLst>
+          </p:cNvPr>
+          <p:cNvCxnSpPr>
+            <a:stCxn id="11" idx="1"/>
+            <a:endCxn id="3" idx="2"/>
+          </p:cNvCxnSpPr>
+          <p:nvPr/>
+        </p:nvCxnSpPr>
+        <p:spPr>
+          <a:xfrm rot="16200000" flipV="1">
+            <a:off x="5617762" y="-717996"/>
+            <a:ext cx="1466095" cy="6139771"/>
+          </a:xfrm>
+          <a:prstGeom prst="bentConnector3">
+            <a:avLst>
+              <a:gd name="adj1" fmla="val 56779"/>
+            </a:avLst>
+          </a:prstGeom>
+          <a:ln w="19050">
+            <a:solidFill>
+              <a:schemeClr val="bg1"/>
+            </a:solidFill>
+            <a:tailEnd type="triangle"/>
+          </a:ln>
+        </p:spPr>
+        <p:style>
+          <a:lnRef idx="1">
+            <a:schemeClr val="accent1"/>
+          </a:lnRef>
+          <a:fillRef idx="0">
+            <a:schemeClr val="accent1"/>
+          </a:fillRef>
+          <a:effectRef idx="0">
+            <a:schemeClr val="accent1"/>
+          </a:effectRef>
+          <a:fontRef idx="minor">
+            <a:schemeClr val="tx1"/>
+          </a:fontRef>
+        </p:style>
+      </p:cxnSp>
+      <p:sp>
+        <p:nvSpPr>
+          <p:cNvPr id="103" name="TextBox 102">
+            <a:extLst>
+              <a:ext uri="{FF2B5EF4-FFF2-40B4-BE49-F238E27FC236}">
+                <a16:creationId xmlns:a16="http://schemas.microsoft.com/office/drawing/2014/main" id="{95C92C4C-639C-6A59-92F6-EEBBEED9F324}"/>
+              </a:ext>
+            </a:extLst>
+          </p:cNvPr>
+          <p:cNvSpPr txBox="1"/>
+          <p:nvPr/>
+        </p:nvSpPr>
+        <p:spPr>
+          <a:xfrm>
+            <a:off x="6523029" y="2005850"/>
+            <a:ext cx="2331091" cy="261610"/>
+          </a:xfrm>
+          <a:prstGeom prst="rect">
+            <a:avLst/>
+          </a:prstGeom>
+          <a:noFill/>
+        </p:spPr>
+        <p:txBody>
+          <a:bodyPr wrap="square" rtlCol="0">
+            <a:spAutoFit/>
+          </a:bodyPr>
+          <a:lstStyle/>
+          <a:p>
+            <a:pPr algn="ctr"/>
+            <a:r>
+              <a:rPr lang="en-US" sz="1100" b="1" dirty="0">
+                <a:solidFill>
+                  <a:srgbClr val="FFFF00"/>
+                </a:solidFill>
+                <a:latin typeface="Product Sans" panose="020B0403030502040203" pitchFamily="34" charset="0"/>
+              </a:rPr>
+              <a:t>Food Analysis Data</a:t>
+            </a:r>
+            <a:endParaRPr lang="en-IN" sz="1100" b="1" dirty="0">
+              <a:solidFill>
+                <a:srgbClr val="FFFF00"/>
+              </a:solidFill>
+              <a:latin typeface="Product Sans" panose="020B0403030502040203" pitchFamily="34" charset="0"/>
+            </a:endParaRPr>
+          </a:p>
+        </p:txBody>
+      </p:sp>
+      <p:sp>
+        <p:nvSpPr>
+          <p:cNvPr id="105" name="TextBox 104">
+            <a:extLst>
+              <a:ext uri="{FF2B5EF4-FFF2-40B4-BE49-F238E27FC236}">
+                <a16:creationId xmlns:a16="http://schemas.microsoft.com/office/drawing/2014/main" id="{01314B0E-DE60-7606-B55D-1D2D4CAF17DF}"/>
+              </a:ext>
+            </a:extLst>
+          </p:cNvPr>
+          <p:cNvSpPr txBox="1"/>
+          <p:nvPr/>
+        </p:nvSpPr>
+        <p:spPr>
+          <a:xfrm>
+            <a:off x="2909361" y="5454142"/>
+            <a:ext cx="2331091" cy="261610"/>
+          </a:xfrm>
+          <a:prstGeom prst="rect">
+            <a:avLst/>
+          </a:prstGeom>
+          <a:noFill/>
+        </p:spPr>
+        <p:txBody>
+          <a:bodyPr wrap="square" rtlCol="0">
+            <a:spAutoFit/>
+          </a:bodyPr>
+          <a:lstStyle/>
+          <a:p>
+            <a:pPr algn="ctr"/>
+            <a:r>
+              <a:rPr lang="en-US" sz="1100" b="1" dirty="0">
+                <a:solidFill>
+                  <a:srgbClr val="FFFF00"/>
+                </a:solidFill>
+                <a:latin typeface="Product Sans" panose="020B0403030502040203" pitchFamily="34" charset="0"/>
+              </a:rPr>
+              <a:t>Health Analysis Data</a:t>
+            </a:r>
+            <a:endParaRPr lang="en-IN" sz="1100" b="1" dirty="0">
+              <a:solidFill>
+                <a:srgbClr val="FFFF00"/>
+              </a:solidFill>
+              <a:latin typeface="Product Sans" panose="020B0403030502040203" pitchFamily="34" charset="0"/>
+            </a:endParaRPr>
+          </a:p>
+        </p:txBody>
+      </p:sp>
+      <p:sp>
+        <p:nvSpPr>
+          <p:cNvPr id="106" name="TextBox 105">
+            <a:extLst>
+              <a:ext uri="{FF2B5EF4-FFF2-40B4-BE49-F238E27FC236}">
+                <a16:creationId xmlns:a16="http://schemas.microsoft.com/office/drawing/2014/main" id="{EF31EF25-9AF8-352A-DED7-88FB264A15BB}"/>
+              </a:ext>
+            </a:extLst>
+          </p:cNvPr>
+          <p:cNvSpPr txBox="1"/>
+          <p:nvPr/>
+        </p:nvSpPr>
+        <p:spPr>
+          <a:xfrm>
+            <a:off x="7089603" y="5470146"/>
+            <a:ext cx="2331091" cy="261610"/>
+          </a:xfrm>
+          <a:prstGeom prst="rect">
+            <a:avLst/>
+          </a:prstGeom>
+          <a:noFill/>
+        </p:spPr>
+        <p:txBody>
+          <a:bodyPr wrap="square" rtlCol="0">
+            <a:spAutoFit/>
+          </a:bodyPr>
+          <a:lstStyle/>
+          <a:p>
+            <a:pPr algn="ctr"/>
+            <a:r>
+              <a:rPr lang="en-US" sz="1100" b="1" dirty="0">
+                <a:solidFill>
+                  <a:srgbClr val="FFFF00"/>
+                </a:solidFill>
+                <a:latin typeface="Product Sans" panose="020B0403030502040203" pitchFamily="34" charset="0"/>
+              </a:rPr>
+              <a:t>Intake Tracking Data</a:t>
+            </a:r>
+            <a:endParaRPr lang="en-IN" sz="1100" b="1" dirty="0">
+              <a:solidFill>
+                <a:srgbClr val="FFFF00"/>
+              </a:solidFill>
+              <a:latin typeface="Product Sans" panose="020B0403030502040203" pitchFamily="34" charset="0"/>
+            </a:endParaRPr>
+          </a:p>
+        </p:txBody>
+      </p:sp>
+      <p:sp>
+        <p:nvSpPr>
+          <p:cNvPr id="107" name="TextBox 106">
+            <a:extLst>
+              <a:ext uri="{FF2B5EF4-FFF2-40B4-BE49-F238E27FC236}">
+                <a16:creationId xmlns:a16="http://schemas.microsoft.com/office/drawing/2014/main" id="{3BBA131A-8284-157B-98F5-D5A61545A33D}"/>
+              </a:ext>
+            </a:extLst>
+          </p:cNvPr>
+          <p:cNvSpPr txBox="1"/>
+          <p:nvPr/>
+        </p:nvSpPr>
+        <p:spPr>
+          <a:xfrm>
+            <a:off x="7085334" y="4641328"/>
+            <a:ext cx="2331091" cy="261610"/>
+          </a:xfrm>
+          <a:prstGeom prst="rect">
+            <a:avLst/>
+          </a:prstGeom>
+          <a:noFill/>
+        </p:spPr>
+        <p:txBody>
+          <a:bodyPr wrap="square" rtlCol="0">
+            <a:spAutoFit/>
+          </a:bodyPr>
+          <a:lstStyle/>
+          <a:p>
+            <a:pPr algn="ctr"/>
+            <a:r>
+              <a:rPr lang="en-US" sz="1100" b="1" dirty="0">
+                <a:solidFill>
+                  <a:srgbClr val="FFFF00"/>
+                </a:solidFill>
+                <a:latin typeface="Product Sans" panose="020B0403030502040203" pitchFamily="34" charset="0"/>
+              </a:rPr>
+              <a:t>Intake Tracking Data</a:t>
+            </a:r>
+            <a:endParaRPr lang="en-IN" sz="1100" b="1" dirty="0">
+              <a:solidFill>
+                <a:srgbClr val="FFFF00"/>
+              </a:solidFill>
+              <a:latin typeface="Product Sans" panose="020B0403030502040203" pitchFamily="34" charset="0"/>
+            </a:endParaRPr>
+          </a:p>
+        </p:txBody>
+      </p:sp>
+      <p:sp>
+        <p:nvSpPr>
+          <p:cNvPr id="108" name="TextBox 107">
+            <a:extLst>
+              <a:ext uri="{FF2B5EF4-FFF2-40B4-BE49-F238E27FC236}">
+                <a16:creationId xmlns:a16="http://schemas.microsoft.com/office/drawing/2014/main" id="{62C025C3-7255-4B82-6B83-C669B45752BA}"/>
+              </a:ext>
+            </a:extLst>
+          </p:cNvPr>
+          <p:cNvSpPr txBox="1"/>
+          <p:nvPr/>
+        </p:nvSpPr>
+        <p:spPr>
+          <a:xfrm>
+            <a:off x="7280688" y="3749725"/>
+            <a:ext cx="2331091" cy="261610"/>
+          </a:xfrm>
+          <a:prstGeom prst="rect">
+            <a:avLst/>
+          </a:prstGeom>
+          <a:noFill/>
+        </p:spPr>
+        <p:txBody>
+          <a:bodyPr wrap="square" rtlCol="0">
+            <a:spAutoFit/>
+          </a:bodyPr>
+          <a:lstStyle/>
+          <a:p>
+            <a:pPr algn="ctr"/>
+            <a:r>
+              <a:rPr lang="en-US" sz="1100" b="1" dirty="0">
+                <a:solidFill>
+                  <a:srgbClr val="FFFF00"/>
+                </a:solidFill>
+                <a:latin typeface="Product Sans" panose="020B0403030502040203" pitchFamily="34" charset="0"/>
+              </a:rPr>
+              <a:t>Food Analysis Data</a:t>
+            </a:r>
+            <a:endParaRPr lang="en-IN" sz="1100" b="1" dirty="0">
+              <a:solidFill>
+                <a:srgbClr val="FFFF00"/>
+              </a:solidFill>
+              <a:latin typeface="Product Sans" panose="020B0403030502040203" pitchFamily="34" charset="0"/>
+            </a:endParaRPr>
+          </a:p>
+        </p:txBody>
+      </p:sp>
+      <p:sp>
+        <p:nvSpPr>
+          <p:cNvPr id="110" name="TextBox 109">
+            <a:extLst>
+              <a:ext uri="{FF2B5EF4-FFF2-40B4-BE49-F238E27FC236}">
+                <a16:creationId xmlns:a16="http://schemas.microsoft.com/office/drawing/2014/main" id="{FF379608-1F6C-6BE1-4459-EE4139CFC33A}"/>
+              </a:ext>
+            </a:extLst>
+          </p:cNvPr>
+          <p:cNvSpPr txBox="1"/>
+          <p:nvPr/>
+        </p:nvSpPr>
+        <p:spPr>
+          <a:xfrm>
+            <a:off x="2691701" y="3982327"/>
+            <a:ext cx="2331091" cy="261610"/>
+          </a:xfrm>
+          <a:prstGeom prst="rect">
+            <a:avLst/>
+          </a:prstGeom>
+          <a:noFill/>
+        </p:spPr>
+        <p:txBody>
+          <a:bodyPr wrap="square" rtlCol="0">
+            <a:spAutoFit/>
+          </a:bodyPr>
+          <a:lstStyle/>
+          <a:p>
+            <a:pPr algn="ctr"/>
+            <a:r>
+              <a:rPr lang="en-US" sz="1100" b="1" dirty="0">
+                <a:solidFill>
+                  <a:srgbClr val="FFFF00"/>
+                </a:solidFill>
+                <a:latin typeface="Product Sans" panose="020B0403030502040203" pitchFamily="34" charset="0"/>
+              </a:rPr>
+              <a:t>Health Analysis Data</a:t>
+            </a:r>
+            <a:endParaRPr lang="en-IN" sz="1100" b="1" dirty="0">
+              <a:solidFill>
+                <a:srgbClr val="FFFF00"/>
+              </a:solidFill>
+              <a:latin typeface="Product Sans" panose="020B0403030502040203" pitchFamily="34" charset="0"/>
+            </a:endParaRPr>
+          </a:p>
+        </p:txBody>
+      </p:sp>
+      <p:sp>
+        <p:nvSpPr>
+          <p:cNvPr id="111" name="TextBox 110">
+            <a:extLst>
+              <a:ext uri="{FF2B5EF4-FFF2-40B4-BE49-F238E27FC236}">
+                <a16:creationId xmlns:a16="http://schemas.microsoft.com/office/drawing/2014/main" id="{26217CA6-23D4-0495-465E-B6D2BDA97FC9}"/>
+              </a:ext>
+            </a:extLst>
+          </p:cNvPr>
+          <p:cNvSpPr txBox="1"/>
+          <p:nvPr/>
+        </p:nvSpPr>
+        <p:spPr>
+          <a:xfrm>
+            <a:off x="10257922" y="4266788"/>
+            <a:ext cx="2331091" cy="600164"/>
+          </a:xfrm>
+          <a:prstGeom prst="rect">
+            <a:avLst/>
+          </a:prstGeom>
+          <a:noFill/>
+        </p:spPr>
+        <p:txBody>
+          <a:bodyPr wrap="square" rtlCol="0">
+            <a:spAutoFit/>
+          </a:bodyPr>
+          <a:lstStyle/>
+          <a:p>
+            <a:r>
+              <a:rPr lang="en-US" sz="1100" b="1" dirty="0">
+                <a:solidFill>
+                  <a:srgbClr val="FFFF00"/>
+                </a:solidFill>
+                <a:latin typeface="Product Sans" panose="020B0403030502040203" pitchFamily="34" charset="0"/>
+              </a:rPr>
+              <a:t>Food </a:t>
+            </a:r>
+          </a:p>
+          <a:p>
+            <a:r>
+              <a:rPr lang="en-US" sz="1100" b="1" dirty="0">
+                <a:solidFill>
+                  <a:srgbClr val="FFFF00"/>
+                </a:solidFill>
+                <a:latin typeface="Product Sans" panose="020B0403030502040203" pitchFamily="34" charset="0"/>
+              </a:rPr>
+              <a:t>Analysis </a:t>
+            </a:r>
+          </a:p>
+          <a:p>
+            <a:r>
+              <a:rPr lang="en-US" sz="1100" b="1" dirty="0">
+                <a:solidFill>
+                  <a:srgbClr val="FFFF00"/>
+                </a:solidFill>
+                <a:latin typeface="Product Sans" panose="020B0403030502040203" pitchFamily="34" charset="0"/>
+              </a:rPr>
+              <a:t>Data</a:t>
+            </a:r>
+            <a:endParaRPr lang="en-IN" sz="1100" b="1" dirty="0">
+              <a:solidFill>
+                <a:srgbClr val="FFFF00"/>
+              </a:solidFill>
+              <a:latin typeface="Product Sans" panose="020B0403030502040203" pitchFamily="34" charset="0"/>
+            </a:endParaRPr>
+          </a:p>
+        </p:txBody>
+      </p:sp>
+      <p:sp>
+        <p:nvSpPr>
+          <p:cNvPr id="117" name="TextBox 116">
+            <a:extLst>
+              <a:ext uri="{FF2B5EF4-FFF2-40B4-BE49-F238E27FC236}">
+                <a16:creationId xmlns:a16="http://schemas.microsoft.com/office/drawing/2014/main" id="{73904B25-911E-355A-BE32-67F55A1E2870}"/>
+              </a:ext>
+            </a:extLst>
+          </p:cNvPr>
+          <p:cNvSpPr txBox="1"/>
+          <p:nvPr/>
+        </p:nvSpPr>
+        <p:spPr>
+          <a:xfrm>
+            <a:off x="2943289" y="4499176"/>
+            <a:ext cx="2331091" cy="600164"/>
+          </a:xfrm>
+          <a:prstGeom prst="rect">
+            <a:avLst/>
+          </a:prstGeom>
+          <a:noFill/>
+        </p:spPr>
+        <p:txBody>
+          <a:bodyPr wrap="square" rtlCol="0">
+            <a:spAutoFit/>
+          </a:bodyPr>
+          <a:lstStyle/>
+          <a:p>
+            <a:pPr algn="r"/>
+            <a:r>
+              <a:rPr lang="en-US" sz="1100" b="1" dirty="0">
+                <a:solidFill>
+                  <a:srgbClr val="FFFF00"/>
+                </a:solidFill>
+                <a:latin typeface="Product Sans" panose="020B0403030502040203" pitchFamily="34" charset="0"/>
+              </a:rPr>
+              <a:t>Diet and </a:t>
+            </a:r>
+          </a:p>
+          <a:p>
+            <a:pPr algn="r"/>
+            <a:r>
+              <a:rPr lang="en-US" sz="1100" b="1" dirty="0">
+                <a:solidFill>
+                  <a:srgbClr val="FFFF00"/>
+                </a:solidFill>
+                <a:latin typeface="Product Sans" panose="020B0403030502040203" pitchFamily="34" charset="0"/>
+              </a:rPr>
+              <a:t>Meal </a:t>
+            </a:r>
+          </a:p>
+          <a:p>
+            <a:pPr algn="r"/>
+            <a:r>
+              <a:rPr lang="en-US" sz="1100" b="1" dirty="0">
+                <a:solidFill>
+                  <a:srgbClr val="FFFF00"/>
+                </a:solidFill>
+                <a:latin typeface="Product Sans" panose="020B0403030502040203" pitchFamily="34" charset="0"/>
+              </a:rPr>
+              <a:t>Recommendations</a:t>
+            </a:r>
+            <a:endParaRPr lang="en-IN" sz="1100" b="1" dirty="0">
+              <a:solidFill>
+                <a:srgbClr val="FFFF00"/>
+              </a:solidFill>
+              <a:latin typeface="Product Sans" panose="020B0403030502040203" pitchFamily="34" charset="0"/>
+            </a:endParaRPr>
+          </a:p>
+        </p:txBody>
+      </p:sp>
+      <p:sp>
+        <p:nvSpPr>
+          <p:cNvPr id="118" name="TextBox 117">
+            <a:extLst>
+              <a:ext uri="{FF2B5EF4-FFF2-40B4-BE49-F238E27FC236}">
+                <a16:creationId xmlns:a16="http://schemas.microsoft.com/office/drawing/2014/main" id="{F40C6171-F200-323F-21B1-82F52918FA6E}"/>
+              </a:ext>
+            </a:extLst>
+          </p:cNvPr>
+          <p:cNvSpPr txBox="1"/>
+          <p:nvPr/>
+        </p:nvSpPr>
+        <p:spPr>
+          <a:xfrm>
+            <a:off x="-202683" y="4395538"/>
+            <a:ext cx="2331091" cy="430887"/>
+          </a:xfrm>
+          <a:prstGeom prst="rect">
+            <a:avLst/>
+          </a:prstGeom>
+          <a:noFill/>
+        </p:spPr>
+        <p:txBody>
+          <a:bodyPr wrap="square" rtlCol="0">
+            <a:spAutoFit/>
+          </a:bodyPr>
+          <a:lstStyle/>
+          <a:p>
+            <a:pPr algn="r"/>
+            <a:r>
+              <a:rPr lang="en-US" sz="1100" b="1" dirty="0">
+                <a:solidFill>
+                  <a:srgbClr val="FFFF00"/>
+                </a:solidFill>
+                <a:latin typeface="Product Sans" panose="020B0403030502040203" pitchFamily="34" charset="0"/>
+              </a:rPr>
+              <a:t>User</a:t>
+            </a:r>
+          </a:p>
+          <a:p>
+            <a:pPr algn="r"/>
+            <a:r>
+              <a:rPr lang="en-US" sz="1100" b="1" dirty="0">
+                <a:solidFill>
+                  <a:srgbClr val="FFFF00"/>
+                </a:solidFill>
+                <a:latin typeface="Product Sans" panose="020B0403030502040203" pitchFamily="34" charset="0"/>
+              </a:rPr>
+              <a:t>Details</a:t>
+            </a:r>
+            <a:endParaRPr lang="en-IN" sz="1100" b="1" dirty="0">
+              <a:solidFill>
+                <a:srgbClr val="FFFF00"/>
+              </a:solidFill>
+              <a:latin typeface="Product Sans" panose="020B0403030502040203" pitchFamily="34" charset="0"/>
+            </a:endParaRPr>
+          </a:p>
+        </p:txBody>
+      </p:sp>
+    </p:spTree>
+    <p:extLst>
+      <p:ext uri="{BB962C8B-B14F-4D97-AF65-F5344CB8AC3E}">
+        <p14:creationId xmlns:p14="http://schemas.microsoft.com/office/powerpoint/2010/main" val="3547801273"/>
+      </p:ext>
+    </p:extLst>
+  </p:cSld>
+  <p:clrMapOvr>
+    <a:masterClrMapping/>
+  </p:clrMapOvr>
+  <mc:AlternateContent xmlns:mc="http://schemas.openxmlformats.org/markup-compatibility/2006" xmlns:p159="http://schemas.microsoft.com/office/powerpoint/2015/09/main">
+    <mc:Choice Requires="p159">
+      <p:transition spd="slow">
+        <p159:morph option="byObject"/>
+      </p:transition>
+    </mc:Choice>
+    <mc:Fallback xmlns="">
       <p:transition spd="slow">
         <p:fade/>
       </p:transition>

--- a/Second Review.pptx
+++ b/Second Review.pptx
@@ -14,7 +14,7 @@
     <p:sldId id="275" r:id="rId8"/>
     <p:sldId id="279" r:id="rId9"/>
     <p:sldId id="278" r:id="rId10"/>
-    <p:sldId id="276" r:id="rId11"/>
+    <p:sldId id="282" r:id="rId11"/>
   </p:sldIdLst>
   <p:sldSz cx="12192000" cy="6858000"/>
   <p:notesSz cx="6858000" cy="9144000"/>
@@ -3876,7 +3876,11 @@
             <a:fillRect/>
           </a:stretch>
         </p:blipFill>
-        <p:spPr/>
+        <p:spPr>
+          <a:ln w="19050">
+            <a:noFill/>
+          </a:ln>
+        </p:spPr>
       </p:pic>
       <p:sp>
         <p:nvSpPr>
@@ -3903,7 +3907,7 @@
               <a:alpha val="72138"/>
             </a:schemeClr>
           </a:solidFill>
-          <a:ln>
+          <a:ln w="19050">
             <a:noFill/>
           </a:ln>
         </p:spPr>
@@ -3934,10 +3938,10 @@
       </p:sp>
       <p:sp>
         <p:nvSpPr>
-          <p:cNvPr id="2" name="Rectangle 1">
-            <a:extLst>
-              <a:ext uri="{FF2B5EF4-FFF2-40B4-BE49-F238E27FC236}">
-                <a16:creationId xmlns:a16="http://schemas.microsoft.com/office/drawing/2014/main" id="{53AAB953-8155-37F5-F373-8661FCF948CE}"/>
+          <p:cNvPr id="4" name="Rectangle 3">
+            <a:extLst>
+              <a:ext uri="{FF2B5EF4-FFF2-40B4-BE49-F238E27FC236}">
+                <a16:creationId xmlns:a16="http://schemas.microsoft.com/office/drawing/2014/main" id="{2D2BB4F1-A44C-7379-CB7C-417E8DAA09B6}"/>
               </a:ext>
             </a:extLst>
           </p:cNvPr>
@@ -3946,8 +3950,8 @@
         </p:nvSpPr>
         <p:spPr>
           <a:xfrm>
-            <a:off x="1" y="249766"/>
-            <a:ext cx="3251200" cy="706967"/>
+            <a:off x="0" y="160864"/>
+            <a:ext cx="2048933" cy="563037"/>
           </a:xfrm>
           <a:prstGeom prst="rect">
             <a:avLst/>
@@ -3963,15 +3967,15 @@
         </p:spPr>
         <p:style>
           <a:lnRef idx="2">
-            <a:schemeClr val="accent2">
+            <a:schemeClr val="accent1">
               <a:shade val="15000"/>
             </a:schemeClr>
           </a:lnRef>
           <a:fillRef idx="1">
-            <a:schemeClr val="accent2"/>
+            <a:schemeClr val="accent1"/>
           </a:fillRef>
           <a:effectRef idx="0">
-            <a:schemeClr val="accent2"/>
+            <a:schemeClr val="accent1"/>
           </a:effectRef>
           <a:fontRef idx="minor">
             <a:schemeClr val="lt1"/>
@@ -3982,16 +3986,16 @@
           <a:lstStyle/>
           <a:p>
             <a:pPr algn="ctr"/>
-            <a:endParaRPr lang="en-IN" dirty="0"/>
-          </a:p>
-        </p:txBody>
-      </p:sp>
-      <p:sp>
-        <p:nvSpPr>
-          <p:cNvPr id="3" name="TextBox 2">
-            <a:extLst>
-              <a:ext uri="{FF2B5EF4-FFF2-40B4-BE49-F238E27FC236}">
-                <a16:creationId xmlns:a16="http://schemas.microsoft.com/office/drawing/2014/main" id="{0ADEF4EC-1D88-0BA1-00D5-41FB96F6B201}"/>
+            <a:endParaRPr lang="en-IN"/>
+          </a:p>
+        </p:txBody>
+      </p:sp>
+      <p:sp>
+        <p:nvSpPr>
+          <p:cNvPr id="5" name="TextBox 4">
+            <a:extLst>
+              <a:ext uri="{FF2B5EF4-FFF2-40B4-BE49-F238E27FC236}">
+                <a16:creationId xmlns:a16="http://schemas.microsoft.com/office/drawing/2014/main" id="{56B9AA69-E72F-16F9-0D31-83433BC8E146}"/>
               </a:ext>
             </a:extLst>
           </p:cNvPr>
@@ -4000,8 +4004,8 @@
         </p:nvSpPr>
         <p:spPr>
           <a:xfrm>
-            <a:off x="3" y="406728"/>
-            <a:ext cx="3251198" cy="461665"/>
+            <a:off x="0" y="236150"/>
+            <a:ext cx="2048934" cy="400110"/>
           </a:xfrm>
           <a:prstGeom prst="rect">
             <a:avLst/>
@@ -4016,25 +4020,22 @@
           <a:p>
             <a:pPr algn="ctr"/>
             <a:r>
-              <a:rPr lang="en-IN" sz="2400" b="1" dirty="0">
+              <a:rPr lang="en-IN" sz="2000" b="1" dirty="0">
                 <a:solidFill>
                   <a:schemeClr val="bg1"/>
                 </a:solidFill>
-                <a:latin typeface="Noto Sans" panose="020B0502040504020204" pitchFamily="34" charset="0"/>
-                <a:ea typeface="Noto Sans" panose="020B0502040504020204" pitchFamily="34" charset="0"/>
-                <a:cs typeface="Noto Sans" panose="020B0502040504020204" pitchFamily="34" charset="0"/>
               </a:rPr>
-              <a:t>The System</a:t>
-            </a:r>
-          </a:p>
-        </p:txBody>
-      </p:sp>
-      <p:sp>
-        <p:nvSpPr>
-          <p:cNvPr id="4" name="Rectangle 3">
-            <a:extLst>
-              <a:ext uri="{FF2B5EF4-FFF2-40B4-BE49-F238E27FC236}">
-                <a16:creationId xmlns:a16="http://schemas.microsoft.com/office/drawing/2014/main" id="{2D2BB4F1-A44C-7379-CB7C-417E8DAA09B6}"/>
+              <a:t>DFD Level 2</a:t>
+            </a:r>
+          </a:p>
+        </p:txBody>
+      </p:sp>
+      <p:sp>
+        <p:nvSpPr>
+          <p:cNvPr id="2" name="Rectangle: Top Corners Rounded 1">
+            <a:extLst>
+              <a:ext uri="{FF2B5EF4-FFF2-40B4-BE49-F238E27FC236}">
+                <a16:creationId xmlns:a16="http://schemas.microsoft.com/office/drawing/2014/main" id="{1449761F-AF2B-2370-9ED8-558C1378822E}"/>
               </a:ext>
             </a:extLst>
           </p:cNvPr>
@@ -4042,15 +4043,21 @@
           <p:nvPr/>
         </p:nvSpPr>
         <p:spPr>
-          <a:xfrm>
-            <a:off x="4422913" y="249765"/>
-            <a:ext cx="3346174" cy="706967"/>
-          </a:xfrm>
-          <a:prstGeom prst="rect">
-            <a:avLst/>
-          </a:prstGeom>
-          <a:ln>
-            <a:noFill/>
+          <a:xfrm rot="10800000">
+            <a:off x="4435643" y="1438506"/>
+            <a:ext cx="3279150" cy="2402049"/>
+          </a:xfrm>
+          <a:prstGeom prst="round2SameRect">
+            <a:avLst/>
+          </a:prstGeom>
+          <a:noFill/>
+          <a:ln w="19050">
+            <a:solidFill>
+              <a:schemeClr val="bg1">
+                <a:lumMod val="95000"/>
+              </a:schemeClr>
+            </a:solidFill>
+            <a:prstDash val="dash"/>
           </a:ln>
         </p:spPr>
         <p:style>
@@ -4074,72 +4081,38 @@
           <a:lstStyle/>
           <a:p>
             <a:pPr algn="ctr"/>
-            <a:endParaRPr lang="en-IN"/>
-          </a:p>
-        </p:txBody>
-      </p:sp>
-      <p:sp>
-        <p:nvSpPr>
-          <p:cNvPr id="5" name="TextBox 4">
-            <a:extLst>
-              <a:ext uri="{FF2B5EF4-FFF2-40B4-BE49-F238E27FC236}">
-                <a16:creationId xmlns:a16="http://schemas.microsoft.com/office/drawing/2014/main" id="{56B9AA69-E72F-16F9-0D31-83433BC8E146}"/>
-              </a:ext>
-            </a:extLst>
-          </p:cNvPr>
-          <p:cNvSpPr txBox="1"/>
-          <p:nvPr/>
-        </p:nvSpPr>
-        <p:spPr>
-          <a:xfrm>
-            <a:off x="4422912" y="384314"/>
-            <a:ext cx="3346175" cy="461665"/>
+            <a:endParaRPr lang="en-IN" sz="2100" b="1" dirty="0">
+              <a:latin typeface="Noto Sans" panose="020B0502040504020204" pitchFamily="34" charset="0"/>
+              <a:ea typeface="Noto Sans" panose="020B0502040504020204" pitchFamily="34" charset="0"/>
+              <a:cs typeface="Noto Sans" panose="020B0502040504020204" pitchFamily="34" charset="0"/>
+            </a:endParaRPr>
+          </a:p>
+        </p:txBody>
+      </p:sp>
+      <p:sp>
+        <p:nvSpPr>
+          <p:cNvPr id="3" name="Rectangle 2">
+            <a:extLst>
+              <a:ext uri="{FF2B5EF4-FFF2-40B4-BE49-F238E27FC236}">
+                <a16:creationId xmlns:a16="http://schemas.microsoft.com/office/drawing/2014/main" id="{2F4934D7-9D58-6C1B-7563-579D1B52453B}"/>
+              </a:ext>
+            </a:extLst>
+          </p:cNvPr>
+          <p:cNvSpPr/>
+          <p:nvPr/>
+        </p:nvSpPr>
+        <p:spPr>
+          <a:xfrm>
+            <a:off x="2881714" y="642570"/>
+            <a:ext cx="1553929" cy="513860"/>
           </a:xfrm>
           <a:prstGeom prst="rect">
             <a:avLst/>
           </a:prstGeom>
-          <a:noFill/>
-        </p:spPr>
-        <p:txBody>
-          <a:bodyPr wrap="square" rtlCol="0">
-            <a:spAutoFit/>
-          </a:bodyPr>
-          <a:lstStyle/>
-          <a:p>
-            <a:pPr algn="ctr"/>
-            <a:r>
-              <a:rPr lang="en-IN" sz="2400" b="1" dirty="0">
-                <a:solidFill>
-                  <a:schemeClr val="bg1"/>
-                </a:solidFill>
-              </a:rPr>
-              <a:t>DFD Level 1</a:t>
-            </a:r>
-          </a:p>
-        </p:txBody>
-      </p:sp>
-      <p:sp>
-        <p:nvSpPr>
-          <p:cNvPr id="20" name="Rectangle 19">
-            <a:extLst>
-              <a:ext uri="{FF2B5EF4-FFF2-40B4-BE49-F238E27FC236}">
-                <a16:creationId xmlns:a16="http://schemas.microsoft.com/office/drawing/2014/main" id="{CC23E1CF-9A05-D833-B044-4F8CA6A1B755}"/>
-              </a:ext>
-            </a:extLst>
-          </p:cNvPr>
-          <p:cNvSpPr/>
-          <p:nvPr/>
-        </p:nvSpPr>
-        <p:spPr>
-          <a:xfrm>
-            <a:off x="471200" y="1978080"/>
-            <a:ext cx="2124362" cy="964516"/>
-          </a:xfrm>
-          <a:prstGeom prst="rect">
-            <a:avLst/>
-          </a:prstGeom>
           <a:ln>
-            <a:noFill/>
+            <a:solidFill>
+              <a:schemeClr val="bg1"/>
+            </a:solidFill>
           </a:ln>
         </p:spPr>
         <p:style>
@@ -4164,19 +4137,27 @@
           <a:p>
             <a:pPr algn="ctr"/>
             <a:r>
-              <a:rPr lang="en-IN" sz="2400" b="1" dirty="0"/>
+              <a:rPr lang="en-US" sz="1600" b="1" dirty="0">
+                <a:latin typeface="Noto Sans" panose="020B0502040504020204" pitchFamily="34" charset="0"/>
+                <a:ea typeface="Noto Sans" panose="020B0502040504020204" pitchFamily="34" charset="0"/>
+                <a:cs typeface="Noto Sans" panose="020B0502040504020204" pitchFamily="34" charset="0"/>
+              </a:rPr>
               <a:t>User</a:t>
             </a:r>
-            <a:endParaRPr lang="en-IN" sz="2800" b="1" dirty="0"/>
-          </a:p>
-        </p:txBody>
-      </p:sp>
-      <p:sp>
-        <p:nvSpPr>
-          <p:cNvPr id="10" name="Oval 9">
-            <a:extLst>
-              <a:ext uri="{FF2B5EF4-FFF2-40B4-BE49-F238E27FC236}">
-                <a16:creationId xmlns:a16="http://schemas.microsoft.com/office/drawing/2014/main" id="{354067B2-E0C8-0009-D61C-3EE4853F4E32}"/>
+            <a:endParaRPr lang="en-IN" sz="1600" b="1" dirty="0">
+              <a:latin typeface="Noto Sans" panose="020B0502040504020204" pitchFamily="34" charset="0"/>
+              <a:ea typeface="Noto Sans" panose="020B0502040504020204" pitchFamily="34" charset="0"/>
+              <a:cs typeface="Noto Sans" panose="020B0502040504020204" pitchFamily="34" charset="0"/>
+            </a:endParaRPr>
+          </a:p>
+        </p:txBody>
+      </p:sp>
+      <p:sp>
+        <p:nvSpPr>
+          <p:cNvPr id="6" name="Oval 5">
+            <a:extLst>
+              <a:ext uri="{FF2B5EF4-FFF2-40B4-BE49-F238E27FC236}">
+                <a16:creationId xmlns:a16="http://schemas.microsoft.com/office/drawing/2014/main" id="{2625C7B1-874F-4615-62D5-8AF74C84A751}"/>
               </a:ext>
             </a:extLst>
           </p:cNvPr>
@@ -4185,14 +4166,16 @@
         </p:nvSpPr>
         <p:spPr>
           <a:xfrm>
-            <a:off x="4107868" y="1677129"/>
-            <a:ext cx="1572491" cy="1572491"/>
+            <a:off x="5341377" y="564831"/>
+            <a:ext cx="1467678" cy="661968"/>
           </a:xfrm>
           <a:prstGeom prst="ellipse">
             <a:avLst/>
           </a:prstGeom>
           <a:ln>
-            <a:noFill/>
+            <a:solidFill>
+              <a:schemeClr val="bg1"/>
+            </a:solidFill>
           </a:ln>
         </p:spPr>
         <p:style>
@@ -4217,14 +4200,25 @@
           <a:p>
             <a:pPr algn="ctr"/>
             <a:r>
-              <a:rPr lang="en-US" sz="2000" b="1" dirty="0">
+              <a:rPr lang="en-US" sz="1400" b="1" dirty="0">
                 <a:latin typeface="Noto Sans" panose="020B0502040504020204" pitchFamily="34" charset="0"/>
                 <a:ea typeface="Noto Sans" panose="020B0502040504020204" pitchFamily="34" charset="0"/>
                 <a:cs typeface="Noto Sans" panose="020B0502040504020204" pitchFamily="34" charset="0"/>
               </a:rPr>
-              <a:t>Login/Signup</a:t>
-            </a:r>
-            <a:endParaRPr lang="en-IN" sz="2000" b="1" dirty="0">
+              <a:t>Login/</a:t>
+            </a:r>
+          </a:p>
+          <a:p>
+            <a:pPr algn="ctr"/>
+            <a:r>
+              <a:rPr lang="en-US" sz="1400" b="1" dirty="0">
+                <a:latin typeface="Noto Sans" panose="020B0502040504020204" pitchFamily="34" charset="0"/>
+                <a:ea typeface="Noto Sans" panose="020B0502040504020204" pitchFamily="34" charset="0"/>
+                <a:cs typeface="Noto Sans" panose="020B0502040504020204" pitchFamily="34" charset="0"/>
+              </a:rPr>
+              <a:t>Signup</a:t>
+            </a:r>
+            <a:endParaRPr lang="en-IN" sz="1400" b="1" dirty="0">
               <a:latin typeface="Noto Sans" panose="020B0502040504020204" pitchFamily="34" charset="0"/>
               <a:ea typeface="Noto Sans" panose="020B0502040504020204" pitchFamily="34" charset="0"/>
               <a:cs typeface="Noto Sans" panose="020B0502040504020204" pitchFamily="34" charset="0"/>
@@ -4234,10 +4228,10 @@
       </p:sp>
       <p:sp>
         <p:nvSpPr>
-          <p:cNvPr id="13" name="Oval 12">
-            <a:extLst>
-              <a:ext uri="{FF2B5EF4-FFF2-40B4-BE49-F238E27FC236}">
-                <a16:creationId xmlns:a16="http://schemas.microsoft.com/office/drawing/2014/main" id="{CE6AA0C9-74C1-293B-E659-B2D7292322BD}"/>
+          <p:cNvPr id="7" name="Rectangle: Top Corners Rounded 6">
+            <a:extLst>
+              <a:ext uri="{FF2B5EF4-FFF2-40B4-BE49-F238E27FC236}">
+                <a16:creationId xmlns:a16="http://schemas.microsoft.com/office/drawing/2014/main" id="{5B0943B5-B07B-D72D-78A1-44135208B4A5}"/>
               </a:ext>
             </a:extLst>
           </p:cNvPr>
@@ -4245,15 +4239,21 @@
           <p:nvPr/>
         </p:nvSpPr>
         <p:spPr>
-          <a:xfrm>
-            <a:off x="9833264" y="1674093"/>
-            <a:ext cx="1572491" cy="1572491"/>
-          </a:xfrm>
-          <a:prstGeom prst="ellipse">
-            <a:avLst/>
-          </a:prstGeom>
-          <a:ln>
-            <a:noFill/>
+          <a:xfrm rot="10800000">
+            <a:off x="378866" y="1976377"/>
+            <a:ext cx="3403543" cy="1864175"/>
+          </a:xfrm>
+          <a:prstGeom prst="round2SameRect">
+            <a:avLst/>
+          </a:prstGeom>
+          <a:noFill/>
+          <a:ln w="19050">
+            <a:solidFill>
+              <a:schemeClr val="bg1">
+                <a:lumMod val="95000"/>
+              </a:schemeClr>
+            </a:solidFill>
+            <a:prstDash val="dash"/>
           </a:ln>
         </p:spPr>
         <p:style>
@@ -4287,10 +4287,10 @@
       </p:sp>
       <p:sp>
         <p:nvSpPr>
-          <p:cNvPr id="14" name="Oval 13">
-            <a:extLst>
-              <a:ext uri="{FF2B5EF4-FFF2-40B4-BE49-F238E27FC236}">
-                <a16:creationId xmlns:a16="http://schemas.microsoft.com/office/drawing/2014/main" id="{C23427ED-61DA-1A7E-3995-F6A3DE33E59A}"/>
+          <p:cNvPr id="8" name="Rectangle: Top Corners Rounded 7">
+            <a:extLst>
+              <a:ext uri="{FF2B5EF4-FFF2-40B4-BE49-F238E27FC236}">
+                <a16:creationId xmlns:a16="http://schemas.microsoft.com/office/drawing/2014/main" id="{AF83F467-8C44-F5C7-30CA-CEEDB920C8D3}"/>
               </a:ext>
             </a:extLst>
           </p:cNvPr>
@@ -4298,15 +4298,21 @@
           <p:nvPr/>
         </p:nvSpPr>
         <p:spPr>
-          <a:xfrm>
-            <a:off x="6982841" y="1674094"/>
-            <a:ext cx="1572491" cy="1572491"/>
-          </a:xfrm>
-          <a:prstGeom prst="ellipse">
-            <a:avLst/>
-          </a:prstGeom>
-          <a:ln>
-            <a:noFill/>
+          <a:xfrm rot="10800000">
+            <a:off x="378868" y="4309443"/>
+            <a:ext cx="3403542" cy="2233433"/>
+          </a:xfrm>
+          <a:prstGeom prst="round2SameRect">
+            <a:avLst/>
+          </a:prstGeom>
+          <a:noFill/>
+          <a:ln w="19050">
+            <a:solidFill>
+              <a:schemeClr val="bg1">
+                <a:lumMod val="95000"/>
+              </a:schemeClr>
+            </a:solidFill>
+            <a:prstDash val="dash"/>
           </a:ln>
         </p:spPr>
         <p:style>
@@ -4330,15 +4336,7 @@
           <a:lstStyle/>
           <a:p>
             <a:pPr algn="ctr"/>
-            <a:r>
-              <a:rPr lang="en-US" sz="2000" b="1" dirty="0">
-                <a:latin typeface="Noto Sans" panose="020B0502040504020204" pitchFamily="34" charset="0"/>
-                <a:ea typeface="Noto Sans" panose="020B0502040504020204" pitchFamily="34" charset="0"/>
-                <a:cs typeface="Noto Sans" panose="020B0502040504020204" pitchFamily="34" charset="0"/>
-              </a:rPr>
-              <a:t>User Profile</a:t>
-            </a:r>
-            <a:endParaRPr lang="en-IN" sz="2000" b="1" dirty="0">
+            <a:endParaRPr lang="en-IN" b="1" dirty="0">
               <a:latin typeface="Noto Sans" panose="020B0502040504020204" pitchFamily="34" charset="0"/>
               <a:ea typeface="Noto Sans" panose="020B0502040504020204" pitchFamily="34" charset="0"/>
               <a:cs typeface="Noto Sans" panose="020B0502040504020204" pitchFamily="34" charset="0"/>
@@ -4348,10 +4346,10 @@
       </p:sp>
       <p:sp>
         <p:nvSpPr>
-          <p:cNvPr id="15" name="Oval 14">
-            <a:extLst>
-              <a:ext uri="{FF2B5EF4-FFF2-40B4-BE49-F238E27FC236}">
-                <a16:creationId xmlns:a16="http://schemas.microsoft.com/office/drawing/2014/main" id="{FCD568EC-728C-396E-8AD6-94A3FE828AEF}"/>
+          <p:cNvPr id="10" name="Rectangle: Top Corners Rounded 9">
+            <a:extLst>
+              <a:ext uri="{FF2B5EF4-FFF2-40B4-BE49-F238E27FC236}">
+                <a16:creationId xmlns:a16="http://schemas.microsoft.com/office/drawing/2014/main" id="{474DE493-9B31-4A96-4472-149E55E9DA3E}"/>
               </a:ext>
             </a:extLst>
           </p:cNvPr>
@@ -4359,15 +4357,21 @@
           <p:nvPr/>
         </p:nvSpPr>
         <p:spPr>
-          <a:xfrm>
-            <a:off x="3692229" y="3838478"/>
-            <a:ext cx="2403772" cy="2403772"/>
-          </a:xfrm>
-          <a:prstGeom prst="ellipse">
-            <a:avLst/>
-          </a:prstGeom>
-          <a:ln>
-            <a:noFill/>
+          <a:xfrm rot="10800000">
+            <a:off x="4877275" y="4309445"/>
+            <a:ext cx="2395883" cy="2233432"/>
+          </a:xfrm>
+          <a:prstGeom prst="round2SameRect">
+            <a:avLst/>
+          </a:prstGeom>
+          <a:noFill/>
+          <a:ln w="19050">
+            <a:solidFill>
+              <a:schemeClr val="bg1">
+                <a:lumMod val="95000"/>
+              </a:schemeClr>
+            </a:solidFill>
+            <a:prstDash val="dash"/>
           </a:ln>
         </p:spPr>
         <p:style>
@@ -4391,15 +4395,7 @@
           <a:lstStyle/>
           <a:p>
             <a:pPr algn="ctr"/>
-            <a:r>
-              <a:rPr lang="en-US" sz="2100" b="1" dirty="0">
-                <a:latin typeface="Noto Sans" panose="020B0502040504020204" pitchFamily="34" charset="0"/>
-                <a:ea typeface="Noto Sans" panose="020B0502040504020204" pitchFamily="34" charset="0"/>
-                <a:cs typeface="Noto Sans" panose="020B0502040504020204" pitchFamily="34" charset="0"/>
-              </a:rPr>
-              <a:t>Dashboard</a:t>
-            </a:r>
-            <a:endParaRPr lang="en-IN" sz="2100" b="1" dirty="0">
+            <a:endParaRPr lang="en-IN" b="1" dirty="0">
               <a:latin typeface="Noto Sans" panose="020B0502040504020204" pitchFamily="34" charset="0"/>
               <a:ea typeface="Noto Sans" panose="020B0502040504020204" pitchFamily="34" charset="0"/>
               <a:cs typeface="Noto Sans" panose="020B0502040504020204" pitchFamily="34" charset="0"/>
@@ -4409,10 +4405,10 @@
       </p:sp>
       <p:sp>
         <p:nvSpPr>
-          <p:cNvPr id="16" name="Oval 15">
-            <a:extLst>
-              <a:ext uri="{FF2B5EF4-FFF2-40B4-BE49-F238E27FC236}">
-                <a16:creationId xmlns:a16="http://schemas.microsoft.com/office/drawing/2014/main" id="{8835282A-9E24-CF91-743B-2C9AEFCBCC8F}"/>
+          <p:cNvPr id="11" name="Rectangle: Top Corners Rounded 10">
+            <a:extLst>
+              <a:ext uri="{FF2B5EF4-FFF2-40B4-BE49-F238E27FC236}">
+                <a16:creationId xmlns:a16="http://schemas.microsoft.com/office/drawing/2014/main" id="{CEFE3B6D-89EA-D2CF-5453-E7481F19E852}"/>
               </a:ext>
             </a:extLst>
           </p:cNvPr>
@@ -4420,15 +4416,21 @@
           <p:nvPr/>
         </p:nvSpPr>
         <p:spPr>
-          <a:xfrm>
-            <a:off x="6799498" y="4012046"/>
-            <a:ext cx="2056636" cy="2056636"/>
-          </a:xfrm>
-          <a:prstGeom prst="ellipse">
-            <a:avLst/>
-          </a:prstGeom>
-          <a:ln>
-            <a:noFill/>
+          <a:xfrm rot="10800000">
+            <a:off x="8409958" y="1976377"/>
+            <a:ext cx="3403540" cy="1864175"/>
+          </a:xfrm>
+          <a:prstGeom prst="round2SameRect">
+            <a:avLst/>
+          </a:prstGeom>
+          <a:noFill/>
+          <a:ln w="19050">
+            <a:solidFill>
+              <a:schemeClr val="bg1">
+                <a:lumMod val="95000"/>
+              </a:schemeClr>
+            </a:solidFill>
+            <a:prstDash val="dash"/>
           </a:ln>
         </p:spPr>
         <p:style>
@@ -4462,10 +4464,10 @@
       </p:sp>
       <p:sp>
         <p:nvSpPr>
-          <p:cNvPr id="17" name="Oval 16">
-            <a:extLst>
-              <a:ext uri="{FF2B5EF4-FFF2-40B4-BE49-F238E27FC236}">
-                <a16:creationId xmlns:a16="http://schemas.microsoft.com/office/drawing/2014/main" id="{23E39495-67B9-173D-699F-98C24071956B}"/>
+          <p:cNvPr id="12" name="Rectangle: Top Corners Rounded 11">
+            <a:extLst>
+              <a:ext uri="{FF2B5EF4-FFF2-40B4-BE49-F238E27FC236}">
+                <a16:creationId xmlns:a16="http://schemas.microsoft.com/office/drawing/2014/main" id="{7EF41F9E-9F4D-4BD8-929E-908339C841EE}"/>
               </a:ext>
             </a:extLst>
           </p:cNvPr>
@@ -4473,15 +4475,21 @@
           <p:nvPr/>
         </p:nvSpPr>
         <p:spPr>
-          <a:xfrm>
-            <a:off x="839355" y="4254119"/>
-            <a:ext cx="1572491" cy="1572491"/>
-          </a:xfrm>
-          <a:prstGeom prst="ellipse">
-            <a:avLst/>
-          </a:prstGeom>
-          <a:ln>
-            <a:noFill/>
+          <a:xfrm rot="10800000">
+            <a:off x="8409960" y="4309445"/>
+            <a:ext cx="3403542" cy="2233432"/>
+          </a:xfrm>
+          <a:prstGeom prst="round2SameRect">
+            <a:avLst/>
+          </a:prstGeom>
+          <a:noFill/>
+          <a:ln w="19050">
+            <a:solidFill>
+              <a:schemeClr val="bg1">
+                <a:lumMod val="95000"/>
+              </a:schemeClr>
+            </a:solidFill>
+            <a:prstDash val="dash"/>
           </a:ln>
         </p:spPr>
         <p:style>
@@ -4505,15 +4513,219 @@
           <a:lstStyle/>
           <a:p>
             <a:pPr algn="ctr"/>
-            <a:r>
-              <a:rPr lang="en-US" sz="1700" b="1" dirty="0">
+            <a:endParaRPr lang="en-IN" b="1" dirty="0">
+              <a:latin typeface="Noto Sans" panose="020B0502040504020204" pitchFamily="34" charset="0"/>
+              <a:ea typeface="Noto Sans" panose="020B0502040504020204" pitchFamily="34" charset="0"/>
+              <a:cs typeface="Noto Sans" panose="020B0502040504020204" pitchFamily="34" charset="0"/>
+            </a:endParaRPr>
+          </a:p>
+        </p:txBody>
+      </p:sp>
+      <p:sp>
+        <p:nvSpPr>
+          <p:cNvPr id="15" name="TextBox 14">
+            <a:extLst>
+              <a:ext uri="{FF2B5EF4-FFF2-40B4-BE49-F238E27FC236}">
+                <a16:creationId xmlns:a16="http://schemas.microsoft.com/office/drawing/2014/main" id="{8DA819DA-740C-FF1B-E0BD-FB14B7FA8A66}"/>
+              </a:ext>
+            </a:extLst>
+          </p:cNvPr>
+          <p:cNvSpPr txBox="1"/>
+          <p:nvPr/>
+        </p:nvSpPr>
+        <p:spPr>
+          <a:xfrm>
+            <a:off x="8409962" y="1979629"/>
+            <a:ext cx="3403540" cy="261610"/>
+          </a:xfrm>
+          <a:prstGeom prst="rect">
+            <a:avLst/>
+          </a:prstGeom>
+          <a:solidFill>
+            <a:schemeClr val="bg1"/>
+          </a:solidFill>
+        </p:spPr>
+        <p:txBody>
+          <a:bodyPr wrap="square" rtlCol="0">
+            <a:spAutoFit/>
+          </a:bodyPr>
+          <a:lstStyle/>
+          <a:p>
+            <a:pPr algn="ctr"/>
+            <a:r>
+              <a:rPr lang="en-US" sz="1100" b="1" dirty="0">
+                <a:solidFill>
+                  <a:sysClr val="windowText" lastClr="000000"/>
+                </a:solidFill>
+                <a:latin typeface="Noto Sans" panose="020B0502040504020204" pitchFamily="34" charset="0"/>
+                <a:ea typeface="Noto Sans" panose="020B0502040504020204" pitchFamily="34" charset="0"/>
+                <a:cs typeface="Noto Sans" panose="020B0502040504020204" pitchFamily="34" charset="0"/>
+              </a:rPr>
+              <a:t>Food Recognition and Analysis</a:t>
+            </a:r>
+            <a:endParaRPr lang="en-IN" sz="1100" b="1" dirty="0">
+              <a:solidFill>
+                <a:sysClr val="windowText" lastClr="000000"/>
+              </a:solidFill>
+              <a:latin typeface="Noto Sans" panose="020B0502040504020204" pitchFamily="34" charset="0"/>
+              <a:ea typeface="Noto Sans" panose="020B0502040504020204" pitchFamily="34" charset="0"/>
+              <a:cs typeface="Noto Sans" panose="020B0502040504020204" pitchFamily="34" charset="0"/>
+            </a:endParaRPr>
+          </a:p>
+        </p:txBody>
+      </p:sp>
+      <p:sp>
+        <p:nvSpPr>
+          <p:cNvPr id="16" name="TextBox 15">
+            <a:extLst>
+              <a:ext uri="{FF2B5EF4-FFF2-40B4-BE49-F238E27FC236}">
+                <a16:creationId xmlns:a16="http://schemas.microsoft.com/office/drawing/2014/main" id="{26A32FE6-DAA3-6375-39C0-C9A8C7432799}"/>
+              </a:ext>
+            </a:extLst>
+          </p:cNvPr>
+          <p:cNvSpPr txBox="1"/>
+          <p:nvPr/>
+        </p:nvSpPr>
+        <p:spPr>
+          <a:xfrm>
+            <a:off x="8409961" y="4312474"/>
+            <a:ext cx="3403544" cy="261610"/>
+          </a:xfrm>
+          <a:prstGeom prst="rect">
+            <a:avLst/>
+          </a:prstGeom>
+          <a:solidFill>
+            <a:schemeClr val="bg1"/>
+          </a:solidFill>
+        </p:spPr>
+        <p:txBody>
+          <a:bodyPr wrap="square" rtlCol="0">
+            <a:spAutoFit/>
+          </a:bodyPr>
+          <a:lstStyle/>
+          <a:p>
+            <a:pPr algn="ctr"/>
+            <a:r>
+              <a:rPr lang="en-US" sz="1100" b="1" dirty="0">
+                <a:solidFill>
+                  <a:sysClr val="windowText" lastClr="000000"/>
+                </a:solidFill>
+                <a:latin typeface="Noto Sans" panose="020B0502040504020204" pitchFamily="34" charset="0"/>
+                <a:ea typeface="Noto Sans" panose="020B0502040504020204" pitchFamily="34" charset="0"/>
+                <a:cs typeface="Noto Sans" panose="020B0502040504020204" pitchFamily="34" charset="0"/>
+              </a:rPr>
+              <a:t>Tracking</a:t>
+            </a:r>
+            <a:endParaRPr lang="en-IN" sz="1100" b="1" dirty="0">
+              <a:solidFill>
+                <a:sysClr val="windowText" lastClr="000000"/>
+              </a:solidFill>
+              <a:latin typeface="Noto Sans" panose="020B0502040504020204" pitchFamily="34" charset="0"/>
+              <a:ea typeface="Noto Sans" panose="020B0502040504020204" pitchFamily="34" charset="0"/>
+              <a:cs typeface="Noto Sans" panose="020B0502040504020204" pitchFamily="34" charset="0"/>
+            </a:endParaRPr>
+          </a:p>
+        </p:txBody>
+      </p:sp>
+      <p:sp>
+        <p:nvSpPr>
+          <p:cNvPr id="18" name="TextBox 17">
+            <a:extLst>
+              <a:ext uri="{FF2B5EF4-FFF2-40B4-BE49-F238E27FC236}">
+                <a16:creationId xmlns:a16="http://schemas.microsoft.com/office/drawing/2014/main" id="{AED0C44C-4DC2-0D5C-AAF3-A6A6200002DF}"/>
+              </a:ext>
+            </a:extLst>
+          </p:cNvPr>
+          <p:cNvSpPr txBox="1"/>
+          <p:nvPr/>
+        </p:nvSpPr>
+        <p:spPr>
+          <a:xfrm>
+            <a:off x="4877275" y="4313243"/>
+            <a:ext cx="2395884" cy="261610"/>
+          </a:xfrm>
+          <a:prstGeom prst="rect">
+            <a:avLst/>
+          </a:prstGeom>
+          <a:solidFill>
+            <a:schemeClr val="bg1"/>
+          </a:solidFill>
+        </p:spPr>
+        <p:txBody>
+          <a:bodyPr wrap="square" rtlCol="0">
+            <a:spAutoFit/>
+          </a:bodyPr>
+          <a:lstStyle/>
+          <a:p>
+            <a:pPr algn="ctr"/>
+            <a:r>
+              <a:rPr lang="en-US" sz="1100" b="1" dirty="0">
+                <a:solidFill>
+                  <a:sysClr val="windowText" lastClr="000000"/>
+                </a:solidFill>
+                <a:latin typeface="Noto Sans" panose="020B0502040504020204" pitchFamily="34" charset="0"/>
+                <a:ea typeface="Noto Sans" panose="020B0502040504020204" pitchFamily="34" charset="0"/>
+                <a:cs typeface="Noto Sans" panose="020B0502040504020204" pitchFamily="34" charset="0"/>
+              </a:rPr>
+              <a:t>Recommendations</a:t>
+            </a:r>
+            <a:endParaRPr lang="en-IN" sz="1100" b="1" dirty="0">
+              <a:solidFill>
+                <a:sysClr val="windowText" lastClr="000000"/>
+              </a:solidFill>
+              <a:latin typeface="Noto Sans" panose="020B0502040504020204" pitchFamily="34" charset="0"/>
+              <a:ea typeface="Noto Sans" panose="020B0502040504020204" pitchFamily="34" charset="0"/>
+              <a:cs typeface="Noto Sans" panose="020B0502040504020204" pitchFamily="34" charset="0"/>
+            </a:endParaRPr>
+          </a:p>
+        </p:txBody>
+      </p:sp>
+      <p:sp>
+        <p:nvSpPr>
+          <p:cNvPr id="19" name="TextBox 18">
+            <a:extLst>
+              <a:ext uri="{FF2B5EF4-FFF2-40B4-BE49-F238E27FC236}">
+                <a16:creationId xmlns:a16="http://schemas.microsoft.com/office/drawing/2014/main" id="{07F09649-5AE6-F251-4FFD-006EC6FFB3ED}"/>
+              </a:ext>
+            </a:extLst>
+          </p:cNvPr>
+          <p:cNvSpPr txBox="1"/>
+          <p:nvPr/>
+        </p:nvSpPr>
+        <p:spPr>
+          <a:xfrm>
+            <a:off x="378867" y="4309445"/>
+            <a:ext cx="3403544" cy="261610"/>
+          </a:xfrm>
+          <a:prstGeom prst="rect">
+            <a:avLst/>
+          </a:prstGeom>
+          <a:solidFill>
+            <a:schemeClr val="bg1"/>
+          </a:solidFill>
+        </p:spPr>
+        <p:txBody>
+          <a:bodyPr wrap="square" rtlCol="0">
+            <a:spAutoFit/>
+          </a:bodyPr>
+          <a:lstStyle/>
+          <a:p>
+            <a:pPr algn="ctr"/>
+            <a:r>
+              <a:rPr lang="en-US" sz="1100" b="1" dirty="0">
+                <a:solidFill>
+                  <a:sysClr val="windowText" lastClr="000000"/>
+                </a:solidFill>
                 <a:latin typeface="Noto Sans" panose="020B0502040504020204" pitchFamily="34" charset="0"/>
                 <a:ea typeface="Noto Sans" panose="020B0502040504020204" pitchFamily="34" charset="0"/>
                 <a:cs typeface="Noto Sans" panose="020B0502040504020204" pitchFamily="34" charset="0"/>
               </a:rPr>
               <a:t>User Health Analysis</a:t>
             </a:r>
-            <a:endParaRPr lang="en-IN" sz="1700" b="1" dirty="0">
+            <a:endParaRPr lang="en-IN" sz="1100" b="1" dirty="0">
+              <a:solidFill>
+                <a:sysClr val="windowText" lastClr="000000"/>
+              </a:solidFill>
               <a:latin typeface="Noto Sans" panose="020B0502040504020204" pitchFamily="34" charset="0"/>
               <a:ea typeface="Noto Sans" panose="020B0502040504020204" pitchFamily="34" charset="0"/>
               <a:cs typeface="Noto Sans" panose="020B0502040504020204" pitchFamily="34" charset="0"/>
@@ -4523,10 +4735,116 @@
       </p:sp>
       <p:sp>
         <p:nvSpPr>
-          <p:cNvPr id="18" name="Oval 17">
-            <a:extLst>
-              <a:ext uri="{FF2B5EF4-FFF2-40B4-BE49-F238E27FC236}">
-                <a16:creationId xmlns:a16="http://schemas.microsoft.com/office/drawing/2014/main" id="{F071C8E4-E650-FE23-AD5D-DC27A81D9454}"/>
+          <p:cNvPr id="20" name="TextBox 19">
+            <a:extLst>
+              <a:ext uri="{FF2B5EF4-FFF2-40B4-BE49-F238E27FC236}">
+                <a16:creationId xmlns:a16="http://schemas.microsoft.com/office/drawing/2014/main" id="{5E66B68B-5974-5834-AD1B-A7AA3B15DF00}"/>
+              </a:ext>
+            </a:extLst>
+          </p:cNvPr>
+          <p:cNvSpPr txBox="1"/>
+          <p:nvPr/>
+        </p:nvSpPr>
+        <p:spPr>
+          <a:xfrm>
+            <a:off x="378869" y="1979631"/>
+            <a:ext cx="3403543" cy="261610"/>
+          </a:xfrm>
+          <a:prstGeom prst="rect">
+            <a:avLst/>
+          </a:prstGeom>
+          <a:solidFill>
+            <a:schemeClr val="bg1"/>
+          </a:solidFill>
+        </p:spPr>
+        <p:txBody>
+          <a:bodyPr wrap="square" rtlCol="0">
+            <a:spAutoFit/>
+          </a:bodyPr>
+          <a:lstStyle/>
+          <a:p>
+            <a:pPr algn="ctr"/>
+            <a:r>
+              <a:rPr lang="en-US" sz="1100" b="1" dirty="0">
+                <a:solidFill>
+                  <a:sysClr val="windowText" lastClr="000000"/>
+                </a:solidFill>
+                <a:latin typeface="Noto Sans" panose="020B0502040504020204" pitchFamily="34" charset="0"/>
+                <a:ea typeface="Noto Sans" panose="020B0502040504020204" pitchFamily="34" charset="0"/>
+                <a:cs typeface="Noto Sans" panose="020B0502040504020204" pitchFamily="34" charset="0"/>
+              </a:rPr>
+              <a:t>User Profile</a:t>
+            </a:r>
+            <a:endParaRPr lang="en-IN" sz="1100" b="1" dirty="0">
+              <a:solidFill>
+                <a:sysClr val="windowText" lastClr="000000"/>
+              </a:solidFill>
+              <a:latin typeface="Noto Sans" panose="020B0502040504020204" pitchFamily="34" charset="0"/>
+              <a:ea typeface="Noto Sans" panose="020B0502040504020204" pitchFamily="34" charset="0"/>
+              <a:cs typeface="Noto Sans" panose="020B0502040504020204" pitchFamily="34" charset="0"/>
+            </a:endParaRPr>
+          </a:p>
+        </p:txBody>
+      </p:sp>
+      <p:sp>
+        <p:nvSpPr>
+          <p:cNvPr id="22" name="TextBox 21">
+            <a:extLst>
+              <a:ext uri="{FF2B5EF4-FFF2-40B4-BE49-F238E27FC236}">
+                <a16:creationId xmlns:a16="http://schemas.microsoft.com/office/drawing/2014/main" id="{AE0935BD-365E-B354-9067-E6DFED35387E}"/>
+              </a:ext>
+            </a:extLst>
+          </p:cNvPr>
+          <p:cNvSpPr txBox="1"/>
+          <p:nvPr/>
+        </p:nvSpPr>
+        <p:spPr>
+          <a:xfrm>
+            <a:off x="4435642" y="1438505"/>
+            <a:ext cx="3279151" cy="307777"/>
+          </a:xfrm>
+          <a:prstGeom prst="rect">
+            <a:avLst/>
+          </a:prstGeom>
+          <a:solidFill>
+            <a:schemeClr val="bg1"/>
+          </a:solidFill>
+        </p:spPr>
+        <p:txBody>
+          <a:bodyPr wrap="square" rtlCol="0">
+            <a:spAutoFit/>
+          </a:bodyPr>
+          <a:lstStyle/>
+          <a:p>
+            <a:pPr algn="ctr"/>
+            <a:r>
+              <a:rPr lang="en-US" sz="1400" b="1" dirty="0">
+                <a:solidFill>
+                  <a:sysClr val="windowText" lastClr="000000"/>
+                </a:solidFill>
+                <a:latin typeface="Noto Sans" panose="020B0502040504020204" pitchFamily="34" charset="0"/>
+                <a:ea typeface="Noto Sans" panose="020B0502040504020204" pitchFamily="34" charset="0"/>
+                <a:cs typeface="Noto Sans" panose="020B0502040504020204" pitchFamily="34" charset="0"/>
+              </a:rPr>
+              <a:t>Dashboard</a:t>
+            </a:r>
+            <a:endParaRPr lang="en-IN" sz="1400" b="1" dirty="0">
+              <a:solidFill>
+                <a:sysClr val="windowText" lastClr="000000"/>
+              </a:solidFill>
+              <a:latin typeface="Noto Sans" panose="020B0502040504020204" pitchFamily="34" charset="0"/>
+              <a:ea typeface="Noto Sans" panose="020B0502040504020204" pitchFamily="34" charset="0"/>
+              <a:cs typeface="Noto Sans" panose="020B0502040504020204" pitchFamily="34" charset="0"/>
+            </a:endParaRPr>
+          </a:p>
+        </p:txBody>
+      </p:sp>
+      <p:sp>
+        <p:nvSpPr>
+          <p:cNvPr id="23" name="Oval 22">
+            <a:extLst>
+              <a:ext uri="{FF2B5EF4-FFF2-40B4-BE49-F238E27FC236}">
+                <a16:creationId xmlns:a16="http://schemas.microsoft.com/office/drawing/2014/main" id="{9C1273D8-75E9-449C-705C-EAC813597F32}"/>
               </a:ext>
             </a:extLst>
           </p:cNvPr>
@@ -4535,8 +4853,8 @@
         </p:nvSpPr>
         <p:spPr>
           <a:xfrm>
-            <a:off x="9833264" y="4254120"/>
-            <a:ext cx="1572491" cy="1572491"/>
+            <a:off x="5050747" y="4649163"/>
+            <a:ext cx="2048938" cy="505691"/>
           </a:xfrm>
           <a:prstGeom prst="ellipse">
             <a:avLst/>
@@ -4566,15 +4884,1333 @@
           <a:lstStyle/>
           <a:p>
             <a:pPr algn="ctr"/>
-            <a:r>
-              <a:rPr lang="en-US" sz="1650" b="1" dirty="0">
+            <a:endParaRPr lang="en-IN" sz="1000" dirty="0"/>
+          </a:p>
+        </p:txBody>
+      </p:sp>
+      <p:sp>
+        <p:nvSpPr>
+          <p:cNvPr id="24" name="Oval 23">
+            <a:extLst>
+              <a:ext uri="{FF2B5EF4-FFF2-40B4-BE49-F238E27FC236}">
+                <a16:creationId xmlns:a16="http://schemas.microsoft.com/office/drawing/2014/main" id="{EE564D49-B8D3-B353-6D2E-82E3F2178181}"/>
+              </a:ext>
+            </a:extLst>
+          </p:cNvPr>
+          <p:cNvSpPr/>
+          <p:nvPr/>
+        </p:nvSpPr>
+        <p:spPr>
+          <a:xfrm>
+            <a:off x="5050747" y="5269199"/>
+            <a:ext cx="2048938" cy="505691"/>
+          </a:xfrm>
+          <a:prstGeom prst="ellipse">
+            <a:avLst/>
+          </a:prstGeom>
+          <a:ln>
+            <a:noFill/>
+          </a:ln>
+        </p:spPr>
+        <p:style>
+          <a:lnRef idx="2">
+            <a:schemeClr val="accent1">
+              <a:shade val="15000"/>
+            </a:schemeClr>
+          </a:lnRef>
+          <a:fillRef idx="1">
+            <a:schemeClr val="accent1"/>
+          </a:fillRef>
+          <a:effectRef idx="0">
+            <a:schemeClr val="accent1"/>
+          </a:effectRef>
+          <a:fontRef idx="minor">
+            <a:schemeClr val="lt1"/>
+          </a:fontRef>
+        </p:style>
+        <p:txBody>
+          <a:bodyPr rtlCol="0" anchor="ctr"/>
+          <a:lstStyle/>
+          <a:p>
+            <a:pPr algn="ctr"/>
+            <a:endParaRPr lang="en-IN" sz="1000" dirty="0"/>
+          </a:p>
+        </p:txBody>
+      </p:sp>
+      <p:sp>
+        <p:nvSpPr>
+          <p:cNvPr id="26" name="Oval 25">
+            <a:extLst>
+              <a:ext uri="{FF2B5EF4-FFF2-40B4-BE49-F238E27FC236}">
+                <a16:creationId xmlns:a16="http://schemas.microsoft.com/office/drawing/2014/main" id="{16C24D4E-3B4A-C956-963F-F7F12D83451C}"/>
+              </a:ext>
+            </a:extLst>
+          </p:cNvPr>
+          <p:cNvSpPr/>
+          <p:nvPr/>
+        </p:nvSpPr>
+        <p:spPr>
+          <a:xfrm>
+            <a:off x="920916" y="4666977"/>
+            <a:ext cx="2048938" cy="505691"/>
+          </a:xfrm>
+          <a:prstGeom prst="ellipse">
+            <a:avLst/>
+          </a:prstGeom>
+          <a:ln>
+            <a:noFill/>
+          </a:ln>
+        </p:spPr>
+        <p:style>
+          <a:lnRef idx="2">
+            <a:schemeClr val="accent1">
+              <a:shade val="15000"/>
+            </a:schemeClr>
+          </a:lnRef>
+          <a:fillRef idx="1">
+            <a:schemeClr val="accent1"/>
+          </a:fillRef>
+          <a:effectRef idx="0">
+            <a:schemeClr val="accent1"/>
+          </a:effectRef>
+          <a:fontRef idx="minor">
+            <a:schemeClr val="lt1"/>
+          </a:fontRef>
+        </p:style>
+        <p:txBody>
+          <a:bodyPr rtlCol="0" anchor="ctr"/>
+          <a:lstStyle/>
+          <a:p>
+            <a:pPr algn="ctr"/>
+            <a:endParaRPr lang="en-IN" sz="1000" dirty="0"/>
+          </a:p>
+        </p:txBody>
+      </p:sp>
+      <p:sp>
+        <p:nvSpPr>
+          <p:cNvPr id="27" name="Oval 26">
+            <a:extLst>
+              <a:ext uri="{FF2B5EF4-FFF2-40B4-BE49-F238E27FC236}">
+                <a16:creationId xmlns:a16="http://schemas.microsoft.com/office/drawing/2014/main" id="{BF572857-38F6-264C-8092-C0CD6E7D3DD3}"/>
+              </a:ext>
+            </a:extLst>
+          </p:cNvPr>
+          <p:cNvSpPr/>
+          <p:nvPr/>
+        </p:nvSpPr>
+        <p:spPr>
+          <a:xfrm>
+            <a:off x="920916" y="5301882"/>
+            <a:ext cx="2048938" cy="505691"/>
+          </a:xfrm>
+          <a:prstGeom prst="ellipse">
+            <a:avLst/>
+          </a:prstGeom>
+          <a:ln>
+            <a:noFill/>
+          </a:ln>
+        </p:spPr>
+        <p:style>
+          <a:lnRef idx="2">
+            <a:schemeClr val="accent1">
+              <a:shade val="15000"/>
+            </a:schemeClr>
+          </a:lnRef>
+          <a:fillRef idx="1">
+            <a:schemeClr val="accent1"/>
+          </a:fillRef>
+          <a:effectRef idx="0">
+            <a:schemeClr val="accent1"/>
+          </a:effectRef>
+          <a:fontRef idx="minor">
+            <a:schemeClr val="lt1"/>
+          </a:fontRef>
+        </p:style>
+        <p:txBody>
+          <a:bodyPr rtlCol="0" anchor="ctr"/>
+          <a:lstStyle/>
+          <a:p>
+            <a:pPr algn="ctr"/>
+            <a:endParaRPr lang="en-IN" sz="1000" dirty="0"/>
+          </a:p>
+        </p:txBody>
+      </p:sp>
+      <p:sp>
+        <p:nvSpPr>
+          <p:cNvPr id="28" name="Oval 27">
+            <a:extLst>
+              <a:ext uri="{FF2B5EF4-FFF2-40B4-BE49-F238E27FC236}">
+                <a16:creationId xmlns:a16="http://schemas.microsoft.com/office/drawing/2014/main" id="{B5BB0923-E686-D4C9-B92E-68F242FEC04D}"/>
+              </a:ext>
+            </a:extLst>
+          </p:cNvPr>
+          <p:cNvSpPr/>
+          <p:nvPr/>
+        </p:nvSpPr>
+        <p:spPr>
+          <a:xfrm>
+            <a:off x="920916" y="5958500"/>
+            <a:ext cx="2048938" cy="505691"/>
+          </a:xfrm>
+          <a:prstGeom prst="ellipse">
+            <a:avLst/>
+          </a:prstGeom>
+          <a:ln>
+            <a:noFill/>
+          </a:ln>
+        </p:spPr>
+        <p:style>
+          <a:lnRef idx="2">
+            <a:schemeClr val="accent1">
+              <a:shade val="15000"/>
+            </a:schemeClr>
+          </a:lnRef>
+          <a:fillRef idx="1">
+            <a:schemeClr val="accent1"/>
+          </a:fillRef>
+          <a:effectRef idx="0">
+            <a:schemeClr val="accent1"/>
+          </a:effectRef>
+          <a:fontRef idx="minor">
+            <a:schemeClr val="lt1"/>
+          </a:fontRef>
+        </p:style>
+        <p:txBody>
+          <a:bodyPr rtlCol="0" anchor="ctr"/>
+          <a:lstStyle/>
+          <a:p>
+            <a:pPr algn="ctr"/>
+            <a:endParaRPr lang="en-IN" sz="1000" dirty="0"/>
+          </a:p>
+        </p:txBody>
+      </p:sp>
+      <p:sp>
+        <p:nvSpPr>
+          <p:cNvPr id="29" name="Oval 28">
+            <a:extLst>
+              <a:ext uri="{FF2B5EF4-FFF2-40B4-BE49-F238E27FC236}">
+                <a16:creationId xmlns:a16="http://schemas.microsoft.com/office/drawing/2014/main" id="{BAF9E280-48B5-D92F-AAEE-D3089E2EF6E9}"/>
+              </a:ext>
+            </a:extLst>
+          </p:cNvPr>
+          <p:cNvSpPr/>
+          <p:nvPr/>
+        </p:nvSpPr>
+        <p:spPr>
+          <a:xfrm>
+            <a:off x="9097813" y="2421634"/>
+            <a:ext cx="2048938" cy="505691"/>
+          </a:xfrm>
+          <a:prstGeom prst="ellipse">
+            <a:avLst/>
+          </a:prstGeom>
+          <a:ln>
+            <a:noFill/>
+          </a:ln>
+        </p:spPr>
+        <p:style>
+          <a:lnRef idx="2">
+            <a:schemeClr val="accent1">
+              <a:shade val="15000"/>
+            </a:schemeClr>
+          </a:lnRef>
+          <a:fillRef idx="1">
+            <a:schemeClr val="accent1"/>
+          </a:fillRef>
+          <a:effectRef idx="0">
+            <a:schemeClr val="accent1"/>
+          </a:effectRef>
+          <a:fontRef idx="minor">
+            <a:schemeClr val="lt1"/>
+          </a:fontRef>
+        </p:style>
+        <p:txBody>
+          <a:bodyPr rtlCol="0" anchor="ctr"/>
+          <a:lstStyle/>
+          <a:p>
+            <a:pPr algn="ctr"/>
+            <a:endParaRPr lang="en-IN" sz="1000" dirty="0"/>
+          </a:p>
+        </p:txBody>
+      </p:sp>
+      <p:sp>
+        <p:nvSpPr>
+          <p:cNvPr id="30" name="Oval 29">
+            <a:extLst>
+              <a:ext uri="{FF2B5EF4-FFF2-40B4-BE49-F238E27FC236}">
+                <a16:creationId xmlns:a16="http://schemas.microsoft.com/office/drawing/2014/main" id="{45D66AE6-B798-4F00-DF19-727E13333808}"/>
+              </a:ext>
+            </a:extLst>
+          </p:cNvPr>
+          <p:cNvSpPr/>
+          <p:nvPr/>
+        </p:nvSpPr>
+        <p:spPr>
+          <a:xfrm>
+            <a:off x="9097813" y="3131097"/>
+            <a:ext cx="2048938" cy="505691"/>
+          </a:xfrm>
+          <a:prstGeom prst="ellipse">
+            <a:avLst/>
+          </a:prstGeom>
+          <a:ln>
+            <a:noFill/>
+          </a:ln>
+        </p:spPr>
+        <p:style>
+          <a:lnRef idx="2">
+            <a:schemeClr val="accent1">
+              <a:shade val="15000"/>
+            </a:schemeClr>
+          </a:lnRef>
+          <a:fillRef idx="1">
+            <a:schemeClr val="accent1"/>
+          </a:fillRef>
+          <a:effectRef idx="0">
+            <a:schemeClr val="accent1"/>
+          </a:effectRef>
+          <a:fontRef idx="minor">
+            <a:schemeClr val="lt1"/>
+          </a:fontRef>
+        </p:style>
+        <p:txBody>
+          <a:bodyPr rtlCol="0" anchor="ctr"/>
+          <a:lstStyle/>
+          <a:p>
+            <a:pPr algn="ctr"/>
+            <a:endParaRPr lang="en-IN" sz="1000" dirty="0"/>
+          </a:p>
+        </p:txBody>
+      </p:sp>
+      <p:sp>
+        <p:nvSpPr>
+          <p:cNvPr id="31" name="Oval 30">
+            <a:extLst>
+              <a:ext uri="{FF2B5EF4-FFF2-40B4-BE49-F238E27FC236}">
+                <a16:creationId xmlns:a16="http://schemas.microsoft.com/office/drawing/2014/main" id="{ED4E9D95-8845-3BAE-A41E-A987F5DDE9B7}"/>
+              </a:ext>
+            </a:extLst>
+          </p:cNvPr>
+          <p:cNvSpPr/>
+          <p:nvPr/>
+        </p:nvSpPr>
+        <p:spPr>
+          <a:xfrm>
+            <a:off x="1548505" y="2407530"/>
+            <a:ext cx="2048938" cy="505691"/>
+          </a:xfrm>
+          <a:prstGeom prst="ellipse">
+            <a:avLst/>
+          </a:prstGeom>
+          <a:ln>
+            <a:noFill/>
+          </a:ln>
+        </p:spPr>
+        <p:style>
+          <a:lnRef idx="2">
+            <a:schemeClr val="accent1">
+              <a:shade val="15000"/>
+            </a:schemeClr>
+          </a:lnRef>
+          <a:fillRef idx="1">
+            <a:schemeClr val="accent1"/>
+          </a:fillRef>
+          <a:effectRef idx="0">
+            <a:schemeClr val="accent1"/>
+          </a:effectRef>
+          <a:fontRef idx="minor">
+            <a:schemeClr val="lt1"/>
+          </a:fontRef>
+        </p:style>
+        <p:txBody>
+          <a:bodyPr rtlCol="0" anchor="ctr"/>
+          <a:lstStyle/>
+          <a:p>
+            <a:pPr algn="ctr"/>
+            <a:endParaRPr lang="en-IN" sz="1000" b="1" dirty="0">
+              <a:latin typeface="Product Sans" panose="020B0403030502040203" pitchFamily="34" charset="0"/>
+            </a:endParaRPr>
+          </a:p>
+        </p:txBody>
+      </p:sp>
+      <p:sp>
+        <p:nvSpPr>
+          <p:cNvPr id="32" name="Oval 31">
+            <a:extLst>
+              <a:ext uri="{FF2B5EF4-FFF2-40B4-BE49-F238E27FC236}">
+                <a16:creationId xmlns:a16="http://schemas.microsoft.com/office/drawing/2014/main" id="{FB66B3CA-5F32-1438-93B2-9DB18E5AFD72}"/>
+              </a:ext>
+            </a:extLst>
+          </p:cNvPr>
+          <p:cNvSpPr/>
+          <p:nvPr/>
+        </p:nvSpPr>
+        <p:spPr>
+          <a:xfrm>
+            <a:off x="1548505" y="3116993"/>
+            <a:ext cx="2037042" cy="505691"/>
+          </a:xfrm>
+          <a:prstGeom prst="ellipse">
+            <a:avLst/>
+          </a:prstGeom>
+          <a:ln>
+            <a:noFill/>
+          </a:ln>
+        </p:spPr>
+        <p:style>
+          <a:lnRef idx="2">
+            <a:schemeClr val="accent1">
+              <a:shade val="15000"/>
+            </a:schemeClr>
+          </a:lnRef>
+          <a:fillRef idx="1">
+            <a:schemeClr val="accent1"/>
+          </a:fillRef>
+          <a:effectRef idx="0">
+            <a:schemeClr val="accent1"/>
+          </a:effectRef>
+          <a:fontRef idx="minor">
+            <a:schemeClr val="lt1"/>
+          </a:fontRef>
+        </p:style>
+        <p:txBody>
+          <a:bodyPr rtlCol="0" anchor="ctr"/>
+          <a:lstStyle/>
+          <a:p>
+            <a:pPr algn="ctr"/>
+            <a:endParaRPr lang="en-IN" sz="1000" b="1" dirty="0">
+              <a:latin typeface="Product Sans" panose="020B0403030502040203" pitchFamily="34" charset="0"/>
+            </a:endParaRPr>
+          </a:p>
+        </p:txBody>
+      </p:sp>
+      <p:sp>
+        <p:nvSpPr>
+          <p:cNvPr id="33" name="TextBox 32">
+            <a:extLst>
+              <a:ext uri="{FF2B5EF4-FFF2-40B4-BE49-F238E27FC236}">
+                <a16:creationId xmlns:a16="http://schemas.microsoft.com/office/drawing/2014/main" id="{0B1CD01F-0CA5-B752-7C43-894659BADB5E}"/>
+              </a:ext>
+            </a:extLst>
+          </p:cNvPr>
+          <p:cNvSpPr txBox="1"/>
+          <p:nvPr/>
+        </p:nvSpPr>
+        <p:spPr>
+          <a:xfrm>
+            <a:off x="1734773" y="2526312"/>
+            <a:ext cx="1676400" cy="276999"/>
+          </a:xfrm>
+          <a:prstGeom prst="rect">
+            <a:avLst/>
+          </a:prstGeom>
+          <a:noFill/>
+        </p:spPr>
+        <p:txBody>
+          <a:bodyPr wrap="square" rtlCol="0">
+            <a:spAutoFit/>
+          </a:bodyPr>
+          <a:lstStyle/>
+          <a:p>
+            <a:pPr algn="ctr"/>
+            <a:r>
+              <a:rPr lang="en-IN" sz="1200" b="1" dirty="0">
+                <a:solidFill>
+                  <a:schemeClr val="bg1"/>
+                </a:solidFill>
+                <a:latin typeface="Product Sans" panose="020B0403030502040203" pitchFamily="34" charset="0"/>
+              </a:rPr>
+              <a:t>User Details</a:t>
+            </a:r>
+          </a:p>
+        </p:txBody>
+      </p:sp>
+      <p:sp>
+        <p:nvSpPr>
+          <p:cNvPr id="34" name="TextBox 33">
+            <a:extLst>
+              <a:ext uri="{FF2B5EF4-FFF2-40B4-BE49-F238E27FC236}">
+                <a16:creationId xmlns:a16="http://schemas.microsoft.com/office/drawing/2014/main" id="{BFF5C0DC-629A-9CBA-2D64-A49D32D3B099}"/>
+              </a:ext>
+            </a:extLst>
+          </p:cNvPr>
+          <p:cNvSpPr txBox="1"/>
+          <p:nvPr/>
+        </p:nvSpPr>
+        <p:spPr>
+          <a:xfrm>
+            <a:off x="1548504" y="3236972"/>
+            <a:ext cx="2048939" cy="276999"/>
+          </a:xfrm>
+          <a:prstGeom prst="rect">
+            <a:avLst/>
+          </a:prstGeom>
+          <a:noFill/>
+        </p:spPr>
+        <p:txBody>
+          <a:bodyPr wrap="square" rtlCol="0">
+            <a:spAutoFit/>
+          </a:bodyPr>
+          <a:lstStyle/>
+          <a:p>
+            <a:pPr algn="ctr"/>
+            <a:r>
+              <a:rPr lang="en-IN" sz="1200" b="1" dirty="0">
+                <a:solidFill>
+                  <a:schemeClr val="bg1"/>
+                </a:solidFill>
+                <a:latin typeface="Product Sans" panose="020B0403030502040203" pitchFamily="34" charset="0"/>
+              </a:rPr>
+              <a:t>Lifestyle Disease Details</a:t>
+            </a:r>
+          </a:p>
+        </p:txBody>
+      </p:sp>
+      <p:sp>
+        <p:nvSpPr>
+          <p:cNvPr id="35" name="TextBox 34">
+            <a:extLst>
+              <a:ext uri="{FF2B5EF4-FFF2-40B4-BE49-F238E27FC236}">
+                <a16:creationId xmlns:a16="http://schemas.microsoft.com/office/drawing/2014/main" id="{768D1489-ED64-8612-8286-8C699C484930}"/>
+              </a:ext>
+            </a:extLst>
+          </p:cNvPr>
+          <p:cNvSpPr txBox="1"/>
+          <p:nvPr/>
+        </p:nvSpPr>
+        <p:spPr>
+          <a:xfrm>
+            <a:off x="1137939" y="4780255"/>
+            <a:ext cx="1676400" cy="276999"/>
+          </a:xfrm>
+          <a:prstGeom prst="rect">
+            <a:avLst/>
+          </a:prstGeom>
+          <a:noFill/>
+        </p:spPr>
+        <p:txBody>
+          <a:bodyPr wrap="square" rtlCol="0">
+            <a:spAutoFit/>
+          </a:bodyPr>
+          <a:lstStyle/>
+          <a:p>
+            <a:pPr algn="ctr"/>
+            <a:r>
+              <a:rPr lang="en-IN" sz="1200" b="1" dirty="0">
+                <a:solidFill>
+                  <a:schemeClr val="bg1"/>
+                </a:solidFill>
+                <a:latin typeface="Product Sans" panose="020B0403030502040203" pitchFamily="34" charset="0"/>
+              </a:rPr>
+              <a:t>BMI Analysis</a:t>
+            </a:r>
+          </a:p>
+        </p:txBody>
+      </p:sp>
+      <p:sp>
+        <p:nvSpPr>
+          <p:cNvPr id="36" name="TextBox 35">
+            <a:extLst>
+              <a:ext uri="{FF2B5EF4-FFF2-40B4-BE49-F238E27FC236}">
+                <a16:creationId xmlns:a16="http://schemas.microsoft.com/office/drawing/2014/main" id="{3FE6CCFE-E3A3-A629-9953-CDC5D5F98411}"/>
+              </a:ext>
+            </a:extLst>
+          </p:cNvPr>
+          <p:cNvSpPr txBox="1"/>
+          <p:nvPr/>
+        </p:nvSpPr>
+        <p:spPr>
+          <a:xfrm>
+            <a:off x="1137717" y="5422931"/>
+            <a:ext cx="1676400" cy="276999"/>
+          </a:xfrm>
+          <a:prstGeom prst="rect">
+            <a:avLst/>
+          </a:prstGeom>
+          <a:noFill/>
+        </p:spPr>
+        <p:txBody>
+          <a:bodyPr wrap="square" rtlCol="0">
+            <a:spAutoFit/>
+          </a:bodyPr>
+          <a:lstStyle/>
+          <a:p>
+            <a:pPr algn="ctr"/>
+            <a:r>
+              <a:rPr lang="en-IN" sz="1200" b="1" dirty="0">
+                <a:solidFill>
+                  <a:schemeClr val="bg1"/>
+                </a:solidFill>
+                <a:latin typeface="Product Sans" panose="020B0403030502040203" pitchFamily="34" charset="0"/>
+              </a:rPr>
+              <a:t>Body Fat Analysis</a:t>
+            </a:r>
+          </a:p>
+        </p:txBody>
+      </p:sp>
+      <p:sp>
+        <p:nvSpPr>
+          <p:cNvPr id="38" name="TextBox 37">
+            <a:extLst>
+              <a:ext uri="{FF2B5EF4-FFF2-40B4-BE49-F238E27FC236}">
+                <a16:creationId xmlns:a16="http://schemas.microsoft.com/office/drawing/2014/main" id="{BA3CE9C3-FE3C-38A7-4601-AB041D9578BB}"/>
+              </a:ext>
+            </a:extLst>
+          </p:cNvPr>
+          <p:cNvSpPr txBox="1"/>
+          <p:nvPr/>
+        </p:nvSpPr>
+        <p:spPr>
+          <a:xfrm>
+            <a:off x="1099806" y="5996608"/>
+            <a:ext cx="1752222" cy="461665"/>
+          </a:xfrm>
+          <a:prstGeom prst="rect">
+            <a:avLst/>
+          </a:prstGeom>
+          <a:noFill/>
+        </p:spPr>
+        <p:txBody>
+          <a:bodyPr wrap="square" rtlCol="0">
+            <a:spAutoFit/>
+          </a:bodyPr>
+          <a:lstStyle/>
+          <a:p>
+            <a:pPr algn="ctr"/>
+            <a:r>
+              <a:rPr lang="en-IN" sz="1200" b="1" dirty="0">
+                <a:solidFill>
+                  <a:schemeClr val="bg1"/>
+                </a:solidFill>
+                <a:latin typeface="Product Sans" panose="020B0403030502040203" pitchFamily="34" charset="0"/>
+              </a:rPr>
+              <a:t>Overall Health Analysis</a:t>
+            </a:r>
+          </a:p>
+        </p:txBody>
+      </p:sp>
+      <p:sp>
+        <p:nvSpPr>
+          <p:cNvPr id="40" name="TextBox 39">
+            <a:extLst>
+              <a:ext uri="{FF2B5EF4-FFF2-40B4-BE49-F238E27FC236}">
+                <a16:creationId xmlns:a16="http://schemas.microsoft.com/office/drawing/2014/main" id="{6931B17C-6C12-C55B-1613-991F3F2507AB}"/>
+              </a:ext>
+            </a:extLst>
+          </p:cNvPr>
+          <p:cNvSpPr txBox="1"/>
+          <p:nvPr/>
+        </p:nvSpPr>
+        <p:spPr>
+          <a:xfrm>
+            <a:off x="5167169" y="4763508"/>
+            <a:ext cx="1829377" cy="276999"/>
+          </a:xfrm>
+          <a:prstGeom prst="rect">
+            <a:avLst/>
+          </a:prstGeom>
+          <a:noFill/>
+        </p:spPr>
+        <p:txBody>
+          <a:bodyPr wrap="square" rtlCol="0">
+            <a:spAutoFit/>
+          </a:bodyPr>
+          <a:lstStyle/>
+          <a:p>
+            <a:pPr algn="ctr"/>
+            <a:r>
+              <a:rPr lang="en-IN" sz="1200" b="1" dirty="0">
+                <a:solidFill>
+                  <a:schemeClr val="bg1"/>
+                </a:solidFill>
+                <a:latin typeface="Product Sans" panose="020B0403030502040203" pitchFamily="34" charset="0"/>
+              </a:rPr>
+              <a:t>Diet Recommendation</a:t>
+            </a:r>
+          </a:p>
+        </p:txBody>
+      </p:sp>
+      <p:sp>
+        <p:nvSpPr>
+          <p:cNvPr id="41" name="TextBox 40">
+            <a:extLst>
+              <a:ext uri="{FF2B5EF4-FFF2-40B4-BE49-F238E27FC236}">
+                <a16:creationId xmlns:a16="http://schemas.microsoft.com/office/drawing/2014/main" id="{84870C7C-FD0C-8E79-3DE3-AAEB1D431AE1}"/>
+              </a:ext>
+            </a:extLst>
+          </p:cNvPr>
+          <p:cNvSpPr txBox="1"/>
+          <p:nvPr/>
+        </p:nvSpPr>
+        <p:spPr>
+          <a:xfrm>
+            <a:off x="5167169" y="5383544"/>
+            <a:ext cx="1829377" cy="276999"/>
+          </a:xfrm>
+          <a:prstGeom prst="rect">
+            <a:avLst/>
+          </a:prstGeom>
+          <a:noFill/>
+        </p:spPr>
+        <p:txBody>
+          <a:bodyPr wrap="square" rtlCol="0">
+            <a:spAutoFit/>
+          </a:bodyPr>
+          <a:lstStyle/>
+          <a:p>
+            <a:pPr algn="ctr"/>
+            <a:r>
+              <a:rPr lang="en-IN" sz="1200" b="1" dirty="0">
+                <a:solidFill>
+                  <a:schemeClr val="bg1"/>
+                </a:solidFill>
+                <a:latin typeface="Product Sans" panose="020B0403030502040203" pitchFamily="34" charset="0"/>
+              </a:rPr>
+              <a:t>Goal Recommendation</a:t>
+            </a:r>
+          </a:p>
+        </p:txBody>
+      </p:sp>
+      <p:sp>
+        <p:nvSpPr>
+          <p:cNvPr id="43" name="Oval 42">
+            <a:extLst>
+              <a:ext uri="{FF2B5EF4-FFF2-40B4-BE49-F238E27FC236}">
+                <a16:creationId xmlns:a16="http://schemas.microsoft.com/office/drawing/2014/main" id="{C75A9630-C619-560C-CC47-698DF9C20392}"/>
+              </a:ext>
+            </a:extLst>
+          </p:cNvPr>
+          <p:cNvSpPr/>
+          <p:nvPr/>
+        </p:nvSpPr>
+        <p:spPr>
+          <a:xfrm>
+            <a:off x="5071716" y="5889235"/>
+            <a:ext cx="2048938" cy="505691"/>
+          </a:xfrm>
+          <a:prstGeom prst="ellipse">
+            <a:avLst/>
+          </a:prstGeom>
+          <a:ln>
+            <a:noFill/>
+          </a:ln>
+        </p:spPr>
+        <p:style>
+          <a:lnRef idx="2">
+            <a:schemeClr val="accent1">
+              <a:shade val="15000"/>
+            </a:schemeClr>
+          </a:lnRef>
+          <a:fillRef idx="1">
+            <a:schemeClr val="accent1"/>
+          </a:fillRef>
+          <a:effectRef idx="0">
+            <a:schemeClr val="accent1"/>
+          </a:effectRef>
+          <a:fontRef idx="minor">
+            <a:schemeClr val="lt1"/>
+          </a:fontRef>
+        </p:style>
+        <p:txBody>
+          <a:bodyPr rtlCol="0" anchor="ctr"/>
+          <a:lstStyle/>
+          <a:p>
+            <a:pPr algn="ctr"/>
+            <a:endParaRPr lang="en-IN" sz="1000" dirty="0"/>
+          </a:p>
+        </p:txBody>
+      </p:sp>
+      <p:sp>
+        <p:nvSpPr>
+          <p:cNvPr id="46" name="TextBox 45">
+            <a:extLst>
+              <a:ext uri="{FF2B5EF4-FFF2-40B4-BE49-F238E27FC236}">
+                <a16:creationId xmlns:a16="http://schemas.microsoft.com/office/drawing/2014/main" id="{D958FA54-3B9A-BDB8-4A4A-0BEC5BD4A346}"/>
+              </a:ext>
+            </a:extLst>
+          </p:cNvPr>
+          <p:cNvSpPr txBox="1"/>
+          <p:nvPr/>
+        </p:nvSpPr>
+        <p:spPr>
+          <a:xfrm>
+            <a:off x="5188138" y="5911505"/>
+            <a:ext cx="1829377" cy="461665"/>
+          </a:xfrm>
+          <a:prstGeom prst="rect">
+            <a:avLst/>
+          </a:prstGeom>
+          <a:noFill/>
+        </p:spPr>
+        <p:txBody>
+          <a:bodyPr wrap="square" rtlCol="0">
+            <a:spAutoFit/>
+          </a:bodyPr>
+          <a:lstStyle/>
+          <a:p>
+            <a:pPr algn="ctr"/>
+            <a:r>
+              <a:rPr lang="en-IN" sz="1200" b="1" dirty="0">
+                <a:solidFill>
+                  <a:schemeClr val="bg1"/>
+                </a:solidFill>
+                <a:latin typeface="Product Sans" panose="020B0403030502040203" pitchFamily="34" charset="0"/>
+              </a:rPr>
+              <a:t>Maintenance Recommendation</a:t>
+            </a:r>
+          </a:p>
+        </p:txBody>
+      </p:sp>
+      <p:sp>
+        <p:nvSpPr>
+          <p:cNvPr id="48" name="Oval 47">
+            <a:extLst>
+              <a:ext uri="{FF2B5EF4-FFF2-40B4-BE49-F238E27FC236}">
+                <a16:creationId xmlns:a16="http://schemas.microsoft.com/office/drawing/2014/main" id="{8A5DD65B-B6DA-000E-C7D1-303A8F8F67F5}"/>
+              </a:ext>
+            </a:extLst>
+          </p:cNvPr>
+          <p:cNvSpPr/>
+          <p:nvPr/>
+        </p:nvSpPr>
+        <p:spPr>
+          <a:xfrm>
+            <a:off x="8510194" y="4903076"/>
+            <a:ext cx="2048938" cy="505691"/>
+          </a:xfrm>
+          <a:prstGeom prst="ellipse">
+            <a:avLst/>
+          </a:prstGeom>
+          <a:ln>
+            <a:noFill/>
+          </a:ln>
+        </p:spPr>
+        <p:style>
+          <a:lnRef idx="2">
+            <a:schemeClr val="accent1">
+              <a:shade val="15000"/>
+            </a:schemeClr>
+          </a:lnRef>
+          <a:fillRef idx="1">
+            <a:schemeClr val="accent1"/>
+          </a:fillRef>
+          <a:effectRef idx="0">
+            <a:schemeClr val="accent1"/>
+          </a:effectRef>
+          <a:fontRef idx="minor">
+            <a:schemeClr val="lt1"/>
+          </a:fontRef>
+        </p:style>
+        <p:txBody>
+          <a:bodyPr rtlCol="0" anchor="ctr"/>
+          <a:lstStyle/>
+          <a:p>
+            <a:pPr algn="ctr"/>
+            <a:endParaRPr lang="en-IN" sz="1000" dirty="0"/>
+          </a:p>
+        </p:txBody>
+      </p:sp>
+      <p:sp>
+        <p:nvSpPr>
+          <p:cNvPr id="49" name="Oval 48">
+            <a:extLst>
+              <a:ext uri="{FF2B5EF4-FFF2-40B4-BE49-F238E27FC236}">
+                <a16:creationId xmlns:a16="http://schemas.microsoft.com/office/drawing/2014/main" id="{DB7566D1-2BDF-53B3-E0BC-DEF05C2AF2FE}"/>
+              </a:ext>
+            </a:extLst>
+          </p:cNvPr>
+          <p:cNvSpPr/>
+          <p:nvPr/>
+        </p:nvSpPr>
+        <p:spPr>
+          <a:xfrm>
+            <a:off x="8510194" y="5537981"/>
+            <a:ext cx="2048938" cy="505691"/>
+          </a:xfrm>
+          <a:prstGeom prst="ellipse">
+            <a:avLst/>
+          </a:prstGeom>
+          <a:ln>
+            <a:noFill/>
+          </a:ln>
+        </p:spPr>
+        <p:style>
+          <a:lnRef idx="2">
+            <a:schemeClr val="accent1">
+              <a:shade val="15000"/>
+            </a:schemeClr>
+          </a:lnRef>
+          <a:fillRef idx="1">
+            <a:schemeClr val="accent1"/>
+          </a:fillRef>
+          <a:effectRef idx="0">
+            <a:schemeClr val="accent1"/>
+          </a:effectRef>
+          <a:fontRef idx="minor">
+            <a:schemeClr val="lt1"/>
+          </a:fontRef>
+        </p:style>
+        <p:txBody>
+          <a:bodyPr rtlCol="0" anchor="ctr"/>
+          <a:lstStyle/>
+          <a:p>
+            <a:pPr algn="ctr"/>
+            <a:endParaRPr lang="en-IN" sz="1000" dirty="0"/>
+          </a:p>
+        </p:txBody>
+      </p:sp>
+      <p:sp>
+        <p:nvSpPr>
+          <p:cNvPr id="50" name="TextBox 49">
+            <a:extLst>
+              <a:ext uri="{FF2B5EF4-FFF2-40B4-BE49-F238E27FC236}">
+                <a16:creationId xmlns:a16="http://schemas.microsoft.com/office/drawing/2014/main" id="{9143A1B9-C796-222F-43D1-1F89EC308B1C}"/>
+              </a:ext>
+            </a:extLst>
+          </p:cNvPr>
+          <p:cNvSpPr txBox="1"/>
+          <p:nvPr/>
+        </p:nvSpPr>
+        <p:spPr>
+          <a:xfrm>
+            <a:off x="8727217" y="5016354"/>
+            <a:ext cx="1676400" cy="276999"/>
+          </a:xfrm>
+          <a:prstGeom prst="rect">
+            <a:avLst/>
+          </a:prstGeom>
+          <a:noFill/>
+        </p:spPr>
+        <p:txBody>
+          <a:bodyPr wrap="square" rtlCol="0">
+            <a:spAutoFit/>
+          </a:bodyPr>
+          <a:lstStyle/>
+          <a:p>
+            <a:pPr algn="ctr"/>
+            <a:r>
+              <a:rPr lang="en-IN" sz="1200" b="1" dirty="0">
+                <a:solidFill>
+                  <a:schemeClr val="bg1"/>
+                </a:solidFill>
+                <a:latin typeface="Product Sans" panose="020B0403030502040203" pitchFamily="34" charset="0"/>
+              </a:rPr>
+              <a:t>Intake Tracking</a:t>
+            </a:r>
+          </a:p>
+        </p:txBody>
+      </p:sp>
+      <p:sp>
+        <p:nvSpPr>
+          <p:cNvPr id="52" name="TextBox 51">
+            <a:extLst>
+              <a:ext uri="{FF2B5EF4-FFF2-40B4-BE49-F238E27FC236}">
+                <a16:creationId xmlns:a16="http://schemas.microsoft.com/office/drawing/2014/main" id="{97C90785-F8F7-6990-4822-CA9E460F996C}"/>
+              </a:ext>
+            </a:extLst>
+          </p:cNvPr>
+          <p:cNvSpPr txBox="1"/>
+          <p:nvPr/>
+        </p:nvSpPr>
+        <p:spPr>
+          <a:xfrm>
+            <a:off x="8726995" y="5659030"/>
+            <a:ext cx="1676400" cy="276999"/>
+          </a:xfrm>
+          <a:prstGeom prst="rect">
+            <a:avLst/>
+          </a:prstGeom>
+          <a:noFill/>
+        </p:spPr>
+        <p:txBody>
+          <a:bodyPr wrap="square" rtlCol="0">
+            <a:spAutoFit/>
+          </a:bodyPr>
+          <a:lstStyle/>
+          <a:p>
+            <a:pPr algn="ctr"/>
+            <a:r>
+              <a:rPr lang="en-IN" sz="1200" b="1" dirty="0">
+                <a:solidFill>
+                  <a:schemeClr val="bg1"/>
+                </a:solidFill>
+                <a:latin typeface="Product Sans" panose="020B0403030502040203" pitchFamily="34" charset="0"/>
+              </a:rPr>
+              <a:t>Goal Tracking</a:t>
+            </a:r>
+          </a:p>
+        </p:txBody>
+      </p:sp>
+      <p:sp>
+        <p:nvSpPr>
+          <p:cNvPr id="54" name="Rectangle: Top Corners Rounded 53">
+            <a:extLst>
+              <a:ext uri="{FF2B5EF4-FFF2-40B4-BE49-F238E27FC236}">
+                <a16:creationId xmlns:a16="http://schemas.microsoft.com/office/drawing/2014/main" id="{D73163D5-B976-A946-F02A-8A807B6EB671}"/>
+              </a:ext>
+            </a:extLst>
+          </p:cNvPr>
+          <p:cNvSpPr/>
+          <p:nvPr/>
+        </p:nvSpPr>
+        <p:spPr>
+          <a:xfrm>
+            <a:off x="10908434" y="4803968"/>
+            <a:ext cx="745067" cy="1432606"/>
+          </a:xfrm>
+          <a:prstGeom prst="round2SameRect">
+            <a:avLst>
+              <a:gd name="adj1" fmla="val 40531"/>
+              <a:gd name="adj2" fmla="val 0"/>
+            </a:avLst>
+          </a:prstGeom>
+          <a:ln>
+            <a:solidFill>
+              <a:schemeClr val="bg1">
+                <a:lumMod val="75000"/>
+              </a:schemeClr>
+            </a:solidFill>
+          </a:ln>
+        </p:spPr>
+        <p:style>
+          <a:lnRef idx="2">
+            <a:schemeClr val="accent1">
+              <a:shade val="15000"/>
+            </a:schemeClr>
+          </a:lnRef>
+          <a:fillRef idx="1">
+            <a:schemeClr val="accent1"/>
+          </a:fillRef>
+          <a:effectRef idx="0">
+            <a:schemeClr val="accent1"/>
+          </a:effectRef>
+          <a:fontRef idx="minor">
+            <a:schemeClr val="lt1"/>
+          </a:fontRef>
+        </p:style>
+        <p:txBody>
+          <a:bodyPr rtlCol="0" anchor="ctr"/>
+          <a:lstStyle/>
+          <a:p>
+            <a:pPr algn="ctr"/>
+            <a:endParaRPr lang="en-IN"/>
+          </a:p>
+        </p:txBody>
+      </p:sp>
+      <p:sp>
+        <p:nvSpPr>
+          <p:cNvPr id="55" name="TextBox 54">
+            <a:extLst>
+              <a:ext uri="{FF2B5EF4-FFF2-40B4-BE49-F238E27FC236}">
+                <a16:creationId xmlns:a16="http://schemas.microsoft.com/office/drawing/2014/main" id="{B6810605-63DE-7B6D-55E9-6604849C35F1}"/>
+              </a:ext>
+            </a:extLst>
+          </p:cNvPr>
+          <p:cNvSpPr txBox="1"/>
+          <p:nvPr/>
+        </p:nvSpPr>
+        <p:spPr>
+          <a:xfrm>
+            <a:off x="10846722" y="5293353"/>
+            <a:ext cx="878030" cy="461665"/>
+          </a:xfrm>
+          <a:prstGeom prst="rect">
+            <a:avLst/>
+          </a:prstGeom>
+          <a:noFill/>
+        </p:spPr>
+        <p:txBody>
+          <a:bodyPr wrap="square" rtlCol="0">
+            <a:spAutoFit/>
+          </a:bodyPr>
+          <a:lstStyle/>
+          <a:p>
+            <a:pPr algn="ctr"/>
+            <a:r>
+              <a:rPr lang="en-IN" sz="1200" b="1" dirty="0">
+                <a:solidFill>
+                  <a:schemeClr val="bg1"/>
+                </a:solidFill>
+                <a:latin typeface="Product Sans" panose="020B0403030502040203" pitchFamily="34" charset="0"/>
+              </a:rPr>
+              <a:t>Tracker</a:t>
+            </a:r>
+          </a:p>
+          <a:p>
+            <a:pPr algn="ctr"/>
+            <a:r>
+              <a:rPr lang="en-IN" sz="1200" b="1" dirty="0">
+                <a:solidFill>
+                  <a:schemeClr val="bg1"/>
+                </a:solidFill>
+                <a:latin typeface="Product Sans" panose="020B0403030502040203" pitchFamily="34" charset="0"/>
+              </a:rPr>
+              <a:t>Database</a:t>
+            </a:r>
+          </a:p>
+        </p:txBody>
+      </p:sp>
+      <p:sp>
+        <p:nvSpPr>
+          <p:cNvPr id="58" name="Rectangle: Top Corners Rounded 57">
+            <a:extLst>
+              <a:ext uri="{FF2B5EF4-FFF2-40B4-BE49-F238E27FC236}">
+                <a16:creationId xmlns:a16="http://schemas.microsoft.com/office/drawing/2014/main" id="{50938A29-2272-D06E-1B45-A5DC2898228E}"/>
+              </a:ext>
+            </a:extLst>
+          </p:cNvPr>
+          <p:cNvSpPr/>
+          <p:nvPr/>
+        </p:nvSpPr>
+        <p:spPr>
+          <a:xfrm>
+            <a:off x="575642" y="2457110"/>
+            <a:ext cx="745067" cy="1165574"/>
+          </a:xfrm>
+          <a:prstGeom prst="round2SameRect">
+            <a:avLst>
+              <a:gd name="adj1" fmla="val 40531"/>
+              <a:gd name="adj2" fmla="val 0"/>
+            </a:avLst>
+          </a:prstGeom>
+          <a:ln>
+            <a:solidFill>
+              <a:schemeClr val="bg1">
+                <a:lumMod val="75000"/>
+              </a:schemeClr>
+            </a:solidFill>
+          </a:ln>
+        </p:spPr>
+        <p:style>
+          <a:lnRef idx="2">
+            <a:schemeClr val="accent1">
+              <a:shade val="15000"/>
+            </a:schemeClr>
+          </a:lnRef>
+          <a:fillRef idx="1">
+            <a:schemeClr val="accent1"/>
+          </a:fillRef>
+          <a:effectRef idx="0">
+            <a:schemeClr val="accent1"/>
+          </a:effectRef>
+          <a:fontRef idx="minor">
+            <a:schemeClr val="lt1"/>
+          </a:fontRef>
+        </p:style>
+        <p:txBody>
+          <a:bodyPr rtlCol="0" anchor="ctr"/>
+          <a:lstStyle/>
+          <a:p>
+            <a:pPr algn="ctr"/>
+            <a:endParaRPr lang="en-IN"/>
+          </a:p>
+        </p:txBody>
+      </p:sp>
+      <p:sp>
+        <p:nvSpPr>
+          <p:cNvPr id="59" name="TextBox 58">
+            <a:extLst>
+              <a:ext uri="{FF2B5EF4-FFF2-40B4-BE49-F238E27FC236}">
+                <a16:creationId xmlns:a16="http://schemas.microsoft.com/office/drawing/2014/main" id="{21D4CC1F-1490-8AF9-3EA8-490D4D6E471C}"/>
+              </a:ext>
+            </a:extLst>
+          </p:cNvPr>
+          <p:cNvSpPr txBox="1"/>
+          <p:nvPr/>
+        </p:nvSpPr>
+        <p:spPr>
+          <a:xfrm>
+            <a:off x="514991" y="2886668"/>
+            <a:ext cx="878030" cy="461665"/>
+          </a:xfrm>
+          <a:prstGeom prst="rect">
+            <a:avLst/>
+          </a:prstGeom>
+          <a:noFill/>
+        </p:spPr>
+        <p:txBody>
+          <a:bodyPr wrap="square" rtlCol="0">
+            <a:spAutoFit/>
+          </a:bodyPr>
+          <a:lstStyle/>
+          <a:p>
+            <a:pPr algn="ctr"/>
+            <a:r>
+              <a:rPr lang="en-IN" sz="1200" b="1" dirty="0">
+                <a:solidFill>
+                  <a:schemeClr val="bg1"/>
+                </a:solidFill>
+                <a:latin typeface="Product Sans" panose="020B0403030502040203" pitchFamily="34" charset="0"/>
+              </a:rPr>
+              <a:t>Personal</a:t>
+            </a:r>
+          </a:p>
+          <a:p>
+            <a:pPr algn="ctr"/>
+            <a:r>
+              <a:rPr lang="en-IN" sz="1200" b="1" dirty="0">
+                <a:solidFill>
+                  <a:schemeClr val="bg1"/>
+                </a:solidFill>
+                <a:latin typeface="Product Sans" panose="020B0403030502040203" pitchFamily="34" charset="0"/>
+              </a:rPr>
+              <a:t>Database</a:t>
+            </a:r>
+          </a:p>
+        </p:txBody>
+      </p:sp>
+      <p:sp>
+        <p:nvSpPr>
+          <p:cNvPr id="60" name="TextBox 59">
+            <a:extLst>
+              <a:ext uri="{FF2B5EF4-FFF2-40B4-BE49-F238E27FC236}">
+                <a16:creationId xmlns:a16="http://schemas.microsoft.com/office/drawing/2014/main" id="{0337E72A-6ABD-CA6D-7A5E-32BF19A757CA}"/>
+              </a:ext>
+            </a:extLst>
+          </p:cNvPr>
+          <p:cNvSpPr txBox="1"/>
+          <p:nvPr/>
+        </p:nvSpPr>
+        <p:spPr>
+          <a:xfrm>
+            <a:off x="9298900" y="2535979"/>
+            <a:ext cx="1676400" cy="276999"/>
+          </a:xfrm>
+          <a:prstGeom prst="rect">
+            <a:avLst/>
+          </a:prstGeom>
+          <a:noFill/>
+        </p:spPr>
+        <p:txBody>
+          <a:bodyPr wrap="square" rtlCol="0">
+            <a:spAutoFit/>
+          </a:bodyPr>
+          <a:lstStyle/>
+          <a:p>
+            <a:pPr algn="ctr"/>
+            <a:r>
+              <a:rPr lang="en-IN" sz="1200" b="1" dirty="0">
+                <a:solidFill>
+                  <a:schemeClr val="bg1"/>
+                </a:solidFill>
+                <a:latin typeface="Product Sans" panose="020B0403030502040203" pitchFamily="34" charset="0"/>
+              </a:rPr>
+              <a:t>Food Recognition AI</a:t>
+            </a:r>
+          </a:p>
+        </p:txBody>
+      </p:sp>
+      <p:sp>
+        <p:nvSpPr>
+          <p:cNvPr id="61" name="TextBox 60">
+            <a:extLst>
+              <a:ext uri="{FF2B5EF4-FFF2-40B4-BE49-F238E27FC236}">
+                <a16:creationId xmlns:a16="http://schemas.microsoft.com/office/drawing/2014/main" id="{0B6A7611-9D47-8324-A85E-5468764FA444}"/>
+              </a:ext>
+            </a:extLst>
+          </p:cNvPr>
+          <p:cNvSpPr txBox="1"/>
+          <p:nvPr/>
+        </p:nvSpPr>
+        <p:spPr>
+          <a:xfrm>
+            <a:off x="9298900" y="3181725"/>
+            <a:ext cx="1676400" cy="461665"/>
+          </a:xfrm>
+          <a:prstGeom prst="rect">
+            <a:avLst/>
+          </a:prstGeom>
+          <a:noFill/>
+        </p:spPr>
+        <p:txBody>
+          <a:bodyPr wrap="square" rtlCol="0">
+            <a:spAutoFit/>
+          </a:bodyPr>
+          <a:lstStyle/>
+          <a:p>
+            <a:pPr algn="ctr"/>
+            <a:r>
+              <a:rPr lang="en-IN" sz="1200" b="1" dirty="0">
+                <a:solidFill>
+                  <a:schemeClr val="bg1"/>
+                </a:solidFill>
+                <a:latin typeface="Product Sans" panose="020B0403030502040203" pitchFamily="34" charset="0"/>
+              </a:rPr>
+              <a:t>Calories and Macros Analysis</a:t>
+            </a:r>
+          </a:p>
+        </p:txBody>
+      </p:sp>
+      <p:sp>
+        <p:nvSpPr>
+          <p:cNvPr id="64" name="Rectangle: Top Corners Rounded 63">
+            <a:extLst>
+              <a:ext uri="{FF2B5EF4-FFF2-40B4-BE49-F238E27FC236}">
+                <a16:creationId xmlns:a16="http://schemas.microsoft.com/office/drawing/2014/main" id="{AC5A8ED8-8F75-9DAF-E0EA-6C9128F09974}"/>
+              </a:ext>
+            </a:extLst>
+          </p:cNvPr>
+          <p:cNvSpPr/>
+          <p:nvPr/>
+        </p:nvSpPr>
+        <p:spPr>
+          <a:xfrm>
+            <a:off x="7714789" y="564831"/>
+            <a:ext cx="1467678" cy="661968"/>
+          </a:xfrm>
+          <a:prstGeom prst="round2SameRect">
+            <a:avLst>
+              <a:gd name="adj1" fmla="val 50000"/>
+              <a:gd name="adj2" fmla="val 0"/>
+            </a:avLst>
+          </a:prstGeom>
+          <a:ln>
+            <a:solidFill>
+              <a:schemeClr val="bg1"/>
+            </a:solidFill>
+          </a:ln>
+        </p:spPr>
+        <p:style>
+          <a:lnRef idx="2">
+            <a:schemeClr val="accent1">
+              <a:shade val="15000"/>
+            </a:schemeClr>
+          </a:lnRef>
+          <a:fillRef idx="1">
+            <a:schemeClr val="accent1"/>
+          </a:fillRef>
+          <a:effectRef idx="0">
+            <a:schemeClr val="accent1"/>
+          </a:effectRef>
+          <a:fontRef idx="minor">
+            <a:schemeClr val="lt1"/>
+          </a:fontRef>
+        </p:style>
+        <p:txBody>
+          <a:bodyPr rtlCol="0" anchor="ctr"/>
+          <a:lstStyle/>
+          <a:p>
+            <a:pPr algn="ctr"/>
+            <a:r>
+              <a:rPr lang="en-US" sz="1400" b="1" dirty="0">
                 <a:latin typeface="Noto Sans" panose="020B0502040504020204" pitchFamily="34" charset="0"/>
                 <a:ea typeface="Noto Sans" panose="020B0502040504020204" pitchFamily="34" charset="0"/>
                 <a:cs typeface="Noto Sans" panose="020B0502040504020204" pitchFamily="34" charset="0"/>
               </a:rPr>
-              <a:t>Tracking</a:t>
-            </a:r>
-            <a:endParaRPr lang="en-IN" sz="1650" b="1" dirty="0">
+              <a:t>Users</a:t>
+            </a:r>
+          </a:p>
+          <a:p>
+            <a:pPr algn="ctr"/>
+            <a:r>
+              <a:rPr lang="en-US" sz="1400" b="1" dirty="0">
+                <a:latin typeface="Noto Sans" panose="020B0502040504020204" pitchFamily="34" charset="0"/>
+                <a:ea typeface="Noto Sans" panose="020B0502040504020204" pitchFamily="34" charset="0"/>
+                <a:cs typeface="Noto Sans" panose="020B0502040504020204" pitchFamily="34" charset="0"/>
+              </a:rPr>
+              <a:t>Database</a:t>
+            </a:r>
+            <a:endParaRPr lang="en-IN" sz="1400" b="1" dirty="0">
               <a:latin typeface="Noto Sans" panose="020B0502040504020204" pitchFamily="34" charset="0"/>
               <a:ea typeface="Noto Sans" panose="020B0502040504020204" pitchFamily="34" charset="0"/>
               <a:cs typeface="Noto Sans" panose="020B0502040504020204" pitchFamily="34" charset="0"/>
@@ -4582,30 +6218,805 @@
           </a:p>
         </p:txBody>
       </p:sp>
+      <p:sp>
+        <p:nvSpPr>
+          <p:cNvPr id="67" name="Rectangle: Rounded Corners 66">
+            <a:extLst>
+              <a:ext uri="{FF2B5EF4-FFF2-40B4-BE49-F238E27FC236}">
+                <a16:creationId xmlns:a16="http://schemas.microsoft.com/office/drawing/2014/main" id="{3843FFB7-16DA-06ED-74A4-B62C83531729}"/>
+              </a:ext>
+            </a:extLst>
+          </p:cNvPr>
+          <p:cNvSpPr/>
+          <p:nvPr/>
+        </p:nvSpPr>
+        <p:spPr>
+          <a:xfrm>
+            <a:off x="4510874" y="1815187"/>
+            <a:ext cx="955410" cy="561387"/>
+          </a:xfrm>
+          <a:prstGeom prst="roundRect">
+            <a:avLst>
+              <a:gd name="adj" fmla="val 41588"/>
+            </a:avLst>
+          </a:prstGeom>
+          <a:ln>
+            <a:noFill/>
+          </a:ln>
+        </p:spPr>
+        <p:style>
+          <a:lnRef idx="2">
+            <a:schemeClr val="accent1">
+              <a:shade val="15000"/>
+            </a:schemeClr>
+          </a:lnRef>
+          <a:fillRef idx="1">
+            <a:schemeClr val="accent1"/>
+          </a:fillRef>
+          <a:effectRef idx="0">
+            <a:schemeClr val="accent1"/>
+          </a:effectRef>
+          <a:fontRef idx="minor">
+            <a:schemeClr val="lt1"/>
+          </a:fontRef>
+        </p:style>
+        <p:txBody>
+          <a:bodyPr rtlCol="0" anchor="ctr"/>
+          <a:lstStyle/>
+          <a:p>
+            <a:pPr algn="ctr"/>
+            <a:endParaRPr lang="en-IN" sz="1400" dirty="0"/>
+          </a:p>
+        </p:txBody>
+      </p:sp>
+      <p:sp>
+        <p:nvSpPr>
+          <p:cNvPr id="68" name="TextBox 67">
+            <a:extLst>
+              <a:ext uri="{FF2B5EF4-FFF2-40B4-BE49-F238E27FC236}">
+                <a16:creationId xmlns:a16="http://schemas.microsoft.com/office/drawing/2014/main" id="{410EE737-2B7B-A3BB-52D3-BDE03EE09F93}"/>
+              </a:ext>
+            </a:extLst>
+          </p:cNvPr>
+          <p:cNvSpPr txBox="1"/>
+          <p:nvPr/>
+        </p:nvSpPr>
+        <p:spPr>
+          <a:xfrm>
+            <a:off x="4536422" y="1870651"/>
+            <a:ext cx="927790" cy="461665"/>
+          </a:xfrm>
+          <a:prstGeom prst="rect">
+            <a:avLst/>
+          </a:prstGeom>
+          <a:noFill/>
+        </p:spPr>
+        <p:txBody>
+          <a:bodyPr wrap="square" rtlCol="0">
+            <a:spAutoFit/>
+          </a:bodyPr>
+          <a:lstStyle/>
+          <a:p>
+            <a:pPr algn="ctr"/>
+            <a:r>
+              <a:rPr lang="en-IN" sz="1200" b="1" dirty="0">
+                <a:solidFill>
+                  <a:schemeClr val="bg1"/>
+                </a:solidFill>
+                <a:latin typeface="Product Sans" panose="020B0403030502040203" pitchFamily="34" charset="0"/>
+              </a:rPr>
+              <a:t>Profile View/Edit</a:t>
+            </a:r>
+          </a:p>
+        </p:txBody>
+      </p:sp>
+      <p:sp>
+        <p:nvSpPr>
+          <p:cNvPr id="70" name="Rectangle: Rounded Corners 69">
+            <a:extLst>
+              <a:ext uri="{FF2B5EF4-FFF2-40B4-BE49-F238E27FC236}">
+                <a16:creationId xmlns:a16="http://schemas.microsoft.com/office/drawing/2014/main" id="{BF027328-FB33-1813-5177-9411F6933B9D}"/>
+              </a:ext>
+            </a:extLst>
+          </p:cNvPr>
+          <p:cNvSpPr/>
+          <p:nvPr/>
+        </p:nvSpPr>
+        <p:spPr>
+          <a:xfrm>
+            <a:off x="5597514" y="1828891"/>
+            <a:ext cx="955410" cy="1190935"/>
+          </a:xfrm>
+          <a:prstGeom prst="roundRect">
+            <a:avLst>
+              <a:gd name="adj" fmla="val 24187"/>
+            </a:avLst>
+          </a:prstGeom>
+          <a:ln>
+            <a:solidFill>
+              <a:schemeClr val="bg1">
+                <a:lumMod val="75000"/>
+              </a:schemeClr>
+            </a:solidFill>
+            <a:prstDash val="lgDash"/>
+          </a:ln>
+        </p:spPr>
+        <p:style>
+          <a:lnRef idx="2">
+            <a:schemeClr val="accent1">
+              <a:shade val="15000"/>
+            </a:schemeClr>
+          </a:lnRef>
+          <a:fillRef idx="1">
+            <a:schemeClr val="accent1"/>
+          </a:fillRef>
+          <a:effectRef idx="0">
+            <a:schemeClr val="accent1"/>
+          </a:effectRef>
+          <a:fontRef idx="minor">
+            <a:schemeClr val="lt1"/>
+          </a:fontRef>
+        </p:style>
+        <p:txBody>
+          <a:bodyPr rtlCol="0" anchor="ctr"/>
+          <a:lstStyle/>
+          <a:p>
+            <a:pPr algn="ctr"/>
+            <a:endParaRPr lang="en-IN" sz="1400" dirty="0"/>
+          </a:p>
+        </p:txBody>
+      </p:sp>
+      <p:sp>
+        <p:nvSpPr>
+          <p:cNvPr id="72" name="Rectangle: Rounded Corners 71">
+            <a:extLst>
+              <a:ext uri="{FF2B5EF4-FFF2-40B4-BE49-F238E27FC236}">
+                <a16:creationId xmlns:a16="http://schemas.microsoft.com/office/drawing/2014/main" id="{F9C37EA0-A187-013F-0642-BC73751E9CF8}"/>
+              </a:ext>
+            </a:extLst>
+          </p:cNvPr>
+          <p:cNvSpPr/>
+          <p:nvPr/>
+        </p:nvSpPr>
+        <p:spPr>
+          <a:xfrm>
+            <a:off x="6684155" y="1828891"/>
+            <a:ext cx="955410" cy="547683"/>
+          </a:xfrm>
+          <a:prstGeom prst="roundRect">
+            <a:avLst>
+              <a:gd name="adj" fmla="val 41588"/>
+            </a:avLst>
+          </a:prstGeom>
+          <a:ln>
+            <a:noFill/>
+          </a:ln>
+        </p:spPr>
+        <p:style>
+          <a:lnRef idx="2">
+            <a:schemeClr val="accent1">
+              <a:shade val="15000"/>
+            </a:schemeClr>
+          </a:lnRef>
+          <a:fillRef idx="1">
+            <a:schemeClr val="accent1"/>
+          </a:fillRef>
+          <a:effectRef idx="0">
+            <a:schemeClr val="accent1"/>
+          </a:effectRef>
+          <a:fontRef idx="minor">
+            <a:schemeClr val="lt1"/>
+          </a:fontRef>
+        </p:style>
+        <p:txBody>
+          <a:bodyPr rtlCol="0" anchor="ctr"/>
+          <a:lstStyle/>
+          <a:p>
+            <a:pPr algn="ctr"/>
+            <a:endParaRPr lang="en-IN" sz="1400" dirty="0"/>
+          </a:p>
+        </p:txBody>
+      </p:sp>
+      <p:sp>
+        <p:nvSpPr>
+          <p:cNvPr id="73" name="TextBox 72">
+            <a:extLst>
+              <a:ext uri="{FF2B5EF4-FFF2-40B4-BE49-F238E27FC236}">
+                <a16:creationId xmlns:a16="http://schemas.microsoft.com/office/drawing/2014/main" id="{41257222-8712-021D-831A-C98512FFEFBE}"/>
+              </a:ext>
+            </a:extLst>
+          </p:cNvPr>
+          <p:cNvSpPr txBox="1"/>
+          <p:nvPr/>
+        </p:nvSpPr>
+        <p:spPr>
+          <a:xfrm>
+            <a:off x="6684151" y="1867435"/>
+            <a:ext cx="955410" cy="461665"/>
+          </a:xfrm>
+          <a:prstGeom prst="rect">
+            <a:avLst/>
+          </a:prstGeom>
+          <a:noFill/>
+        </p:spPr>
+        <p:txBody>
+          <a:bodyPr wrap="square" rtlCol="0">
+            <a:spAutoFit/>
+          </a:bodyPr>
+          <a:lstStyle/>
+          <a:p>
+            <a:pPr algn="ctr"/>
+            <a:r>
+              <a:rPr lang="en-IN" sz="1200" b="1" dirty="0">
+                <a:solidFill>
+                  <a:schemeClr val="bg1"/>
+                </a:solidFill>
+                <a:latin typeface="Product Sans" panose="020B0403030502040203" pitchFamily="34" charset="0"/>
+              </a:rPr>
+              <a:t>Food</a:t>
+            </a:r>
+          </a:p>
+          <a:p>
+            <a:pPr algn="ctr"/>
+            <a:r>
+              <a:rPr lang="en-IN" sz="1200" b="1" dirty="0">
+                <a:solidFill>
+                  <a:schemeClr val="bg1"/>
+                </a:solidFill>
+                <a:latin typeface="Product Sans" panose="020B0403030502040203" pitchFamily="34" charset="0"/>
+              </a:rPr>
+              <a:t>Scanning</a:t>
+            </a:r>
+          </a:p>
+        </p:txBody>
+      </p:sp>
+      <p:sp>
+        <p:nvSpPr>
+          <p:cNvPr id="74" name="Rectangle: Rounded Corners 73">
+            <a:extLst>
+              <a:ext uri="{FF2B5EF4-FFF2-40B4-BE49-F238E27FC236}">
+                <a16:creationId xmlns:a16="http://schemas.microsoft.com/office/drawing/2014/main" id="{03121F50-18BB-0C87-CC02-E5822C12150D}"/>
+              </a:ext>
+            </a:extLst>
+          </p:cNvPr>
+          <p:cNvSpPr/>
+          <p:nvPr/>
+        </p:nvSpPr>
+        <p:spPr>
+          <a:xfrm>
+            <a:off x="4510874" y="2463215"/>
+            <a:ext cx="955410" cy="561387"/>
+          </a:xfrm>
+          <a:prstGeom prst="roundRect">
+            <a:avLst>
+              <a:gd name="adj" fmla="val 41588"/>
+            </a:avLst>
+          </a:prstGeom>
+          <a:ln>
+            <a:noFill/>
+          </a:ln>
+        </p:spPr>
+        <p:style>
+          <a:lnRef idx="2">
+            <a:schemeClr val="accent1">
+              <a:shade val="15000"/>
+            </a:schemeClr>
+          </a:lnRef>
+          <a:fillRef idx="1">
+            <a:schemeClr val="accent1"/>
+          </a:fillRef>
+          <a:effectRef idx="0">
+            <a:schemeClr val="accent1"/>
+          </a:effectRef>
+          <a:fontRef idx="minor">
+            <a:schemeClr val="lt1"/>
+          </a:fontRef>
+        </p:style>
+        <p:txBody>
+          <a:bodyPr rtlCol="0" anchor="ctr"/>
+          <a:lstStyle/>
+          <a:p>
+            <a:pPr algn="ctr"/>
+            <a:endParaRPr lang="en-IN" sz="1400" dirty="0"/>
+          </a:p>
+        </p:txBody>
+      </p:sp>
+      <p:sp>
+        <p:nvSpPr>
+          <p:cNvPr id="75" name="TextBox 74">
+            <a:extLst>
+              <a:ext uri="{FF2B5EF4-FFF2-40B4-BE49-F238E27FC236}">
+                <a16:creationId xmlns:a16="http://schemas.microsoft.com/office/drawing/2014/main" id="{B7CF1181-809C-3125-0701-DEEC23D3D46C}"/>
+              </a:ext>
+            </a:extLst>
+          </p:cNvPr>
+          <p:cNvSpPr txBox="1"/>
+          <p:nvPr/>
+        </p:nvSpPr>
+        <p:spPr>
+          <a:xfrm>
+            <a:off x="4577195" y="2518679"/>
+            <a:ext cx="846244" cy="461665"/>
+          </a:xfrm>
+          <a:prstGeom prst="rect">
+            <a:avLst/>
+          </a:prstGeom>
+          <a:noFill/>
+        </p:spPr>
+        <p:txBody>
+          <a:bodyPr wrap="square" rtlCol="0">
+            <a:spAutoFit/>
+          </a:bodyPr>
+          <a:lstStyle/>
+          <a:p>
+            <a:pPr algn="ctr"/>
+            <a:r>
+              <a:rPr lang="en-IN" sz="1200" b="1" dirty="0">
+                <a:solidFill>
+                  <a:schemeClr val="bg1"/>
+                </a:solidFill>
+                <a:latin typeface="Product Sans" panose="020B0403030502040203" pitchFamily="34" charset="0"/>
+              </a:rPr>
+              <a:t>Health</a:t>
+            </a:r>
+          </a:p>
+          <a:p>
+            <a:pPr algn="ctr"/>
+            <a:r>
+              <a:rPr lang="en-IN" sz="1200" b="1" dirty="0">
+                <a:solidFill>
+                  <a:schemeClr val="bg1"/>
+                </a:solidFill>
+                <a:latin typeface="Product Sans" panose="020B0403030502040203" pitchFamily="34" charset="0"/>
+              </a:rPr>
+              <a:t>Analytics</a:t>
+            </a:r>
+          </a:p>
+        </p:txBody>
+      </p:sp>
+      <p:sp>
+        <p:nvSpPr>
+          <p:cNvPr id="78" name="Rectangle: Rounded Corners 77">
+            <a:extLst>
+              <a:ext uri="{FF2B5EF4-FFF2-40B4-BE49-F238E27FC236}">
+                <a16:creationId xmlns:a16="http://schemas.microsoft.com/office/drawing/2014/main" id="{3D3A304A-BEEE-B3A5-A3A8-63C819724001}"/>
+              </a:ext>
+            </a:extLst>
+          </p:cNvPr>
+          <p:cNvSpPr/>
+          <p:nvPr/>
+        </p:nvSpPr>
+        <p:spPr>
+          <a:xfrm>
+            <a:off x="6684155" y="2476919"/>
+            <a:ext cx="955410" cy="547683"/>
+          </a:xfrm>
+          <a:prstGeom prst="roundRect">
+            <a:avLst>
+              <a:gd name="adj" fmla="val 41588"/>
+            </a:avLst>
+          </a:prstGeom>
+          <a:ln>
+            <a:noFill/>
+          </a:ln>
+        </p:spPr>
+        <p:style>
+          <a:lnRef idx="2">
+            <a:schemeClr val="accent1">
+              <a:shade val="15000"/>
+            </a:schemeClr>
+          </a:lnRef>
+          <a:fillRef idx="1">
+            <a:schemeClr val="accent1"/>
+          </a:fillRef>
+          <a:effectRef idx="0">
+            <a:schemeClr val="accent1"/>
+          </a:effectRef>
+          <a:fontRef idx="minor">
+            <a:schemeClr val="lt1"/>
+          </a:fontRef>
+        </p:style>
+        <p:txBody>
+          <a:bodyPr rtlCol="0" anchor="ctr"/>
+          <a:lstStyle/>
+          <a:p>
+            <a:pPr algn="ctr"/>
+            <a:endParaRPr lang="en-IN" sz="1400" dirty="0"/>
+          </a:p>
+        </p:txBody>
+      </p:sp>
+      <p:sp>
+        <p:nvSpPr>
+          <p:cNvPr id="79" name="TextBox 78">
+            <a:extLst>
+              <a:ext uri="{FF2B5EF4-FFF2-40B4-BE49-F238E27FC236}">
+                <a16:creationId xmlns:a16="http://schemas.microsoft.com/office/drawing/2014/main" id="{DE55158D-731F-88E6-DEA6-DFCB85224CD2}"/>
+              </a:ext>
+            </a:extLst>
+          </p:cNvPr>
+          <p:cNvSpPr txBox="1"/>
+          <p:nvPr/>
+        </p:nvSpPr>
+        <p:spPr>
+          <a:xfrm>
+            <a:off x="6684151" y="2515463"/>
+            <a:ext cx="955410" cy="461665"/>
+          </a:xfrm>
+          <a:prstGeom prst="rect">
+            <a:avLst/>
+          </a:prstGeom>
+          <a:noFill/>
+        </p:spPr>
+        <p:txBody>
+          <a:bodyPr wrap="square" rtlCol="0">
+            <a:spAutoFit/>
+          </a:bodyPr>
+          <a:lstStyle/>
+          <a:p>
+            <a:pPr algn="ctr"/>
+            <a:r>
+              <a:rPr lang="en-IN" sz="1200" b="1" dirty="0">
+                <a:solidFill>
+                  <a:schemeClr val="bg1"/>
+                </a:solidFill>
+                <a:latin typeface="Product Sans" panose="020B0403030502040203" pitchFamily="34" charset="0"/>
+              </a:rPr>
+              <a:t>Food</a:t>
+            </a:r>
+          </a:p>
+          <a:p>
+            <a:pPr algn="ctr"/>
+            <a:r>
+              <a:rPr lang="en-IN" sz="1200" b="1" dirty="0">
+                <a:solidFill>
+                  <a:schemeClr val="bg1"/>
+                </a:solidFill>
+                <a:latin typeface="Product Sans" panose="020B0403030502040203" pitchFamily="34" charset="0"/>
+              </a:rPr>
+              <a:t>Analytics</a:t>
+            </a:r>
+          </a:p>
+        </p:txBody>
+      </p:sp>
+      <p:sp>
+        <p:nvSpPr>
+          <p:cNvPr id="80" name="Rectangle: Rounded Corners 79">
+            <a:extLst>
+              <a:ext uri="{FF2B5EF4-FFF2-40B4-BE49-F238E27FC236}">
+                <a16:creationId xmlns:a16="http://schemas.microsoft.com/office/drawing/2014/main" id="{DD0C7B69-9661-C1D0-49A3-270512FA3267}"/>
+              </a:ext>
+            </a:extLst>
+          </p:cNvPr>
+          <p:cNvSpPr/>
+          <p:nvPr/>
+        </p:nvSpPr>
+        <p:spPr>
+          <a:xfrm>
+            <a:off x="4510874" y="3137939"/>
+            <a:ext cx="830503" cy="561387"/>
+          </a:xfrm>
+          <a:prstGeom prst="roundRect">
+            <a:avLst>
+              <a:gd name="adj" fmla="val 41588"/>
+            </a:avLst>
+          </a:prstGeom>
+          <a:ln>
+            <a:noFill/>
+          </a:ln>
+        </p:spPr>
+        <p:style>
+          <a:lnRef idx="2">
+            <a:schemeClr val="accent1">
+              <a:shade val="15000"/>
+            </a:schemeClr>
+          </a:lnRef>
+          <a:fillRef idx="1">
+            <a:schemeClr val="accent1"/>
+          </a:fillRef>
+          <a:effectRef idx="0">
+            <a:schemeClr val="accent1"/>
+          </a:effectRef>
+          <a:fontRef idx="minor">
+            <a:schemeClr val="lt1"/>
+          </a:fontRef>
+        </p:style>
+        <p:txBody>
+          <a:bodyPr rtlCol="0" anchor="ctr"/>
+          <a:lstStyle/>
+          <a:p>
+            <a:pPr algn="ctr"/>
+            <a:endParaRPr lang="en-IN" sz="1400" dirty="0"/>
+          </a:p>
+        </p:txBody>
+      </p:sp>
+      <p:sp>
+        <p:nvSpPr>
+          <p:cNvPr id="82" name="TextBox 81">
+            <a:extLst>
+              <a:ext uri="{FF2B5EF4-FFF2-40B4-BE49-F238E27FC236}">
+                <a16:creationId xmlns:a16="http://schemas.microsoft.com/office/drawing/2014/main" id="{2E3DE546-B752-B1EE-3BD3-17732941E7DA}"/>
+              </a:ext>
+            </a:extLst>
+          </p:cNvPr>
+          <p:cNvSpPr txBox="1"/>
+          <p:nvPr/>
+        </p:nvSpPr>
+        <p:spPr>
+          <a:xfrm>
+            <a:off x="4678629" y="3193403"/>
+            <a:ext cx="559264" cy="461665"/>
+          </a:xfrm>
+          <a:prstGeom prst="rect">
+            <a:avLst/>
+          </a:prstGeom>
+          <a:noFill/>
+        </p:spPr>
+        <p:txBody>
+          <a:bodyPr wrap="square" rtlCol="0">
+            <a:spAutoFit/>
+          </a:bodyPr>
+          <a:lstStyle/>
+          <a:p>
+            <a:pPr algn="ctr"/>
+            <a:r>
+              <a:rPr lang="en-IN" sz="1200" b="1" dirty="0">
+                <a:solidFill>
+                  <a:schemeClr val="bg1"/>
+                </a:solidFill>
+                <a:latin typeface="Product Sans" panose="020B0403030502040203" pitchFamily="34" charset="0"/>
+              </a:rPr>
+              <a:t>Diet</a:t>
+            </a:r>
+          </a:p>
+          <a:p>
+            <a:pPr algn="ctr"/>
+            <a:r>
+              <a:rPr lang="en-IN" sz="1200" b="1" dirty="0">
+                <a:solidFill>
+                  <a:schemeClr val="bg1"/>
+                </a:solidFill>
+                <a:latin typeface="Product Sans" panose="020B0403030502040203" pitchFamily="34" charset="0"/>
+              </a:rPr>
+              <a:t>View</a:t>
+            </a:r>
+          </a:p>
+        </p:txBody>
+      </p:sp>
+      <p:sp>
+        <p:nvSpPr>
+          <p:cNvPr id="83" name="Rectangle: Rounded Corners 82">
+            <a:extLst>
+              <a:ext uri="{FF2B5EF4-FFF2-40B4-BE49-F238E27FC236}">
+                <a16:creationId xmlns:a16="http://schemas.microsoft.com/office/drawing/2014/main" id="{21E4679D-6598-3F80-4436-03B70E07E026}"/>
+              </a:ext>
+            </a:extLst>
+          </p:cNvPr>
+          <p:cNvSpPr/>
+          <p:nvPr/>
+        </p:nvSpPr>
+        <p:spPr>
+          <a:xfrm>
+            <a:off x="5388091" y="3151643"/>
+            <a:ext cx="1374256" cy="557095"/>
+          </a:xfrm>
+          <a:prstGeom prst="roundRect">
+            <a:avLst>
+              <a:gd name="adj" fmla="val 41588"/>
+            </a:avLst>
+          </a:prstGeom>
+          <a:ln>
+            <a:noFill/>
+          </a:ln>
+        </p:spPr>
+        <p:style>
+          <a:lnRef idx="2">
+            <a:schemeClr val="accent1">
+              <a:shade val="15000"/>
+            </a:schemeClr>
+          </a:lnRef>
+          <a:fillRef idx="1">
+            <a:schemeClr val="accent1"/>
+          </a:fillRef>
+          <a:effectRef idx="0">
+            <a:schemeClr val="accent1"/>
+          </a:effectRef>
+          <a:fontRef idx="minor">
+            <a:schemeClr val="lt1"/>
+          </a:fontRef>
+        </p:style>
+        <p:txBody>
+          <a:bodyPr rtlCol="0" anchor="ctr"/>
+          <a:lstStyle/>
+          <a:p>
+            <a:pPr algn="ctr"/>
+            <a:endParaRPr lang="en-IN" sz="1400" dirty="0"/>
+          </a:p>
+        </p:txBody>
+      </p:sp>
+      <p:sp>
+        <p:nvSpPr>
+          <p:cNvPr id="84" name="TextBox 83">
+            <a:extLst>
+              <a:ext uri="{FF2B5EF4-FFF2-40B4-BE49-F238E27FC236}">
+                <a16:creationId xmlns:a16="http://schemas.microsoft.com/office/drawing/2014/main" id="{6D26FC01-B045-F624-F7CB-3926AE5FB255}"/>
+              </a:ext>
+            </a:extLst>
+          </p:cNvPr>
+          <p:cNvSpPr txBox="1"/>
+          <p:nvPr/>
+        </p:nvSpPr>
+        <p:spPr>
+          <a:xfrm>
+            <a:off x="5388085" y="3239146"/>
+            <a:ext cx="1374262" cy="430887"/>
+          </a:xfrm>
+          <a:prstGeom prst="rect">
+            <a:avLst/>
+          </a:prstGeom>
+          <a:noFill/>
+        </p:spPr>
+        <p:txBody>
+          <a:bodyPr wrap="square" rtlCol="0">
+            <a:spAutoFit/>
+          </a:bodyPr>
+          <a:lstStyle/>
+          <a:p>
+            <a:pPr algn="ctr"/>
+            <a:r>
+              <a:rPr lang="en-IN" sz="1100" b="1" dirty="0">
+                <a:solidFill>
+                  <a:schemeClr val="bg1"/>
+                </a:solidFill>
+                <a:latin typeface="Product Sans" panose="020B0403030502040203" pitchFamily="34" charset="0"/>
+              </a:rPr>
+              <a:t>Recommendation</a:t>
+            </a:r>
+          </a:p>
+          <a:p>
+            <a:pPr algn="ctr"/>
+            <a:r>
+              <a:rPr lang="en-IN" sz="1100" b="1" dirty="0">
+                <a:solidFill>
+                  <a:schemeClr val="bg1"/>
+                </a:solidFill>
+                <a:latin typeface="Product Sans" panose="020B0403030502040203" pitchFamily="34" charset="0"/>
+              </a:rPr>
+              <a:t>View</a:t>
+            </a:r>
+          </a:p>
+        </p:txBody>
+      </p:sp>
+      <p:sp>
+        <p:nvSpPr>
+          <p:cNvPr id="86" name="Rectangle: Rounded Corners 85">
+            <a:extLst>
+              <a:ext uri="{FF2B5EF4-FFF2-40B4-BE49-F238E27FC236}">
+                <a16:creationId xmlns:a16="http://schemas.microsoft.com/office/drawing/2014/main" id="{01770C4E-7871-7BB6-F3CE-2677761C6B7F}"/>
+              </a:ext>
+            </a:extLst>
+          </p:cNvPr>
+          <p:cNvSpPr/>
+          <p:nvPr/>
+        </p:nvSpPr>
+        <p:spPr>
+          <a:xfrm>
+            <a:off x="6837579" y="3151643"/>
+            <a:ext cx="801986" cy="547683"/>
+          </a:xfrm>
+          <a:prstGeom prst="roundRect">
+            <a:avLst>
+              <a:gd name="adj" fmla="val 41588"/>
+            </a:avLst>
+          </a:prstGeom>
+          <a:ln>
+            <a:noFill/>
+          </a:ln>
+        </p:spPr>
+        <p:style>
+          <a:lnRef idx="2">
+            <a:schemeClr val="accent1">
+              <a:shade val="15000"/>
+            </a:schemeClr>
+          </a:lnRef>
+          <a:fillRef idx="1">
+            <a:schemeClr val="accent1"/>
+          </a:fillRef>
+          <a:effectRef idx="0">
+            <a:schemeClr val="accent1"/>
+          </a:effectRef>
+          <a:fontRef idx="minor">
+            <a:schemeClr val="lt1"/>
+          </a:fontRef>
+        </p:style>
+        <p:txBody>
+          <a:bodyPr rtlCol="0" anchor="ctr"/>
+          <a:lstStyle/>
+          <a:p>
+            <a:pPr algn="ctr"/>
+            <a:endParaRPr lang="en-IN" sz="1400" dirty="0"/>
+          </a:p>
+        </p:txBody>
+      </p:sp>
+      <p:sp>
+        <p:nvSpPr>
+          <p:cNvPr id="87" name="TextBox 86">
+            <a:extLst>
+              <a:ext uri="{FF2B5EF4-FFF2-40B4-BE49-F238E27FC236}">
+                <a16:creationId xmlns:a16="http://schemas.microsoft.com/office/drawing/2014/main" id="{97A3C0C2-7B7A-13AC-4365-C3655537B147}"/>
+              </a:ext>
+            </a:extLst>
+          </p:cNvPr>
+          <p:cNvSpPr txBox="1"/>
+          <p:nvPr/>
+        </p:nvSpPr>
+        <p:spPr>
+          <a:xfrm>
+            <a:off x="6837575" y="3190187"/>
+            <a:ext cx="801986" cy="461665"/>
+          </a:xfrm>
+          <a:prstGeom prst="rect">
+            <a:avLst/>
+          </a:prstGeom>
+          <a:noFill/>
+        </p:spPr>
+        <p:txBody>
+          <a:bodyPr wrap="square" rtlCol="0">
+            <a:spAutoFit/>
+          </a:bodyPr>
+          <a:lstStyle/>
+          <a:p>
+            <a:pPr algn="ctr"/>
+            <a:r>
+              <a:rPr lang="en-IN" sz="1200" b="1" dirty="0">
+                <a:solidFill>
+                  <a:schemeClr val="bg1"/>
+                </a:solidFill>
+                <a:latin typeface="Product Sans" panose="020B0403030502040203" pitchFamily="34" charset="0"/>
+              </a:rPr>
+              <a:t>Intake</a:t>
+            </a:r>
+          </a:p>
+          <a:p>
+            <a:pPr algn="ctr"/>
+            <a:r>
+              <a:rPr lang="en-IN" sz="1200" b="1" dirty="0">
+                <a:solidFill>
+                  <a:schemeClr val="bg1"/>
+                </a:solidFill>
+                <a:latin typeface="Product Sans" panose="020B0403030502040203" pitchFamily="34" charset="0"/>
+              </a:rPr>
+              <a:t>View</a:t>
+            </a:r>
+          </a:p>
+        </p:txBody>
+      </p:sp>
       <p:cxnSp>
         <p:nvCxnSpPr>
-          <p:cNvPr id="21" name="Straight Arrow Connector 20">
-            <a:extLst>
-              <a:ext uri="{FF2B5EF4-FFF2-40B4-BE49-F238E27FC236}">
-                <a16:creationId xmlns:a16="http://schemas.microsoft.com/office/drawing/2014/main" id="{929A67B1-FFCD-80EC-3CD2-A5A51F625A25}"/>
+          <p:cNvPr id="90" name="Straight Arrow Connector 89">
+            <a:extLst>
+              <a:ext uri="{FF2B5EF4-FFF2-40B4-BE49-F238E27FC236}">
+                <a16:creationId xmlns:a16="http://schemas.microsoft.com/office/drawing/2014/main" id="{25242A52-A379-EE32-FE03-5BA3E3DFF4D2}"/>
               </a:ext>
             </a:extLst>
           </p:cNvPr>
           <p:cNvCxnSpPr>
-            <a:stCxn id="20" idx="3"/>
-            <a:endCxn id="10" idx="2"/>
+            <a:stCxn id="3" idx="3"/>
+            <a:endCxn id="6" idx="2"/>
           </p:cNvCxnSpPr>
           <p:nvPr/>
         </p:nvCxnSpPr>
         <p:spPr>
-          <a:xfrm>
-            <a:off x="2595562" y="2460338"/>
-            <a:ext cx="1512306" cy="3037"/>
+          <a:xfrm flipV="1">
+            <a:off x="4435643" y="895815"/>
+            <a:ext cx="905734" cy="3685"/>
           </a:xfrm>
           <a:prstGeom prst="straightConnector1">
             <a:avLst/>
           </a:prstGeom>
-          <a:ln>
+          <a:ln w="19050">
+            <a:solidFill>
+              <a:schemeClr val="bg1"/>
+            </a:solidFill>
             <a:tailEnd type="triangle"/>
           </a:ln>
         </p:spPr>
@@ -4626,197 +7037,31 @@
       </p:cxnSp>
       <p:cxnSp>
         <p:nvCxnSpPr>
-          <p:cNvPr id="24" name="Straight Arrow Connector 23">
-            <a:extLst>
-              <a:ext uri="{FF2B5EF4-FFF2-40B4-BE49-F238E27FC236}">
-                <a16:creationId xmlns:a16="http://schemas.microsoft.com/office/drawing/2014/main" id="{756CF16B-D78A-AA98-8B37-A297B9F569AB}"/>
+          <p:cNvPr id="93" name="Straight Arrow Connector 92">
+            <a:extLst>
+              <a:ext uri="{FF2B5EF4-FFF2-40B4-BE49-F238E27FC236}">
+                <a16:creationId xmlns:a16="http://schemas.microsoft.com/office/drawing/2014/main" id="{14DB78A1-1CD8-AD74-B4D8-F107C4063E8F}"/>
               </a:ext>
             </a:extLst>
           </p:cNvPr>
           <p:cNvCxnSpPr>
-            <a:endCxn id="14" idx="2"/>
+            <a:stCxn id="6" idx="6"/>
+            <a:endCxn id="64" idx="2"/>
           </p:cNvCxnSpPr>
           <p:nvPr/>
         </p:nvCxnSpPr>
         <p:spPr>
           <a:xfrm>
-            <a:off x="5680360" y="2460338"/>
-            <a:ext cx="1302481" cy="2"/>
+            <a:off x="6809055" y="895815"/>
+            <a:ext cx="905734" cy="0"/>
           </a:xfrm>
           <a:prstGeom prst="straightConnector1">
             <a:avLst/>
           </a:prstGeom>
-          <a:ln>
-            <a:tailEnd type="triangle"/>
-          </a:ln>
-        </p:spPr>
-        <p:style>
-          <a:lnRef idx="1">
-            <a:schemeClr val="accent1"/>
-          </a:lnRef>
-          <a:fillRef idx="0">
-            <a:schemeClr val="accent1"/>
-          </a:fillRef>
-          <a:effectRef idx="0">
-            <a:schemeClr val="accent1"/>
-          </a:effectRef>
-          <a:fontRef idx="minor">
-            <a:schemeClr val="tx1"/>
-          </a:fontRef>
-        </p:style>
-      </p:cxnSp>
-      <p:sp>
-        <p:nvSpPr>
-          <p:cNvPr id="25" name="TextBox 24">
-            <a:extLst>
-              <a:ext uri="{FF2B5EF4-FFF2-40B4-BE49-F238E27FC236}">
-                <a16:creationId xmlns:a16="http://schemas.microsoft.com/office/drawing/2014/main" id="{DDBD20F9-C8DA-A21C-04AD-583FAD318796}"/>
-              </a:ext>
-            </a:extLst>
-          </p:cNvPr>
-          <p:cNvSpPr txBox="1"/>
-          <p:nvPr/>
-        </p:nvSpPr>
-        <p:spPr>
-          <a:xfrm>
-            <a:off x="6813351" y="4871086"/>
-            <a:ext cx="2129758" cy="338554"/>
-          </a:xfrm>
-          <a:prstGeom prst="rect">
-            <a:avLst/>
-          </a:prstGeom>
-          <a:noFill/>
-        </p:spPr>
-        <p:txBody>
-          <a:bodyPr wrap="square" rtlCol="0">
-            <a:spAutoFit/>
-          </a:bodyPr>
-          <a:lstStyle/>
-          <a:p>
-            <a:r>
-              <a:rPr lang="en-US" sz="1600" b="1" dirty="0">
-                <a:solidFill>
-                  <a:schemeClr val="bg1"/>
-                </a:solidFill>
-                <a:latin typeface="Noto Sans" panose="020B0502040504020204" pitchFamily="34" charset="0"/>
-                <a:ea typeface="Noto Sans" panose="020B0502040504020204" pitchFamily="34" charset="0"/>
-                <a:cs typeface="Noto Sans" panose="020B0502040504020204" pitchFamily="34" charset="0"/>
-              </a:rPr>
-              <a:t>Recommendations</a:t>
-            </a:r>
-            <a:endParaRPr lang="en-IN" sz="1600" b="1" dirty="0">
-              <a:solidFill>
-                <a:schemeClr val="bg1"/>
-              </a:solidFill>
-              <a:latin typeface="Noto Sans" panose="020B0502040504020204" pitchFamily="34" charset="0"/>
-              <a:ea typeface="Noto Sans" panose="020B0502040504020204" pitchFamily="34" charset="0"/>
-              <a:cs typeface="Noto Sans" panose="020B0502040504020204" pitchFamily="34" charset="0"/>
-            </a:endParaRPr>
-          </a:p>
-        </p:txBody>
-      </p:sp>
-      <p:sp>
-        <p:nvSpPr>
-          <p:cNvPr id="26" name="TextBox 25">
-            <a:extLst>
-              <a:ext uri="{FF2B5EF4-FFF2-40B4-BE49-F238E27FC236}">
-                <a16:creationId xmlns:a16="http://schemas.microsoft.com/office/drawing/2014/main" id="{9FCC2073-DB46-724F-ABB8-0443C71A45F9}"/>
-              </a:ext>
-            </a:extLst>
-          </p:cNvPr>
-          <p:cNvSpPr txBox="1"/>
-          <p:nvPr/>
-        </p:nvSpPr>
-        <p:spPr>
-          <a:xfrm>
-            <a:off x="9538003" y="2000089"/>
-            <a:ext cx="2203492" cy="830997"/>
-          </a:xfrm>
-          <a:prstGeom prst="rect">
-            <a:avLst/>
-          </a:prstGeom>
-          <a:noFill/>
-        </p:spPr>
-        <p:txBody>
-          <a:bodyPr wrap="square" rtlCol="0">
-            <a:spAutoFit/>
-          </a:bodyPr>
-          <a:lstStyle/>
-          <a:p>
-            <a:pPr algn="ctr"/>
-            <a:r>
-              <a:rPr lang="en-US" sz="1600" b="1" dirty="0">
-                <a:solidFill>
-                  <a:schemeClr val="bg1"/>
-                </a:solidFill>
-                <a:latin typeface="Noto Sans" panose="020B0502040504020204" pitchFamily="34" charset="0"/>
-                <a:ea typeface="Noto Sans" panose="020B0502040504020204" pitchFamily="34" charset="0"/>
-                <a:cs typeface="Noto Sans" panose="020B0502040504020204" pitchFamily="34" charset="0"/>
-              </a:rPr>
-              <a:t>Food</a:t>
-            </a:r>
-          </a:p>
-          <a:p>
-            <a:pPr algn="ctr"/>
-            <a:r>
-              <a:rPr lang="en-US" sz="1600" b="1" dirty="0">
-                <a:solidFill>
-                  <a:schemeClr val="bg1"/>
-                </a:solidFill>
-                <a:latin typeface="Noto Sans" panose="020B0502040504020204" pitchFamily="34" charset="0"/>
-                <a:ea typeface="Noto Sans" panose="020B0502040504020204" pitchFamily="34" charset="0"/>
-                <a:cs typeface="Noto Sans" panose="020B0502040504020204" pitchFamily="34" charset="0"/>
-              </a:rPr>
-              <a:t>Recognition </a:t>
-            </a:r>
-          </a:p>
-          <a:p>
-            <a:pPr algn="ctr"/>
-            <a:r>
-              <a:rPr lang="en-US" sz="1600" b="1" dirty="0">
-                <a:solidFill>
-                  <a:schemeClr val="bg1"/>
-                </a:solidFill>
-                <a:latin typeface="Noto Sans" panose="020B0502040504020204" pitchFamily="34" charset="0"/>
-                <a:ea typeface="Noto Sans" panose="020B0502040504020204" pitchFamily="34" charset="0"/>
-                <a:cs typeface="Noto Sans" panose="020B0502040504020204" pitchFamily="34" charset="0"/>
-              </a:rPr>
-              <a:t>And Analysis</a:t>
-            </a:r>
-            <a:endParaRPr lang="en-IN" sz="1600" b="1" dirty="0">
-              <a:solidFill>
-                <a:schemeClr val="bg1"/>
-              </a:solidFill>
-              <a:latin typeface="Noto Sans" panose="020B0502040504020204" pitchFamily="34" charset="0"/>
-              <a:ea typeface="Noto Sans" panose="020B0502040504020204" pitchFamily="34" charset="0"/>
-              <a:cs typeface="Noto Sans" panose="020B0502040504020204" pitchFamily="34" charset="0"/>
-            </a:endParaRPr>
-          </a:p>
-        </p:txBody>
-      </p:sp>
-      <p:cxnSp>
-        <p:nvCxnSpPr>
-          <p:cNvPr id="29" name="Straight Arrow Connector 28">
-            <a:extLst>
-              <a:ext uri="{FF2B5EF4-FFF2-40B4-BE49-F238E27FC236}">
-                <a16:creationId xmlns:a16="http://schemas.microsoft.com/office/drawing/2014/main" id="{7F527F01-E794-76BF-8435-259027AADD53}"/>
-              </a:ext>
-            </a:extLst>
-          </p:cNvPr>
-          <p:cNvCxnSpPr>
-            <a:endCxn id="15" idx="0"/>
-          </p:cNvCxnSpPr>
-          <p:nvPr/>
-        </p:nvCxnSpPr>
-        <p:spPr>
-          <a:xfrm>
-            <a:off x="4894115" y="3246584"/>
-            <a:ext cx="0" cy="591894"/>
-          </a:xfrm>
-          <a:prstGeom prst="straightConnector1">
-            <a:avLst/>
-          </a:prstGeom>
-          <a:ln>
+          <a:ln w="19050">
+            <a:solidFill>
+              <a:schemeClr val="bg1"/>
+            </a:solidFill>
             <a:tailEnd type="triangle"/>
           </a:ln>
         </p:spPr>
@@ -4837,31 +7082,145 @@
       </p:cxnSp>
       <p:cxnSp>
         <p:nvCxnSpPr>
-          <p:cNvPr id="40" name="Connector: Elbow 39">
-            <a:extLst>
-              <a:ext uri="{FF2B5EF4-FFF2-40B4-BE49-F238E27FC236}">
-                <a16:creationId xmlns:a16="http://schemas.microsoft.com/office/drawing/2014/main" id="{FC16D412-3FFA-2B64-875D-9A220C631B65}"/>
+          <p:cNvPr id="96" name="Connector: Elbow 95">
+            <a:extLst>
+              <a:ext uri="{FF2B5EF4-FFF2-40B4-BE49-F238E27FC236}">
+                <a16:creationId xmlns:a16="http://schemas.microsoft.com/office/drawing/2014/main" id="{D5E57AA2-015E-45CE-DD52-EF2407E78FB9}"/>
               </a:ext>
             </a:extLst>
           </p:cNvPr>
           <p:cNvCxnSpPr>
             <a:cxnSpLocks/>
-            <a:stCxn id="20" idx="0"/>
-            <a:endCxn id="13" idx="0"/>
+            <a:stCxn id="64" idx="1"/>
+            <a:endCxn id="22" idx="0"/>
           </p:cNvCxnSpPr>
           <p:nvPr/>
         </p:nvCxnSpPr>
         <p:spPr>
-          <a:xfrm rot="5400000" flipH="1" flipV="1">
-            <a:off x="5924452" y="-2716977"/>
-            <a:ext cx="303987" cy="9086129"/>
+          <a:xfrm rot="5400000">
+            <a:off x="7156070" y="145947"/>
+            <a:ext cx="211706" cy="2373410"/>
           </a:xfrm>
           <a:prstGeom prst="bentConnector3">
+            <a:avLst/>
+          </a:prstGeom>
+          <a:ln w="19050">
+            <a:solidFill>
+              <a:schemeClr val="bg1"/>
+            </a:solidFill>
+            <a:tailEnd type="triangle"/>
+          </a:ln>
+        </p:spPr>
+        <p:style>
+          <a:lnRef idx="1">
+            <a:schemeClr val="accent1"/>
+          </a:lnRef>
+          <a:fillRef idx="0">
+            <a:schemeClr val="accent1"/>
+          </a:fillRef>
+          <a:effectRef idx="0">
+            <a:schemeClr val="accent1"/>
+          </a:effectRef>
+          <a:fontRef idx="minor">
+            <a:schemeClr val="tx1"/>
+          </a:fontRef>
+        </p:style>
+      </p:cxnSp>
+      <p:sp>
+        <p:nvSpPr>
+          <p:cNvPr id="98" name="TextBox 97">
+            <a:extLst>
+              <a:ext uri="{FF2B5EF4-FFF2-40B4-BE49-F238E27FC236}">
+                <a16:creationId xmlns:a16="http://schemas.microsoft.com/office/drawing/2014/main" id="{474525F8-395A-6A61-689E-A683C88F9685}"/>
+              </a:ext>
+            </a:extLst>
+          </p:cNvPr>
+          <p:cNvSpPr txBox="1"/>
+          <p:nvPr/>
+        </p:nvSpPr>
+        <p:spPr>
+          <a:xfrm>
+            <a:off x="5532605" y="2074314"/>
+            <a:ext cx="1088713" cy="692497"/>
+          </a:xfrm>
+          <a:prstGeom prst="rect">
+            <a:avLst/>
+          </a:prstGeom>
+          <a:noFill/>
+        </p:spPr>
+        <p:txBody>
+          <a:bodyPr wrap="square" rtlCol="0">
+            <a:spAutoFit/>
+          </a:bodyPr>
+          <a:lstStyle/>
+          <a:p>
+            <a:pPr algn="ctr"/>
+            <a:r>
+              <a:rPr lang="en-IN" sz="1300" b="1" dirty="0">
+                <a:solidFill>
+                  <a:schemeClr val="bg1"/>
+                </a:solidFill>
+                <a:latin typeface="Product Sans" panose="020B0403030502040203" pitchFamily="34" charset="0"/>
+              </a:rPr>
+              <a:t>Overall</a:t>
+            </a:r>
+          </a:p>
+          <a:p>
+            <a:pPr algn="ctr"/>
+            <a:r>
+              <a:rPr lang="en-IN" sz="1300" b="1" dirty="0">
+                <a:solidFill>
+                  <a:schemeClr val="bg1"/>
+                </a:solidFill>
+                <a:latin typeface="Product Sans" panose="020B0403030502040203" pitchFamily="34" charset="0"/>
+              </a:rPr>
+              <a:t>Dashboard</a:t>
+            </a:r>
+          </a:p>
+          <a:p>
+            <a:pPr algn="ctr"/>
+            <a:r>
+              <a:rPr lang="en-IN" sz="1300" b="1" dirty="0">
+                <a:solidFill>
+                  <a:schemeClr val="bg1"/>
+                </a:solidFill>
+                <a:latin typeface="Product Sans" panose="020B0403030502040203" pitchFamily="34" charset="0"/>
+              </a:rPr>
+              <a:t>Controls</a:t>
+            </a:r>
+          </a:p>
+        </p:txBody>
+      </p:sp>
+      <p:cxnSp>
+        <p:nvCxnSpPr>
+          <p:cNvPr id="104" name="Connector: Elbow 103">
+            <a:extLst>
+              <a:ext uri="{FF2B5EF4-FFF2-40B4-BE49-F238E27FC236}">
+                <a16:creationId xmlns:a16="http://schemas.microsoft.com/office/drawing/2014/main" id="{0C11D5C3-2310-F9C7-368E-35C35693959B}"/>
+              </a:ext>
+            </a:extLst>
+          </p:cNvPr>
+          <p:cNvCxnSpPr>
+            <a:stCxn id="3" idx="0"/>
+            <a:endCxn id="29" idx="6"/>
+          </p:cNvCxnSpPr>
+          <p:nvPr/>
+        </p:nvCxnSpPr>
+        <p:spPr>
+          <a:xfrm rot="16200000" flipH="1">
+            <a:off x="6386760" y="-2085511"/>
+            <a:ext cx="2031910" cy="7488072"/>
+          </a:xfrm>
+          <a:prstGeom prst="bentConnector4">
             <a:avLst>
-              <a:gd name="adj1" fmla="val 233690"/>
+              <a:gd name="adj1" fmla="val -7812"/>
+              <a:gd name="adj2" fmla="val 110007"/>
             </a:avLst>
           </a:prstGeom>
-          <a:ln>
+          <a:ln w="19050">
+            <a:solidFill>
+              <a:schemeClr val="bg1"/>
+            </a:solidFill>
             <a:tailEnd type="triangle"/>
           </a:ln>
         </p:spPr>
@@ -4882,31 +7241,31 @@
       </p:cxnSp>
       <p:cxnSp>
         <p:nvCxnSpPr>
-          <p:cNvPr id="46" name="Connector: Elbow 45">
-            <a:extLst>
-              <a:ext uri="{FF2B5EF4-FFF2-40B4-BE49-F238E27FC236}">
-                <a16:creationId xmlns:a16="http://schemas.microsoft.com/office/drawing/2014/main" id="{D2875336-3EE3-B735-55A4-E89C6332D484}"/>
+          <p:cNvPr id="113" name="Straight Arrow Connector 112">
+            <a:extLst>
+              <a:ext uri="{FF2B5EF4-FFF2-40B4-BE49-F238E27FC236}">
+                <a16:creationId xmlns:a16="http://schemas.microsoft.com/office/drawing/2014/main" id="{4970FE60-A1A1-098E-456D-EC28FCD66DE7}"/>
               </a:ext>
             </a:extLst>
           </p:cNvPr>
           <p:cNvCxnSpPr>
-            <a:cxnSpLocks/>
-            <a:stCxn id="14" idx="4"/>
-            <a:endCxn id="15" idx="7"/>
+            <a:stCxn id="29" idx="4"/>
+            <a:endCxn id="30" idx="0"/>
           </p:cNvCxnSpPr>
           <p:nvPr/>
         </p:nvCxnSpPr>
         <p:spPr>
-          <a:xfrm rot="5400000">
-            <a:off x="6284574" y="2705988"/>
-            <a:ext cx="943917" cy="2025110"/>
-          </a:xfrm>
-          <a:prstGeom prst="bentConnector3">
-            <a:avLst>
-              <a:gd name="adj1" fmla="val 55953"/>
-            </a:avLst>
-          </a:prstGeom>
-          <a:ln>
+          <a:xfrm>
+            <a:off x="10122282" y="2927325"/>
+            <a:ext cx="0" cy="203772"/>
+          </a:xfrm>
+          <a:prstGeom prst="straightConnector1">
+            <a:avLst/>
+          </a:prstGeom>
+          <a:ln w="19050">
+            <a:solidFill>
+              <a:schemeClr val="bg1"/>
+            </a:solidFill>
             <a:tailEnd type="triangle"/>
           </a:ln>
         </p:spPr>
@@ -4927,28 +7286,35 @@
       </p:cxnSp>
       <p:cxnSp>
         <p:nvCxnSpPr>
-          <p:cNvPr id="50" name="Straight Arrow Connector 49">
-            <a:extLst>
-              <a:ext uri="{FF2B5EF4-FFF2-40B4-BE49-F238E27FC236}">
-                <a16:creationId xmlns:a16="http://schemas.microsoft.com/office/drawing/2014/main" id="{F54C6B68-00FB-ADEB-E7CD-4439B440112D}"/>
+          <p:cNvPr id="119" name="Connector: Elbow 118">
+            <a:extLst>
+              <a:ext uri="{FF2B5EF4-FFF2-40B4-BE49-F238E27FC236}">
+                <a16:creationId xmlns:a16="http://schemas.microsoft.com/office/drawing/2014/main" id="{204375C5-8ADA-299A-B077-E5C579425BE8}"/>
               </a:ext>
             </a:extLst>
           </p:cNvPr>
           <p:cNvCxnSpPr>
-            <a:cxnSpLocks/>
-            <a:endCxn id="18" idx="0"/>
+            <a:stCxn id="30" idx="6"/>
+            <a:endCxn id="3" idx="1"/>
           </p:cNvCxnSpPr>
           <p:nvPr/>
         </p:nvCxnSpPr>
         <p:spPr>
-          <a:xfrm>
-            <a:off x="10619509" y="3246584"/>
-            <a:ext cx="1" cy="1007536"/>
-          </a:xfrm>
-          <a:prstGeom prst="straightConnector1">
-            <a:avLst/>
-          </a:prstGeom>
-          <a:ln>
+          <a:xfrm flipH="1" flipV="1">
+            <a:off x="2881714" y="899500"/>
+            <a:ext cx="8265037" cy="2484443"/>
+          </a:xfrm>
+          <a:prstGeom prst="bentConnector5">
+            <a:avLst>
+              <a:gd name="adj1" fmla="val -11140"/>
+              <a:gd name="adj2" fmla="val 126339"/>
+              <a:gd name="adj3" fmla="val 102766"/>
+            </a:avLst>
+          </a:prstGeom>
+          <a:ln w="19050">
+            <a:solidFill>
+              <a:schemeClr val="bg1"/>
+            </a:solidFill>
             <a:tailEnd type="triangle"/>
           </a:ln>
         </p:spPr>
@@ -4969,29 +7335,33 @@
       </p:cxnSp>
       <p:cxnSp>
         <p:nvCxnSpPr>
-          <p:cNvPr id="56" name="Straight Arrow Connector 55">
-            <a:extLst>
-              <a:ext uri="{FF2B5EF4-FFF2-40B4-BE49-F238E27FC236}">
-                <a16:creationId xmlns:a16="http://schemas.microsoft.com/office/drawing/2014/main" id="{5D6243CA-0272-1965-4309-52A5954D5885}"/>
+          <p:cNvPr id="131" name="Connector: Elbow 130">
+            <a:extLst>
+              <a:ext uri="{FF2B5EF4-FFF2-40B4-BE49-F238E27FC236}">
+                <a16:creationId xmlns:a16="http://schemas.microsoft.com/office/drawing/2014/main" id="{8C98BF2E-B99A-6C87-AF69-5E49BAF250B8}"/>
               </a:ext>
             </a:extLst>
           </p:cNvPr>
           <p:cNvCxnSpPr>
-            <a:cxnSpLocks/>
-            <a:stCxn id="25" idx="1"/>
-            <a:endCxn id="15" idx="6"/>
+            <a:stCxn id="73" idx="3"/>
+            <a:endCxn id="29" idx="2"/>
           </p:cNvCxnSpPr>
           <p:nvPr/>
         </p:nvCxnSpPr>
         <p:spPr>
-          <a:xfrm flipH="1">
-            <a:off x="6096001" y="5040363"/>
-            <a:ext cx="717350" cy="1"/>
-          </a:xfrm>
-          <a:prstGeom prst="straightConnector1">
-            <a:avLst/>
-          </a:prstGeom>
-          <a:ln>
+          <a:xfrm>
+            <a:off x="7639561" y="2098268"/>
+            <a:ext cx="1458252" cy="576212"/>
+          </a:xfrm>
+          <a:prstGeom prst="bentConnector3">
+            <a:avLst>
+              <a:gd name="adj1" fmla="val 31276"/>
+            </a:avLst>
+          </a:prstGeom>
+          <a:ln w="19050">
+            <a:solidFill>
+              <a:schemeClr val="bg1"/>
+            </a:solidFill>
             <a:tailEnd type="triangle"/>
           </a:ln>
         </p:spPr>
@@ -5012,30 +7382,33 @@
       </p:cxnSp>
       <p:cxnSp>
         <p:nvCxnSpPr>
-          <p:cNvPr id="61" name="Connector: Elbow 60">
-            <a:extLst>
-              <a:ext uri="{FF2B5EF4-FFF2-40B4-BE49-F238E27FC236}">
-                <a16:creationId xmlns:a16="http://schemas.microsoft.com/office/drawing/2014/main" id="{284D558F-8738-42FA-8EE4-E60E2F5E528C}"/>
+          <p:cNvPr id="134" name="Connector: Elbow 133">
+            <a:extLst>
+              <a:ext uri="{FF2B5EF4-FFF2-40B4-BE49-F238E27FC236}">
+                <a16:creationId xmlns:a16="http://schemas.microsoft.com/office/drawing/2014/main" id="{2FB46C27-2C2A-277A-E4A7-0591C3D6386A}"/>
               </a:ext>
             </a:extLst>
           </p:cNvPr>
           <p:cNvCxnSpPr>
-            <a:stCxn id="17" idx="4"/>
-            <a:endCxn id="16" idx="4"/>
+            <a:stCxn id="30" idx="2"/>
+            <a:endCxn id="79" idx="3"/>
           </p:cNvCxnSpPr>
           <p:nvPr/>
         </p:nvCxnSpPr>
         <p:spPr>
-          <a:xfrm rot="16200000" flipH="1">
-            <a:off x="4605672" y="2846538"/>
-            <a:ext cx="242072" cy="6202215"/>
+          <a:xfrm rot="10800000">
+            <a:off x="7639561" y="2746297"/>
+            <a:ext cx="1458252" cy="637647"/>
           </a:xfrm>
           <a:prstGeom prst="bentConnector3">
             <a:avLst>
-              <a:gd name="adj1" fmla="val 309856"/>
+              <a:gd name="adj1" fmla="val 36382"/>
             </a:avLst>
           </a:prstGeom>
-          <a:ln>
+          <a:ln w="19050">
+            <a:solidFill>
+              <a:schemeClr val="bg1"/>
+            </a:solidFill>
             <a:tailEnd type="triangle"/>
           </a:ln>
         </p:spPr>
@@ -5056,30 +7429,31 @@
       </p:cxnSp>
       <p:cxnSp>
         <p:nvCxnSpPr>
-          <p:cNvPr id="65" name="Connector: Elbow 64">
-            <a:extLst>
-              <a:ext uri="{FF2B5EF4-FFF2-40B4-BE49-F238E27FC236}">
-                <a16:creationId xmlns:a16="http://schemas.microsoft.com/office/drawing/2014/main" id="{82477834-84D4-613A-0CDC-5E69BB12C9C9}"/>
+          <p:cNvPr id="139" name="Connector: Elbow 138">
+            <a:extLst>
+              <a:ext uri="{FF2B5EF4-FFF2-40B4-BE49-F238E27FC236}">
+                <a16:creationId xmlns:a16="http://schemas.microsoft.com/office/drawing/2014/main" id="{DDE971E7-C7B4-831F-3815-BC9C07A45B62}"/>
               </a:ext>
             </a:extLst>
           </p:cNvPr>
           <p:cNvCxnSpPr>
-            <a:stCxn id="15" idx="5"/>
-            <a:endCxn id="18" idx="4"/>
+            <a:stCxn id="68" idx="1"/>
+            <a:endCxn id="31" idx="6"/>
           </p:cNvCxnSpPr>
           <p:nvPr/>
         </p:nvCxnSpPr>
         <p:spPr>
-          <a:xfrm rot="5400000" flipH="1" flipV="1">
-            <a:off x="8149935" y="3420652"/>
-            <a:ext cx="63615" cy="4875533"/>
+          <a:xfrm rot="10800000" flipV="1">
+            <a:off x="3597444" y="2101484"/>
+            <a:ext cx="938979" cy="558892"/>
           </a:xfrm>
           <a:prstGeom prst="bentConnector3">
-            <a:avLst>
-              <a:gd name="adj1" fmla="val -619912"/>
-            </a:avLst>
-          </a:prstGeom>
-          <a:ln>
+            <a:avLst/>
+          </a:prstGeom>
+          <a:ln w="19050">
+            <a:solidFill>
+              <a:schemeClr val="bg1"/>
+            </a:solidFill>
             <a:tailEnd type="triangle"/>
           </a:ln>
         </p:spPr>
@@ -5100,30 +7474,31 @@
       </p:cxnSp>
       <p:cxnSp>
         <p:nvCxnSpPr>
-          <p:cNvPr id="71" name="Connector: Elbow 70">
-            <a:extLst>
-              <a:ext uri="{FF2B5EF4-FFF2-40B4-BE49-F238E27FC236}">
-                <a16:creationId xmlns:a16="http://schemas.microsoft.com/office/drawing/2014/main" id="{8527F49A-5932-E039-758E-44CAB10C152B}"/>
+          <p:cNvPr id="141" name="Straight Arrow Connector 140">
+            <a:extLst>
+              <a:ext uri="{FF2B5EF4-FFF2-40B4-BE49-F238E27FC236}">
+                <a16:creationId xmlns:a16="http://schemas.microsoft.com/office/drawing/2014/main" id="{8EC4D1E0-3E0E-D798-F42E-A659F46ED109}"/>
               </a:ext>
             </a:extLst>
           </p:cNvPr>
           <p:cNvCxnSpPr>
-            <a:stCxn id="14" idx="3"/>
-            <a:endCxn id="17" idx="0"/>
+            <a:stCxn id="31" idx="4"/>
+            <a:endCxn id="32" idx="0"/>
           </p:cNvCxnSpPr>
           <p:nvPr/>
         </p:nvCxnSpPr>
         <p:spPr>
-          <a:xfrm rot="5400000">
-            <a:off x="3800454" y="841446"/>
-            <a:ext cx="1237820" cy="5587526"/>
-          </a:xfrm>
-          <a:prstGeom prst="bentConnector3">
-            <a:avLst>
-              <a:gd name="adj1" fmla="val 34952"/>
-            </a:avLst>
-          </a:prstGeom>
-          <a:ln>
+          <a:xfrm flipH="1">
+            <a:off x="2567026" y="2913221"/>
+            <a:ext cx="5948" cy="203772"/>
+          </a:xfrm>
+          <a:prstGeom prst="straightConnector1">
+            <a:avLst/>
+          </a:prstGeom>
+          <a:ln w="19050">
+            <a:solidFill>
+              <a:schemeClr val="bg1"/>
+            </a:solidFill>
             <a:tailEnd type="triangle"/>
           </a:ln>
         </p:spPr>
@@ -5144,27 +7519,34 @@
       </p:cxnSp>
       <p:cxnSp>
         <p:nvCxnSpPr>
-          <p:cNvPr id="77" name="Straight Arrow Connector 76">
-            <a:extLst>
-              <a:ext uri="{FF2B5EF4-FFF2-40B4-BE49-F238E27FC236}">
-                <a16:creationId xmlns:a16="http://schemas.microsoft.com/office/drawing/2014/main" id="{E0FFF599-3708-9195-3FD0-5862F66D4C6D}"/>
+          <p:cNvPr id="147" name="Connector: Elbow 146">
+            <a:extLst>
+              <a:ext uri="{FF2B5EF4-FFF2-40B4-BE49-F238E27FC236}">
+                <a16:creationId xmlns:a16="http://schemas.microsoft.com/office/drawing/2014/main" id="{032047C4-C544-D797-6591-4DD574BDC62B}"/>
               </a:ext>
             </a:extLst>
           </p:cNvPr>
           <p:cNvCxnSpPr>
-            <a:endCxn id="15" idx="2"/>
+            <a:cxnSpLocks/>
+            <a:stCxn id="31" idx="0"/>
+            <a:endCxn id="58" idx="3"/>
           </p:cNvCxnSpPr>
           <p:nvPr/>
         </p:nvCxnSpPr>
         <p:spPr>
-          <a:xfrm>
-            <a:off x="2417419" y="5040363"/>
-            <a:ext cx="1274810" cy="1"/>
-          </a:xfrm>
-          <a:prstGeom prst="straightConnector1">
-            <a:avLst/>
-          </a:prstGeom>
-          <a:ln>
+          <a:xfrm rot="16200000" flipH="1" flipV="1">
+            <a:off x="1735785" y="1619921"/>
+            <a:ext cx="49580" cy="1624798"/>
+          </a:xfrm>
+          <a:prstGeom prst="bentConnector3">
+            <a:avLst>
+              <a:gd name="adj1" fmla="val -153691"/>
+            </a:avLst>
+          </a:prstGeom>
+          <a:ln w="19050">
+            <a:solidFill>
+              <a:schemeClr val="bg1"/>
+            </a:solidFill>
             <a:tailEnd type="triangle"/>
           </a:ln>
         </p:spPr>
@@ -5183,24 +7565,1917 @@
           </a:fontRef>
         </p:style>
       </p:cxnSp>
+      <p:cxnSp>
+        <p:nvCxnSpPr>
+          <p:cNvPr id="155" name="Connector: Elbow 154">
+            <a:extLst>
+              <a:ext uri="{FF2B5EF4-FFF2-40B4-BE49-F238E27FC236}">
+                <a16:creationId xmlns:a16="http://schemas.microsoft.com/office/drawing/2014/main" id="{B16708E8-D520-22D8-1334-03530E1D771F}"/>
+              </a:ext>
+            </a:extLst>
+          </p:cNvPr>
+          <p:cNvCxnSpPr>
+            <a:stCxn id="34" idx="1"/>
+            <a:endCxn id="58" idx="1"/>
+          </p:cNvCxnSpPr>
+          <p:nvPr/>
+        </p:nvCxnSpPr>
+        <p:spPr>
+          <a:xfrm rot="10800000" flipV="1">
+            <a:off x="948176" y="3375472"/>
+            <a:ext cx="600328" cy="247212"/>
+          </a:xfrm>
+          <a:prstGeom prst="bentConnector4">
+            <a:avLst>
+              <a:gd name="adj1" fmla="val 10510"/>
+              <a:gd name="adj2" fmla="val 146235"/>
+            </a:avLst>
+          </a:prstGeom>
+          <a:ln w="19050">
+            <a:solidFill>
+              <a:schemeClr val="bg1"/>
+            </a:solidFill>
+            <a:tailEnd type="triangle"/>
+          </a:ln>
+        </p:spPr>
+        <p:style>
+          <a:lnRef idx="1">
+            <a:schemeClr val="accent1"/>
+          </a:lnRef>
+          <a:fillRef idx="0">
+            <a:schemeClr val="accent1"/>
+          </a:fillRef>
+          <a:effectRef idx="0">
+            <a:schemeClr val="accent1"/>
+          </a:effectRef>
+          <a:fontRef idx="minor">
+            <a:schemeClr val="tx1"/>
+          </a:fontRef>
+        </p:style>
+      </p:cxnSp>
+      <p:cxnSp>
+        <p:nvCxnSpPr>
+          <p:cNvPr id="159" name="Connector: Elbow 158">
+            <a:extLst>
+              <a:ext uri="{FF2B5EF4-FFF2-40B4-BE49-F238E27FC236}">
+                <a16:creationId xmlns:a16="http://schemas.microsoft.com/office/drawing/2014/main" id="{E0DB17EF-534A-506B-5825-9F271E6AA1C4}"/>
+              </a:ext>
+            </a:extLst>
+          </p:cNvPr>
+          <p:cNvCxnSpPr>
+            <a:stCxn id="58" idx="0"/>
+            <a:endCxn id="31" idx="2"/>
+          </p:cNvCxnSpPr>
+          <p:nvPr/>
+        </p:nvCxnSpPr>
+        <p:spPr>
+          <a:xfrm flipV="1">
+            <a:off x="1320709" y="2660376"/>
+            <a:ext cx="227796" cy="379521"/>
+          </a:xfrm>
+          <a:prstGeom prst="bentConnector3">
+            <a:avLst>
+              <a:gd name="adj1" fmla="val 38850"/>
+            </a:avLst>
+          </a:prstGeom>
+          <a:ln w="19050">
+            <a:solidFill>
+              <a:schemeClr val="bg1"/>
+            </a:solidFill>
+            <a:tailEnd type="triangle"/>
+          </a:ln>
+        </p:spPr>
+        <p:style>
+          <a:lnRef idx="1">
+            <a:schemeClr val="accent1"/>
+          </a:lnRef>
+          <a:fillRef idx="0">
+            <a:schemeClr val="accent1"/>
+          </a:fillRef>
+          <a:effectRef idx="0">
+            <a:schemeClr val="accent1"/>
+          </a:effectRef>
+          <a:fontRef idx="minor">
+            <a:schemeClr val="tx1"/>
+          </a:fontRef>
+        </p:style>
+      </p:cxnSp>
+      <p:cxnSp>
+        <p:nvCxnSpPr>
+          <p:cNvPr id="162" name="Connector: Elbow 161">
+            <a:extLst>
+              <a:ext uri="{FF2B5EF4-FFF2-40B4-BE49-F238E27FC236}">
+                <a16:creationId xmlns:a16="http://schemas.microsoft.com/office/drawing/2014/main" id="{E591CB2D-65BF-7F84-6918-996A0E4B6A54}"/>
+              </a:ext>
+            </a:extLst>
+          </p:cNvPr>
+          <p:cNvCxnSpPr>
+            <a:stCxn id="61" idx="2"/>
+            <a:endCxn id="48" idx="0"/>
+          </p:cNvCxnSpPr>
+          <p:nvPr/>
+        </p:nvCxnSpPr>
+        <p:spPr>
+          <a:xfrm rot="5400000">
+            <a:off x="9206039" y="3972015"/>
+            <a:ext cx="1259686" cy="602437"/>
+          </a:xfrm>
+          <a:prstGeom prst="bentConnector3">
+            <a:avLst>
+              <a:gd name="adj1" fmla="val 39918"/>
+            </a:avLst>
+          </a:prstGeom>
+          <a:ln w="19050">
+            <a:solidFill>
+              <a:schemeClr val="bg1"/>
+            </a:solidFill>
+            <a:tailEnd type="triangle"/>
+          </a:ln>
+        </p:spPr>
+        <p:style>
+          <a:lnRef idx="1">
+            <a:schemeClr val="accent1"/>
+          </a:lnRef>
+          <a:fillRef idx="0">
+            <a:schemeClr val="accent1"/>
+          </a:fillRef>
+          <a:effectRef idx="0">
+            <a:schemeClr val="accent1"/>
+          </a:effectRef>
+          <a:fontRef idx="minor">
+            <a:schemeClr val="tx1"/>
+          </a:fontRef>
+        </p:style>
+      </p:cxnSp>
+      <p:cxnSp>
+        <p:nvCxnSpPr>
+          <p:cNvPr id="165" name="Connector: Elbow 164">
+            <a:extLst>
+              <a:ext uri="{FF2B5EF4-FFF2-40B4-BE49-F238E27FC236}">
+                <a16:creationId xmlns:a16="http://schemas.microsoft.com/office/drawing/2014/main" id="{EC1C6EBE-2FFC-2403-D0F3-7152C43C6F74}"/>
+              </a:ext>
+            </a:extLst>
+          </p:cNvPr>
+          <p:cNvCxnSpPr>
+            <a:stCxn id="48" idx="6"/>
+            <a:endCxn id="54" idx="3"/>
+          </p:cNvCxnSpPr>
+          <p:nvPr/>
+        </p:nvCxnSpPr>
+        <p:spPr>
+          <a:xfrm flipV="1">
+            <a:off x="10559132" y="4803968"/>
+            <a:ext cx="721836" cy="351954"/>
+          </a:xfrm>
+          <a:prstGeom prst="bentConnector4">
+            <a:avLst>
+              <a:gd name="adj1" fmla="val 24195"/>
+              <a:gd name="adj2" fmla="val 139693"/>
+            </a:avLst>
+          </a:prstGeom>
+          <a:ln w="19050">
+            <a:solidFill>
+              <a:schemeClr val="bg1"/>
+            </a:solidFill>
+            <a:tailEnd type="triangle"/>
+          </a:ln>
+        </p:spPr>
+        <p:style>
+          <a:lnRef idx="1">
+            <a:schemeClr val="accent1"/>
+          </a:lnRef>
+          <a:fillRef idx="0">
+            <a:schemeClr val="accent1"/>
+          </a:fillRef>
+          <a:effectRef idx="0">
+            <a:schemeClr val="accent1"/>
+          </a:effectRef>
+          <a:fontRef idx="minor">
+            <a:schemeClr val="tx1"/>
+          </a:fontRef>
+        </p:style>
+      </p:cxnSp>
+      <p:cxnSp>
+        <p:nvCxnSpPr>
+          <p:cNvPr id="193" name="Connector: Elbow 192">
+            <a:extLst>
+              <a:ext uri="{FF2B5EF4-FFF2-40B4-BE49-F238E27FC236}">
+                <a16:creationId xmlns:a16="http://schemas.microsoft.com/office/drawing/2014/main" id="{B6AFB2C6-F504-3062-A9A6-07F300AB5FA9}"/>
+              </a:ext>
+            </a:extLst>
+          </p:cNvPr>
+          <p:cNvCxnSpPr>
+            <a:cxnSpLocks/>
+            <a:stCxn id="58" idx="2"/>
+            <a:endCxn id="26" idx="2"/>
+          </p:cNvCxnSpPr>
+          <p:nvPr/>
+        </p:nvCxnSpPr>
+        <p:spPr>
+          <a:xfrm rot="10800000" flipH="1" flipV="1">
+            <a:off x="575642" y="3039897"/>
+            <a:ext cx="345274" cy="1879926"/>
+          </a:xfrm>
+          <a:prstGeom prst="bentConnector3">
+            <a:avLst>
+              <a:gd name="adj1" fmla="val -97105"/>
+            </a:avLst>
+          </a:prstGeom>
+          <a:ln w="19050">
+            <a:solidFill>
+              <a:schemeClr val="bg1"/>
+            </a:solidFill>
+            <a:tailEnd type="triangle"/>
+          </a:ln>
+        </p:spPr>
+        <p:style>
+          <a:lnRef idx="1">
+            <a:schemeClr val="accent1"/>
+          </a:lnRef>
+          <a:fillRef idx="0">
+            <a:schemeClr val="accent1"/>
+          </a:fillRef>
+          <a:effectRef idx="0">
+            <a:schemeClr val="accent1"/>
+          </a:effectRef>
+          <a:fontRef idx="minor">
+            <a:schemeClr val="tx1"/>
+          </a:fontRef>
+        </p:style>
+      </p:cxnSp>
+      <p:cxnSp>
+        <p:nvCxnSpPr>
+          <p:cNvPr id="215" name="Connector: Elbow 214">
+            <a:extLst>
+              <a:ext uri="{FF2B5EF4-FFF2-40B4-BE49-F238E27FC236}">
+                <a16:creationId xmlns:a16="http://schemas.microsoft.com/office/drawing/2014/main" id="{7A240AD2-5862-3768-733C-A80B79115CC9}"/>
+              </a:ext>
+            </a:extLst>
+          </p:cNvPr>
+          <p:cNvCxnSpPr>
+            <a:cxnSpLocks/>
+            <a:endCxn id="27" idx="2"/>
+          </p:cNvCxnSpPr>
+          <p:nvPr/>
+        </p:nvCxnSpPr>
+        <p:spPr>
+          <a:xfrm rot="16200000" flipH="1">
+            <a:off x="-166787" y="4467025"/>
+            <a:ext cx="1924294" cy="251112"/>
+          </a:xfrm>
+          <a:prstGeom prst="bentConnector2">
+            <a:avLst/>
+          </a:prstGeom>
+          <a:ln w="19050">
+            <a:solidFill>
+              <a:schemeClr val="bg1"/>
+            </a:solidFill>
+            <a:tailEnd type="triangle"/>
+          </a:ln>
+        </p:spPr>
+        <p:style>
+          <a:lnRef idx="1">
+            <a:schemeClr val="accent1"/>
+          </a:lnRef>
+          <a:fillRef idx="0">
+            <a:schemeClr val="accent1"/>
+          </a:fillRef>
+          <a:effectRef idx="0">
+            <a:schemeClr val="accent1"/>
+          </a:effectRef>
+          <a:fontRef idx="minor">
+            <a:schemeClr val="tx1"/>
+          </a:fontRef>
+        </p:style>
+      </p:cxnSp>
+      <p:cxnSp>
+        <p:nvCxnSpPr>
+          <p:cNvPr id="221" name="Straight Arrow Connector 220">
+            <a:extLst>
+              <a:ext uri="{FF2B5EF4-FFF2-40B4-BE49-F238E27FC236}">
+                <a16:creationId xmlns:a16="http://schemas.microsoft.com/office/drawing/2014/main" id="{5C7DB563-CB30-7CDA-2C05-47312791BF53}"/>
+              </a:ext>
+            </a:extLst>
+          </p:cNvPr>
+          <p:cNvCxnSpPr>
+            <a:stCxn id="27" idx="3"/>
+            <a:endCxn id="28" idx="1"/>
+          </p:cNvCxnSpPr>
+          <p:nvPr/>
+        </p:nvCxnSpPr>
+        <p:spPr>
+          <a:xfrm>
+            <a:off x="1220976" y="5733516"/>
+            <a:ext cx="0" cy="299041"/>
+          </a:xfrm>
+          <a:prstGeom prst="straightConnector1">
+            <a:avLst/>
+          </a:prstGeom>
+          <a:ln w="19050">
+            <a:solidFill>
+              <a:schemeClr val="bg1"/>
+            </a:solidFill>
+            <a:tailEnd type="triangle"/>
+          </a:ln>
+        </p:spPr>
+        <p:style>
+          <a:lnRef idx="1">
+            <a:schemeClr val="accent1"/>
+          </a:lnRef>
+          <a:fillRef idx="0">
+            <a:schemeClr val="accent1"/>
+          </a:fillRef>
+          <a:effectRef idx="0">
+            <a:schemeClr val="accent1"/>
+          </a:effectRef>
+          <a:fontRef idx="minor">
+            <a:schemeClr val="tx1"/>
+          </a:fontRef>
+        </p:style>
+      </p:cxnSp>
+      <p:cxnSp>
+        <p:nvCxnSpPr>
+          <p:cNvPr id="223" name="Connector: Elbow 222">
+            <a:extLst>
+              <a:ext uri="{FF2B5EF4-FFF2-40B4-BE49-F238E27FC236}">
+                <a16:creationId xmlns:a16="http://schemas.microsoft.com/office/drawing/2014/main" id="{70D9F894-95A0-4FCC-83AB-B85EEEC80609}"/>
+              </a:ext>
+            </a:extLst>
+          </p:cNvPr>
+          <p:cNvCxnSpPr>
+            <a:stCxn id="26" idx="6"/>
+            <a:endCxn id="28" idx="7"/>
+          </p:cNvCxnSpPr>
+          <p:nvPr/>
+        </p:nvCxnSpPr>
+        <p:spPr>
+          <a:xfrm flipH="1">
+            <a:off x="2669794" y="4919823"/>
+            <a:ext cx="300060" cy="1112734"/>
+          </a:xfrm>
+          <a:prstGeom prst="bentConnector4">
+            <a:avLst>
+              <a:gd name="adj1" fmla="val -41555"/>
+              <a:gd name="adj2" fmla="val 79823"/>
+            </a:avLst>
+          </a:prstGeom>
+          <a:ln w="19050">
+            <a:solidFill>
+              <a:schemeClr val="bg1"/>
+            </a:solidFill>
+            <a:tailEnd type="triangle"/>
+          </a:ln>
+        </p:spPr>
+        <p:style>
+          <a:lnRef idx="1">
+            <a:schemeClr val="accent1"/>
+          </a:lnRef>
+          <a:fillRef idx="0">
+            <a:schemeClr val="accent1"/>
+          </a:fillRef>
+          <a:effectRef idx="0">
+            <a:schemeClr val="accent1"/>
+          </a:effectRef>
+          <a:fontRef idx="minor">
+            <a:schemeClr val="tx1"/>
+          </a:fontRef>
+        </p:style>
+      </p:cxnSp>
+      <p:cxnSp>
+        <p:nvCxnSpPr>
+          <p:cNvPr id="227" name="Connector: Elbow 226">
+            <a:extLst>
+              <a:ext uri="{FF2B5EF4-FFF2-40B4-BE49-F238E27FC236}">
+                <a16:creationId xmlns:a16="http://schemas.microsoft.com/office/drawing/2014/main" id="{21EDDAD9-ED66-29CE-8A7D-A17BB4DDFBD8}"/>
+              </a:ext>
+            </a:extLst>
+          </p:cNvPr>
+          <p:cNvCxnSpPr>
+            <a:cxnSpLocks/>
+            <a:stCxn id="28" idx="6"/>
+            <a:endCxn id="74" idx="1"/>
+          </p:cNvCxnSpPr>
+          <p:nvPr/>
+        </p:nvCxnSpPr>
+        <p:spPr>
+          <a:xfrm flipV="1">
+            <a:off x="2969854" y="2743909"/>
+            <a:ext cx="1541020" cy="3467437"/>
+          </a:xfrm>
+          <a:prstGeom prst="bentConnector3">
+            <a:avLst>
+              <a:gd name="adj1" fmla="val 70678"/>
+            </a:avLst>
+          </a:prstGeom>
+          <a:ln w="19050">
+            <a:solidFill>
+              <a:schemeClr val="bg1"/>
+            </a:solidFill>
+            <a:tailEnd type="triangle"/>
+          </a:ln>
+        </p:spPr>
+        <p:style>
+          <a:lnRef idx="1">
+            <a:schemeClr val="accent1"/>
+          </a:lnRef>
+          <a:fillRef idx="0">
+            <a:schemeClr val="accent1"/>
+          </a:fillRef>
+          <a:effectRef idx="0">
+            <a:schemeClr val="accent1"/>
+          </a:effectRef>
+          <a:fontRef idx="minor">
+            <a:schemeClr val="tx1"/>
+          </a:fontRef>
+        </p:style>
+      </p:cxnSp>
+      <p:cxnSp>
+        <p:nvCxnSpPr>
+          <p:cNvPr id="245" name="Connector: Elbow 244">
+            <a:extLst>
+              <a:ext uri="{FF2B5EF4-FFF2-40B4-BE49-F238E27FC236}">
+                <a16:creationId xmlns:a16="http://schemas.microsoft.com/office/drawing/2014/main" id="{E22923EB-3774-4255-C8B9-E5725D7C1BB7}"/>
+              </a:ext>
+            </a:extLst>
+          </p:cNvPr>
+          <p:cNvCxnSpPr>
+            <a:cxnSpLocks/>
+            <a:stCxn id="23" idx="2"/>
+            <a:endCxn id="80" idx="1"/>
+          </p:cNvCxnSpPr>
+          <p:nvPr/>
+        </p:nvCxnSpPr>
+        <p:spPr>
+          <a:xfrm rot="10800000">
+            <a:off x="4510875" y="3418633"/>
+            <a:ext cx="539873" cy="1483376"/>
+          </a:xfrm>
+          <a:prstGeom prst="bentConnector3">
+            <a:avLst>
+              <a:gd name="adj1" fmla="val 142343"/>
+            </a:avLst>
+          </a:prstGeom>
+          <a:ln w="19050">
+            <a:solidFill>
+              <a:schemeClr val="bg1"/>
+            </a:solidFill>
+            <a:tailEnd type="triangle"/>
+          </a:ln>
+        </p:spPr>
+        <p:style>
+          <a:lnRef idx="1">
+            <a:schemeClr val="accent1"/>
+          </a:lnRef>
+          <a:fillRef idx="0">
+            <a:schemeClr val="accent1"/>
+          </a:fillRef>
+          <a:effectRef idx="0">
+            <a:schemeClr val="accent1"/>
+          </a:effectRef>
+          <a:fontRef idx="minor">
+            <a:schemeClr val="tx1"/>
+          </a:fontRef>
+        </p:style>
+      </p:cxnSp>
+      <p:cxnSp>
+        <p:nvCxnSpPr>
+          <p:cNvPr id="250" name="Connector: Elbow 249">
+            <a:extLst>
+              <a:ext uri="{FF2B5EF4-FFF2-40B4-BE49-F238E27FC236}">
+                <a16:creationId xmlns:a16="http://schemas.microsoft.com/office/drawing/2014/main" id="{D669CF93-1283-8E67-2668-19FD0B2F3B2A}"/>
+              </a:ext>
+            </a:extLst>
+          </p:cNvPr>
+          <p:cNvCxnSpPr>
+            <a:stCxn id="38" idx="2"/>
+            <a:endCxn id="10" idx="0"/>
+          </p:cNvCxnSpPr>
+          <p:nvPr/>
+        </p:nvCxnSpPr>
+        <p:spPr>
+          <a:xfrm rot="5400000" flipH="1" flipV="1">
+            <a:off x="2910540" y="4491538"/>
+            <a:ext cx="1032112" cy="2901358"/>
+          </a:xfrm>
+          <a:prstGeom prst="bentConnector4">
+            <a:avLst>
+              <a:gd name="adj1" fmla="val -26847"/>
+              <a:gd name="adj2" fmla="val 89690"/>
+            </a:avLst>
+          </a:prstGeom>
+          <a:ln w="19050">
+            <a:solidFill>
+              <a:schemeClr val="bg1"/>
+            </a:solidFill>
+            <a:tailEnd type="triangle"/>
+          </a:ln>
+        </p:spPr>
+        <p:style>
+          <a:lnRef idx="1">
+            <a:schemeClr val="accent1"/>
+          </a:lnRef>
+          <a:fillRef idx="0">
+            <a:schemeClr val="accent1"/>
+          </a:fillRef>
+          <a:effectRef idx="0">
+            <a:schemeClr val="accent1"/>
+          </a:effectRef>
+          <a:fontRef idx="minor">
+            <a:schemeClr val="tx1"/>
+          </a:fontRef>
+        </p:style>
+      </p:cxnSp>
+      <p:cxnSp>
+        <p:nvCxnSpPr>
+          <p:cNvPr id="254" name="Connector: Elbow 253">
+            <a:extLst>
+              <a:ext uri="{FF2B5EF4-FFF2-40B4-BE49-F238E27FC236}">
+                <a16:creationId xmlns:a16="http://schemas.microsoft.com/office/drawing/2014/main" id="{C6E670C7-18BC-55DB-DC21-A47096E6A1DD}"/>
+              </a:ext>
+            </a:extLst>
+          </p:cNvPr>
+          <p:cNvCxnSpPr>
+            <a:cxnSpLocks/>
+            <a:stCxn id="43" idx="6"/>
+            <a:endCxn id="49" idx="6"/>
+          </p:cNvCxnSpPr>
+          <p:nvPr/>
+        </p:nvCxnSpPr>
+        <p:spPr>
+          <a:xfrm flipV="1">
+            <a:off x="7120654" y="5790827"/>
+            <a:ext cx="3438478" cy="351254"/>
+          </a:xfrm>
+          <a:prstGeom prst="bentConnector3">
+            <a:avLst>
+              <a:gd name="adj1" fmla="val 106648"/>
+            </a:avLst>
+          </a:prstGeom>
+          <a:ln w="19050">
+            <a:solidFill>
+              <a:schemeClr val="bg1"/>
+            </a:solidFill>
+            <a:tailEnd type="triangle"/>
+          </a:ln>
+        </p:spPr>
+        <p:style>
+          <a:lnRef idx="1">
+            <a:schemeClr val="accent1"/>
+          </a:lnRef>
+          <a:fillRef idx="0">
+            <a:schemeClr val="accent1"/>
+          </a:fillRef>
+          <a:effectRef idx="0">
+            <a:schemeClr val="accent1"/>
+          </a:effectRef>
+          <a:fontRef idx="minor">
+            <a:schemeClr val="tx1"/>
+          </a:fontRef>
+        </p:style>
+      </p:cxnSp>
+      <p:cxnSp>
+        <p:nvCxnSpPr>
+          <p:cNvPr id="257" name="Connector: Elbow 256">
+            <a:extLst>
+              <a:ext uri="{FF2B5EF4-FFF2-40B4-BE49-F238E27FC236}">
+                <a16:creationId xmlns:a16="http://schemas.microsoft.com/office/drawing/2014/main" id="{C9764A36-C88D-D71F-296C-BAB11482EE48}"/>
+              </a:ext>
+            </a:extLst>
+          </p:cNvPr>
+          <p:cNvCxnSpPr>
+            <a:cxnSpLocks/>
+            <a:stCxn id="24" idx="6"/>
+            <a:endCxn id="49" idx="5"/>
+          </p:cNvCxnSpPr>
+          <p:nvPr/>
+        </p:nvCxnSpPr>
+        <p:spPr>
+          <a:xfrm>
+            <a:off x="7099685" y="5522045"/>
+            <a:ext cx="3159387" cy="447570"/>
+          </a:xfrm>
+          <a:prstGeom prst="bentConnector4">
+            <a:avLst>
+              <a:gd name="adj1" fmla="val 12675"/>
+              <a:gd name="adj2" fmla="val 256323"/>
+            </a:avLst>
+          </a:prstGeom>
+          <a:ln w="19050">
+            <a:solidFill>
+              <a:schemeClr val="bg1"/>
+            </a:solidFill>
+            <a:tailEnd type="triangle"/>
+          </a:ln>
+        </p:spPr>
+        <p:style>
+          <a:lnRef idx="1">
+            <a:schemeClr val="accent1"/>
+          </a:lnRef>
+          <a:fillRef idx="0">
+            <a:schemeClr val="accent1"/>
+          </a:fillRef>
+          <a:effectRef idx="0">
+            <a:schemeClr val="accent1"/>
+          </a:effectRef>
+          <a:fontRef idx="minor">
+            <a:schemeClr val="tx1"/>
+          </a:fontRef>
+        </p:style>
+      </p:cxnSp>
+      <p:cxnSp>
+        <p:nvCxnSpPr>
+          <p:cNvPr id="275" name="Connector: Elbow 274">
+            <a:extLst>
+              <a:ext uri="{FF2B5EF4-FFF2-40B4-BE49-F238E27FC236}">
+                <a16:creationId xmlns:a16="http://schemas.microsoft.com/office/drawing/2014/main" id="{F5E5410F-6423-8ECF-7E00-559E6460E8D7}"/>
+              </a:ext>
+            </a:extLst>
+          </p:cNvPr>
+          <p:cNvCxnSpPr>
+            <a:cxnSpLocks/>
+            <a:stCxn id="54" idx="1"/>
+            <a:endCxn id="87" idx="3"/>
+          </p:cNvCxnSpPr>
+          <p:nvPr/>
+        </p:nvCxnSpPr>
+        <p:spPr>
+          <a:xfrm rot="5400000" flipH="1">
+            <a:off x="8052488" y="3008094"/>
+            <a:ext cx="2815554" cy="3641407"/>
+          </a:xfrm>
+          <a:prstGeom prst="bentConnector4">
+            <a:avLst>
+              <a:gd name="adj1" fmla="val -4510"/>
+              <a:gd name="adj2" fmla="val 83650"/>
+            </a:avLst>
+          </a:prstGeom>
+          <a:ln w="19050">
+            <a:solidFill>
+              <a:schemeClr val="bg1"/>
+            </a:solidFill>
+            <a:tailEnd type="triangle"/>
+          </a:ln>
+        </p:spPr>
+        <p:style>
+          <a:lnRef idx="1">
+            <a:schemeClr val="accent1"/>
+          </a:lnRef>
+          <a:fillRef idx="0">
+            <a:schemeClr val="accent1"/>
+          </a:fillRef>
+          <a:effectRef idx="0">
+            <a:schemeClr val="accent1"/>
+          </a:effectRef>
+          <a:fontRef idx="minor">
+            <a:schemeClr val="tx1"/>
+          </a:fontRef>
+        </p:style>
+      </p:cxnSp>
+      <p:cxnSp>
+        <p:nvCxnSpPr>
+          <p:cNvPr id="286" name="Connector: Elbow 285">
+            <a:extLst>
+              <a:ext uri="{FF2B5EF4-FFF2-40B4-BE49-F238E27FC236}">
+                <a16:creationId xmlns:a16="http://schemas.microsoft.com/office/drawing/2014/main" id="{54924FA4-E869-A019-1F83-025327DD5FF3}"/>
+              </a:ext>
+            </a:extLst>
+          </p:cNvPr>
+          <p:cNvCxnSpPr>
+            <a:stCxn id="49" idx="7"/>
+            <a:endCxn id="54" idx="2"/>
+          </p:cNvCxnSpPr>
+          <p:nvPr/>
+        </p:nvCxnSpPr>
+        <p:spPr>
+          <a:xfrm rot="5400000" flipH="1" flipV="1">
+            <a:off x="10537870" y="5241474"/>
+            <a:ext cx="91767" cy="649362"/>
+          </a:xfrm>
+          <a:prstGeom prst="bentConnector2">
+            <a:avLst/>
+          </a:prstGeom>
+          <a:ln w="19050">
+            <a:solidFill>
+              <a:schemeClr val="bg1"/>
+            </a:solidFill>
+            <a:tailEnd type="triangle"/>
+          </a:ln>
+        </p:spPr>
+        <p:style>
+          <a:lnRef idx="1">
+            <a:schemeClr val="accent1"/>
+          </a:lnRef>
+          <a:fillRef idx="0">
+            <a:schemeClr val="accent1"/>
+          </a:fillRef>
+          <a:effectRef idx="0">
+            <a:schemeClr val="accent1"/>
+          </a:effectRef>
+          <a:fontRef idx="minor">
+            <a:schemeClr val="tx1"/>
+          </a:fontRef>
+        </p:style>
+      </p:cxnSp>
+      <p:cxnSp>
+        <p:nvCxnSpPr>
+          <p:cNvPr id="301" name="Straight Arrow Connector 300">
+            <a:extLst>
+              <a:ext uri="{FF2B5EF4-FFF2-40B4-BE49-F238E27FC236}">
+                <a16:creationId xmlns:a16="http://schemas.microsoft.com/office/drawing/2014/main" id="{DD08F423-1394-A84F-6427-D105F2103349}"/>
+              </a:ext>
+            </a:extLst>
+          </p:cNvPr>
+          <p:cNvCxnSpPr>
+            <a:stCxn id="18" idx="0"/>
+            <a:endCxn id="83" idx="2"/>
+          </p:cNvCxnSpPr>
+          <p:nvPr/>
+        </p:nvCxnSpPr>
+        <p:spPr>
+          <a:xfrm flipV="1">
+            <a:off x="6075217" y="3708738"/>
+            <a:ext cx="2" cy="604505"/>
+          </a:xfrm>
+          <a:prstGeom prst="straightConnector1">
+            <a:avLst/>
+          </a:prstGeom>
+          <a:ln w="19050">
+            <a:solidFill>
+              <a:schemeClr val="bg1"/>
+            </a:solidFill>
+            <a:tailEnd type="triangle"/>
+          </a:ln>
+        </p:spPr>
+        <p:style>
+          <a:lnRef idx="1">
+            <a:schemeClr val="accent1"/>
+          </a:lnRef>
+          <a:fillRef idx="0">
+            <a:schemeClr val="accent1"/>
+          </a:fillRef>
+          <a:effectRef idx="0">
+            <a:schemeClr val="accent1"/>
+          </a:effectRef>
+          <a:fontRef idx="minor">
+            <a:schemeClr val="tx1"/>
+          </a:fontRef>
+        </p:style>
+      </p:cxnSp>
+      <p:cxnSp>
+        <p:nvCxnSpPr>
+          <p:cNvPr id="303" name="Straight Arrow Connector 302">
+            <a:extLst>
+              <a:ext uri="{FF2B5EF4-FFF2-40B4-BE49-F238E27FC236}">
+                <a16:creationId xmlns:a16="http://schemas.microsoft.com/office/drawing/2014/main" id="{02E463A3-7EB3-C604-D62C-0F1F09C3B871}"/>
+              </a:ext>
+            </a:extLst>
+          </p:cNvPr>
+          <p:cNvCxnSpPr>
+            <a:cxnSpLocks/>
+            <a:stCxn id="48" idx="4"/>
+            <a:endCxn id="49" idx="0"/>
+          </p:cNvCxnSpPr>
+          <p:nvPr/>
+        </p:nvCxnSpPr>
+        <p:spPr>
+          <a:xfrm>
+            <a:off x="9534663" y="5408767"/>
+            <a:ext cx="0" cy="129214"/>
+          </a:xfrm>
+          <a:prstGeom prst="straightConnector1">
+            <a:avLst/>
+          </a:prstGeom>
+          <a:ln w="19050">
+            <a:solidFill>
+              <a:schemeClr val="bg1"/>
+            </a:solidFill>
+            <a:tailEnd type="triangle"/>
+          </a:ln>
+        </p:spPr>
+        <p:style>
+          <a:lnRef idx="1">
+            <a:schemeClr val="accent1"/>
+          </a:lnRef>
+          <a:fillRef idx="0">
+            <a:schemeClr val="accent1"/>
+          </a:fillRef>
+          <a:effectRef idx="0">
+            <a:schemeClr val="accent1"/>
+          </a:effectRef>
+          <a:fontRef idx="minor">
+            <a:schemeClr val="tx1"/>
+          </a:fontRef>
+        </p:style>
+      </p:cxnSp>
+      <p:sp>
+        <p:nvSpPr>
+          <p:cNvPr id="306" name="TextBox 305">
+            <a:extLst>
+              <a:ext uri="{FF2B5EF4-FFF2-40B4-BE49-F238E27FC236}">
+                <a16:creationId xmlns:a16="http://schemas.microsoft.com/office/drawing/2014/main" id="{E92221AE-BA7C-44F5-0FEA-24AFC6E1D2C0}"/>
+              </a:ext>
+            </a:extLst>
+          </p:cNvPr>
+          <p:cNvSpPr txBox="1"/>
+          <p:nvPr/>
+        </p:nvSpPr>
+        <p:spPr>
+          <a:xfrm>
+            <a:off x="6489247" y="688949"/>
+            <a:ext cx="1473292" cy="246221"/>
+          </a:xfrm>
+          <a:prstGeom prst="rect">
+            <a:avLst/>
+          </a:prstGeom>
+          <a:noFill/>
+        </p:spPr>
+        <p:txBody>
+          <a:bodyPr wrap="square" rtlCol="0">
+            <a:spAutoFit/>
+          </a:bodyPr>
+          <a:lstStyle/>
+          <a:p>
+            <a:pPr algn="ctr"/>
+            <a:r>
+              <a:rPr lang="en-IN" sz="1000" b="1" dirty="0">
+                <a:solidFill>
+                  <a:srgbClr val="FFFF00"/>
+                </a:solidFill>
+                <a:latin typeface="Product Sans" panose="020B0403030502040203" pitchFamily="34" charset="0"/>
+              </a:rPr>
+              <a:t>Credentials</a:t>
+            </a:r>
+          </a:p>
+        </p:txBody>
+      </p:sp>
+      <p:sp>
+        <p:nvSpPr>
+          <p:cNvPr id="307" name="TextBox 306">
+            <a:extLst>
+              <a:ext uri="{FF2B5EF4-FFF2-40B4-BE49-F238E27FC236}">
+                <a16:creationId xmlns:a16="http://schemas.microsoft.com/office/drawing/2014/main" id="{5AE4969C-F150-847A-8750-38FF2F04FF1E}"/>
+              </a:ext>
+            </a:extLst>
+          </p:cNvPr>
+          <p:cNvSpPr txBox="1"/>
+          <p:nvPr/>
+        </p:nvSpPr>
+        <p:spPr>
+          <a:xfrm>
+            <a:off x="6349399" y="1129661"/>
+            <a:ext cx="1473292" cy="246221"/>
+          </a:xfrm>
+          <a:prstGeom prst="rect">
+            <a:avLst/>
+          </a:prstGeom>
+          <a:noFill/>
+        </p:spPr>
+        <p:txBody>
+          <a:bodyPr wrap="square" rtlCol="0">
+            <a:spAutoFit/>
+          </a:bodyPr>
+          <a:lstStyle/>
+          <a:p>
+            <a:pPr algn="ctr"/>
+            <a:r>
+              <a:rPr lang="en-IN" sz="1000" b="1" dirty="0">
+                <a:solidFill>
+                  <a:srgbClr val="FFFF00"/>
+                </a:solidFill>
+                <a:latin typeface="Product Sans" panose="020B0403030502040203" pitchFamily="34" charset="0"/>
+              </a:rPr>
+              <a:t>User Authenticated</a:t>
+            </a:r>
+          </a:p>
+        </p:txBody>
+      </p:sp>
+      <p:sp>
+        <p:nvSpPr>
+          <p:cNvPr id="308" name="TextBox 307">
+            <a:extLst>
+              <a:ext uri="{FF2B5EF4-FFF2-40B4-BE49-F238E27FC236}">
+                <a16:creationId xmlns:a16="http://schemas.microsoft.com/office/drawing/2014/main" id="{114B5E1D-0556-E759-D2FC-5CE7348BB1D5}"/>
+              </a:ext>
+            </a:extLst>
+          </p:cNvPr>
+          <p:cNvSpPr txBox="1"/>
+          <p:nvPr/>
+        </p:nvSpPr>
+        <p:spPr>
+          <a:xfrm>
+            <a:off x="3950146" y="281725"/>
+            <a:ext cx="2266503" cy="246221"/>
+          </a:xfrm>
+          <a:prstGeom prst="rect">
+            <a:avLst/>
+          </a:prstGeom>
+          <a:noFill/>
+        </p:spPr>
+        <p:txBody>
+          <a:bodyPr wrap="square" rtlCol="0">
+            <a:spAutoFit/>
+          </a:bodyPr>
+          <a:lstStyle/>
+          <a:p>
+            <a:pPr algn="ctr"/>
+            <a:r>
+              <a:rPr lang="en-IN" sz="1000" b="1" dirty="0">
+                <a:solidFill>
+                  <a:srgbClr val="FFFF00"/>
+                </a:solidFill>
+                <a:latin typeface="Product Sans" panose="020B0403030502040203" pitchFamily="34" charset="0"/>
+              </a:rPr>
+              <a:t>Scanned Image of Food Item</a:t>
+            </a:r>
+          </a:p>
+        </p:txBody>
+      </p:sp>
+      <p:sp>
+        <p:nvSpPr>
+          <p:cNvPr id="309" name="TextBox 308">
+            <a:extLst>
+              <a:ext uri="{FF2B5EF4-FFF2-40B4-BE49-F238E27FC236}">
+                <a16:creationId xmlns:a16="http://schemas.microsoft.com/office/drawing/2014/main" id="{AFCF424C-39F1-353A-9734-2F4CFDA983CC}"/>
+              </a:ext>
+            </a:extLst>
+          </p:cNvPr>
+          <p:cNvSpPr txBox="1"/>
+          <p:nvPr/>
+        </p:nvSpPr>
+        <p:spPr>
+          <a:xfrm>
+            <a:off x="6684151" y="40948"/>
+            <a:ext cx="2266503" cy="246221"/>
+          </a:xfrm>
+          <a:prstGeom prst="rect">
+            <a:avLst/>
+          </a:prstGeom>
+          <a:noFill/>
+        </p:spPr>
+        <p:txBody>
+          <a:bodyPr wrap="square" rtlCol="0">
+            <a:spAutoFit/>
+          </a:bodyPr>
+          <a:lstStyle/>
+          <a:p>
+            <a:pPr algn="ctr"/>
+            <a:r>
+              <a:rPr lang="en-IN" sz="1000" b="1" dirty="0">
+                <a:solidFill>
+                  <a:srgbClr val="FFFF00"/>
+                </a:solidFill>
+                <a:latin typeface="Product Sans" panose="020B0403030502040203" pitchFamily="34" charset="0"/>
+              </a:rPr>
+              <a:t>Food Details</a:t>
+            </a:r>
+          </a:p>
+        </p:txBody>
+      </p:sp>
+      <p:sp>
+        <p:nvSpPr>
+          <p:cNvPr id="310" name="TextBox 309">
+            <a:extLst>
+              <a:ext uri="{FF2B5EF4-FFF2-40B4-BE49-F238E27FC236}">
+                <a16:creationId xmlns:a16="http://schemas.microsoft.com/office/drawing/2014/main" id="{EB027152-D271-AF83-D1FE-08E6D94BA5F8}"/>
+              </a:ext>
+            </a:extLst>
+          </p:cNvPr>
+          <p:cNvSpPr txBox="1"/>
+          <p:nvPr/>
+        </p:nvSpPr>
+        <p:spPr>
+          <a:xfrm>
+            <a:off x="8050287" y="2299395"/>
+            <a:ext cx="2266503" cy="400110"/>
+          </a:xfrm>
+          <a:prstGeom prst="rect">
+            <a:avLst/>
+          </a:prstGeom>
+          <a:noFill/>
+        </p:spPr>
+        <p:txBody>
+          <a:bodyPr wrap="square" rtlCol="0">
+            <a:spAutoFit/>
+          </a:bodyPr>
+          <a:lstStyle/>
+          <a:p>
+            <a:r>
+              <a:rPr lang="en-IN" sz="1000" b="1" dirty="0">
+                <a:solidFill>
+                  <a:srgbClr val="FFFF00"/>
+                </a:solidFill>
+                <a:latin typeface="Product Sans" panose="020B0403030502040203" pitchFamily="34" charset="0"/>
+              </a:rPr>
+              <a:t>Scanned Image </a:t>
+            </a:r>
+          </a:p>
+          <a:p>
+            <a:r>
+              <a:rPr lang="en-IN" sz="1000" b="1" dirty="0">
+                <a:solidFill>
+                  <a:srgbClr val="FFFF00"/>
+                </a:solidFill>
+                <a:latin typeface="Product Sans" panose="020B0403030502040203" pitchFamily="34" charset="0"/>
+              </a:rPr>
+              <a:t>of Food Item</a:t>
+            </a:r>
+          </a:p>
+        </p:txBody>
+      </p:sp>
+      <p:sp>
+        <p:nvSpPr>
+          <p:cNvPr id="311" name="TextBox 310">
+            <a:extLst>
+              <a:ext uri="{FF2B5EF4-FFF2-40B4-BE49-F238E27FC236}">
+                <a16:creationId xmlns:a16="http://schemas.microsoft.com/office/drawing/2014/main" id="{ABAB8800-C874-533B-1274-635C90DFF78E}"/>
+              </a:ext>
+            </a:extLst>
+          </p:cNvPr>
+          <p:cNvSpPr txBox="1"/>
+          <p:nvPr/>
+        </p:nvSpPr>
+        <p:spPr>
+          <a:xfrm>
+            <a:off x="8530629" y="3011241"/>
+            <a:ext cx="1594953" cy="400110"/>
+          </a:xfrm>
+          <a:prstGeom prst="rect">
+            <a:avLst/>
+          </a:prstGeom>
+          <a:noFill/>
+        </p:spPr>
+        <p:txBody>
+          <a:bodyPr wrap="square" rtlCol="0">
+            <a:spAutoFit/>
+          </a:bodyPr>
+          <a:lstStyle/>
+          <a:p>
+            <a:r>
+              <a:rPr lang="en-IN" sz="1000" b="1" dirty="0">
+                <a:solidFill>
+                  <a:srgbClr val="FFFF00"/>
+                </a:solidFill>
+                <a:latin typeface="Product Sans" panose="020B0403030502040203" pitchFamily="34" charset="0"/>
+              </a:rPr>
+              <a:t>Food </a:t>
+            </a:r>
+          </a:p>
+          <a:p>
+            <a:r>
+              <a:rPr lang="en-IN" sz="1000" b="1" dirty="0">
+                <a:solidFill>
+                  <a:srgbClr val="FFFF00"/>
+                </a:solidFill>
+                <a:latin typeface="Product Sans" panose="020B0403030502040203" pitchFamily="34" charset="0"/>
+              </a:rPr>
+              <a:t>Details</a:t>
+            </a:r>
+          </a:p>
+        </p:txBody>
+      </p:sp>
+      <p:sp>
+        <p:nvSpPr>
+          <p:cNvPr id="312" name="TextBox 311">
+            <a:extLst>
+              <a:ext uri="{FF2B5EF4-FFF2-40B4-BE49-F238E27FC236}">
+                <a16:creationId xmlns:a16="http://schemas.microsoft.com/office/drawing/2014/main" id="{0C8073FC-3F7F-49A3-9974-17D6AD8A781E}"/>
+              </a:ext>
+            </a:extLst>
+          </p:cNvPr>
+          <p:cNvSpPr txBox="1"/>
+          <p:nvPr/>
+        </p:nvSpPr>
+        <p:spPr>
+          <a:xfrm>
+            <a:off x="10087093" y="3836032"/>
+            <a:ext cx="2266503" cy="400110"/>
+          </a:xfrm>
+          <a:prstGeom prst="rect">
+            <a:avLst/>
+          </a:prstGeom>
+          <a:noFill/>
+        </p:spPr>
+        <p:txBody>
+          <a:bodyPr wrap="square" rtlCol="0">
+            <a:spAutoFit/>
+          </a:bodyPr>
+          <a:lstStyle/>
+          <a:p>
+            <a:r>
+              <a:rPr lang="en-IN" sz="1000" b="1" dirty="0">
+                <a:solidFill>
+                  <a:srgbClr val="FFFF00"/>
+                </a:solidFill>
+                <a:latin typeface="Product Sans" panose="020B0403030502040203" pitchFamily="34" charset="0"/>
+              </a:rPr>
+              <a:t>Food </a:t>
+            </a:r>
+          </a:p>
+          <a:p>
+            <a:r>
+              <a:rPr lang="en-IN" sz="1000" b="1" dirty="0">
+                <a:solidFill>
+                  <a:srgbClr val="FFFF00"/>
+                </a:solidFill>
+                <a:latin typeface="Product Sans" panose="020B0403030502040203" pitchFamily="34" charset="0"/>
+              </a:rPr>
+              <a:t>Details</a:t>
+            </a:r>
+          </a:p>
+        </p:txBody>
+      </p:sp>
+      <p:sp>
+        <p:nvSpPr>
+          <p:cNvPr id="313" name="TextBox 312">
+            <a:extLst>
+              <a:ext uri="{FF2B5EF4-FFF2-40B4-BE49-F238E27FC236}">
+                <a16:creationId xmlns:a16="http://schemas.microsoft.com/office/drawing/2014/main" id="{E765C924-36D0-0AA4-25BA-B7BF4FB9CCB2}"/>
+              </a:ext>
+            </a:extLst>
+          </p:cNvPr>
+          <p:cNvSpPr txBox="1"/>
+          <p:nvPr/>
+        </p:nvSpPr>
+        <p:spPr>
+          <a:xfrm>
+            <a:off x="9634885" y="2912914"/>
+            <a:ext cx="2266503" cy="246221"/>
+          </a:xfrm>
+          <a:prstGeom prst="rect">
+            <a:avLst/>
+          </a:prstGeom>
+          <a:noFill/>
+        </p:spPr>
+        <p:txBody>
+          <a:bodyPr wrap="square" rtlCol="0">
+            <a:spAutoFit/>
+          </a:bodyPr>
+          <a:lstStyle/>
+          <a:p>
+            <a:pPr algn="ctr"/>
+            <a:r>
+              <a:rPr lang="en-IN" sz="1000" b="1" dirty="0">
+                <a:solidFill>
+                  <a:srgbClr val="FFFF00"/>
+                </a:solidFill>
+                <a:latin typeface="Product Sans" panose="020B0403030502040203" pitchFamily="34" charset="0"/>
+              </a:rPr>
+              <a:t>Recognized Food ID</a:t>
+            </a:r>
+          </a:p>
+        </p:txBody>
+      </p:sp>
+      <p:sp>
+        <p:nvSpPr>
+          <p:cNvPr id="314" name="TextBox 313">
+            <a:extLst>
+              <a:ext uri="{FF2B5EF4-FFF2-40B4-BE49-F238E27FC236}">
+                <a16:creationId xmlns:a16="http://schemas.microsoft.com/office/drawing/2014/main" id="{43E10F8C-DC08-6834-34E5-41D1EA25C6A2}"/>
+              </a:ext>
+            </a:extLst>
+          </p:cNvPr>
+          <p:cNvSpPr txBox="1"/>
+          <p:nvPr/>
+        </p:nvSpPr>
+        <p:spPr>
+          <a:xfrm rot="16200000">
+            <a:off x="-1001210" y="3883731"/>
+            <a:ext cx="2266503" cy="246221"/>
+          </a:xfrm>
+          <a:prstGeom prst="rect">
+            <a:avLst/>
+          </a:prstGeom>
+          <a:noFill/>
+        </p:spPr>
+        <p:txBody>
+          <a:bodyPr wrap="square" rtlCol="0">
+            <a:spAutoFit/>
+          </a:bodyPr>
+          <a:lstStyle/>
+          <a:p>
+            <a:pPr algn="ctr"/>
+            <a:r>
+              <a:rPr lang="en-IN" sz="1000" b="1" dirty="0">
+                <a:solidFill>
+                  <a:srgbClr val="FFFF00"/>
+                </a:solidFill>
+                <a:latin typeface="Product Sans" panose="020B0403030502040203" pitchFamily="34" charset="0"/>
+              </a:rPr>
+              <a:t>Body Weight and Height</a:t>
+            </a:r>
+          </a:p>
+        </p:txBody>
+      </p:sp>
+      <p:sp>
+        <p:nvSpPr>
+          <p:cNvPr id="315" name="TextBox 314">
+            <a:extLst>
+              <a:ext uri="{FF2B5EF4-FFF2-40B4-BE49-F238E27FC236}">
+                <a16:creationId xmlns:a16="http://schemas.microsoft.com/office/drawing/2014/main" id="{91764353-A18B-5FF5-7763-982D00972690}"/>
+              </a:ext>
+            </a:extLst>
+          </p:cNvPr>
+          <p:cNvSpPr txBox="1"/>
+          <p:nvPr/>
+        </p:nvSpPr>
+        <p:spPr>
+          <a:xfrm>
+            <a:off x="2142445" y="6515788"/>
+            <a:ext cx="2266503" cy="246221"/>
+          </a:xfrm>
+          <a:prstGeom prst="rect">
+            <a:avLst/>
+          </a:prstGeom>
+          <a:noFill/>
+        </p:spPr>
+        <p:txBody>
+          <a:bodyPr wrap="square" rtlCol="0">
+            <a:spAutoFit/>
+          </a:bodyPr>
+          <a:lstStyle/>
+          <a:p>
+            <a:pPr algn="ctr"/>
+            <a:r>
+              <a:rPr lang="en-IN" sz="1000" b="1" dirty="0">
+                <a:solidFill>
+                  <a:srgbClr val="FFFF00"/>
+                </a:solidFill>
+                <a:latin typeface="Product Sans" panose="020B0403030502040203" pitchFamily="34" charset="0"/>
+              </a:rPr>
+              <a:t>Overall Health Analysis Factor</a:t>
+            </a:r>
+          </a:p>
+        </p:txBody>
+      </p:sp>
+      <p:cxnSp>
+        <p:nvCxnSpPr>
+          <p:cNvPr id="321" name="Connector: Elbow 320">
+            <a:extLst>
+              <a:ext uri="{FF2B5EF4-FFF2-40B4-BE49-F238E27FC236}">
+                <a16:creationId xmlns:a16="http://schemas.microsoft.com/office/drawing/2014/main" id="{0E067CD4-DC59-1FCE-73F7-4B7DADBB4046}"/>
+              </a:ext>
+            </a:extLst>
+          </p:cNvPr>
+          <p:cNvCxnSpPr>
+            <a:cxnSpLocks/>
+            <a:stCxn id="2" idx="2"/>
+            <a:endCxn id="49" idx="2"/>
+          </p:cNvCxnSpPr>
+          <p:nvPr/>
+        </p:nvCxnSpPr>
+        <p:spPr>
+          <a:xfrm>
+            <a:off x="7714793" y="2639530"/>
+            <a:ext cx="795401" cy="3151297"/>
+          </a:xfrm>
+          <a:prstGeom prst="bentConnector3">
+            <a:avLst>
+              <a:gd name="adj1" fmla="val 13422"/>
+            </a:avLst>
+          </a:prstGeom>
+          <a:ln w="19050">
+            <a:solidFill>
+              <a:schemeClr val="bg1"/>
+            </a:solidFill>
+            <a:tailEnd type="triangle"/>
+          </a:ln>
+        </p:spPr>
+        <p:style>
+          <a:lnRef idx="1">
+            <a:schemeClr val="accent1"/>
+          </a:lnRef>
+          <a:fillRef idx="0">
+            <a:schemeClr val="accent1"/>
+          </a:fillRef>
+          <a:effectRef idx="0">
+            <a:schemeClr val="accent1"/>
+          </a:effectRef>
+          <a:fontRef idx="minor">
+            <a:schemeClr val="tx1"/>
+          </a:fontRef>
+        </p:style>
+      </p:cxnSp>
+      <p:sp>
+        <p:nvSpPr>
+          <p:cNvPr id="324" name="TextBox 323">
+            <a:extLst>
+              <a:ext uri="{FF2B5EF4-FFF2-40B4-BE49-F238E27FC236}">
+                <a16:creationId xmlns:a16="http://schemas.microsoft.com/office/drawing/2014/main" id="{44BFE9C3-D433-2515-A94E-4B8F3227E59D}"/>
+              </a:ext>
+            </a:extLst>
+          </p:cNvPr>
+          <p:cNvSpPr txBox="1"/>
+          <p:nvPr/>
+        </p:nvSpPr>
+        <p:spPr>
+          <a:xfrm rot="16200000">
+            <a:off x="6591879" y="4422698"/>
+            <a:ext cx="2266503" cy="246221"/>
+          </a:xfrm>
+          <a:prstGeom prst="rect">
+            <a:avLst/>
+          </a:prstGeom>
+          <a:noFill/>
+        </p:spPr>
+        <p:txBody>
+          <a:bodyPr wrap="square" rtlCol="0">
+            <a:spAutoFit/>
+          </a:bodyPr>
+          <a:lstStyle/>
+          <a:p>
+            <a:pPr algn="ctr"/>
+            <a:r>
+              <a:rPr lang="en-IN" sz="1000" b="1" dirty="0">
+                <a:solidFill>
+                  <a:srgbClr val="FFFF00"/>
+                </a:solidFill>
+                <a:latin typeface="Product Sans" panose="020B0403030502040203" pitchFamily="34" charset="0"/>
+              </a:rPr>
+              <a:t>Set Goal</a:t>
+            </a:r>
+          </a:p>
+        </p:txBody>
+      </p:sp>
+      <p:sp>
+        <p:nvSpPr>
+          <p:cNvPr id="325" name="TextBox 324">
+            <a:extLst>
+              <a:ext uri="{FF2B5EF4-FFF2-40B4-BE49-F238E27FC236}">
+                <a16:creationId xmlns:a16="http://schemas.microsoft.com/office/drawing/2014/main" id="{2B32C7EA-EF1C-AA36-A30E-12AF9F75DD47}"/>
+              </a:ext>
+            </a:extLst>
+          </p:cNvPr>
+          <p:cNvSpPr txBox="1"/>
+          <p:nvPr/>
+        </p:nvSpPr>
+        <p:spPr>
+          <a:xfrm>
+            <a:off x="7039324" y="6435529"/>
+            <a:ext cx="2266503" cy="246221"/>
+          </a:xfrm>
+          <a:prstGeom prst="rect">
+            <a:avLst/>
+          </a:prstGeom>
+          <a:noFill/>
+        </p:spPr>
+        <p:txBody>
+          <a:bodyPr wrap="square" rtlCol="0">
+            <a:spAutoFit/>
+          </a:bodyPr>
+          <a:lstStyle/>
+          <a:p>
+            <a:pPr algn="ctr"/>
+            <a:r>
+              <a:rPr lang="en-IN" sz="1000" b="1" dirty="0">
+                <a:solidFill>
+                  <a:srgbClr val="FFFF00"/>
+                </a:solidFill>
+                <a:latin typeface="Product Sans" panose="020B0403030502040203" pitchFamily="34" charset="0"/>
+              </a:rPr>
+              <a:t>Recommended Goal</a:t>
+            </a:r>
+          </a:p>
+        </p:txBody>
+      </p:sp>
+      <p:sp>
+        <p:nvSpPr>
+          <p:cNvPr id="328" name="TextBox 327">
+            <a:extLst>
+              <a:ext uri="{FF2B5EF4-FFF2-40B4-BE49-F238E27FC236}">
+                <a16:creationId xmlns:a16="http://schemas.microsoft.com/office/drawing/2014/main" id="{959CC51F-093F-2E68-DF79-5567B5AE0E1C}"/>
+              </a:ext>
+            </a:extLst>
+          </p:cNvPr>
+          <p:cNvSpPr txBox="1"/>
+          <p:nvPr/>
+        </p:nvSpPr>
+        <p:spPr>
+          <a:xfrm rot="16200000">
+            <a:off x="3253179" y="4109672"/>
+            <a:ext cx="2266503" cy="246221"/>
+          </a:xfrm>
+          <a:prstGeom prst="rect">
+            <a:avLst/>
+          </a:prstGeom>
+          <a:noFill/>
+        </p:spPr>
+        <p:txBody>
+          <a:bodyPr wrap="square" rtlCol="0">
+            <a:spAutoFit/>
+          </a:bodyPr>
+          <a:lstStyle/>
+          <a:p>
+            <a:pPr algn="ctr"/>
+            <a:r>
+              <a:rPr lang="en-IN" sz="1000" b="1" dirty="0">
+                <a:solidFill>
+                  <a:srgbClr val="FFFF00"/>
+                </a:solidFill>
+                <a:latin typeface="Product Sans" panose="020B0403030502040203" pitchFamily="34" charset="0"/>
+              </a:rPr>
+              <a:t>Recommended Diet</a:t>
+            </a:r>
+          </a:p>
+        </p:txBody>
+      </p:sp>
+      <p:sp>
+        <p:nvSpPr>
+          <p:cNvPr id="329" name="TextBox 328">
+            <a:extLst>
+              <a:ext uri="{FF2B5EF4-FFF2-40B4-BE49-F238E27FC236}">
+                <a16:creationId xmlns:a16="http://schemas.microsoft.com/office/drawing/2014/main" id="{C279E64F-201B-F2AF-3698-AE55C9E45FFE}"/>
+              </a:ext>
+            </a:extLst>
+          </p:cNvPr>
+          <p:cNvSpPr txBox="1"/>
+          <p:nvPr/>
+        </p:nvSpPr>
+        <p:spPr>
+          <a:xfrm rot="16200000">
+            <a:off x="2823551" y="4148080"/>
+            <a:ext cx="2266503" cy="246221"/>
+          </a:xfrm>
+          <a:prstGeom prst="rect">
+            <a:avLst/>
+          </a:prstGeom>
+          <a:noFill/>
+        </p:spPr>
+        <p:txBody>
+          <a:bodyPr wrap="square" rtlCol="0">
+            <a:spAutoFit/>
+          </a:bodyPr>
+          <a:lstStyle/>
+          <a:p>
+            <a:pPr algn="ctr"/>
+            <a:r>
+              <a:rPr lang="en-IN" sz="1000" b="1" dirty="0">
+                <a:solidFill>
+                  <a:srgbClr val="FFFF00"/>
+                </a:solidFill>
+                <a:latin typeface="Product Sans" panose="020B0403030502040203" pitchFamily="34" charset="0"/>
+              </a:rPr>
+              <a:t>Overall Health Analysis Factor</a:t>
+            </a:r>
+          </a:p>
+        </p:txBody>
+      </p:sp>
+      <p:sp>
+        <p:nvSpPr>
+          <p:cNvPr id="330" name="TextBox 329">
+            <a:extLst>
+              <a:ext uri="{FF2B5EF4-FFF2-40B4-BE49-F238E27FC236}">
+                <a16:creationId xmlns:a16="http://schemas.microsoft.com/office/drawing/2014/main" id="{6036CB71-0C18-8B54-FB89-BE494EF68C31}"/>
+              </a:ext>
+            </a:extLst>
+          </p:cNvPr>
+          <p:cNvSpPr txBox="1"/>
+          <p:nvPr/>
+        </p:nvSpPr>
+        <p:spPr>
+          <a:xfrm>
+            <a:off x="6036342" y="3959612"/>
+            <a:ext cx="1473292" cy="246221"/>
+          </a:xfrm>
+          <a:prstGeom prst="rect">
+            <a:avLst/>
+          </a:prstGeom>
+          <a:noFill/>
+        </p:spPr>
+        <p:txBody>
+          <a:bodyPr wrap="square" rtlCol="0">
+            <a:spAutoFit/>
+          </a:bodyPr>
+          <a:lstStyle/>
+          <a:p>
+            <a:r>
+              <a:rPr lang="en-IN" sz="1000" b="1" dirty="0">
+                <a:solidFill>
+                  <a:srgbClr val="FFFF00"/>
+                </a:solidFill>
+                <a:latin typeface="Product Sans" panose="020B0403030502040203" pitchFamily="34" charset="0"/>
+              </a:rPr>
+              <a:t>Recommendations</a:t>
+            </a:r>
+          </a:p>
+        </p:txBody>
+      </p:sp>
+      <p:sp>
+        <p:nvSpPr>
+          <p:cNvPr id="331" name="TextBox 330">
+            <a:extLst>
+              <a:ext uri="{FF2B5EF4-FFF2-40B4-BE49-F238E27FC236}">
+                <a16:creationId xmlns:a16="http://schemas.microsoft.com/office/drawing/2014/main" id="{0EBB08B9-9652-2D0F-B0FD-84F52E40B758}"/>
+              </a:ext>
+            </a:extLst>
+          </p:cNvPr>
+          <p:cNvSpPr txBox="1"/>
+          <p:nvPr/>
+        </p:nvSpPr>
+        <p:spPr>
+          <a:xfrm>
+            <a:off x="631787" y="3891547"/>
+            <a:ext cx="2314074" cy="400110"/>
+          </a:xfrm>
+          <a:prstGeom prst="rect">
+            <a:avLst/>
+          </a:prstGeom>
+          <a:noFill/>
+        </p:spPr>
+        <p:txBody>
+          <a:bodyPr wrap="square" rtlCol="0">
+            <a:spAutoFit/>
+          </a:bodyPr>
+          <a:lstStyle/>
+          <a:p>
+            <a:r>
+              <a:rPr lang="en-IN" sz="1000" b="1" dirty="0">
+                <a:solidFill>
+                  <a:srgbClr val="FFFF00"/>
+                </a:solidFill>
+                <a:latin typeface="Product Sans" panose="020B0403030502040203" pitchFamily="34" charset="0"/>
+              </a:rPr>
+              <a:t>Height, Weight </a:t>
+            </a:r>
+          </a:p>
+          <a:p>
+            <a:r>
+              <a:rPr lang="en-IN" sz="1000" b="1" dirty="0">
+                <a:solidFill>
+                  <a:srgbClr val="FFFF00"/>
+                </a:solidFill>
+                <a:latin typeface="Product Sans" panose="020B0403030502040203" pitchFamily="34" charset="0"/>
+              </a:rPr>
+              <a:t>and Measurements</a:t>
+            </a:r>
+          </a:p>
+        </p:txBody>
+      </p:sp>
+      <p:sp>
+        <p:nvSpPr>
+          <p:cNvPr id="332" name="TextBox 331">
+            <a:extLst>
+              <a:ext uri="{FF2B5EF4-FFF2-40B4-BE49-F238E27FC236}">
+                <a16:creationId xmlns:a16="http://schemas.microsoft.com/office/drawing/2014/main" id="{7AF4D12F-C7D0-7EA8-B76D-345918362393}"/>
+              </a:ext>
+            </a:extLst>
+          </p:cNvPr>
+          <p:cNvSpPr txBox="1"/>
+          <p:nvPr/>
+        </p:nvSpPr>
+        <p:spPr>
+          <a:xfrm>
+            <a:off x="3059815" y="5098523"/>
+            <a:ext cx="1109311" cy="553998"/>
+          </a:xfrm>
+          <a:prstGeom prst="rect">
+            <a:avLst/>
+          </a:prstGeom>
+          <a:noFill/>
+        </p:spPr>
+        <p:txBody>
+          <a:bodyPr wrap="square" rtlCol="0">
+            <a:spAutoFit/>
+          </a:bodyPr>
+          <a:lstStyle/>
+          <a:p>
+            <a:r>
+              <a:rPr lang="en-IN" sz="1000" b="1" dirty="0">
+                <a:solidFill>
+                  <a:srgbClr val="FFFF00"/>
+                </a:solidFill>
+                <a:latin typeface="Product Sans" panose="020B0403030502040203" pitchFamily="34" charset="0"/>
+              </a:rPr>
+              <a:t>Body </a:t>
+            </a:r>
+          </a:p>
+          <a:p>
+            <a:r>
+              <a:rPr lang="en-IN" sz="1000" b="1" dirty="0">
+                <a:solidFill>
+                  <a:srgbClr val="FFFF00"/>
+                </a:solidFill>
+                <a:latin typeface="Product Sans" panose="020B0403030502040203" pitchFamily="34" charset="0"/>
+              </a:rPr>
+              <a:t>Mass</a:t>
+            </a:r>
+          </a:p>
+          <a:p>
+            <a:r>
+              <a:rPr lang="en-IN" sz="1000" b="1" dirty="0">
+                <a:solidFill>
+                  <a:srgbClr val="FFFF00"/>
+                </a:solidFill>
+                <a:latin typeface="Product Sans" panose="020B0403030502040203" pitchFamily="34" charset="0"/>
+              </a:rPr>
+              <a:t>Index</a:t>
+            </a:r>
+          </a:p>
+        </p:txBody>
+      </p:sp>
+      <p:sp>
+        <p:nvSpPr>
+          <p:cNvPr id="333" name="TextBox 332">
+            <a:extLst>
+              <a:ext uri="{FF2B5EF4-FFF2-40B4-BE49-F238E27FC236}">
+                <a16:creationId xmlns:a16="http://schemas.microsoft.com/office/drawing/2014/main" id="{875C4913-E092-C7B5-3E9A-669A10B2E0C0}"/>
+              </a:ext>
+            </a:extLst>
+          </p:cNvPr>
+          <p:cNvSpPr txBox="1"/>
+          <p:nvPr/>
+        </p:nvSpPr>
+        <p:spPr>
+          <a:xfrm>
+            <a:off x="138968" y="5670091"/>
+            <a:ext cx="1109311" cy="400110"/>
+          </a:xfrm>
+          <a:prstGeom prst="rect">
+            <a:avLst/>
+          </a:prstGeom>
+          <a:noFill/>
+        </p:spPr>
+        <p:txBody>
+          <a:bodyPr wrap="square" rtlCol="0">
+            <a:spAutoFit/>
+          </a:bodyPr>
+          <a:lstStyle/>
+          <a:p>
+            <a:pPr algn="r"/>
+            <a:r>
+              <a:rPr lang="en-IN" sz="1000" b="1" dirty="0">
+                <a:solidFill>
+                  <a:srgbClr val="FFFF00"/>
+                </a:solidFill>
+                <a:latin typeface="Product Sans" panose="020B0403030502040203" pitchFamily="34" charset="0"/>
+              </a:rPr>
+              <a:t>Body Fat Percentage</a:t>
+            </a:r>
+          </a:p>
+        </p:txBody>
+      </p:sp>
+      <p:sp>
+        <p:nvSpPr>
+          <p:cNvPr id="335" name="TextBox 334">
+            <a:extLst>
+              <a:ext uri="{FF2B5EF4-FFF2-40B4-BE49-F238E27FC236}">
+                <a16:creationId xmlns:a16="http://schemas.microsoft.com/office/drawing/2014/main" id="{61E51955-F22E-8A0B-38ED-BDA56F83BAA5}"/>
+              </a:ext>
+            </a:extLst>
+          </p:cNvPr>
+          <p:cNvSpPr txBox="1"/>
+          <p:nvPr/>
+        </p:nvSpPr>
+        <p:spPr>
+          <a:xfrm rot="16200000">
+            <a:off x="2833591" y="2173830"/>
+            <a:ext cx="2266503" cy="246221"/>
+          </a:xfrm>
+          <a:prstGeom prst="rect">
+            <a:avLst/>
+          </a:prstGeom>
+          <a:noFill/>
+        </p:spPr>
+        <p:txBody>
+          <a:bodyPr wrap="square" rtlCol="0">
+            <a:spAutoFit/>
+          </a:bodyPr>
+          <a:lstStyle/>
+          <a:p>
+            <a:pPr algn="ctr"/>
+            <a:r>
+              <a:rPr lang="en-IN" sz="1000" b="1" dirty="0">
+                <a:solidFill>
+                  <a:srgbClr val="FFFF00"/>
+                </a:solidFill>
+                <a:latin typeface="Product Sans" panose="020B0403030502040203" pitchFamily="34" charset="0"/>
+              </a:rPr>
+              <a:t>User Input</a:t>
+            </a:r>
+          </a:p>
+        </p:txBody>
+      </p:sp>
+      <p:sp>
+        <p:nvSpPr>
+          <p:cNvPr id="336" name="TextBox 335">
+            <a:extLst>
+              <a:ext uri="{FF2B5EF4-FFF2-40B4-BE49-F238E27FC236}">
+                <a16:creationId xmlns:a16="http://schemas.microsoft.com/office/drawing/2014/main" id="{6CAA72C5-140C-6BD8-29C6-656277989CCF}"/>
+              </a:ext>
+            </a:extLst>
+          </p:cNvPr>
+          <p:cNvSpPr txBox="1"/>
+          <p:nvPr/>
+        </p:nvSpPr>
+        <p:spPr>
+          <a:xfrm>
+            <a:off x="616999" y="2299395"/>
+            <a:ext cx="2266503" cy="246221"/>
+          </a:xfrm>
+          <a:prstGeom prst="rect">
+            <a:avLst/>
+          </a:prstGeom>
+          <a:noFill/>
+        </p:spPr>
+        <p:txBody>
+          <a:bodyPr wrap="square" rtlCol="0">
+            <a:spAutoFit/>
+          </a:bodyPr>
+          <a:lstStyle/>
+          <a:p>
+            <a:pPr algn="ctr"/>
+            <a:r>
+              <a:rPr lang="en-IN" sz="1000" b="1" dirty="0">
+                <a:solidFill>
+                  <a:srgbClr val="FFFF00"/>
+                </a:solidFill>
+                <a:latin typeface="Product Sans" panose="020B0403030502040203" pitchFamily="34" charset="0"/>
+              </a:rPr>
+              <a:t>User Details</a:t>
+            </a:r>
+          </a:p>
+        </p:txBody>
+      </p:sp>
+      <p:sp>
+        <p:nvSpPr>
+          <p:cNvPr id="337" name="TextBox 336">
+            <a:extLst>
+              <a:ext uri="{FF2B5EF4-FFF2-40B4-BE49-F238E27FC236}">
+                <a16:creationId xmlns:a16="http://schemas.microsoft.com/office/drawing/2014/main" id="{B13A1B58-0C01-109B-BEDC-EE01A71D513F}"/>
+              </a:ext>
+            </a:extLst>
+          </p:cNvPr>
+          <p:cNvSpPr txBox="1"/>
+          <p:nvPr/>
+        </p:nvSpPr>
+        <p:spPr>
+          <a:xfrm>
+            <a:off x="1449307" y="3578616"/>
+            <a:ext cx="2266503" cy="246221"/>
+          </a:xfrm>
+          <a:prstGeom prst="rect">
+            <a:avLst/>
+          </a:prstGeom>
+          <a:noFill/>
+        </p:spPr>
+        <p:txBody>
+          <a:bodyPr wrap="square" rtlCol="0">
+            <a:spAutoFit/>
+          </a:bodyPr>
+          <a:lstStyle/>
+          <a:p>
+            <a:r>
+              <a:rPr lang="en-IN" sz="1000" b="1" dirty="0">
+                <a:solidFill>
+                  <a:srgbClr val="FFFF00"/>
+                </a:solidFill>
+                <a:latin typeface="Product Sans" panose="020B0403030502040203" pitchFamily="34" charset="0"/>
+              </a:rPr>
+              <a:t>User Input</a:t>
+            </a:r>
+          </a:p>
+        </p:txBody>
+      </p:sp>
+      <p:sp>
+        <p:nvSpPr>
+          <p:cNvPr id="338" name="TextBox 337">
+            <a:extLst>
+              <a:ext uri="{FF2B5EF4-FFF2-40B4-BE49-F238E27FC236}">
+                <a16:creationId xmlns:a16="http://schemas.microsoft.com/office/drawing/2014/main" id="{8FBB0EC6-318A-8E4B-23D7-14AB210D9E02}"/>
+              </a:ext>
+            </a:extLst>
+          </p:cNvPr>
+          <p:cNvSpPr txBox="1"/>
+          <p:nvPr/>
+        </p:nvSpPr>
+        <p:spPr>
+          <a:xfrm rot="16200000">
+            <a:off x="7000534" y="4733319"/>
+            <a:ext cx="2266503" cy="246221"/>
+          </a:xfrm>
+          <a:prstGeom prst="rect">
+            <a:avLst/>
+          </a:prstGeom>
+          <a:noFill/>
+        </p:spPr>
+        <p:txBody>
+          <a:bodyPr wrap="square" rtlCol="0">
+            <a:spAutoFit/>
+          </a:bodyPr>
+          <a:lstStyle/>
+          <a:p>
+            <a:pPr algn="ctr"/>
+            <a:r>
+              <a:rPr lang="en-IN" sz="1000" b="1" dirty="0">
+                <a:solidFill>
+                  <a:srgbClr val="FFFF00"/>
+                </a:solidFill>
+                <a:latin typeface="Product Sans" panose="020B0403030502040203" pitchFamily="34" charset="0"/>
+              </a:rPr>
+              <a:t>Intake</a:t>
+            </a:r>
+          </a:p>
+        </p:txBody>
+      </p:sp>
+      <p:sp>
+        <p:nvSpPr>
+          <p:cNvPr id="339" name="TextBox 338">
+            <a:extLst>
+              <a:ext uri="{FF2B5EF4-FFF2-40B4-BE49-F238E27FC236}">
+                <a16:creationId xmlns:a16="http://schemas.microsoft.com/office/drawing/2014/main" id="{037852ED-CC15-79DE-8843-8E67F7EC14BC}"/>
+              </a:ext>
+            </a:extLst>
+          </p:cNvPr>
+          <p:cNvSpPr txBox="1"/>
+          <p:nvPr/>
+        </p:nvSpPr>
+        <p:spPr>
+          <a:xfrm>
+            <a:off x="7261901" y="5943853"/>
+            <a:ext cx="2266503" cy="246221"/>
+          </a:xfrm>
+          <a:prstGeom prst="rect">
+            <a:avLst/>
+          </a:prstGeom>
+          <a:noFill/>
+        </p:spPr>
+        <p:txBody>
+          <a:bodyPr wrap="square" rtlCol="0">
+            <a:spAutoFit/>
+          </a:bodyPr>
+          <a:lstStyle/>
+          <a:p>
+            <a:pPr algn="ctr"/>
+            <a:r>
+              <a:rPr lang="en-IN" sz="1000" b="1" dirty="0">
+                <a:solidFill>
+                  <a:srgbClr val="FFFF00"/>
+                </a:solidFill>
+                <a:latin typeface="Product Sans" panose="020B0403030502040203" pitchFamily="34" charset="0"/>
+              </a:rPr>
+              <a:t>Recommended Maintenance</a:t>
+            </a:r>
+          </a:p>
+        </p:txBody>
+      </p:sp>
+      <p:sp>
+        <p:nvSpPr>
+          <p:cNvPr id="341" name="TextBox 340">
+            <a:extLst>
+              <a:ext uri="{FF2B5EF4-FFF2-40B4-BE49-F238E27FC236}">
+                <a16:creationId xmlns:a16="http://schemas.microsoft.com/office/drawing/2014/main" id="{B23B1930-1C92-AC00-9891-C1EF5B589F13}"/>
+              </a:ext>
+            </a:extLst>
+          </p:cNvPr>
+          <p:cNvSpPr txBox="1"/>
+          <p:nvPr/>
+        </p:nvSpPr>
+        <p:spPr>
+          <a:xfrm>
+            <a:off x="9990187" y="6326527"/>
+            <a:ext cx="2266503" cy="246221"/>
+          </a:xfrm>
+          <a:prstGeom prst="rect">
+            <a:avLst/>
+          </a:prstGeom>
+          <a:noFill/>
+        </p:spPr>
+        <p:txBody>
+          <a:bodyPr wrap="square" rtlCol="0">
+            <a:spAutoFit/>
+          </a:bodyPr>
+          <a:lstStyle/>
+          <a:p>
+            <a:pPr algn="ctr"/>
+            <a:r>
+              <a:rPr lang="en-IN" sz="1000" b="1" dirty="0">
+                <a:solidFill>
+                  <a:srgbClr val="FFFF00"/>
+                </a:solidFill>
+                <a:latin typeface="Product Sans" panose="020B0403030502040203" pitchFamily="34" charset="0"/>
+              </a:rPr>
+              <a:t>Intake</a:t>
+            </a:r>
+          </a:p>
+        </p:txBody>
+      </p:sp>
     </p:spTree>
     <p:extLst>
       <p:ext uri="{BB962C8B-B14F-4D97-AF65-F5344CB8AC3E}">
-        <p14:creationId xmlns:p14="http://schemas.microsoft.com/office/powerpoint/2010/main" val="320473428"/>
+        <p14:creationId xmlns:p14="http://schemas.microsoft.com/office/powerpoint/2010/main" val="1547787283"/>
       </p:ext>
     </p:extLst>
   </p:cSld>
   <p:clrMapOvr>
     <a:masterClrMapping/>
   </p:clrMapOvr>
-  <mc:AlternateContent xmlns:mc="http://schemas.openxmlformats.org/markup-compatibility/2006" xmlns:p159="http://schemas.microsoft.com/office/powerpoint/2015/09/main">
-    <mc:Choice Requires="p159">
-      <p:transition xmlns:p14="http://schemas.microsoft.com/office/powerpoint/2010/main" spd="slow" p14:dur="1500">
-        <p159:morph option="byObject"/>
+  <mc:AlternateContent xmlns:mc="http://schemas.openxmlformats.org/markup-compatibility/2006" xmlns:p14="http://schemas.microsoft.com/office/powerpoint/2010/main">
+    <mc:Choice Requires="p14">
+      <p:transition spd="med" p14:dur="700">
+        <p:fade/>
       </p:transition>
     </mc:Choice>
     <mc:Fallback xmlns="">
-      <p:transition spd="slow">
+      <p:transition spd="med">
         <p:fade/>
       </p:transition>
     </mc:Fallback>
@@ -9642,15 +13917,16 @@
             </a:extLst>
           </p:cNvPr>
           <p:cNvCxnSpPr>
-            <a:stCxn id="6" idx="4"/>
-            <a:endCxn id="2" idx="0"/>
+            <a:cxnSpLocks/>
+            <a:stCxn id="6" idx="6"/>
+            <a:endCxn id="13" idx="2"/>
           </p:cNvCxnSpPr>
           <p:nvPr/>
         </p:nvCxnSpPr>
         <p:spPr>
           <a:xfrm>
-            <a:off x="6095999" y="1797043"/>
-            <a:ext cx="0" cy="772584"/>
+            <a:off x="6829838" y="1265358"/>
+            <a:ext cx="662260" cy="7252"/>
           </a:xfrm>
           <a:prstGeom prst="straightConnector1">
             <a:avLst/>
@@ -10328,7 +14604,7 @@
           </a:xfrm>
           <a:prstGeom prst="bentConnector3">
             <a:avLst>
-              <a:gd name="adj1" fmla="val 56779"/>
+              <a:gd name="adj1" fmla="val 47539"/>
             </a:avLst>
           </a:prstGeom>
           <a:ln w="19050">
@@ -10367,7 +14643,7 @@
         </p:nvSpPr>
         <p:spPr>
           <a:xfrm>
-            <a:off x="6523029" y="2005850"/>
+            <a:off x="3297200" y="2142003"/>
             <a:ext cx="2331091" cy="261610"/>
           </a:xfrm>
           <a:prstGeom prst="rect">
@@ -10555,7 +14831,7 @@
         </p:nvSpPr>
         <p:spPr>
           <a:xfrm>
-            <a:off x="7280688" y="3749725"/>
+            <a:off x="7280688" y="3741258"/>
             <a:ext cx="2331091" cy="261610"/>
           </a:xfrm>
           <a:prstGeom prst="rect">
@@ -10823,6 +15099,166 @@
                 <a:latin typeface="Product Sans" panose="020B0403030502040203" pitchFamily="34" charset="0"/>
               </a:rPr>
               <a:t>Details</a:t>
+            </a:r>
+            <a:endParaRPr lang="en-IN" sz="1100" b="1" dirty="0">
+              <a:solidFill>
+                <a:srgbClr val="FFFF00"/>
+              </a:solidFill>
+              <a:latin typeface="Product Sans" panose="020B0403030502040203" pitchFamily="34" charset="0"/>
+            </a:endParaRPr>
+          </a:p>
+        </p:txBody>
+      </p:sp>
+      <p:sp>
+        <p:nvSpPr>
+          <p:cNvPr id="13" name="Rectangle: Top Corners Rounded 12">
+            <a:extLst>
+              <a:ext uri="{FF2B5EF4-FFF2-40B4-BE49-F238E27FC236}">
+                <a16:creationId xmlns:a16="http://schemas.microsoft.com/office/drawing/2014/main" id="{D490F6BE-2096-225F-9519-CA35614E5B5F}"/>
+              </a:ext>
+            </a:extLst>
+          </p:cNvPr>
+          <p:cNvSpPr/>
+          <p:nvPr/>
+        </p:nvSpPr>
+        <p:spPr>
+          <a:xfrm>
+            <a:off x="7492098" y="872982"/>
+            <a:ext cx="1938867" cy="799255"/>
+          </a:xfrm>
+          <a:prstGeom prst="round2SameRect">
+            <a:avLst>
+              <a:gd name="adj1" fmla="val 21457"/>
+              <a:gd name="adj2" fmla="val 0"/>
+            </a:avLst>
+          </a:prstGeom>
+          <a:ln>
+            <a:solidFill>
+              <a:schemeClr val="bg1"/>
+            </a:solidFill>
+          </a:ln>
+        </p:spPr>
+        <p:style>
+          <a:lnRef idx="2">
+            <a:schemeClr val="accent1">
+              <a:shade val="15000"/>
+            </a:schemeClr>
+          </a:lnRef>
+          <a:fillRef idx="1">
+            <a:schemeClr val="accent1"/>
+          </a:fillRef>
+          <a:effectRef idx="0">
+            <a:schemeClr val="accent1"/>
+          </a:effectRef>
+          <a:fontRef idx="minor">
+            <a:schemeClr val="lt1"/>
+          </a:fontRef>
+        </p:style>
+        <p:txBody>
+          <a:bodyPr rtlCol="0" anchor="ctr"/>
+          <a:lstStyle/>
+          <a:p>
+            <a:pPr algn="ctr"/>
+            <a:r>
+              <a:rPr lang="en-US" b="1" dirty="0">
+                <a:latin typeface="Noto Sans" panose="020B0502040504020204" pitchFamily="34" charset="0"/>
+                <a:ea typeface="Noto Sans" panose="020B0502040504020204" pitchFamily="34" charset="0"/>
+                <a:cs typeface="Noto Sans" panose="020B0502040504020204" pitchFamily="34" charset="0"/>
+              </a:rPr>
+              <a:t>Users Database</a:t>
+            </a:r>
+            <a:endParaRPr lang="en-IN" b="1" dirty="0">
+              <a:latin typeface="Noto Sans" panose="020B0502040504020204" pitchFamily="34" charset="0"/>
+              <a:ea typeface="Noto Sans" panose="020B0502040504020204" pitchFamily="34" charset="0"/>
+              <a:cs typeface="Noto Sans" panose="020B0502040504020204" pitchFamily="34" charset="0"/>
+            </a:endParaRPr>
+          </a:p>
+        </p:txBody>
+      </p:sp>
+      <p:cxnSp>
+        <p:nvCxnSpPr>
+          <p:cNvPr id="46" name="Connector: Elbow 45">
+            <a:extLst>
+              <a:ext uri="{FF2B5EF4-FFF2-40B4-BE49-F238E27FC236}">
+                <a16:creationId xmlns:a16="http://schemas.microsoft.com/office/drawing/2014/main" id="{5EF06716-EF51-9851-FDDA-5DBB28794762}"/>
+              </a:ext>
+            </a:extLst>
+          </p:cNvPr>
+          <p:cNvCxnSpPr>
+            <a:stCxn id="13" idx="1"/>
+            <a:endCxn id="2" idx="0"/>
+          </p:cNvCxnSpPr>
+          <p:nvPr/>
+        </p:nvCxnSpPr>
+        <p:spPr>
+          <a:xfrm rot="5400000">
+            <a:off x="6830071" y="938166"/>
+            <a:ext cx="897390" cy="2365533"/>
+          </a:xfrm>
+          <a:prstGeom prst="bentConnector3">
+            <a:avLst>
+              <a:gd name="adj1" fmla="val 33961"/>
+            </a:avLst>
+          </a:prstGeom>
+          <a:ln w="19050">
+            <a:solidFill>
+              <a:schemeClr val="bg1"/>
+            </a:solidFill>
+            <a:tailEnd type="triangle"/>
+          </a:ln>
+        </p:spPr>
+        <p:style>
+          <a:lnRef idx="1">
+            <a:schemeClr val="accent1"/>
+          </a:lnRef>
+          <a:fillRef idx="0">
+            <a:schemeClr val="accent1"/>
+          </a:fillRef>
+          <a:effectRef idx="0">
+            <a:schemeClr val="accent1"/>
+          </a:effectRef>
+          <a:fontRef idx="minor">
+            <a:schemeClr val="tx1"/>
+          </a:fontRef>
+        </p:style>
+      </p:cxnSp>
+      <p:sp>
+        <p:nvSpPr>
+          <p:cNvPr id="49" name="TextBox 48">
+            <a:extLst>
+              <a:ext uri="{FF2B5EF4-FFF2-40B4-BE49-F238E27FC236}">
+                <a16:creationId xmlns:a16="http://schemas.microsoft.com/office/drawing/2014/main" id="{B9A09BF0-AACE-FD22-C909-6F718F98F2AD}"/>
+              </a:ext>
+            </a:extLst>
+          </p:cNvPr>
+          <p:cNvSpPr txBox="1"/>
+          <p:nvPr/>
+        </p:nvSpPr>
+        <p:spPr>
+          <a:xfrm>
+            <a:off x="6102769" y="1742680"/>
+            <a:ext cx="2331091" cy="261610"/>
+          </a:xfrm>
+          <a:prstGeom prst="rect">
+            <a:avLst/>
+          </a:prstGeom>
+          <a:noFill/>
+        </p:spPr>
+        <p:txBody>
+          <a:bodyPr wrap="square" rtlCol="0">
+            <a:spAutoFit/>
+          </a:bodyPr>
+          <a:lstStyle/>
+          <a:p>
+            <a:pPr algn="ctr"/>
+            <a:r>
+              <a:rPr lang="en-US" sz="1100" b="1" dirty="0">
+                <a:solidFill>
+                  <a:srgbClr val="FFFF00"/>
+                </a:solidFill>
+                <a:latin typeface="Product Sans" panose="020B0403030502040203" pitchFamily="34" charset="0"/>
+              </a:rPr>
+              <a:t>User Authenticated</a:t>
             </a:r>
             <a:endParaRPr lang="en-IN" sz="1100" b="1" dirty="0">
               <a:solidFill>

--- a/Second Review.pptx
+++ b/Second Review.pptx
@@ -15,6 +15,9 @@
     <p:sldId id="279" r:id="rId9"/>
     <p:sldId id="278" r:id="rId10"/>
     <p:sldId id="282" r:id="rId11"/>
+    <p:sldId id="283" r:id="rId12"/>
+    <p:sldId id="285" r:id="rId13"/>
+    <p:sldId id="284" r:id="rId14"/>
   </p:sldIdLst>
   <p:sldSz cx="12192000" cy="6858000"/>
   <p:notesSz cx="6858000" cy="9144000"/>
@@ -3811,6 +3814,131 @@
           </a:p>
         </p:txBody>
       </p:sp>
+      <p:sp>
+        <p:nvSpPr>
+          <p:cNvPr id="6" name="Rectangle: Rounded Corners 5">
+            <a:extLst>
+              <a:ext uri="{FF2B5EF4-FFF2-40B4-BE49-F238E27FC236}">
+                <a16:creationId xmlns:a16="http://schemas.microsoft.com/office/drawing/2014/main" id="{43741546-0CA7-DFF3-A123-9E6B6A5CC7B8}"/>
+              </a:ext>
+            </a:extLst>
+          </p:cNvPr>
+          <p:cNvSpPr/>
+          <p:nvPr/>
+        </p:nvSpPr>
+        <p:spPr>
+          <a:xfrm>
+            <a:off x="4049173" y="5475063"/>
+            <a:ext cx="2315351" cy="646331"/>
+          </a:xfrm>
+          <a:prstGeom prst="roundRect">
+            <a:avLst/>
+          </a:prstGeom>
+          <a:solidFill>
+            <a:srgbClr val="C55A11"/>
+          </a:solidFill>
+          <a:ln>
+            <a:noFill/>
+          </a:ln>
+        </p:spPr>
+        <p:style>
+          <a:lnRef idx="2">
+            <a:schemeClr val="accent1">
+              <a:shade val="15000"/>
+            </a:schemeClr>
+          </a:lnRef>
+          <a:fillRef idx="1">
+            <a:schemeClr val="accent1"/>
+          </a:fillRef>
+          <a:effectRef idx="0">
+            <a:schemeClr val="accent1"/>
+          </a:effectRef>
+          <a:fontRef idx="minor">
+            <a:schemeClr val="lt1"/>
+          </a:fontRef>
+        </p:style>
+        <p:txBody>
+          <a:bodyPr rtlCol="0" anchor="ctr"/>
+          <a:lstStyle/>
+          <a:p>
+            <a:pPr algn="ctr"/>
+            <a:endParaRPr lang="en-IN"/>
+          </a:p>
+        </p:txBody>
+      </p:sp>
+      <p:sp>
+        <p:nvSpPr>
+          <p:cNvPr id="4" name="TextBox 3">
+            <a:extLst>
+              <a:ext uri="{FF2B5EF4-FFF2-40B4-BE49-F238E27FC236}">
+                <a16:creationId xmlns:a16="http://schemas.microsoft.com/office/drawing/2014/main" id="{8C4C26C1-A27B-F123-083A-22F174CB5B03}"/>
+              </a:ext>
+            </a:extLst>
+          </p:cNvPr>
+          <p:cNvSpPr txBox="1"/>
+          <p:nvPr/>
+        </p:nvSpPr>
+        <p:spPr>
+          <a:xfrm>
+            <a:off x="4049173" y="5475063"/>
+            <a:ext cx="2315351" cy="646331"/>
+          </a:xfrm>
+          <a:prstGeom prst="rect">
+            <a:avLst/>
+          </a:prstGeom>
+          <a:noFill/>
+        </p:spPr>
+        <p:txBody>
+          <a:bodyPr wrap="square" rtlCol="0">
+            <a:spAutoFit/>
+          </a:bodyPr>
+          <a:lstStyle>
+            <a:defPPr>
+              <a:defRPr lang="ko-KR"/>
+            </a:defPPr>
+            <a:lvl1pPr>
+              <a:lnSpc>
+                <a:spcPct val="150000"/>
+              </a:lnSpc>
+              <a:defRPr sz="1400">
+                <a:solidFill>
+                  <a:schemeClr val="accent2"/>
+                </a:solidFill>
+              </a:defRPr>
+            </a:lvl1pPr>
+          </a:lstStyle>
+          <a:p>
+            <a:pPr>
+              <a:lnSpc>
+                <a:spcPct val="100000"/>
+              </a:lnSpc>
+            </a:pPr>
+            <a:r>
+              <a:rPr lang="pt-BR" altLang="ko-KR" sz="1800" spc="300" dirty="0">
+                <a:solidFill>
+                  <a:schemeClr val="bg1"/>
+                </a:solidFill>
+              </a:rPr>
+              <a:t>Guided By</a:t>
+            </a:r>
+          </a:p>
+          <a:p>
+            <a:pPr>
+              <a:lnSpc>
+                <a:spcPct val="100000"/>
+              </a:lnSpc>
+            </a:pPr>
+            <a:r>
+              <a:rPr lang="pt-BR" altLang="ko-KR" sz="1800" b="1" spc="300" dirty="0">
+                <a:solidFill>
+                  <a:schemeClr val="bg1"/>
+                </a:solidFill>
+              </a:rPr>
+              <a:t>Ms. Zakiyya M A</a:t>
+            </a:r>
+          </a:p>
+        </p:txBody>
+      </p:sp>
     </p:spTree>
     <p:extLst>
       <p:ext uri="{BB962C8B-B14F-4D97-AF65-F5344CB8AC3E}">
@@ -9476,6 +9604,690 @@
     </mc:Choice>
     <mc:Fallback xmlns="">
       <p:transition spd="med">
+        <p:fade/>
+      </p:transition>
+    </mc:Fallback>
+  </mc:AlternateContent>
+</p:sld>
+</file>
+
+<file path=ppt/slides/slide11.xml><?xml version="1.0" encoding="utf-8"?>
+<p:sld xmlns:a="http://schemas.openxmlformats.org/drawingml/2006/main" xmlns:r="http://schemas.openxmlformats.org/officeDocument/2006/relationships" xmlns:p="http://schemas.openxmlformats.org/presentationml/2006/main">
+  <p:cSld>
+    <p:spTree>
+      <p:nvGrpSpPr>
+        <p:cNvPr id="1" name=""/>
+        <p:cNvGrpSpPr/>
+        <p:nvPr/>
+      </p:nvGrpSpPr>
+      <p:grpSpPr>
+        <a:xfrm>
+          <a:off x="0" y="0"/>
+          <a:ext cx="0" cy="0"/>
+          <a:chOff x="0" y="0"/>
+          <a:chExt cx="0" cy="0"/>
+        </a:xfrm>
+      </p:grpSpPr>
+      <p:pic>
+        <p:nvPicPr>
+          <p:cNvPr id="9" name="Picture Placeholder 8" descr="A group of fruits and vegetables&#10;&#10;Description automatically generated">
+            <a:extLst>
+              <a:ext uri="{FF2B5EF4-FFF2-40B4-BE49-F238E27FC236}">
+                <a16:creationId xmlns:a16="http://schemas.microsoft.com/office/drawing/2014/main" id="{566F1E99-3F75-AFCF-568C-89EBD77160D5}"/>
+              </a:ext>
+            </a:extLst>
+          </p:cNvPr>
+          <p:cNvPicPr>
+            <a:picLocks noGrp="1" noChangeAspect="1"/>
+          </p:cNvPicPr>
+          <p:nvPr>
+            <p:ph type="pic" sz="quarter" idx="12"/>
+          </p:nvPr>
+        </p:nvPicPr>
+        <p:blipFill>
+          <a:blip r:embed="rId2"/>
+          <a:srcRect t="32" b="32"/>
+          <a:stretch>
+            <a:fillRect/>
+          </a:stretch>
+        </p:blipFill>
+        <p:spPr/>
+      </p:pic>
+      <p:sp>
+        <p:nvSpPr>
+          <p:cNvPr id="45" name="직사각형 44">
+            <a:extLst>
+              <a:ext uri="{FF2B5EF4-FFF2-40B4-BE49-F238E27FC236}">
+                <a16:creationId xmlns:a16="http://schemas.microsoft.com/office/drawing/2014/main" id="{BBF6209E-429C-26A9-0851-E980B7171294}"/>
+              </a:ext>
+            </a:extLst>
+          </p:cNvPr>
+          <p:cNvSpPr/>
+          <p:nvPr/>
+        </p:nvSpPr>
+        <p:spPr>
+          <a:xfrm>
+            <a:off x="0" y="0"/>
+            <a:ext cx="12192000" cy="6858001"/>
+          </a:xfrm>
+          <a:prstGeom prst="rect">
+            <a:avLst/>
+          </a:prstGeom>
+          <a:solidFill>
+            <a:schemeClr val="tx1">
+              <a:alpha val="72138"/>
+            </a:schemeClr>
+          </a:solidFill>
+          <a:ln>
+            <a:noFill/>
+          </a:ln>
+        </p:spPr>
+        <p:style>
+          <a:lnRef idx="2">
+            <a:schemeClr val="accent1">
+              <a:shade val="50000"/>
+            </a:schemeClr>
+          </a:lnRef>
+          <a:fillRef idx="1">
+            <a:schemeClr val="accent1"/>
+          </a:fillRef>
+          <a:effectRef idx="0">
+            <a:schemeClr val="accent1"/>
+          </a:effectRef>
+          <a:fontRef idx="minor">
+            <a:schemeClr val="lt1"/>
+          </a:fontRef>
+        </p:style>
+        <p:txBody>
+          <a:bodyPr rtlCol="0" anchor="ctr"/>
+          <a:lstStyle/>
+          <a:p>
+            <a:pPr algn="ctr"/>
+            <a:endParaRPr kumimoji="1" lang="ko-Kore-KR" altLang="en-US" dirty="0"/>
+          </a:p>
+        </p:txBody>
+      </p:sp>
+      <p:sp>
+        <p:nvSpPr>
+          <p:cNvPr id="4" name="Rectangle 3">
+            <a:extLst>
+              <a:ext uri="{FF2B5EF4-FFF2-40B4-BE49-F238E27FC236}">
+                <a16:creationId xmlns:a16="http://schemas.microsoft.com/office/drawing/2014/main" id="{2D2BB4F1-A44C-7379-CB7C-417E8DAA09B6}"/>
+              </a:ext>
+            </a:extLst>
+          </p:cNvPr>
+          <p:cNvSpPr/>
+          <p:nvPr/>
+        </p:nvSpPr>
+        <p:spPr>
+          <a:xfrm>
+            <a:off x="0" y="3075516"/>
+            <a:ext cx="12192000" cy="706967"/>
+          </a:xfrm>
+          <a:prstGeom prst="rect">
+            <a:avLst/>
+          </a:prstGeom>
+          <a:solidFill>
+            <a:schemeClr val="accent2">
+              <a:lumMod val="75000"/>
+            </a:schemeClr>
+          </a:solidFill>
+          <a:ln>
+            <a:noFill/>
+          </a:ln>
+        </p:spPr>
+        <p:style>
+          <a:lnRef idx="2">
+            <a:schemeClr val="accent1">
+              <a:shade val="15000"/>
+            </a:schemeClr>
+          </a:lnRef>
+          <a:fillRef idx="1">
+            <a:schemeClr val="accent1"/>
+          </a:fillRef>
+          <a:effectRef idx="0">
+            <a:schemeClr val="accent1"/>
+          </a:effectRef>
+          <a:fontRef idx="minor">
+            <a:schemeClr val="lt1"/>
+          </a:fontRef>
+        </p:style>
+        <p:txBody>
+          <a:bodyPr rtlCol="0" anchor="ctr"/>
+          <a:lstStyle/>
+          <a:p>
+            <a:pPr algn="ctr"/>
+            <a:endParaRPr lang="en-IN"/>
+          </a:p>
+        </p:txBody>
+      </p:sp>
+      <p:sp>
+        <p:nvSpPr>
+          <p:cNvPr id="5" name="TextBox 4">
+            <a:extLst>
+              <a:ext uri="{FF2B5EF4-FFF2-40B4-BE49-F238E27FC236}">
+                <a16:creationId xmlns:a16="http://schemas.microsoft.com/office/drawing/2014/main" id="{56B9AA69-E72F-16F9-0D31-83433BC8E146}"/>
+              </a:ext>
+            </a:extLst>
+          </p:cNvPr>
+          <p:cNvSpPr txBox="1"/>
+          <p:nvPr/>
+        </p:nvSpPr>
+        <p:spPr>
+          <a:xfrm>
+            <a:off x="4422912" y="3136611"/>
+            <a:ext cx="3346175" cy="584775"/>
+          </a:xfrm>
+          <a:prstGeom prst="rect">
+            <a:avLst/>
+          </a:prstGeom>
+          <a:noFill/>
+        </p:spPr>
+        <p:txBody>
+          <a:bodyPr wrap="square" rtlCol="0">
+            <a:spAutoFit/>
+          </a:bodyPr>
+          <a:lstStyle/>
+          <a:p>
+            <a:pPr algn="ctr"/>
+            <a:r>
+              <a:rPr lang="en-IN" sz="3200" b="1" dirty="0">
+                <a:solidFill>
+                  <a:schemeClr val="bg1"/>
+                </a:solidFill>
+              </a:rPr>
+              <a:t>Questions?</a:t>
+            </a:r>
+          </a:p>
+        </p:txBody>
+      </p:sp>
+    </p:spTree>
+    <p:extLst>
+      <p:ext uri="{BB962C8B-B14F-4D97-AF65-F5344CB8AC3E}">
+        <p14:creationId xmlns:p14="http://schemas.microsoft.com/office/powerpoint/2010/main" val="2912644122"/>
+      </p:ext>
+    </p:extLst>
+  </p:cSld>
+  <p:clrMapOvr>
+    <a:masterClrMapping/>
+  </p:clrMapOvr>
+  <mc:AlternateContent xmlns:mc="http://schemas.openxmlformats.org/markup-compatibility/2006">
+    <mc:Choice xmlns:p159="http://schemas.microsoft.com/office/powerpoint/2015/09/main" Requires="p159">
+      <p:transition xmlns:p14="http://schemas.microsoft.com/office/powerpoint/2010/main" spd="slow" p14:dur="1500">
+        <p159:morph option="byObject"/>
+      </p:transition>
+    </mc:Choice>
+    <mc:Fallback>
+      <p:transition spd="slow">
+        <p:fade/>
+      </p:transition>
+    </mc:Fallback>
+  </mc:AlternateContent>
+  <p:timing>
+    <p:tnLst>
+      <p:par>
+        <p:cTn id="1" dur="indefinite" restart="never" nodeType="tmRoot">
+          <p:childTnLst>
+            <p:seq concurrent="1" nextAc="seek">
+              <p:cTn id="2" dur="indefinite" nodeType="mainSeq">
+                <p:childTnLst>
+                  <p:par>
+                    <p:cTn id="3" fill="hold">
+                      <p:stCondLst>
+                        <p:cond delay="indefinite"/>
+                      </p:stCondLst>
+                      <p:childTnLst>
+                        <p:par>
+                          <p:cTn id="4" fill="hold">
+                            <p:stCondLst>
+                              <p:cond delay="0"/>
+                            </p:stCondLst>
+                            <p:childTnLst>
+                              <p:par>
+                                <p:cTn id="5" presetID="10" presetClass="entr" presetSubtype="0" fill="hold" grpId="0" nodeType="clickEffect">
+                                  <p:stCondLst>
+                                    <p:cond delay="0"/>
+                                  </p:stCondLst>
+                                  <p:childTnLst>
+                                    <p:set>
+                                      <p:cBhvr>
+                                        <p:cTn id="6" dur="1" fill="hold">
+                                          <p:stCondLst>
+                                            <p:cond delay="0"/>
+                                          </p:stCondLst>
+                                        </p:cTn>
+                                        <p:tgtEl>
+                                          <p:spTgt spid="5"/>
+                                        </p:tgtEl>
+                                        <p:attrNameLst>
+                                          <p:attrName>style.visibility</p:attrName>
+                                        </p:attrNameLst>
+                                      </p:cBhvr>
+                                      <p:to>
+                                        <p:strVal val="visible"/>
+                                      </p:to>
+                                    </p:set>
+                                    <p:animEffect transition="in" filter="fade">
+                                      <p:cBhvr>
+                                        <p:cTn id="7" dur="500"/>
+                                        <p:tgtEl>
+                                          <p:spTgt spid="5"/>
+                                        </p:tgtEl>
+                                      </p:cBhvr>
+                                    </p:animEffect>
+                                  </p:childTnLst>
+                                </p:cTn>
+                              </p:par>
+                            </p:childTnLst>
+                          </p:cTn>
+                        </p:par>
+                      </p:childTnLst>
+                    </p:cTn>
+                  </p:par>
+                </p:childTnLst>
+              </p:cTn>
+              <p:prevCondLst>
+                <p:cond evt="onPrev" delay="0">
+                  <p:tgtEl>
+                    <p:sldTgt/>
+                  </p:tgtEl>
+                </p:cond>
+              </p:prevCondLst>
+              <p:nextCondLst>
+                <p:cond evt="onNext" delay="0">
+                  <p:tgtEl>
+                    <p:sldTgt/>
+                  </p:tgtEl>
+                </p:cond>
+              </p:nextCondLst>
+            </p:seq>
+          </p:childTnLst>
+        </p:cTn>
+      </p:par>
+    </p:tnLst>
+    <p:bldLst>
+      <p:bldP spid="5" grpId="0"/>
+    </p:bldLst>
+  </p:timing>
+</p:sld>
+</file>
+
+<file path=ppt/slides/slide12.xml><?xml version="1.0" encoding="utf-8"?>
+<p:sld xmlns:a="http://schemas.openxmlformats.org/drawingml/2006/main" xmlns:r="http://schemas.openxmlformats.org/officeDocument/2006/relationships" xmlns:p="http://schemas.openxmlformats.org/presentationml/2006/main">
+  <p:cSld>
+    <p:spTree>
+      <p:nvGrpSpPr>
+        <p:cNvPr id="1" name=""/>
+        <p:cNvGrpSpPr/>
+        <p:nvPr/>
+      </p:nvGrpSpPr>
+      <p:grpSpPr>
+        <a:xfrm>
+          <a:off x="0" y="0"/>
+          <a:ext cx="0" cy="0"/>
+          <a:chOff x="0" y="0"/>
+          <a:chExt cx="0" cy="0"/>
+        </a:xfrm>
+      </p:grpSpPr>
+      <p:pic>
+        <p:nvPicPr>
+          <p:cNvPr id="9" name="Picture Placeholder 8" descr="A group of fruits and vegetables&#10;&#10;Description automatically generated">
+            <a:extLst>
+              <a:ext uri="{FF2B5EF4-FFF2-40B4-BE49-F238E27FC236}">
+                <a16:creationId xmlns:a16="http://schemas.microsoft.com/office/drawing/2014/main" id="{566F1E99-3F75-AFCF-568C-89EBD77160D5}"/>
+              </a:ext>
+            </a:extLst>
+          </p:cNvPr>
+          <p:cNvPicPr>
+            <a:picLocks noGrp="1" noChangeAspect="1"/>
+          </p:cNvPicPr>
+          <p:nvPr>
+            <p:ph type="pic" sz="quarter" idx="12"/>
+          </p:nvPr>
+        </p:nvPicPr>
+        <p:blipFill>
+          <a:blip r:embed="rId2"/>
+          <a:srcRect t="32" b="32"/>
+          <a:stretch>
+            <a:fillRect/>
+          </a:stretch>
+        </p:blipFill>
+        <p:spPr/>
+      </p:pic>
+      <p:sp>
+        <p:nvSpPr>
+          <p:cNvPr id="45" name="직사각형 44">
+            <a:extLst>
+              <a:ext uri="{FF2B5EF4-FFF2-40B4-BE49-F238E27FC236}">
+                <a16:creationId xmlns:a16="http://schemas.microsoft.com/office/drawing/2014/main" id="{BBF6209E-429C-26A9-0851-E980B7171294}"/>
+              </a:ext>
+            </a:extLst>
+          </p:cNvPr>
+          <p:cNvSpPr/>
+          <p:nvPr/>
+        </p:nvSpPr>
+        <p:spPr>
+          <a:xfrm>
+            <a:off x="0" y="0"/>
+            <a:ext cx="6847203" cy="6858001"/>
+          </a:xfrm>
+          <a:prstGeom prst="rect">
+            <a:avLst/>
+          </a:prstGeom>
+          <a:solidFill>
+            <a:schemeClr val="tx1">
+              <a:alpha val="72138"/>
+            </a:schemeClr>
+          </a:solidFill>
+          <a:ln>
+            <a:noFill/>
+          </a:ln>
+        </p:spPr>
+        <p:style>
+          <a:lnRef idx="2">
+            <a:schemeClr val="accent1">
+              <a:shade val="50000"/>
+            </a:schemeClr>
+          </a:lnRef>
+          <a:fillRef idx="1">
+            <a:schemeClr val="accent1"/>
+          </a:fillRef>
+          <a:effectRef idx="0">
+            <a:schemeClr val="accent1"/>
+          </a:effectRef>
+          <a:fontRef idx="minor">
+            <a:schemeClr val="lt1"/>
+          </a:fontRef>
+        </p:style>
+        <p:txBody>
+          <a:bodyPr rtlCol="0" anchor="ctr"/>
+          <a:lstStyle/>
+          <a:p>
+            <a:pPr algn="ctr"/>
+            <a:endParaRPr kumimoji="1" lang="ko-Kore-KR" altLang="en-US" dirty="0"/>
+          </a:p>
+        </p:txBody>
+      </p:sp>
+      <p:sp>
+        <p:nvSpPr>
+          <p:cNvPr id="32" name="TextBox 31">
+            <a:extLst>
+              <a:ext uri="{FF2B5EF4-FFF2-40B4-BE49-F238E27FC236}">
+                <a16:creationId xmlns:a16="http://schemas.microsoft.com/office/drawing/2014/main" id="{861E899C-DC15-EF83-9743-91BBB16D90D0}"/>
+              </a:ext>
+            </a:extLst>
+          </p:cNvPr>
+          <p:cNvSpPr txBox="1"/>
+          <p:nvPr/>
+        </p:nvSpPr>
+        <p:spPr>
+          <a:xfrm>
+            <a:off x="719906" y="1885897"/>
+            <a:ext cx="9558091" cy="2800767"/>
+          </a:xfrm>
+          <a:prstGeom prst="rect">
+            <a:avLst/>
+          </a:prstGeom>
+          <a:noFill/>
+        </p:spPr>
+        <p:txBody>
+          <a:bodyPr wrap="square" rtlCol="0">
+            <a:spAutoFit/>
+          </a:bodyPr>
+          <a:lstStyle>
+            <a:defPPr>
+              <a:defRPr lang="ko-KR"/>
+            </a:defPPr>
+            <a:lvl1pPr>
+              <a:defRPr sz="4400" b="0" spc="-150">
+                <a:latin typeface="+mj-lt"/>
+              </a:defRPr>
+            </a:lvl1pPr>
+          </a:lstStyle>
+          <a:p>
+            <a:r>
+              <a:rPr lang="en-US" altLang="ko-KR" sz="8800" b="1" spc="0" dirty="0">
+                <a:solidFill>
+                  <a:schemeClr val="bg1"/>
+                </a:solidFill>
+                <a:effectLst>
+                  <a:outerShdw blurRad="38100" dist="38100" dir="2700000" algn="tl">
+                    <a:srgbClr val="000000">
+                      <a:alpha val="43137"/>
+                    </a:srgbClr>
+                  </a:outerShdw>
+                </a:effectLst>
+                <a:latin typeface="Noto Sans" panose="020B0502040504020204" pitchFamily="34" charset="0"/>
+                <a:ea typeface="Noto Sans" panose="020B0502040504020204" pitchFamily="34" charset="0"/>
+                <a:cs typeface="Noto Sans" panose="020B0502040504020204" pitchFamily="34" charset="0"/>
+              </a:rPr>
+              <a:t>Thank </a:t>
+            </a:r>
+          </a:p>
+          <a:p>
+            <a:r>
+              <a:rPr lang="en-US" altLang="ko-KR" sz="8800" b="1" spc="0" dirty="0">
+                <a:solidFill>
+                  <a:schemeClr val="bg1"/>
+                </a:solidFill>
+                <a:effectLst>
+                  <a:outerShdw blurRad="38100" dist="38100" dir="2700000" algn="tl">
+                    <a:srgbClr val="000000">
+                      <a:alpha val="43137"/>
+                    </a:srgbClr>
+                  </a:outerShdw>
+                </a:effectLst>
+                <a:latin typeface="Noto Sans" panose="020B0502040504020204" pitchFamily="34" charset="0"/>
+                <a:ea typeface="Noto Sans" panose="020B0502040504020204" pitchFamily="34" charset="0"/>
+                <a:cs typeface="Noto Sans" panose="020B0502040504020204" pitchFamily="34" charset="0"/>
+              </a:rPr>
+              <a:t>You</a:t>
+            </a:r>
+            <a:endParaRPr lang="ko-KR" altLang="en-US" sz="4800" spc="0" dirty="0">
+              <a:solidFill>
+                <a:schemeClr val="bg1"/>
+              </a:solidFill>
+              <a:latin typeface="Noto Sans" panose="020B0502040504020204" pitchFamily="34" charset="0"/>
+              <a:cs typeface="Noto Sans" panose="020B0502040504020204" pitchFamily="34" charset="0"/>
+            </a:endParaRPr>
+          </a:p>
+        </p:txBody>
+      </p:sp>
+      <p:sp>
+        <p:nvSpPr>
+          <p:cNvPr id="2" name="TextBox 1">
+            <a:extLst>
+              <a:ext uri="{FF2B5EF4-FFF2-40B4-BE49-F238E27FC236}">
+                <a16:creationId xmlns:a16="http://schemas.microsoft.com/office/drawing/2014/main" id="{8415540C-CAA5-C06A-1537-F8F8443E58A3}"/>
+              </a:ext>
+            </a:extLst>
+          </p:cNvPr>
+          <p:cNvSpPr txBox="1"/>
+          <p:nvPr/>
+        </p:nvSpPr>
+        <p:spPr>
+          <a:xfrm>
+            <a:off x="873839" y="4686664"/>
+            <a:ext cx="4771888" cy="461665"/>
+          </a:xfrm>
+          <a:prstGeom prst="rect">
+            <a:avLst/>
+          </a:prstGeom>
+          <a:noFill/>
+        </p:spPr>
+        <p:txBody>
+          <a:bodyPr wrap="square" rtlCol="0">
+            <a:spAutoFit/>
+          </a:bodyPr>
+          <a:lstStyle>
+            <a:defPPr>
+              <a:defRPr lang="ko-KR"/>
+            </a:defPPr>
+            <a:lvl1pPr>
+              <a:lnSpc>
+                <a:spcPct val="150000"/>
+              </a:lnSpc>
+              <a:defRPr sz="1400">
+                <a:solidFill>
+                  <a:schemeClr val="accent2"/>
+                </a:solidFill>
+              </a:defRPr>
+            </a:lvl1pPr>
+          </a:lstStyle>
+          <a:p>
+            <a:pPr>
+              <a:lnSpc>
+                <a:spcPct val="100000"/>
+              </a:lnSpc>
+            </a:pPr>
+            <a:r>
+              <a:rPr lang="pt-BR" altLang="ko-KR" sz="2400" b="1" spc="300" dirty="0">
+                <a:solidFill>
+                  <a:schemeClr val="bg1"/>
+                </a:solidFill>
+              </a:rPr>
+              <a:t>See You Soon</a:t>
+            </a:r>
+          </a:p>
+        </p:txBody>
+      </p:sp>
+    </p:spTree>
+    <p:extLst>
+      <p:ext uri="{BB962C8B-B14F-4D97-AF65-F5344CB8AC3E}">
+        <p14:creationId xmlns:p14="http://schemas.microsoft.com/office/powerpoint/2010/main" val="130725385"/>
+      </p:ext>
+    </p:extLst>
+  </p:cSld>
+  <p:clrMapOvr>
+    <a:masterClrMapping/>
+  </p:clrMapOvr>
+  <mc:AlternateContent xmlns:mc="http://schemas.openxmlformats.org/markup-compatibility/2006">
+    <mc:Choice xmlns:p159="http://schemas.microsoft.com/office/powerpoint/2015/09/main" Requires="p159">
+      <p:transition xmlns:p14="http://schemas.microsoft.com/office/powerpoint/2010/main" spd="slow" p14:dur="2000">
+        <p159:morph option="byObject"/>
+      </p:transition>
+    </mc:Choice>
+    <mc:Fallback>
+      <p:transition spd="slow">
+        <p:fade/>
+      </p:transition>
+    </mc:Fallback>
+  </mc:AlternateContent>
+</p:sld>
+</file>
+
+<file path=ppt/slides/slide13.xml><?xml version="1.0" encoding="utf-8"?>
+<p:sld xmlns:a="http://schemas.openxmlformats.org/drawingml/2006/main" xmlns:r="http://schemas.openxmlformats.org/officeDocument/2006/relationships" xmlns:p="http://schemas.openxmlformats.org/presentationml/2006/main">
+  <p:cSld>
+    <p:spTree>
+      <p:nvGrpSpPr>
+        <p:cNvPr id="1" name=""/>
+        <p:cNvGrpSpPr/>
+        <p:nvPr/>
+      </p:nvGrpSpPr>
+      <p:grpSpPr>
+        <a:xfrm>
+          <a:off x="0" y="0"/>
+          <a:ext cx="0" cy="0"/>
+          <a:chOff x="0" y="0"/>
+          <a:chExt cx="0" cy="0"/>
+        </a:xfrm>
+      </p:grpSpPr>
+      <p:pic>
+        <p:nvPicPr>
+          <p:cNvPr id="9" name="Picture Placeholder 8" descr="A group of fruits and vegetables&#10;&#10;Description automatically generated">
+            <a:extLst>
+              <a:ext uri="{FF2B5EF4-FFF2-40B4-BE49-F238E27FC236}">
+                <a16:creationId xmlns:a16="http://schemas.microsoft.com/office/drawing/2014/main" id="{566F1E99-3F75-AFCF-568C-89EBD77160D5}"/>
+              </a:ext>
+            </a:extLst>
+          </p:cNvPr>
+          <p:cNvPicPr>
+            <a:picLocks noGrp="1" noChangeAspect="1"/>
+          </p:cNvPicPr>
+          <p:nvPr>
+            <p:ph type="pic" sz="quarter" idx="12"/>
+          </p:nvPr>
+        </p:nvPicPr>
+        <p:blipFill>
+          <a:blip r:embed="rId2"/>
+          <a:srcRect t="32" b="32"/>
+          <a:stretch>
+            <a:fillRect/>
+          </a:stretch>
+        </p:blipFill>
+        <p:spPr/>
+      </p:pic>
+      <p:sp>
+        <p:nvSpPr>
+          <p:cNvPr id="45" name="직사각형 44">
+            <a:extLst>
+              <a:ext uri="{FF2B5EF4-FFF2-40B4-BE49-F238E27FC236}">
+                <a16:creationId xmlns:a16="http://schemas.microsoft.com/office/drawing/2014/main" id="{BBF6209E-429C-26A9-0851-E980B7171294}"/>
+              </a:ext>
+            </a:extLst>
+          </p:cNvPr>
+          <p:cNvSpPr/>
+          <p:nvPr/>
+        </p:nvSpPr>
+        <p:spPr>
+          <a:xfrm>
+            <a:off x="0" y="0"/>
+            <a:ext cx="12192000" cy="6858001"/>
+          </a:xfrm>
+          <a:prstGeom prst="rect">
+            <a:avLst/>
+          </a:prstGeom>
+          <a:solidFill>
+            <a:schemeClr val="tx1"/>
+          </a:solidFill>
+          <a:ln>
+            <a:noFill/>
+          </a:ln>
+        </p:spPr>
+        <p:style>
+          <a:lnRef idx="2">
+            <a:schemeClr val="accent1">
+              <a:shade val="50000"/>
+            </a:schemeClr>
+          </a:lnRef>
+          <a:fillRef idx="1">
+            <a:schemeClr val="accent1"/>
+          </a:fillRef>
+          <a:effectRef idx="0">
+            <a:schemeClr val="accent1"/>
+          </a:effectRef>
+          <a:fontRef idx="minor">
+            <a:schemeClr val="lt1"/>
+          </a:fontRef>
+        </p:style>
+        <p:txBody>
+          <a:bodyPr rtlCol="0" anchor="ctr"/>
+          <a:lstStyle/>
+          <a:p>
+            <a:pPr algn="ctr"/>
+            <a:endParaRPr kumimoji="1" lang="ko-Kore-KR" altLang="en-US" dirty="0"/>
+          </a:p>
+        </p:txBody>
+      </p:sp>
+    </p:spTree>
+    <p:extLst>
+      <p:ext uri="{BB962C8B-B14F-4D97-AF65-F5344CB8AC3E}">
+        <p14:creationId xmlns:p14="http://schemas.microsoft.com/office/powerpoint/2010/main" val="2986285981"/>
+      </p:ext>
+    </p:extLst>
+  </p:cSld>
+  <p:clrMapOvr>
+    <a:masterClrMapping/>
+  </p:clrMapOvr>
+  <mc:AlternateContent xmlns:mc="http://schemas.openxmlformats.org/markup-compatibility/2006">
+    <mc:Choice xmlns:p159="http://schemas.microsoft.com/office/powerpoint/2015/09/main" Requires="p159">
+      <p:transition xmlns:p14="http://schemas.microsoft.com/office/powerpoint/2010/main" spd="slow" p14:dur="1500">
+        <p159:morph option="byObject"/>
+      </p:transition>
+    </mc:Choice>
+    <mc:Fallback>
+      <p:transition spd="slow">
         <p:fade/>
       </p:transition>
     </mc:Fallback>
